--- a/SWES_MachineLearning.pptx
+++ b/SWES_MachineLearning.pptx
@@ -5,10 +5,20 @@
     <p:sldMasterId id="2147483648" r:id="rId1"/>
   </p:sldMasterIdLst>
   <p:notesMasterIdLst>
-    <p:notesMasterId r:id="rId3"/>
+    <p:notesMasterId r:id="rId13"/>
   </p:notesMasterIdLst>
   <p:sldIdLst>
     <p:sldId id="256" r:id="rId2"/>
+    <p:sldId id="260" r:id="rId3"/>
+    <p:sldId id="257" r:id="rId4"/>
+    <p:sldId id="261" r:id="rId5"/>
+    <p:sldId id="262" r:id="rId6"/>
+    <p:sldId id="263" r:id="rId7"/>
+    <p:sldId id="264" r:id="rId8"/>
+    <p:sldId id="265" r:id="rId9"/>
+    <p:sldId id="266" r:id="rId10"/>
+    <p:sldId id="267" r:id="rId11"/>
+    <p:sldId id="258" r:id="rId12"/>
   </p:sldIdLst>
   <p:sldSz cx="12192000" cy="6858000"/>
   <p:notesSz cx="6858000" cy="9144000"/>
@@ -113,6 +123,16 @@
         <p14:section name="Default Section" id="{EE2E151C-9FED-DB48-AF72-C358092C8EC5}">
           <p14:sldIdLst>
             <p14:sldId id="256"/>
+            <p14:sldId id="260"/>
+            <p14:sldId id="257"/>
+            <p14:sldId id="261"/>
+            <p14:sldId id="262"/>
+            <p14:sldId id="263"/>
+            <p14:sldId id="264"/>
+            <p14:sldId id="265"/>
+            <p14:sldId id="266"/>
+            <p14:sldId id="267"/>
+            <p14:sldId id="258"/>
           </p14:sldIdLst>
         </p14:section>
       </p14:sectionLst>
@@ -206,7 +226,7 @@
           <a:p>
             <a:fld id="{0D007305-87E9-A64C-B2BE-A58D78C9716E}" type="datetimeFigureOut">
               <a:rPr lang="en-US" smtClean="0"/>
-              <a:t>11/17/23</a:t>
+              <a:t>11/20/23</a:t>
             </a:fld>
             <a:endParaRPr lang="en-US"/>
           </a:p>
@@ -560,6 +580,287 @@
 </p:notes>
 </file>
 
+<file path=ppt/notesSlides/notesSlide2.xml><?xml version="1.0" encoding="utf-8"?>
+<p:notes xmlns:a="http://schemas.openxmlformats.org/drawingml/2006/main" xmlns:r="http://schemas.openxmlformats.org/officeDocument/2006/relationships" xmlns:p="http://schemas.openxmlformats.org/presentationml/2006/main">
+  <p:cSld>
+    <p:spTree>
+      <p:nvGrpSpPr>
+        <p:cNvPr id="1" name=""/>
+        <p:cNvGrpSpPr/>
+        <p:nvPr/>
+      </p:nvGrpSpPr>
+      <p:grpSpPr>
+        <a:xfrm>
+          <a:off x="0" y="0"/>
+          <a:ext cx="0" cy="0"/>
+          <a:chOff x="0" y="0"/>
+          <a:chExt cx="0" cy="0"/>
+        </a:xfrm>
+      </p:grpSpPr>
+      <p:sp>
+        <p:nvSpPr>
+          <p:cNvPr id="2" name="Slide Image Placeholder 1"/>
+          <p:cNvSpPr>
+            <a:spLocks noGrp="1" noRot="1" noChangeAspect="1"/>
+          </p:cNvSpPr>
+          <p:nvPr>
+            <p:ph type="sldImg"/>
+          </p:nvPr>
+        </p:nvSpPr>
+        <p:spPr/>
+      </p:sp>
+      <p:sp>
+        <p:nvSpPr>
+          <p:cNvPr id="3" name="Notes Placeholder 2"/>
+          <p:cNvSpPr>
+            <a:spLocks noGrp="1"/>
+          </p:cNvSpPr>
+          <p:nvPr>
+            <p:ph type="body" idx="1"/>
+          </p:nvPr>
+        </p:nvSpPr>
+        <p:spPr/>
+        <p:txBody>
+          <a:bodyPr/>
+          <a:lstStyle/>
+          <a:p>
+            <a:r>
+              <a:rPr lang="en-US" dirty="0"/>
+              <a:t>You can do time series to explain behavior over time</a:t>
+            </a:r>
+          </a:p>
+        </p:txBody>
+      </p:sp>
+      <p:sp>
+        <p:nvSpPr>
+          <p:cNvPr id="4" name="Slide Number Placeholder 3"/>
+          <p:cNvSpPr>
+            <a:spLocks noGrp="1"/>
+          </p:cNvSpPr>
+          <p:nvPr>
+            <p:ph type="sldNum" sz="quarter" idx="5"/>
+          </p:nvPr>
+        </p:nvSpPr>
+        <p:spPr/>
+        <p:txBody>
+          <a:bodyPr/>
+          <a:lstStyle/>
+          <a:p>
+            <a:fld id="{AEBE5CE0-1C9A-164D-8282-85E756D9A591}" type="slidenum">
+              <a:rPr lang="en-US" smtClean="0"/>
+              <a:t>4</a:t>
+            </a:fld>
+            <a:endParaRPr lang="en-US"/>
+          </a:p>
+        </p:txBody>
+      </p:sp>
+    </p:spTree>
+    <p:extLst>
+      <p:ext uri="{BB962C8B-B14F-4D97-AF65-F5344CB8AC3E}">
+        <p14:creationId xmlns:p14="http://schemas.microsoft.com/office/powerpoint/2010/main" val="2839102399"/>
+      </p:ext>
+    </p:extLst>
+  </p:cSld>
+  <p:clrMapOvr>
+    <a:masterClrMapping/>
+  </p:clrMapOvr>
+</p:notes>
+</file>
+
+<file path=ppt/notesSlides/notesSlide3.xml><?xml version="1.0" encoding="utf-8"?>
+<p:notes xmlns:a="http://schemas.openxmlformats.org/drawingml/2006/main" xmlns:r="http://schemas.openxmlformats.org/officeDocument/2006/relationships" xmlns:p="http://schemas.openxmlformats.org/presentationml/2006/main">
+  <p:cSld>
+    <p:spTree>
+      <p:nvGrpSpPr>
+        <p:cNvPr id="1" name=""/>
+        <p:cNvGrpSpPr/>
+        <p:nvPr/>
+      </p:nvGrpSpPr>
+      <p:grpSpPr>
+        <a:xfrm>
+          <a:off x="0" y="0"/>
+          <a:ext cx="0" cy="0"/>
+          <a:chOff x="0" y="0"/>
+          <a:chExt cx="0" cy="0"/>
+        </a:xfrm>
+      </p:grpSpPr>
+      <p:sp>
+        <p:nvSpPr>
+          <p:cNvPr id="2" name="Slide Image Placeholder 1"/>
+          <p:cNvSpPr>
+            <a:spLocks noGrp="1" noRot="1" noChangeAspect="1"/>
+          </p:cNvSpPr>
+          <p:nvPr>
+            <p:ph type="sldImg"/>
+          </p:nvPr>
+        </p:nvSpPr>
+        <p:spPr/>
+      </p:sp>
+      <p:sp>
+        <p:nvSpPr>
+          <p:cNvPr id="3" name="Notes Placeholder 2"/>
+          <p:cNvSpPr>
+            <a:spLocks noGrp="1"/>
+          </p:cNvSpPr>
+          <p:nvPr>
+            <p:ph type="body" idx="1"/>
+          </p:nvPr>
+        </p:nvSpPr>
+        <p:spPr/>
+        <p:txBody>
+          <a:bodyPr/>
+          <a:lstStyle/>
+          <a:p>
+            <a:r>
+              <a:rPr lang="en-US" dirty="0"/>
+              <a:t>Reduce complexity – formulas start simple</a:t>
+            </a:r>
+          </a:p>
+        </p:txBody>
+      </p:sp>
+      <p:sp>
+        <p:nvSpPr>
+          <p:cNvPr id="4" name="Slide Number Placeholder 3"/>
+          <p:cNvSpPr>
+            <a:spLocks noGrp="1"/>
+          </p:cNvSpPr>
+          <p:nvPr>
+            <p:ph type="sldNum" sz="quarter" idx="5"/>
+          </p:nvPr>
+        </p:nvSpPr>
+        <p:spPr/>
+        <p:txBody>
+          <a:bodyPr/>
+          <a:lstStyle/>
+          <a:p>
+            <a:fld id="{AEBE5CE0-1C9A-164D-8282-85E756D9A591}" type="slidenum">
+              <a:rPr lang="en-US" smtClean="0"/>
+              <a:t>5</a:t>
+            </a:fld>
+            <a:endParaRPr lang="en-US"/>
+          </a:p>
+        </p:txBody>
+      </p:sp>
+    </p:spTree>
+    <p:extLst>
+      <p:ext uri="{BB962C8B-B14F-4D97-AF65-F5344CB8AC3E}">
+        <p14:creationId xmlns:p14="http://schemas.microsoft.com/office/powerpoint/2010/main" val="1993382717"/>
+      </p:ext>
+    </p:extLst>
+  </p:cSld>
+  <p:clrMapOvr>
+    <a:masterClrMapping/>
+  </p:clrMapOvr>
+</p:notes>
+</file>
+
+<file path=ppt/notesSlides/notesSlide4.xml><?xml version="1.0" encoding="utf-8"?>
+<p:notes xmlns:a="http://schemas.openxmlformats.org/drawingml/2006/main" xmlns:r="http://schemas.openxmlformats.org/officeDocument/2006/relationships" xmlns:p="http://schemas.openxmlformats.org/presentationml/2006/main">
+  <p:cSld>
+    <p:spTree>
+      <p:nvGrpSpPr>
+        <p:cNvPr id="1" name=""/>
+        <p:cNvGrpSpPr/>
+        <p:nvPr/>
+      </p:nvGrpSpPr>
+      <p:grpSpPr>
+        <a:xfrm>
+          <a:off x="0" y="0"/>
+          <a:ext cx="0" cy="0"/>
+          <a:chOff x="0" y="0"/>
+          <a:chExt cx="0" cy="0"/>
+        </a:xfrm>
+      </p:grpSpPr>
+      <p:sp>
+        <p:nvSpPr>
+          <p:cNvPr id="2" name="Slide Image Placeholder 1"/>
+          <p:cNvSpPr>
+            <a:spLocks noGrp="1" noRot="1" noChangeAspect="1"/>
+          </p:cNvSpPr>
+          <p:nvPr>
+            <p:ph type="sldImg"/>
+          </p:nvPr>
+        </p:nvSpPr>
+        <p:spPr/>
+      </p:sp>
+      <p:sp>
+        <p:nvSpPr>
+          <p:cNvPr id="3" name="Notes Placeholder 2"/>
+          <p:cNvSpPr>
+            <a:spLocks noGrp="1"/>
+          </p:cNvSpPr>
+          <p:nvPr>
+            <p:ph type="body" idx="1"/>
+          </p:nvPr>
+        </p:nvSpPr>
+        <p:spPr/>
+        <p:txBody>
+          <a:bodyPr/>
+          <a:lstStyle/>
+          <a:p>
+            <a:pPr marL="0" marR="0" lvl="0" indent="0" algn="l" defTabSz="914400" rtl="0" eaLnBrk="1" fontAlgn="auto" latinLnBrk="0" hangingPunct="1">
+              <a:lnSpc>
+                <a:spcPct val="100000"/>
+              </a:lnSpc>
+              <a:spcBef>
+                <a:spcPts val="0"/>
+              </a:spcBef>
+              <a:spcAft>
+                <a:spcPts val="0"/>
+              </a:spcAft>
+              <a:buClrTx/>
+              <a:buSzTx/>
+              <a:buFontTx/>
+              <a:buNone/>
+              <a:tabLst/>
+              <a:defRPr/>
+            </a:pPr>
+            <a:r>
+              <a:rPr lang="en-US" dirty="0"/>
+              <a:t>Is It Better To be Right?  Or be Useful?</a:t>
+            </a:r>
+          </a:p>
+          <a:p>
+            <a:endParaRPr lang="en-US" dirty="0"/>
+          </a:p>
+        </p:txBody>
+      </p:sp>
+      <p:sp>
+        <p:nvSpPr>
+          <p:cNvPr id="4" name="Slide Number Placeholder 3"/>
+          <p:cNvSpPr>
+            <a:spLocks noGrp="1"/>
+          </p:cNvSpPr>
+          <p:nvPr>
+            <p:ph type="sldNum" sz="quarter" idx="5"/>
+          </p:nvPr>
+        </p:nvSpPr>
+        <p:spPr/>
+        <p:txBody>
+          <a:bodyPr/>
+          <a:lstStyle/>
+          <a:p>
+            <a:fld id="{AEBE5CE0-1C9A-164D-8282-85E756D9A591}" type="slidenum">
+              <a:rPr lang="en-US" smtClean="0"/>
+              <a:t>10</a:t>
+            </a:fld>
+            <a:endParaRPr lang="en-US"/>
+          </a:p>
+        </p:txBody>
+      </p:sp>
+    </p:spTree>
+    <p:extLst>
+      <p:ext uri="{BB962C8B-B14F-4D97-AF65-F5344CB8AC3E}">
+        <p14:creationId xmlns:p14="http://schemas.microsoft.com/office/powerpoint/2010/main" val="3381889573"/>
+      </p:ext>
+    </p:extLst>
+  </p:cSld>
+  <p:clrMapOvr>
+    <a:masterClrMapping/>
+  </p:clrMapOvr>
+</p:notes>
+</file>
+
 <file path=ppt/slideLayouts/slideLayout1.xml><?xml version="1.0" encoding="utf-8"?>
 <p:sldLayout xmlns:a="http://schemas.openxmlformats.org/drawingml/2006/main" xmlns:r="http://schemas.openxmlformats.org/officeDocument/2006/relationships" xmlns:p="http://schemas.openxmlformats.org/presentationml/2006/main" type="title" preserve="1">
   <p:cSld name="Title Slide">
@@ -707,7 +1008,7 @@
           <a:p>
             <a:fld id="{3E6DC916-7C1B-2249-ABC7-C3F966B61A30}" type="datetimeFigureOut">
               <a:rPr lang="en-US" smtClean="0"/>
-              <a:t>11/17/23</a:t>
+              <a:t>11/20/23</a:t>
             </a:fld>
             <a:endParaRPr lang="en-US"/>
           </a:p>
@@ -905,7 +1206,7 @@
           <a:p>
             <a:fld id="{3E6DC916-7C1B-2249-ABC7-C3F966B61A30}" type="datetimeFigureOut">
               <a:rPr lang="en-US" smtClean="0"/>
-              <a:t>11/17/23</a:t>
+              <a:t>11/20/23</a:t>
             </a:fld>
             <a:endParaRPr lang="en-US"/>
           </a:p>
@@ -1113,7 +1414,7 @@
           <a:p>
             <a:fld id="{3E6DC916-7C1B-2249-ABC7-C3F966B61A30}" type="datetimeFigureOut">
               <a:rPr lang="en-US" smtClean="0"/>
-              <a:t>11/17/23</a:t>
+              <a:t>11/20/23</a:t>
             </a:fld>
             <a:endParaRPr lang="en-US"/>
           </a:p>
@@ -1311,7 +1612,7 @@
           <a:p>
             <a:fld id="{3E6DC916-7C1B-2249-ABC7-C3F966B61A30}" type="datetimeFigureOut">
               <a:rPr lang="en-US" smtClean="0"/>
-              <a:t>11/17/23</a:t>
+              <a:t>11/20/23</a:t>
             </a:fld>
             <a:endParaRPr lang="en-US"/>
           </a:p>
@@ -1586,7 +1887,7 @@
           <a:p>
             <a:fld id="{3E6DC916-7C1B-2249-ABC7-C3F966B61A30}" type="datetimeFigureOut">
               <a:rPr lang="en-US" smtClean="0"/>
-              <a:t>11/17/23</a:t>
+              <a:t>11/20/23</a:t>
             </a:fld>
             <a:endParaRPr lang="en-US"/>
           </a:p>
@@ -1851,7 +2152,7 @@
           <a:p>
             <a:fld id="{3E6DC916-7C1B-2249-ABC7-C3F966B61A30}" type="datetimeFigureOut">
               <a:rPr lang="en-US" smtClean="0"/>
-              <a:t>11/17/23</a:t>
+              <a:t>11/20/23</a:t>
             </a:fld>
             <a:endParaRPr lang="en-US"/>
           </a:p>
@@ -2263,7 +2564,7 @@
           <a:p>
             <a:fld id="{3E6DC916-7C1B-2249-ABC7-C3F966B61A30}" type="datetimeFigureOut">
               <a:rPr lang="en-US" smtClean="0"/>
-              <a:t>11/17/23</a:t>
+              <a:t>11/20/23</a:t>
             </a:fld>
             <a:endParaRPr lang="en-US"/>
           </a:p>
@@ -2404,7 +2705,7 @@
           <a:p>
             <a:fld id="{3E6DC916-7C1B-2249-ABC7-C3F966B61A30}" type="datetimeFigureOut">
               <a:rPr lang="en-US" smtClean="0"/>
-              <a:t>11/17/23</a:t>
+              <a:t>11/20/23</a:t>
             </a:fld>
             <a:endParaRPr lang="en-US"/>
           </a:p>
@@ -2517,7 +2818,7 @@
           <a:p>
             <a:fld id="{3E6DC916-7C1B-2249-ABC7-C3F966B61A30}" type="datetimeFigureOut">
               <a:rPr lang="en-US" smtClean="0"/>
-              <a:t>11/17/23</a:t>
+              <a:t>11/20/23</a:t>
             </a:fld>
             <a:endParaRPr lang="en-US"/>
           </a:p>
@@ -2828,7 +3129,7 @@
           <a:p>
             <a:fld id="{3E6DC916-7C1B-2249-ABC7-C3F966B61A30}" type="datetimeFigureOut">
               <a:rPr lang="en-US" smtClean="0"/>
-              <a:t>11/17/23</a:t>
+              <a:t>11/20/23</a:t>
             </a:fld>
             <a:endParaRPr lang="en-US"/>
           </a:p>
@@ -3116,7 +3417,7 @@
           <a:p>
             <a:fld id="{3E6DC916-7C1B-2249-ABC7-C3F966B61A30}" type="datetimeFigureOut">
               <a:rPr lang="en-US" smtClean="0"/>
-              <a:t>11/17/23</a:t>
+              <a:t>11/20/23</a:t>
             </a:fld>
             <a:endParaRPr lang="en-US"/>
           </a:p>
@@ -3357,7 +3658,7 @@
           <a:p>
             <a:fld id="{3E6DC916-7C1B-2249-ABC7-C3F966B61A30}" type="datetimeFigureOut">
               <a:rPr lang="en-US" smtClean="0"/>
-              <a:t>11/17/23</a:t>
+              <a:t>11/20/23</a:t>
             </a:fld>
             <a:endParaRPr lang="en-US"/>
           </a:p>
@@ -3845,6 +4146,1601 @@
     <p:extLst>
       <p:ext uri="{BB962C8B-B14F-4D97-AF65-F5344CB8AC3E}">
         <p14:creationId xmlns:p14="http://schemas.microsoft.com/office/powerpoint/2010/main" val="3449391332"/>
+      </p:ext>
+    </p:extLst>
+  </p:cSld>
+  <p:clrMapOvr>
+    <a:masterClrMapping/>
+  </p:clrMapOvr>
+</p:sld>
+</file>
+
+<file path=ppt/slides/slide10.xml><?xml version="1.0" encoding="utf-8"?>
+<p:sld xmlns:a="http://schemas.openxmlformats.org/drawingml/2006/main" xmlns:r="http://schemas.openxmlformats.org/officeDocument/2006/relationships" xmlns:p="http://schemas.openxmlformats.org/presentationml/2006/main">
+  <p:cSld>
+    <p:spTree>
+      <p:nvGrpSpPr>
+        <p:cNvPr id="1" name=""/>
+        <p:cNvGrpSpPr/>
+        <p:nvPr/>
+      </p:nvGrpSpPr>
+      <p:grpSpPr>
+        <a:xfrm>
+          <a:off x="0" y="0"/>
+          <a:ext cx="0" cy="0"/>
+          <a:chOff x="0" y="0"/>
+          <a:chExt cx="0" cy="0"/>
+        </a:xfrm>
+      </p:grpSpPr>
+      <p:sp>
+        <p:nvSpPr>
+          <p:cNvPr id="3" name="Content Placeholder 2">
+            <a:extLst>
+              <a:ext uri="{FF2B5EF4-FFF2-40B4-BE49-F238E27FC236}">
+                <a16:creationId xmlns:a16="http://schemas.microsoft.com/office/drawing/2014/main" id="{7C2F0427-A106-224D-BC48-682CC45687CE}"/>
+              </a:ext>
+            </a:extLst>
+          </p:cNvPr>
+          <p:cNvSpPr>
+            <a:spLocks noGrp="1"/>
+          </p:cNvSpPr>
+          <p:nvPr>
+            <p:ph idx="1"/>
+          </p:nvPr>
+        </p:nvSpPr>
+        <p:spPr>
+          <a:xfrm>
+            <a:off x="838200" y="1507260"/>
+            <a:ext cx="10515600" cy="1229302"/>
+          </a:xfrm>
+        </p:spPr>
+        <p:txBody>
+          <a:bodyPr>
+            <a:normAutofit lnSpcReduction="10000"/>
+          </a:bodyPr>
+          <a:lstStyle/>
+          <a:p>
+            <a:pPr marL="0" indent="0">
+              <a:buNone/>
+            </a:pPr>
+            <a:r>
+              <a:rPr lang="en-US" sz="4000" dirty="0"/>
+              <a:t>All Models Are Wrong.  Some Are Useful. </a:t>
+            </a:r>
+          </a:p>
+          <a:p>
+            <a:pPr marL="0" indent="0">
+              <a:buNone/>
+            </a:pPr>
+            <a:r>
+              <a:rPr lang="en-US" sz="4000" dirty="0"/>
+              <a:t>– George Box</a:t>
+            </a:r>
+          </a:p>
+        </p:txBody>
+      </p:sp>
+      <p:sp>
+        <p:nvSpPr>
+          <p:cNvPr id="4" name="Content Placeholder 2">
+            <a:extLst>
+              <a:ext uri="{FF2B5EF4-FFF2-40B4-BE49-F238E27FC236}">
+                <a16:creationId xmlns:a16="http://schemas.microsoft.com/office/drawing/2014/main" id="{DCE6C5CF-C395-504A-BA03-6E33FCFB4C3D}"/>
+              </a:ext>
+            </a:extLst>
+          </p:cNvPr>
+          <p:cNvSpPr txBox="1">
+            <a:spLocks/>
+          </p:cNvSpPr>
+          <p:nvPr/>
+        </p:nvSpPr>
+        <p:spPr>
+          <a:xfrm>
+            <a:off x="838200" y="3599007"/>
+            <a:ext cx="10515600" cy="574675"/>
+          </a:xfrm>
+          <a:prstGeom prst="rect">
+            <a:avLst/>
+          </a:prstGeom>
+        </p:spPr>
+        <p:txBody>
+          <a:bodyPr vert="horz" lIns="91440" tIns="45720" rIns="91440" bIns="45720" rtlCol="0">
+            <a:normAutofit/>
+          </a:bodyPr>
+          <a:lstStyle>
+            <a:lvl1pPr marL="228600" indent="-228600" algn="l" defTabSz="914400" rtl="0" eaLnBrk="1" latinLnBrk="0" hangingPunct="1">
+              <a:lnSpc>
+                <a:spcPct val="90000"/>
+              </a:lnSpc>
+              <a:spcBef>
+                <a:spcPts val="1000"/>
+              </a:spcBef>
+              <a:buFont typeface="Arial" panose="020B0604020202020204" pitchFamily="34" charset="0"/>
+              <a:buChar char="•"/>
+              <a:defRPr sz="2800" kern="1200">
+                <a:solidFill>
+                  <a:schemeClr val="tx1"/>
+                </a:solidFill>
+                <a:latin typeface="+mn-lt"/>
+                <a:ea typeface="+mn-ea"/>
+                <a:cs typeface="+mn-cs"/>
+              </a:defRPr>
+            </a:lvl1pPr>
+            <a:lvl2pPr marL="685800" indent="-228600" algn="l" defTabSz="914400" rtl="0" eaLnBrk="1" latinLnBrk="0" hangingPunct="1">
+              <a:lnSpc>
+                <a:spcPct val="90000"/>
+              </a:lnSpc>
+              <a:spcBef>
+                <a:spcPts val="500"/>
+              </a:spcBef>
+              <a:buFont typeface="Arial" panose="020B0604020202020204" pitchFamily="34" charset="0"/>
+              <a:buChar char="•"/>
+              <a:defRPr sz="2400" kern="1200">
+                <a:solidFill>
+                  <a:schemeClr val="tx1"/>
+                </a:solidFill>
+                <a:latin typeface="+mn-lt"/>
+                <a:ea typeface="+mn-ea"/>
+                <a:cs typeface="+mn-cs"/>
+              </a:defRPr>
+            </a:lvl2pPr>
+            <a:lvl3pPr marL="1143000" indent="-228600" algn="l" defTabSz="914400" rtl="0" eaLnBrk="1" latinLnBrk="0" hangingPunct="1">
+              <a:lnSpc>
+                <a:spcPct val="90000"/>
+              </a:lnSpc>
+              <a:spcBef>
+                <a:spcPts val="500"/>
+              </a:spcBef>
+              <a:buFont typeface="Arial" panose="020B0604020202020204" pitchFamily="34" charset="0"/>
+              <a:buChar char="•"/>
+              <a:defRPr sz="2000" kern="1200">
+                <a:solidFill>
+                  <a:schemeClr val="tx1"/>
+                </a:solidFill>
+                <a:latin typeface="+mn-lt"/>
+                <a:ea typeface="+mn-ea"/>
+                <a:cs typeface="+mn-cs"/>
+              </a:defRPr>
+            </a:lvl3pPr>
+            <a:lvl4pPr marL="1600200" indent="-228600" algn="l" defTabSz="914400" rtl="0" eaLnBrk="1" latinLnBrk="0" hangingPunct="1">
+              <a:lnSpc>
+                <a:spcPct val="90000"/>
+              </a:lnSpc>
+              <a:spcBef>
+                <a:spcPts val="500"/>
+              </a:spcBef>
+              <a:buFont typeface="Arial" panose="020B0604020202020204" pitchFamily="34" charset="0"/>
+              <a:buChar char="•"/>
+              <a:defRPr sz="1800" kern="1200">
+                <a:solidFill>
+                  <a:schemeClr val="tx1"/>
+                </a:solidFill>
+                <a:latin typeface="+mn-lt"/>
+                <a:ea typeface="+mn-ea"/>
+                <a:cs typeface="+mn-cs"/>
+              </a:defRPr>
+            </a:lvl4pPr>
+            <a:lvl5pPr marL="2057400" indent="-228600" algn="l" defTabSz="914400" rtl="0" eaLnBrk="1" latinLnBrk="0" hangingPunct="1">
+              <a:lnSpc>
+                <a:spcPct val="90000"/>
+              </a:lnSpc>
+              <a:spcBef>
+                <a:spcPts val="500"/>
+              </a:spcBef>
+              <a:buFont typeface="Arial" panose="020B0604020202020204" pitchFamily="34" charset="0"/>
+              <a:buChar char="•"/>
+              <a:defRPr sz="1800" kern="1200">
+                <a:solidFill>
+                  <a:schemeClr val="tx1"/>
+                </a:solidFill>
+                <a:latin typeface="+mn-lt"/>
+                <a:ea typeface="+mn-ea"/>
+                <a:cs typeface="+mn-cs"/>
+              </a:defRPr>
+            </a:lvl5pPr>
+            <a:lvl6pPr marL="2514600" indent="-228600" algn="l" defTabSz="914400" rtl="0" eaLnBrk="1" latinLnBrk="0" hangingPunct="1">
+              <a:lnSpc>
+                <a:spcPct val="90000"/>
+              </a:lnSpc>
+              <a:spcBef>
+                <a:spcPts val="500"/>
+              </a:spcBef>
+              <a:buFont typeface="Arial" panose="020B0604020202020204" pitchFamily="34" charset="0"/>
+              <a:buChar char="•"/>
+              <a:defRPr sz="1800" kern="1200">
+                <a:solidFill>
+                  <a:schemeClr val="tx1"/>
+                </a:solidFill>
+                <a:latin typeface="+mn-lt"/>
+                <a:ea typeface="+mn-ea"/>
+                <a:cs typeface="+mn-cs"/>
+              </a:defRPr>
+            </a:lvl6pPr>
+            <a:lvl7pPr marL="2971800" indent="-228600" algn="l" defTabSz="914400" rtl="0" eaLnBrk="1" latinLnBrk="0" hangingPunct="1">
+              <a:lnSpc>
+                <a:spcPct val="90000"/>
+              </a:lnSpc>
+              <a:spcBef>
+                <a:spcPts val="500"/>
+              </a:spcBef>
+              <a:buFont typeface="Arial" panose="020B0604020202020204" pitchFamily="34" charset="0"/>
+              <a:buChar char="•"/>
+              <a:defRPr sz="1800" kern="1200">
+                <a:solidFill>
+                  <a:schemeClr val="tx1"/>
+                </a:solidFill>
+                <a:latin typeface="+mn-lt"/>
+                <a:ea typeface="+mn-ea"/>
+                <a:cs typeface="+mn-cs"/>
+              </a:defRPr>
+            </a:lvl7pPr>
+            <a:lvl8pPr marL="3429000" indent="-228600" algn="l" defTabSz="914400" rtl="0" eaLnBrk="1" latinLnBrk="0" hangingPunct="1">
+              <a:lnSpc>
+                <a:spcPct val="90000"/>
+              </a:lnSpc>
+              <a:spcBef>
+                <a:spcPts val="500"/>
+              </a:spcBef>
+              <a:buFont typeface="Arial" panose="020B0604020202020204" pitchFamily="34" charset="0"/>
+              <a:buChar char="•"/>
+              <a:defRPr sz="1800" kern="1200">
+                <a:solidFill>
+                  <a:schemeClr val="tx1"/>
+                </a:solidFill>
+                <a:latin typeface="+mn-lt"/>
+                <a:ea typeface="+mn-ea"/>
+                <a:cs typeface="+mn-cs"/>
+              </a:defRPr>
+            </a:lvl8pPr>
+            <a:lvl9pPr marL="3886200" indent="-228600" algn="l" defTabSz="914400" rtl="0" eaLnBrk="1" latinLnBrk="0" hangingPunct="1">
+              <a:lnSpc>
+                <a:spcPct val="90000"/>
+              </a:lnSpc>
+              <a:spcBef>
+                <a:spcPts val="500"/>
+              </a:spcBef>
+              <a:buFont typeface="Arial" panose="020B0604020202020204" pitchFamily="34" charset="0"/>
+              <a:buChar char="•"/>
+              <a:defRPr sz="1800" kern="1200">
+                <a:solidFill>
+                  <a:schemeClr val="tx1"/>
+                </a:solidFill>
+                <a:latin typeface="+mn-lt"/>
+                <a:ea typeface="+mn-ea"/>
+                <a:cs typeface="+mn-cs"/>
+              </a:defRPr>
+            </a:lvl9pPr>
+          </a:lstStyle>
+          <a:p>
+            <a:pPr marL="0" indent="0">
+              <a:buFont typeface="Arial" panose="020B0604020202020204" pitchFamily="34" charset="0"/>
+              <a:buNone/>
+            </a:pPr>
+            <a:endParaRPr lang="en-US" dirty="0"/>
+          </a:p>
+        </p:txBody>
+      </p:sp>
+      <p:sp>
+        <p:nvSpPr>
+          <p:cNvPr id="5" name="Content Placeholder 2">
+            <a:extLst>
+              <a:ext uri="{FF2B5EF4-FFF2-40B4-BE49-F238E27FC236}">
+                <a16:creationId xmlns:a16="http://schemas.microsoft.com/office/drawing/2014/main" id="{07F515EA-4100-2C4A-9B3B-63188A5C7181}"/>
+              </a:ext>
+            </a:extLst>
+          </p:cNvPr>
+          <p:cNvSpPr txBox="1">
+            <a:spLocks/>
+          </p:cNvSpPr>
+          <p:nvPr/>
+        </p:nvSpPr>
+        <p:spPr>
+          <a:xfrm>
+            <a:off x="765464" y="3599007"/>
+            <a:ext cx="10515600" cy="1229302"/>
+          </a:xfrm>
+          <a:prstGeom prst="rect">
+            <a:avLst/>
+          </a:prstGeom>
+        </p:spPr>
+        <p:txBody>
+          <a:bodyPr vert="horz" lIns="91440" tIns="45720" rIns="91440" bIns="45720" rtlCol="0">
+            <a:normAutofit lnSpcReduction="10000"/>
+          </a:bodyPr>
+          <a:lstStyle>
+            <a:lvl1pPr marL="228600" indent="-228600" algn="l" defTabSz="914400" rtl="0" eaLnBrk="1" latinLnBrk="0" hangingPunct="1">
+              <a:lnSpc>
+                <a:spcPct val="90000"/>
+              </a:lnSpc>
+              <a:spcBef>
+                <a:spcPts val="1000"/>
+              </a:spcBef>
+              <a:buFont typeface="Arial" panose="020B0604020202020204" pitchFamily="34" charset="0"/>
+              <a:buChar char="•"/>
+              <a:defRPr sz="2800" kern="1200">
+                <a:solidFill>
+                  <a:schemeClr val="tx1"/>
+                </a:solidFill>
+                <a:latin typeface="+mn-lt"/>
+                <a:ea typeface="+mn-ea"/>
+                <a:cs typeface="+mn-cs"/>
+              </a:defRPr>
+            </a:lvl1pPr>
+            <a:lvl2pPr marL="685800" indent="-228600" algn="l" defTabSz="914400" rtl="0" eaLnBrk="1" latinLnBrk="0" hangingPunct="1">
+              <a:lnSpc>
+                <a:spcPct val="90000"/>
+              </a:lnSpc>
+              <a:spcBef>
+                <a:spcPts val="500"/>
+              </a:spcBef>
+              <a:buFont typeface="Arial" panose="020B0604020202020204" pitchFamily="34" charset="0"/>
+              <a:buChar char="•"/>
+              <a:defRPr sz="2400" kern="1200">
+                <a:solidFill>
+                  <a:schemeClr val="tx1"/>
+                </a:solidFill>
+                <a:latin typeface="+mn-lt"/>
+                <a:ea typeface="+mn-ea"/>
+                <a:cs typeface="+mn-cs"/>
+              </a:defRPr>
+            </a:lvl2pPr>
+            <a:lvl3pPr marL="1143000" indent="-228600" algn="l" defTabSz="914400" rtl="0" eaLnBrk="1" latinLnBrk="0" hangingPunct="1">
+              <a:lnSpc>
+                <a:spcPct val="90000"/>
+              </a:lnSpc>
+              <a:spcBef>
+                <a:spcPts val="500"/>
+              </a:spcBef>
+              <a:buFont typeface="Arial" panose="020B0604020202020204" pitchFamily="34" charset="0"/>
+              <a:buChar char="•"/>
+              <a:defRPr sz="2000" kern="1200">
+                <a:solidFill>
+                  <a:schemeClr val="tx1"/>
+                </a:solidFill>
+                <a:latin typeface="+mn-lt"/>
+                <a:ea typeface="+mn-ea"/>
+                <a:cs typeface="+mn-cs"/>
+              </a:defRPr>
+            </a:lvl3pPr>
+            <a:lvl4pPr marL="1600200" indent="-228600" algn="l" defTabSz="914400" rtl="0" eaLnBrk="1" latinLnBrk="0" hangingPunct="1">
+              <a:lnSpc>
+                <a:spcPct val="90000"/>
+              </a:lnSpc>
+              <a:spcBef>
+                <a:spcPts val="500"/>
+              </a:spcBef>
+              <a:buFont typeface="Arial" panose="020B0604020202020204" pitchFamily="34" charset="0"/>
+              <a:buChar char="•"/>
+              <a:defRPr sz="1800" kern="1200">
+                <a:solidFill>
+                  <a:schemeClr val="tx1"/>
+                </a:solidFill>
+                <a:latin typeface="+mn-lt"/>
+                <a:ea typeface="+mn-ea"/>
+                <a:cs typeface="+mn-cs"/>
+              </a:defRPr>
+            </a:lvl4pPr>
+            <a:lvl5pPr marL="2057400" indent="-228600" algn="l" defTabSz="914400" rtl="0" eaLnBrk="1" latinLnBrk="0" hangingPunct="1">
+              <a:lnSpc>
+                <a:spcPct val="90000"/>
+              </a:lnSpc>
+              <a:spcBef>
+                <a:spcPts val="500"/>
+              </a:spcBef>
+              <a:buFont typeface="Arial" panose="020B0604020202020204" pitchFamily="34" charset="0"/>
+              <a:buChar char="•"/>
+              <a:defRPr sz="1800" kern="1200">
+                <a:solidFill>
+                  <a:schemeClr val="tx1"/>
+                </a:solidFill>
+                <a:latin typeface="+mn-lt"/>
+                <a:ea typeface="+mn-ea"/>
+                <a:cs typeface="+mn-cs"/>
+              </a:defRPr>
+            </a:lvl5pPr>
+            <a:lvl6pPr marL="2514600" indent="-228600" algn="l" defTabSz="914400" rtl="0" eaLnBrk="1" latinLnBrk="0" hangingPunct="1">
+              <a:lnSpc>
+                <a:spcPct val="90000"/>
+              </a:lnSpc>
+              <a:spcBef>
+                <a:spcPts val="500"/>
+              </a:spcBef>
+              <a:buFont typeface="Arial" panose="020B0604020202020204" pitchFamily="34" charset="0"/>
+              <a:buChar char="•"/>
+              <a:defRPr sz="1800" kern="1200">
+                <a:solidFill>
+                  <a:schemeClr val="tx1"/>
+                </a:solidFill>
+                <a:latin typeface="+mn-lt"/>
+                <a:ea typeface="+mn-ea"/>
+                <a:cs typeface="+mn-cs"/>
+              </a:defRPr>
+            </a:lvl6pPr>
+            <a:lvl7pPr marL="2971800" indent="-228600" algn="l" defTabSz="914400" rtl="0" eaLnBrk="1" latinLnBrk="0" hangingPunct="1">
+              <a:lnSpc>
+                <a:spcPct val="90000"/>
+              </a:lnSpc>
+              <a:spcBef>
+                <a:spcPts val="500"/>
+              </a:spcBef>
+              <a:buFont typeface="Arial" panose="020B0604020202020204" pitchFamily="34" charset="0"/>
+              <a:buChar char="•"/>
+              <a:defRPr sz="1800" kern="1200">
+                <a:solidFill>
+                  <a:schemeClr val="tx1"/>
+                </a:solidFill>
+                <a:latin typeface="+mn-lt"/>
+                <a:ea typeface="+mn-ea"/>
+                <a:cs typeface="+mn-cs"/>
+              </a:defRPr>
+            </a:lvl7pPr>
+            <a:lvl8pPr marL="3429000" indent="-228600" algn="l" defTabSz="914400" rtl="0" eaLnBrk="1" latinLnBrk="0" hangingPunct="1">
+              <a:lnSpc>
+                <a:spcPct val="90000"/>
+              </a:lnSpc>
+              <a:spcBef>
+                <a:spcPts val="500"/>
+              </a:spcBef>
+              <a:buFont typeface="Arial" panose="020B0604020202020204" pitchFamily="34" charset="0"/>
+              <a:buChar char="•"/>
+              <a:defRPr sz="1800" kern="1200">
+                <a:solidFill>
+                  <a:schemeClr val="tx1"/>
+                </a:solidFill>
+                <a:latin typeface="+mn-lt"/>
+                <a:ea typeface="+mn-ea"/>
+                <a:cs typeface="+mn-cs"/>
+              </a:defRPr>
+            </a:lvl8pPr>
+            <a:lvl9pPr marL="3886200" indent="-228600" algn="l" defTabSz="914400" rtl="0" eaLnBrk="1" latinLnBrk="0" hangingPunct="1">
+              <a:lnSpc>
+                <a:spcPct val="90000"/>
+              </a:lnSpc>
+              <a:spcBef>
+                <a:spcPts val="500"/>
+              </a:spcBef>
+              <a:buFont typeface="Arial" panose="020B0604020202020204" pitchFamily="34" charset="0"/>
+              <a:buChar char="•"/>
+              <a:defRPr sz="1800" kern="1200">
+                <a:solidFill>
+                  <a:schemeClr val="tx1"/>
+                </a:solidFill>
+                <a:latin typeface="+mn-lt"/>
+                <a:ea typeface="+mn-ea"/>
+                <a:cs typeface="+mn-cs"/>
+              </a:defRPr>
+            </a:lvl9pPr>
+          </a:lstStyle>
+          <a:p>
+            <a:pPr marL="0" indent="0">
+              <a:buNone/>
+            </a:pPr>
+            <a:r>
+              <a:rPr lang="en-US" sz="4000" dirty="0"/>
+              <a:t>Do Not Substitute Coding For Thinking.</a:t>
+            </a:r>
+          </a:p>
+          <a:p>
+            <a:pPr marL="0" indent="0">
+              <a:buNone/>
+            </a:pPr>
+            <a:r>
+              <a:rPr lang="en-US" sz="4000" dirty="0"/>
+              <a:t>– Unattributed</a:t>
+            </a:r>
+          </a:p>
+        </p:txBody>
+      </p:sp>
+    </p:spTree>
+    <p:extLst>
+      <p:ext uri="{BB962C8B-B14F-4D97-AF65-F5344CB8AC3E}">
+        <p14:creationId xmlns:p14="http://schemas.microsoft.com/office/powerpoint/2010/main" val="3897595667"/>
+      </p:ext>
+    </p:extLst>
+  </p:cSld>
+  <p:clrMapOvr>
+    <a:masterClrMapping/>
+  </p:clrMapOvr>
+</p:sld>
+</file>
+
+<file path=ppt/slides/slide11.xml><?xml version="1.0" encoding="utf-8"?>
+<p:sld xmlns:a="http://schemas.openxmlformats.org/drawingml/2006/main" xmlns:r="http://schemas.openxmlformats.org/officeDocument/2006/relationships" xmlns:p="http://schemas.openxmlformats.org/presentationml/2006/main">
+  <p:cSld>
+    <p:spTree>
+      <p:nvGrpSpPr>
+        <p:cNvPr id="1" name=""/>
+        <p:cNvGrpSpPr/>
+        <p:nvPr/>
+      </p:nvGrpSpPr>
+      <p:grpSpPr>
+        <a:xfrm>
+          <a:off x="0" y="0"/>
+          <a:ext cx="0" cy="0"/>
+          <a:chOff x="0" y="0"/>
+          <a:chExt cx="0" cy="0"/>
+        </a:xfrm>
+      </p:grpSpPr>
+      <p:sp>
+        <p:nvSpPr>
+          <p:cNvPr id="2" name="Title 1">
+            <a:extLst>
+              <a:ext uri="{FF2B5EF4-FFF2-40B4-BE49-F238E27FC236}">
+                <a16:creationId xmlns:a16="http://schemas.microsoft.com/office/drawing/2014/main" id="{671A82F3-8FCF-CA4E-BBB0-AE76F382D68F}"/>
+              </a:ext>
+            </a:extLst>
+          </p:cNvPr>
+          <p:cNvSpPr>
+            <a:spLocks noGrp="1"/>
+          </p:cNvSpPr>
+          <p:nvPr>
+            <p:ph type="title"/>
+          </p:nvPr>
+        </p:nvSpPr>
+        <p:spPr/>
+        <p:txBody>
+          <a:bodyPr/>
+          <a:lstStyle/>
+          <a:p>
+            <a:r>
+              <a:rPr lang="en-US" dirty="0"/>
+              <a:t>NHL Data</a:t>
+            </a:r>
+          </a:p>
+        </p:txBody>
+      </p:sp>
+      <p:sp>
+        <p:nvSpPr>
+          <p:cNvPr id="3" name="Content Placeholder 2">
+            <a:extLst>
+              <a:ext uri="{FF2B5EF4-FFF2-40B4-BE49-F238E27FC236}">
+                <a16:creationId xmlns:a16="http://schemas.microsoft.com/office/drawing/2014/main" id="{C6ADF72C-300B-F047-A7FB-1ECC13D18C71}"/>
+              </a:ext>
+            </a:extLst>
+          </p:cNvPr>
+          <p:cNvSpPr>
+            <a:spLocks noGrp="1"/>
+          </p:cNvSpPr>
+          <p:nvPr>
+            <p:ph idx="1"/>
+          </p:nvPr>
+        </p:nvSpPr>
+        <p:spPr>
+          <a:xfrm>
+            <a:off x="838201" y="1825625"/>
+            <a:ext cx="7443354" cy="4351338"/>
+          </a:xfrm>
+        </p:spPr>
+        <p:txBody>
+          <a:bodyPr>
+            <a:normAutofit fontScale="92500" lnSpcReduction="20000"/>
+          </a:bodyPr>
+          <a:lstStyle/>
+          <a:p>
+            <a:r>
+              <a:rPr lang="en-US" dirty="0"/>
+              <a:t>Who is the best player in the league?</a:t>
+            </a:r>
+          </a:p>
+          <a:p>
+            <a:pPr marL="0" indent="0">
+              <a:buNone/>
+            </a:pPr>
+            <a:endParaRPr lang="en-US" dirty="0"/>
+          </a:p>
+          <a:p>
+            <a:r>
+              <a:rPr lang="en-US" dirty="0"/>
+              <a:t>Evolution of ML Models</a:t>
+            </a:r>
+          </a:p>
+          <a:p>
+            <a:pPr lvl="1"/>
+            <a:r>
+              <a:rPr lang="en-US" dirty="0"/>
+              <a:t>Excel</a:t>
+            </a:r>
+          </a:p>
+          <a:p>
+            <a:pPr lvl="1"/>
+            <a:r>
+              <a:rPr lang="en-US" dirty="0"/>
+              <a:t>Regression</a:t>
+            </a:r>
+          </a:p>
+          <a:p>
+            <a:pPr lvl="1"/>
+            <a:r>
+              <a:rPr lang="en-US" dirty="0"/>
+              <a:t>Tree-Based</a:t>
+            </a:r>
+          </a:p>
+          <a:p>
+            <a:pPr lvl="1"/>
+            <a:r>
+              <a:rPr lang="en-US" dirty="0"/>
+              <a:t>Neural Network</a:t>
+            </a:r>
+          </a:p>
+          <a:p>
+            <a:pPr lvl="1"/>
+            <a:endParaRPr lang="en-US" dirty="0"/>
+          </a:p>
+          <a:p>
+            <a:r>
+              <a:rPr lang="en-US" dirty="0"/>
+              <a:t>Dynamical Models</a:t>
+            </a:r>
+          </a:p>
+          <a:p>
+            <a:pPr lvl="1"/>
+            <a:r>
+              <a:rPr lang="en-US" dirty="0"/>
+              <a:t>Score rate</a:t>
+            </a:r>
+          </a:p>
+          <a:p>
+            <a:pPr lvl="1"/>
+            <a:endParaRPr lang="en-US" dirty="0"/>
+          </a:p>
+          <a:p>
+            <a:r>
+              <a:rPr lang="en-US" dirty="0"/>
+              <a:t>Graph Databases</a:t>
+            </a:r>
+          </a:p>
+          <a:p>
+            <a:endParaRPr lang="en-US" dirty="0"/>
+          </a:p>
+        </p:txBody>
+      </p:sp>
+    </p:spTree>
+    <p:extLst>
+      <p:ext uri="{BB962C8B-B14F-4D97-AF65-F5344CB8AC3E}">
+        <p14:creationId xmlns:p14="http://schemas.microsoft.com/office/powerpoint/2010/main" val="2596857347"/>
+      </p:ext>
+    </p:extLst>
+  </p:cSld>
+  <p:clrMapOvr>
+    <a:masterClrMapping/>
+  </p:clrMapOvr>
+</p:sld>
+</file>
+
+<file path=ppt/slides/slide2.xml><?xml version="1.0" encoding="utf-8"?>
+<p:sld xmlns:a="http://schemas.openxmlformats.org/drawingml/2006/main" xmlns:r="http://schemas.openxmlformats.org/officeDocument/2006/relationships" xmlns:p="http://schemas.openxmlformats.org/presentationml/2006/main">
+  <p:cSld>
+    <p:spTree>
+      <p:nvGrpSpPr>
+        <p:cNvPr id="1" name=""/>
+        <p:cNvGrpSpPr/>
+        <p:nvPr/>
+      </p:nvGrpSpPr>
+      <p:grpSpPr>
+        <a:xfrm>
+          <a:off x="0" y="0"/>
+          <a:ext cx="0" cy="0"/>
+          <a:chOff x="0" y="0"/>
+          <a:chExt cx="0" cy="0"/>
+        </a:xfrm>
+      </p:grpSpPr>
+      <p:sp>
+        <p:nvSpPr>
+          <p:cNvPr id="3" name="Content Placeholder 2">
+            <a:extLst>
+              <a:ext uri="{FF2B5EF4-FFF2-40B4-BE49-F238E27FC236}">
+                <a16:creationId xmlns:a16="http://schemas.microsoft.com/office/drawing/2014/main" id="{36E6A476-4924-AD42-99AF-053AEE36CEBC}"/>
+              </a:ext>
+            </a:extLst>
+          </p:cNvPr>
+          <p:cNvSpPr>
+            <a:spLocks noGrp="1"/>
+          </p:cNvSpPr>
+          <p:nvPr>
+            <p:ph idx="1"/>
+          </p:nvPr>
+        </p:nvSpPr>
+        <p:spPr>
+          <a:xfrm>
+            <a:off x="838200" y="5351317"/>
+            <a:ext cx="10515600" cy="825645"/>
+          </a:xfrm>
+        </p:spPr>
+        <p:txBody>
+          <a:bodyPr>
+            <a:normAutofit lnSpcReduction="10000"/>
+          </a:bodyPr>
+          <a:lstStyle/>
+          <a:p>
+            <a:pPr marL="0" indent="0">
+              <a:buNone/>
+            </a:pPr>
+            <a:r>
+              <a:rPr lang="en-US" dirty="0"/>
+              <a:t>https://</a:t>
+            </a:r>
+            <a:r>
+              <a:rPr lang="en-US" dirty="0" err="1"/>
+              <a:t>www.amazon.com</a:t>
+            </a:r>
+            <a:r>
+              <a:rPr lang="en-US" dirty="0"/>
+              <a:t>/Mastering-Machine-Learning-Jamie-Dixon/</a:t>
+            </a:r>
+            <a:r>
+              <a:rPr lang="en-US" dirty="0" err="1"/>
+              <a:t>dp</a:t>
+            </a:r>
+            <a:r>
+              <a:rPr lang="en-US" dirty="0"/>
+              <a:t>/1785888404</a:t>
+            </a:r>
+          </a:p>
+        </p:txBody>
+      </p:sp>
+      <p:pic>
+        <p:nvPicPr>
+          <p:cNvPr id="5" name="Picture 4">
+            <a:extLst>
+              <a:ext uri="{FF2B5EF4-FFF2-40B4-BE49-F238E27FC236}">
+                <a16:creationId xmlns:a16="http://schemas.microsoft.com/office/drawing/2014/main" id="{2FE4411E-6036-344F-A5FB-83DD10DF8757}"/>
+              </a:ext>
+            </a:extLst>
+          </p:cNvPr>
+          <p:cNvPicPr>
+            <a:picLocks noChangeAspect="1"/>
+          </p:cNvPicPr>
+          <p:nvPr/>
+        </p:nvPicPr>
+        <p:blipFill>
+          <a:blip r:embed="rId2"/>
+          <a:stretch>
+            <a:fillRect/>
+          </a:stretch>
+        </p:blipFill>
+        <p:spPr>
+          <a:xfrm>
+            <a:off x="3766704" y="307109"/>
+            <a:ext cx="4076700" cy="4851400"/>
+          </a:xfrm>
+          <a:prstGeom prst="rect">
+            <a:avLst/>
+          </a:prstGeom>
+        </p:spPr>
+      </p:pic>
+    </p:spTree>
+    <p:extLst>
+      <p:ext uri="{BB962C8B-B14F-4D97-AF65-F5344CB8AC3E}">
+        <p14:creationId xmlns:p14="http://schemas.microsoft.com/office/powerpoint/2010/main" val="1129305543"/>
+      </p:ext>
+    </p:extLst>
+  </p:cSld>
+  <p:clrMapOvr>
+    <a:masterClrMapping/>
+  </p:clrMapOvr>
+</p:sld>
+</file>
+
+<file path=ppt/slides/slide3.xml><?xml version="1.0" encoding="utf-8"?>
+<p:sld xmlns:a="http://schemas.openxmlformats.org/drawingml/2006/main" xmlns:r="http://schemas.openxmlformats.org/officeDocument/2006/relationships" xmlns:p="http://schemas.openxmlformats.org/presentationml/2006/main">
+  <p:cSld>
+    <p:spTree>
+      <p:nvGrpSpPr>
+        <p:cNvPr id="1" name=""/>
+        <p:cNvGrpSpPr/>
+        <p:nvPr/>
+      </p:nvGrpSpPr>
+      <p:grpSpPr>
+        <a:xfrm>
+          <a:off x="0" y="0"/>
+          <a:ext cx="0" cy="0"/>
+          <a:chOff x="0" y="0"/>
+          <a:chExt cx="0" cy="0"/>
+        </a:xfrm>
+      </p:grpSpPr>
+      <p:sp>
+        <p:nvSpPr>
+          <p:cNvPr id="2" name="Title 1">
+            <a:extLst>
+              <a:ext uri="{FF2B5EF4-FFF2-40B4-BE49-F238E27FC236}">
+                <a16:creationId xmlns:a16="http://schemas.microsoft.com/office/drawing/2014/main" id="{97CFFAF0-D41A-C549-9F13-922B996D82DC}"/>
+              </a:ext>
+            </a:extLst>
+          </p:cNvPr>
+          <p:cNvSpPr>
+            <a:spLocks noGrp="1"/>
+          </p:cNvSpPr>
+          <p:nvPr>
+            <p:ph type="title"/>
+          </p:nvPr>
+        </p:nvSpPr>
+        <p:spPr/>
+        <p:txBody>
+          <a:bodyPr/>
+          <a:lstStyle/>
+          <a:p>
+            <a:r>
+              <a:rPr lang="en-US" dirty="0"/>
+              <a:t>Agenda</a:t>
+            </a:r>
+          </a:p>
+        </p:txBody>
+      </p:sp>
+      <p:sp>
+        <p:nvSpPr>
+          <p:cNvPr id="3" name="Content Placeholder 2">
+            <a:extLst>
+              <a:ext uri="{FF2B5EF4-FFF2-40B4-BE49-F238E27FC236}">
+                <a16:creationId xmlns:a16="http://schemas.microsoft.com/office/drawing/2014/main" id="{A962EB3D-F306-4948-A13E-13E234B8D3CC}"/>
+              </a:ext>
+            </a:extLst>
+          </p:cNvPr>
+          <p:cNvSpPr>
+            <a:spLocks noGrp="1"/>
+          </p:cNvSpPr>
+          <p:nvPr>
+            <p:ph idx="1"/>
+          </p:nvPr>
+        </p:nvSpPr>
+        <p:spPr/>
+        <p:txBody>
+          <a:bodyPr/>
+          <a:lstStyle/>
+          <a:p>
+            <a:r>
+              <a:rPr lang="en-US" dirty="0"/>
+              <a:t>Dynamical Models |&gt; Machine Learning</a:t>
+            </a:r>
+          </a:p>
+          <a:p>
+            <a:pPr lvl="1"/>
+            <a:r>
+              <a:rPr lang="en-US" dirty="0"/>
+              <a:t>ODE/PDE/Stochastic Models</a:t>
+            </a:r>
+          </a:p>
+          <a:p>
+            <a:pPr lvl="1"/>
+            <a:r>
+              <a:rPr lang="en-US" dirty="0"/>
+              <a:t>Regressions/Trees/Neural Networks</a:t>
+            </a:r>
+          </a:p>
+          <a:p>
+            <a:pPr lvl="1"/>
+            <a:r>
+              <a:rPr lang="en-US" dirty="0"/>
+              <a:t>In Practice Using NHL Data</a:t>
+            </a:r>
+          </a:p>
+          <a:p>
+            <a:r>
+              <a:rPr lang="en-US" dirty="0"/>
+              <a:t>Considerations</a:t>
+            </a:r>
+          </a:p>
+          <a:p>
+            <a:pPr lvl="1"/>
+            <a:r>
+              <a:rPr lang="en-US" dirty="0"/>
+              <a:t>What, in fact, is the machine “learning”</a:t>
+            </a:r>
+          </a:p>
+          <a:p>
+            <a:pPr lvl="1"/>
+            <a:r>
+              <a:rPr lang="en-US" dirty="0"/>
+              <a:t>Does the Turing Test matter?</a:t>
+            </a:r>
+          </a:p>
+          <a:p>
+            <a:pPr lvl="1"/>
+            <a:r>
+              <a:rPr lang="en-US" dirty="0"/>
+              <a:t>How can, and should, you use AI</a:t>
+            </a:r>
+          </a:p>
+        </p:txBody>
+      </p:sp>
+    </p:spTree>
+    <p:extLst>
+      <p:ext uri="{BB962C8B-B14F-4D97-AF65-F5344CB8AC3E}">
+        <p14:creationId xmlns:p14="http://schemas.microsoft.com/office/powerpoint/2010/main" val="3481201251"/>
+      </p:ext>
+    </p:extLst>
+  </p:cSld>
+  <p:clrMapOvr>
+    <a:masterClrMapping/>
+  </p:clrMapOvr>
+</p:sld>
+</file>
+
+<file path=ppt/slides/slide4.xml><?xml version="1.0" encoding="utf-8"?>
+<p:sld xmlns:a="http://schemas.openxmlformats.org/drawingml/2006/main" xmlns:r="http://schemas.openxmlformats.org/officeDocument/2006/relationships" xmlns:p="http://schemas.openxmlformats.org/presentationml/2006/main">
+  <p:cSld>
+    <p:spTree>
+      <p:nvGrpSpPr>
+        <p:cNvPr id="1" name=""/>
+        <p:cNvGrpSpPr/>
+        <p:nvPr/>
+      </p:nvGrpSpPr>
+      <p:grpSpPr>
+        <a:xfrm>
+          <a:off x="0" y="0"/>
+          <a:ext cx="0" cy="0"/>
+          <a:chOff x="0" y="0"/>
+          <a:chExt cx="0" cy="0"/>
+        </a:xfrm>
+      </p:grpSpPr>
+      <p:sp>
+        <p:nvSpPr>
+          <p:cNvPr id="2" name="Title 1">
+            <a:extLst>
+              <a:ext uri="{FF2B5EF4-FFF2-40B4-BE49-F238E27FC236}">
+                <a16:creationId xmlns:a16="http://schemas.microsoft.com/office/drawing/2014/main" id="{6E552C1F-65EF-C248-8B11-21C24F6DFC8C}"/>
+              </a:ext>
+            </a:extLst>
+          </p:cNvPr>
+          <p:cNvSpPr>
+            <a:spLocks noGrp="1"/>
+          </p:cNvSpPr>
+          <p:nvPr>
+            <p:ph type="title"/>
+          </p:nvPr>
+        </p:nvSpPr>
+        <p:spPr/>
+        <p:txBody>
+          <a:bodyPr/>
+          <a:lstStyle/>
+          <a:p>
+            <a:r>
+              <a:rPr lang="en-US" dirty="0"/>
+              <a:t>Dynamical Models versus Machine Learning</a:t>
+            </a:r>
+          </a:p>
+        </p:txBody>
+      </p:sp>
+      <p:sp>
+        <p:nvSpPr>
+          <p:cNvPr id="5" name="Content Placeholder 4">
+            <a:extLst>
+              <a:ext uri="{FF2B5EF4-FFF2-40B4-BE49-F238E27FC236}">
+                <a16:creationId xmlns:a16="http://schemas.microsoft.com/office/drawing/2014/main" id="{715C661A-DFAD-1243-80D9-272B5ADD81FD}"/>
+              </a:ext>
+            </a:extLst>
+          </p:cNvPr>
+          <p:cNvSpPr>
+            <a:spLocks noGrp="1"/>
+          </p:cNvSpPr>
+          <p:nvPr>
+            <p:ph idx="1"/>
+          </p:nvPr>
+        </p:nvSpPr>
+        <p:spPr/>
+        <p:txBody>
+          <a:bodyPr/>
+          <a:lstStyle/>
+          <a:p>
+            <a:r>
+              <a:rPr lang="en-US" b="1" dirty="0"/>
+              <a:t>Modeling Philosophy:</a:t>
+            </a:r>
+            <a:endParaRPr lang="en-US" dirty="0"/>
+          </a:p>
+          <a:p>
+            <a:r>
+              <a:rPr lang="en-US" b="1" dirty="0"/>
+              <a:t>Dynamical Models:</a:t>
+            </a:r>
+            <a:r>
+              <a:rPr lang="en-US" dirty="0"/>
+              <a:t> These models are based on a set of differential equations that describe how the variables of a system </a:t>
+            </a:r>
+            <a:r>
+              <a:rPr lang="en-US" b="1" i="1" dirty="0">
+                <a:solidFill>
+                  <a:srgbClr val="FF0000"/>
+                </a:solidFill>
+              </a:rPr>
+              <a:t>change over time</a:t>
+            </a:r>
+            <a:r>
+              <a:rPr lang="en-US" dirty="0"/>
+              <a:t>. Dynamical models are often derived from first principles or domain-specific knowledge about the underlying processes governing the system.</a:t>
+            </a:r>
+          </a:p>
+          <a:p>
+            <a:r>
+              <a:rPr lang="en-US" b="1" dirty="0"/>
+              <a:t>Machine Learning Models:</a:t>
+            </a:r>
+            <a:r>
+              <a:rPr lang="en-US" dirty="0"/>
+              <a:t> Machine learning models, on the other hand, learn patterns and relationships from data. They do not necessarily require explicit knowledge of the underlying processes and can capture complex patterns in the data.</a:t>
+            </a:r>
+          </a:p>
+          <a:p>
+            <a:endParaRPr lang="en-US" dirty="0"/>
+          </a:p>
+        </p:txBody>
+      </p:sp>
+    </p:spTree>
+    <p:extLst>
+      <p:ext uri="{BB962C8B-B14F-4D97-AF65-F5344CB8AC3E}">
+        <p14:creationId xmlns:p14="http://schemas.microsoft.com/office/powerpoint/2010/main" val="706840001"/>
+      </p:ext>
+    </p:extLst>
+  </p:cSld>
+  <p:clrMapOvr>
+    <a:masterClrMapping/>
+  </p:clrMapOvr>
+</p:sld>
+</file>
+
+<file path=ppt/slides/slide5.xml><?xml version="1.0" encoding="utf-8"?>
+<p:sld xmlns:a="http://schemas.openxmlformats.org/drawingml/2006/main" xmlns:r="http://schemas.openxmlformats.org/officeDocument/2006/relationships" xmlns:p="http://schemas.openxmlformats.org/presentationml/2006/main">
+  <p:cSld>
+    <p:spTree>
+      <p:nvGrpSpPr>
+        <p:cNvPr id="1" name=""/>
+        <p:cNvGrpSpPr/>
+        <p:nvPr/>
+      </p:nvGrpSpPr>
+      <p:grpSpPr>
+        <a:xfrm>
+          <a:off x="0" y="0"/>
+          <a:ext cx="0" cy="0"/>
+          <a:chOff x="0" y="0"/>
+          <a:chExt cx="0" cy="0"/>
+        </a:xfrm>
+      </p:grpSpPr>
+      <p:sp>
+        <p:nvSpPr>
+          <p:cNvPr id="2" name="Title 1">
+            <a:extLst>
+              <a:ext uri="{FF2B5EF4-FFF2-40B4-BE49-F238E27FC236}">
+                <a16:creationId xmlns:a16="http://schemas.microsoft.com/office/drawing/2014/main" id="{6956A729-C264-354A-ABD9-975ACDC13C61}"/>
+              </a:ext>
+            </a:extLst>
+          </p:cNvPr>
+          <p:cNvSpPr>
+            <a:spLocks noGrp="1"/>
+          </p:cNvSpPr>
+          <p:nvPr>
+            <p:ph type="title"/>
+          </p:nvPr>
+        </p:nvSpPr>
+        <p:spPr/>
+        <p:txBody>
+          <a:bodyPr/>
+          <a:lstStyle/>
+          <a:p>
+            <a:r>
+              <a:rPr lang="en-US" dirty="0"/>
+              <a:t>Dynamical Models versus Machine Learning</a:t>
+            </a:r>
+          </a:p>
+        </p:txBody>
+      </p:sp>
+      <p:sp>
+        <p:nvSpPr>
+          <p:cNvPr id="3" name="Content Placeholder 2">
+            <a:extLst>
+              <a:ext uri="{FF2B5EF4-FFF2-40B4-BE49-F238E27FC236}">
+                <a16:creationId xmlns:a16="http://schemas.microsoft.com/office/drawing/2014/main" id="{4798D76D-86DB-9641-93CA-1ADEBD76254D}"/>
+              </a:ext>
+            </a:extLst>
+          </p:cNvPr>
+          <p:cNvSpPr>
+            <a:spLocks noGrp="1"/>
+          </p:cNvSpPr>
+          <p:nvPr>
+            <p:ph idx="1"/>
+          </p:nvPr>
+        </p:nvSpPr>
+        <p:spPr/>
+        <p:txBody>
+          <a:bodyPr/>
+          <a:lstStyle/>
+          <a:p>
+            <a:r>
+              <a:rPr lang="en-US" b="1" dirty="0"/>
+              <a:t>Data vs. Theory:</a:t>
+            </a:r>
+            <a:endParaRPr lang="en-US" dirty="0"/>
+          </a:p>
+          <a:p>
+            <a:r>
+              <a:rPr lang="en-US" b="1" dirty="0"/>
+              <a:t>Dynamical Models:</a:t>
+            </a:r>
+            <a:r>
+              <a:rPr lang="en-US" dirty="0"/>
+              <a:t> These models rely heavily on theoretical principles and </a:t>
+            </a:r>
+            <a:r>
+              <a:rPr lang="en-US" b="1" dirty="0">
+                <a:solidFill>
+                  <a:srgbClr val="FF0000"/>
+                </a:solidFill>
+              </a:rPr>
+              <a:t>domain knowledge</a:t>
+            </a:r>
+            <a:r>
+              <a:rPr lang="en-US" dirty="0"/>
+              <a:t>. They are designed based on an understanding of the underlying physics or dynamics of the system.</a:t>
+            </a:r>
+          </a:p>
+          <a:p>
+            <a:r>
+              <a:rPr lang="en-US" b="1" dirty="0"/>
+              <a:t>Machine Learning Models:</a:t>
+            </a:r>
+            <a:r>
+              <a:rPr lang="en-US" dirty="0"/>
+              <a:t> These models are data-driven and learn patterns directly from the data. They do not necessarily require a deep understanding of the underlying processes, making them more flexible in certain situations.</a:t>
+            </a:r>
+          </a:p>
+          <a:p>
+            <a:endParaRPr lang="en-US" dirty="0"/>
+          </a:p>
+        </p:txBody>
+      </p:sp>
+    </p:spTree>
+    <p:extLst>
+      <p:ext uri="{BB962C8B-B14F-4D97-AF65-F5344CB8AC3E}">
+        <p14:creationId xmlns:p14="http://schemas.microsoft.com/office/powerpoint/2010/main" val="4106054258"/>
+      </p:ext>
+    </p:extLst>
+  </p:cSld>
+  <p:clrMapOvr>
+    <a:masterClrMapping/>
+  </p:clrMapOvr>
+</p:sld>
+</file>
+
+<file path=ppt/slides/slide6.xml><?xml version="1.0" encoding="utf-8"?>
+<p:sld xmlns:a="http://schemas.openxmlformats.org/drawingml/2006/main" xmlns:r="http://schemas.openxmlformats.org/officeDocument/2006/relationships" xmlns:p="http://schemas.openxmlformats.org/presentationml/2006/main">
+  <p:cSld>
+    <p:spTree>
+      <p:nvGrpSpPr>
+        <p:cNvPr id="1" name=""/>
+        <p:cNvGrpSpPr/>
+        <p:nvPr/>
+      </p:nvGrpSpPr>
+      <p:grpSpPr>
+        <a:xfrm>
+          <a:off x="0" y="0"/>
+          <a:ext cx="0" cy="0"/>
+          <a:chOff x="0" y="0"/>
+          <a:chExt cx="0" cy="0"/>
+        </a:xfrm>
+      </p:grpSpPr>
+      <p:sp>
+        <p:nvSpPr>
+          <p:cNvPr id="2" name="Title 1">
+            <a:extLst>
+              <a:ext uri="{FF2B5EF4-FFF2-40B4-BE49-F238E27FC236}">
+                <a16:creationId xmlns:a16="http://schemas.microsoft.com/office/drawing/2014/main" id="{15CE45AC-934B-CD47-A4C0-1DC0394ED715}"/>
+              </a:ext>
+            </a:extLst>
+          </p:cNvPr>
+          <p:cNvSpPr>
+            <a:spLocks noGrp="1"/>
+          </p:cNvSpPr>
+          <p:nvPr>
+            <p:ph type="title"/>
+          </p:nvPr>
+        </p:nvSpPr>
+        <p:spPr/>
+        <p:txBody>
+          <a:bodyPr/>
+          <a:lstStyle/>
+          <a:p>
+            <a:r>
+              <a:rPr lang="en-US" dirty="0"/>
+              <a:t>Dynamical Models versus Machine Learning</a:t>
+            </a:r>
+          </a:p>
+        </p:txBody>
+      </p:sp>
+      <p:sp>
+        <p:nvSpPr>
+          <p:cNvPr id="3" name="Content Placeholder 2">
+            <a:extLst>
+              <a:ext uri="{FF2B5EF4-FFF2-40B4-BE49-F238E27FC236}">
+                <a16:creationId xmlns:a16="http://schemas.microsoft.com/office/drawing/2014/main" id="{C81A72D1-8A20-124C-B63C-701FEF41115E}"/>
+              </a:ext>
+            </a:extLst>
+          </p:cNvPr>
+          <p:cNvSpPr>
+            <a:spLocks noGrp="1"/>
+          </p:cNvSpPr>
+          <p:nvPr>
+            <p:ph idx="1"/>
+          </p:nvPr>
+        </p:nvSpPr>
+        <p:spPr/>
+        <p:txBody>
+          <a:bodyPr/>
+          <a:lstStyle/>
+          <a:p>
+            <a:r>
+              <a:rPr lang="en-US" b="1" dirty="0"/>
+              <a:t>Interpretability:</a:t>
+            </a:r>
+            <a:endParaRPr lang="en-US" dirty="0"/>
+          </a:p>
+          <a:p>
+            <a:r>
+              <a:rPr lang="en-US" b="1" dirty="0"/>
+              <a:t>Dynamical Models:</a:t>
+            </a:r>
+            <a:r>
+              <a:rPr lang="en-US" dirty="0"/>
+              <a:t> Dynamical models are often more interpretable because they are built on known principles. The parameters of the model usually have clear physical interpretations.</a:t>
+            </a:r>
+          </a:p>
+          <a:p>
+            <a:r>
+              <a:rPr lang="en-US" b="1" dirty="0"/>
+              <a:t>Machine Learning Models:</a:t>
+            </a:r>
+            <a:r>
+              <a:rPr lang="en-US" dirty="0"/>
+              <a:t> Many machine learning models, especially complex ones like deep neural networks, can be seen as </a:t>
+            </a:r>
+            <a:r>
+              <a:rPr lang="en-US" b="1" dirty="0">
+                <a:solidFill>
+                  <a:srgbClr val="FF0000"/>
+                </a:solidFill>
+              </a:rPr>
+              <a:t>"black boxes" </a:t>
+            </a:r>
+            <a:r>
+              <a:rPr lang="en-US" dirty="0"/>
+              <a:t>because it might be challenging to interpret how they arrive at a particular decision. Interpretability can be a challenge in certain applications.</a:t>
+            </a:r>
+          </a:p>
+          <a:p>
+            <a:endParaRPr lang="en-US" dirty="0"/>
+          </a:p>
+        </p:txBody>
+      </p:sp>
+    </p:spTree>
+    <p:extLst>
+      <p:ext uri="{BB962C8B-B14F-4D97-AF65-F5344CB8AC3E}">
+        <p14:creationId xmlns:p14="http://schemas.microsoft.com/office/powerpoint/2010/main" val="745405617"/>
+      </p:ext>
+    </p:extLst>
+  </p:cSld>
+  <p:clrMapOvr>
+    <a:masterClrMapping/>
+  </p:clrMapOvr>
+</p:sld>
+</file>
+
+<file path=ppt/slides/slide7.xml><?xml version="1.0" encoding="utf-8"?>
+<p:sld xmlns:a="http://schemas.openxmlformats.org/drawingml/2006/main" xmlns:r="http://schemas.openxmlformats.org/officeDocument/2006/relationships" xmlns:p="http://schemas.openxmlformats.org/presentationml/2006/main">
+  <p:cSld>
+    <p:spTree>
+      <p:nvGrpSpPr>
+        <p:cNvPr id="1" name=""/>
+        <p:cNvGrpSpPr/>
+        <p:nvPr/>
+      </p:nvGrpSpPr>
+      <p:grpSpPr>
+        <a:xfrm>
+          <a:off x="0" y="0"/>
+          <a:ext cx="0" cy="0"/>
+          <a:chOff x="0" y="0"/>
+          <a:chExt cx="0" cy="0"/>
+        </a:xfrm>
+      </p:grpSpPr>
+      <p:sp>
+        <p:nvSpPr>
+          <p:cNvPr id="2" name="Title 1">
+            <a:extLst>
+              <a:ext uri="{FF2B5EF4-FFF2-40B4-BE49-F238E27FC236}">
+                <a16:creationId xmlns:a16="http://schemas.microsoft.com/office/drawing/2014/main" id="{2EA49590-F56A-A34B-9B76-333275B59A73}"/>
+              </a:ext>
+            </a:extLst>
+          </p:cNvPr>
+          <p:cNvSpPr>
+            <a:spLocks noGrp="1"/>
+          </p:cNvSpPr>
+          <p:nvPr>
+            <p:ph type="title"/>
+          </p:nvPr>
+        </p:nvSpPr>
+        <p:spPr/>
+        <p:txBody>
+          <a:bodyPr/>
+          <a:lstStyle/>
+          <a:p>
+            <a:r>
+              <a:rPr lang="en-US" dirty="0"/>
+              <a:t>Dynamical Models versus Machine Learning</a:t>
+            </a:r>
+          </a:p>
+        </p:txBody>
+      </p:sp>
+      <p:sp>
+        <p:nvSpPr>
+          <p:cNvPr id="3" name="Content Placeholder 2">
+            <a:extLst>
+              <a:ext uri="{FF2B5EF4-FFF2-40B4-BE49-F238E27FC236}">
+                <a16:creationId xmlns:a16="http://schemas.microsoft.com/office/drawing/2014/main" id="{EB66FE76-4674-E045-AB6A-1BD2C404B84D}"/>
+              </a:ext>
+            </a:extLst>
+          </p:cNvPr>
+          <p:cNvSpPr>
+            <a:spLocks noGrp="1"/>
+          </p:cNvSpPr>
+          <p:nvPr>
+            <p:ph idx="1"/>
+          </p:nvPr>
+        </p:nvSpPr>
+        <p:spPr/>
+        <p:txBody>
+          <a:bodyPr/>
+          <a:lstStyle/>
+          <a:p>
+            <a:r>
+              <a:rPr lang="en-US" b="1" dirty="0"/>
+              <a:t>Handling Noise and Uncertainty:</a:t>
+            </a:r>
+            <a:endParaRPr lang="en-US" dirty="0"/>
+          </a:p>
+          <a:p>
+            <a:r>
+              <a:rPr lang="en-US" b="1" dirty="0"/>
+              <a:t>Dynamical Models:</a:t>
+            </a:r>
+            <a:r>
+              <a:rPr lang="en-US" dirty="0"/>
+              <a:t> These models can handle noise and uncertainty to some extent, but they may struggle with complex, high-dimensional data or situations where the underlying processes are not well understood.</a:t>
+            </a:r>
+          </a:p>
+          <a:p>
+            <a:r>
+              <a:rPr lang="en-US" b="1" dirty="0"/>
+              <a:t>Machine Learning Models:</a:t>
+            </a:r>
+            <a:r>
+              <a:rPr lang="en-US" dirty="0"/>
+              <a:t> Machine learning models can be robust to noisy data and can handle complex relationships in high-dimensional spaces. However, they might not perform well if the training data deviates significantly from the test data.</a:t>
+            </a:r>
+          </a:p>
+          <a:p>
+            <a:endParaRPr lang="en-US" dirty="0"/>
+          </a:p>
+        </p:txBody>
+      </p:sp>
+    </p:spTree>
+    <p:extLst>
+      <p:ext uri="{BB962C8B-B14F-4D97-AF65-F5344CB8AC3E}">
+        <p14:creationId xmlns:p14="http://schemas.microsoft.com/office/powerpoint/2010/main" val="1811986165"/>
+      </p:ext>
+    </p:extLst>
+  </p:cSld>
+  <p:clrMapOvr>
+    <a:masterClrMapping/>
+  </p:clrMapOvr>
+</p:sld>
+</file>
+
+<file path=ppt/slides/slide8.xml><?xml version="1.0" encoding="utf-8"?>
+<p:sld xmlns:a="http://schemas.openxmlformats.org/drawingml/2006/main" xmlns:r="http://schemas.openxmlformats.org/officeDocument/2006/relationships" xmlns:p="http://schemas.openxmlformats.org/presentationml/2006/main">
+  <p:cSld>
+    <p:spTree>
+      <p:nvGrpSpPr>
+        <p:cNvPr id="1" name=""/>
+        <p:cNvGrpSpPr/>
+        <p:nvPr/>
+      </p:nvGrpSpPr>
+      <p:grpSpPr>
+        <a:xfrm>
+          <a:off x="0" y="0"/>
+          <a:ext cx="0" cy="0"/>
+          <a:chOff x="0" y="0"/>
+          <a:chExt cx="0" cy="0"/>
+        </a:xfrm>
+      </p:grpSpPr>
+      <p:sp>
+        <p:nvSpPr>
+          <p:cNvPr id="2" name="Title 1">
+            <a:extLst>
+              <a:ext uri="{FF2B5EF4-FFF2-40B4-BE49-F238E27FC236}">
+                <a16:creationId xmlns:a16="http://schemas.microsoft.com/office/drawing/2014/main" id="{F2CF8C0D-AA84-4746-A541-804C897DCDF3}"/>
+              </a:ext>
+            </a:extLst>
+          </p:cNvPr>
+          <p:cNvSpPr>
+            <a:spLocks noGrp="1"/>
+          </p:cNvSpPr>
+          <p:nvPr>
+            <p:ph type="title"/>
+          </p:nvPr>
+        </p:nvSpPr>
+        <p:spPr/>
+        <p:txBody>
+          <a:bodyPr/>
+          <a:lstStyle/>
+          <a:p>
+            <a:r>
+              <a:rPr lang="en-US" dirty="0"/>
+              <a:t>Dynamical Models versus Machine Learning</a:t>
+            </a:r>
+          </a:p>
+        </p:txBody>
+      </p:sp>
+      <p:sp>
+        <p:nvSpPr>
+          <p:cNvPr id="3" name="Content Placeholder 2">
+            <a:extLst>
+              <a:ext uri="{FF2B5EF4-FFF2-40B4-BE49-F238E27FC236}">
+                <a16:creationId xmlns:a16="http://schemas.microsoft.com/office/drawing/2014/main" id="{0A63FC1A-9D8B-BA41-A08B-89D736AC7AB6}"/>
+              </a:ext>
+            </a:extLst>
+          </p:cNvPr>
+          <p:cNvSpPr>
+            <a:spLocks noGrp="1"/>
+          </p:cNvSpPr>
+          <p:nvPr>
+            <p:ph idx="1"/>
+          </p:nvPr>
+        </p:nvSpPr>
+        <p:spPr/>
+        <p:txBody>
+          <a:bodyPr/>
+          <a:lstStyle/>
+          <a:p>
+            <a:r>
+              <a:rPr lang="en-US" b="1" dirty="0"/>
+              <a:t>Training:</a:t>
+            </a:r>
+            <a:endParaRPr lang="en-US" dirty="0"/>
+          </a:p>
+          <a:p>
+            <a:r>
+              <a:rPr lang="en-US" b="1" dirty="0"/>
+              <a:t>Dynamical Models:</a:t>
+            </a:r>
+            <a:r>
+              <a:rPr lang="en-US" dirty="0"/>
+              <a:t> Parameters of dynamical models are often determined through a process of fitting the model to observed data, but this process may involve more manual tuning and domain expertise.</a:t>
+            </a:r>
+          </a:p>
+          <a:p>
+            <a:r>
+              <a:rPr lang="en-US" b="1" dirty="0"/>
+              <a:t>Machine Learning Models:</a:t>
+            </a:r>
+            <a:r>
+              <a:rPr lang="en-US" dirty="0"/>
+              <a:t> Training machine learning models involves optimization algorithms that automatically adjust the model parameters to minimize a specified objective function, often based on the available training data.</a:t>
+            </a:r>
+          </a:p>
+          <a:p>
+            <a:endParaRPr lang="en-US" dirty="0"/>
+          </a:p>
+        </p:txBody>
+      </p:sp>
+    </p:spTree>
+    <p:extLst>
+      <p:ext uri="{BB962C8B-B14F-4D97-AF65-F5344CB8AC3E}">
+        <p14:creationId xmlns:p14="http://schemas.microsoft.com/office/powerpoint/2010/main" val="3795859388"/>
+      </p:ext>
+    </p:extLst>
+  </p:cSld>
+  <p:clrMapOvr>
+    <a:masterClrMapping/>
+  </p:clrMapOvr>
+</p:sld>
+</file>
+
+<file path=ppt/slides/slide9.xml><?xml version="1.0" encoding="utf-8"?>
+<p:sld xmlns:a="http://schemas.openxmlformats.org/drawingml/2006/main" xmlns:r="http://schemas.openxmlformats.org/officeDocument/2006/relationships" xmlns:p="http://schemas.openxmlformats.org/presentationml/2006/main">
+  <p:cSld>
+    <p:spTree>
+      <p:nvGrpSpPr>
+        <p:cNvPr id="1" name=""/>
+        <p:cNvGrpSpPr/>
+        <p:nvPr/>
+      </p:nvGrpSpPr>
+      <p:grpSpPr>
+        <a:xfrm>
+          <a:off x="0" y="0"/>
+          <a:ext cx="0" cy="0"/>
+          <a:chOff x="0" y="0"/>
+          <a:chExt cx="0" cy="0"/>
+        </a:xfrm>
+      </p:grpSpPr>
+      <p:sp>
+        <p:nvSpPr>
+          <p:cNvPr id="2" name="Title 1">
+            <a:extLst>
+              <a:ext uri="{FF2B5EF4-FFF2-40B4-BE49-F238E27FC236}">
+                <a16:creationId xmlns:a16="http://schemas.microsoft.com/office/drawing/2014/main" id="{C776957E-36CD-1048-8F56-AA9FC7E459F4}"/>
+              </a:ext>
+            </a:extLst>
+          </p:cNvPr>
+          <p:cNvSpPr>
+            <a:spLocks noGrp="1"/>
+          </p:cNvSpPr>
+          <p:nvPr>
+            <p:ph type="title"/>
+          </p:nvPr>
+        </p:nvSpPr>
+        <p:spPr/>
+        <p:txBody>
+          <a:bodyPr/>
+          <a:lstStyle/>
+          <a:p>
+            <a:r>
+              <a:rPr lang="en-US" dirty="0"/>
+              <a:t>Dynamical Models versus Machine Learning</a:t>
+            </a:r>
+          </a:p>
+        </p:txBody>
+      </p:sp>
+      <p:sp>
+        <p:nvSpPr>
+          <p:cNvPr id="3" name="Content Placeholder 2">
+            <a:extLst>
+              <a:ext uri="{FF2B5EF4-FFF2-40B4-BE49-F238E27FC236}">
+                <a16:creationId xmlns:a16="http://schemas.microsoft.com/office/drawing/2014/main" id="{C0B85F44-9D69-A84D-889C-65FFCDD4F6A8}"/>
+              </a:ext>
+            </a:extLst>
+          </p:cNvPr>
+          <p:cNvSpPr>
+            <a:spLocks noGrp="1"/>
+          </p:cNvSpPr>
+          <p:nvPr>
+            <p:ph idx="1"/>
+          </p:nvPr>
+        </p:nvSpPr>
+        <p:spPr/>
+        <p:txBody>
+          <a:bodyPr/>
+          <a:lstStyle/>
+          <a:p>
+            <a:r>
+              <a:rPr lang="en-US" b="1" dirty="0"/>
+              <a:t>Applications:</a:t>
+            </a:r>
+            <a:endParaRPr lang="en-US" dirty="0"/>
+          </a:p>
+          <a:p>
+            <a:r>
+              <a:rPr lang="en-US" b="1" dirty="0"/>
+              <a:t>Dynamical Models:</a:t>
+            </a:r>
+            <a:r>
+              <a:rPr lang="en-US" dirty="0"/>
+              <a:t> Commonly used in physics, engineering, and other domains where the underlying principles are well understood and can be explicitly modeled.</a:t>
+            </a:r>
+          </a:p>
+          <a:p>
+            <a:r>
+              <a:rPr lang="en-US" b="1" dirty="0"/>
+              <a:t>Machine Learning Models:</a:t>
+            </a:r>
+            <a:r>
+              <a:rPr lang="en-US" dirty="0"/>
+              <a:t> Widely used in various fields, especially when dealing with large datasets and complex patterns, such as image recognition, natural language processing, and recommendation systems.</a:t>
+            </a:r>
+          </a:p>
+          <a:p>
+            <a:endParaRPr lang="en-US" dirty="0"/>
+          </a:p>
+        </p:txBody>
+      </p:sp>
+    </p:spTree>
+    <p:extLst>
+      <p:ext uri="{BB962C8B-B14F-4D97-AF65-F5344CB8AC3E}">
+        <p14:creationId xmlns:p14="http://schemas.microsoft.com/office/powerpoint/2010/main" val="3171210125"/>
       </p:ext>
     </p:extLst>
   </p:cSld>

--- a/SWES_MachineLearning.pptx
+++ b/SWES_MachineLearning.pptx
@@ -17,8 +17,8 @@
     <p:sldId id="264" r:id="rId8"/>
     <p:sldId id="265" r:id="rId9"/>
     <p:sldId id="266" r:id="rId10"/>
-    <p:sldId id="267" r:id="rId11"/>
-    <p:sldId id="258" r:id="rId12"/>
+    <p:sldId id="258" r:id="rId11"/>
+    <p:sldId id="267" r:id="rId12"/>
   </p:sldIdLst>
   <p:sldSz cx="12192000" cy="6858000"/>
   <p:notesSz cx="6858000" cy="9144000"/>
@@ -131,8 +131,8 @@
             <p14:sldId id="264"/>
             <p14:sldId id="265"/>
             <p14:sldId id="266"/>
+            <p14:sldId id="258"/>
             <p14:sldId id="267"/>
-            <p14:sldId id="258"/>
           </p14:sldIdLst>
         </p14:section>
       </p14:sectionLst>
@@ -226,7 +226,7 @@
           <a:p>
             <a:fld id="{0D007305-87E9-A64C-B2BE-A58D78C9716E}" type="datetimeFigureOut">
               <a:rPr lang="en-US" smtClean="0"/>
-              <a:t>11/20/23</a:t>
+              <a:t>11/24/23</a:t>
             </a:fld>
             <a:endParaRPr lang="en-US"/>
           </a:p>
@@ -842,7 +842,7 @@
           <a:p>
             <a:fld id="{AEBE5CE0-1C9A-164D-8282-85E756D9A591}" type="slidenum">
               <a:rPr lang="en-US" smtClean="0"/>
-              <a:t>10</a:t>
+              <a:t>11</a:t>
             </a:fld>
             <a:endParaRPr lang="en-US"/>
           </a:p>
@@ -1008,7 +1008,7 @@
           <a:p>
             <a:fld id="{3E6DC916-7C1B-2249-ABC7-C3F966B61A30}" type="datetimeFigureOut">
               <a:rPr lang="en-US" smtClean="0"/>
-              <a:t>11/20/23</a:t>
+              <a:t>11/24/23</a:t>
             </a:fld>
             <a:endParaRPr lang="en-US"/>
           </a:p>
@@ -1206,7 +1206,7 @@
           <a:p>
             <a:fld id="{3E6DC916-7C1B-2249-ABC7-C3F966B61A30}" type="datetimeFigureOut">
               <a:rPr lang="en-US" smtClean="0"/>
-              <a:t>11/20/23</a:t>
+              <a:t>11/24/23</a:t>
             </a:fld>
             <a:endParaRPr lang="en-US"/>
           </a:p>
@@ -1414,7 +1414,7 @@
           <a:p>
             <a:fld id="{3E6DC916-7C1B-2249-ABC7-C3F966B61A30}" type="datetimeFigureOut">
               <a:rPr lang="en-US" smtClean="0"/>
-              <a:t>11/20/23</a:t>
+              <a:t>11/24/23</a:t>
             </a:fld>
             <a:endParaRPr lang="en-US"/>
           </a:p>
@@ -1612,7 +1612,7 @@
           <a:p>
             <a:fld id="{3E6DC916-7C1B-2249-ABC7-C3F966B61A30}" type="datetimeFigureOut">
               <a:rPr lang="en-US" smtClean="0"/>
-              <a:t>11/20/23</a:t>
+              <a:t>11/24/23</a:t>
             </a:fld>
             <a:endParaRPr lang="en-US"/>
           </a:p>
@@ -1887,7 +1887,7 @@
           <a:p>
             <a:fld id="{3E6DC916-7C1B-2249-ABC7-C3F966B61A30}" type="datetimeFigureOut">
               <a:rPr lang="en-US" smtClean="0"/>
-              <a:t>11/20/23</a:t>
+              <a:t>11/24/23</a:t>
             </a:fld>
             <a:endParaRPr lang="en-US"/>
           </a:p>
@@ -2152,7 +2152,7 @@
           <a:p>
             <a:fld id="{3E6DC916-7C1B-2249-ABC7-C3F966B61A30}" type="datetimeFigureOut">
               <a:rPr lang="en-US" smtClean="0"/>
-              <a:t>11/20/23</a:t>
+              <a:t>11/24/23</a:t>
             </a:fld>
             <a:endParaRPr lang="en-US"/>
           </a:p>
@@ -2564,7 +2564,7 @@
           <a:p>
             <a:fld id="{3E6DC916-7C1B-2249-ABC7-C3F966B61A30}" type="datetimeFigureOut">
               <a:rPr lang="en-US" smtClean="0"/>
-              <a:t>11/20/23</a:t>
+              <a:t>11/24/23</a:t>
             </a:fld>
             <a:endParaRPr lang="en-US"/>
           </a:p>
@@ -2705,7 +2705,7 @@
           <a:p>
             <a:fld id="{3E6DC916-7C1B-2249-ABC7-C3F966B61A30}" type="datetimeFigureOut">
               <a:rPr lang="en-US" smtClean="0"/>
-              <a:t>11/20/23</a:t>
+              <a:t>11/24/23</a:t>
             </a:fld>
             <a:endParaRPr lang="en-US"/>
           </a:p>
@@ -2818,7 +2818,7 @@
           <a:p>
             <a:fld id="{3E6DC916-7C1B-2249-ABC7-C3F966B61A30}" type="datetimeFigureOut">
               <a:rPr lang="en-US" smtClean="0"/>
-              <a:t>11/20/23</a:t>
+              <a:t>11/24/23</a:t>
             </a:fld>
             <a:endParaRPr lang="en-US"/>
           </a:p>
@@ -3129,7 +3129,7 @@
           <a:p>
             <a:fld id="{3E6DC916-7C1B-2249-ABC7-C3F966B61A30}" type="datetimeFigureOut">
               <a:rPr lang="en-US" smtClean="0"/>
-              <a:t>11/20/23</a:t>
+              <a:t>11/24/23</a:t>
             </a:fld>
             <a:endParaRPr lang="en-US"/>
           </a:p>
@@ -3417,7 +3417,7 @@
           <a:p>
             <a:fld id="{3E6DC916-7C1B-2249-ABC7-C3F966B61A30}" type="datetimeFigureOut">
               <a:rPr lang="en-US" smtClean="0"/>
-              <a:t>11/20/23</a:t>
+              <a:t>11/24/23</a:t>
             </a:fld>
             <a:endParaRPr lang="en-US"/>
           </a:p>
@@ -3658,7 +3658,7 @@
           <a:p>
             <a:fld id="{3E6DC916-7C1B-2249-ABC7-C3F966B61A30}" type="datetimeFigureOut">
               <a:rPr lang="en-US" smtClean="0"/>
-              <a:t>11/20/23</a:t>
+              <a:t>11/24/23</a:t>
             </a:fld>
             <a:endParaRPr lang="en-US"/>
           </a:p>
@@ -4174,6 +4174,157 @@
       </p:grpSpPr>
       <p:sp>
         <p:nvSpPr>
+          <p:cNvPr id="2" name="Title 1">
+            <a:extLst>
+              <a:ext uri="{FF2B5EF4-FFF2-40B4-BE49-F238E27FC236}">
+                <a16:creationId xmlns:a16="http://schemas.microsoft.com/office/drawing/2014/main" id="{671A82F3-8FCF-CA4E-BBB0-AE76F382D68F}"/>
+              </a:ext>
+            </a:extLst>
+          </p:cNvPr>
+          <p:cNvSpPr>
+            <a:spLocks noGrp="1"/>
+          </p:cNvSpPr>
+          <p:nvPr>
+            <p:ph type="title"/>
+          </p:nvPr>
+        </p:nvSpPr>
+        <p:spPr/>
+        <p:txBody>
+          <a:bodyPr/>
+          <a:lstStyle/>
+          <a:p>
+            <a:r>
+              <a:rPr lang="en-US" dirty="0"/>
+              <a:t>NHL Data</a:t>
+            </a:r>
+          </a:p>
+        </p:txBody>
+      </p:sp>
+      <p:sp>
+        <p:nvSpPr>
+          <p:cNvPr id="3" name="Content Placeholder 2">
+            <a:extLst>
+              <a:ext uri="{FF2B5EF4-FFF2-40B4-BE49-F238E27FC236}">
+                <a16:creationId xmlns:a16="http://schemas.microsoft.com/office/drawing/2014/main" id="{C6ADF72C-300B-F047-A7FB-1ECC13D18C71}"/>
+              </a:ext>
+            </a:extLst>
+          </p:cNvPr>
+          <p:cNvSpPr>
+            <a:spLocks noGrp="1"/>
+          </p:cNvSpPr>
+          <p:nvPr>
+            <p:ph idx="1"/>
+          </p:nvPr>
+        </p:nvSpPr>
+        <p:spPr>
+          <a:xfrm>
+            <a:off x="838201" y="1825625"/>
+            <a:ext cx="7443354" cy="4351338"/>
+          </a:xfrm>
+        </p:spPr>
+        <p:txBody>
+          <a:bodyPr>
+            <a:normAutofit/>
+          </a:bodyPr>
+          <a:lstStyle/>
+          <a:p>
+            <a:r>
+              <a:rPr lang="en-US" dirty="0"/>
+              <a:t>Who is the best player in the league?</a:t>
+            </a:r>
+          </a:p>
+          <a:p>
+            <a:pPr lvl="1"/>
+            <a:r>
+              <a:rPr lang="en-US" dirty="0"/>
+              <a:t>Simple Descriptive Statistics</a:t>
+            </a:r>
+          </a:p>
+          <a:p>
+            <a:r>
+              <a:rPr lang="en-US" dirty="0"/>
+              <a:t>Why is he the best player in the league?</a:t>
+            </a:r>
+          </a:p>
+          <a:p>
+            <a:pPr lvl="1"/>
+            <a:r>
+              <a:rPr lang="en-US" dirty="0"/>
+              <a:t>Dynamical Models</a:t>
+            </a:r>
+          </a:p>
+          <a:p>
+            <a:pPr lvl="1"/>
+            <a:r>
+              <a:rPr lang="en-US" dirty="0"/>
+              <a:t>ML Models</a:t>
+            </a:r>
+          </a:p>
+          <a:p>
+            <a:pPr lvl="2"/>
+            <a:r>
+              <a:rPr lang="en-US" dirty="0"/>
+              <a:t>Regression</a:t>
+            </a:r>
+          </a:p>
+          <a:p>
+            <a:pPr lvl="2"/>
+            <a:r>
+              <a:rPr lang="en-US" dirty="0"/>
+              <a:t>Tree-Based</a:t>
+            </a:r>
+          </a:p>
+          <a:p>
+            <a:pPr lvl="2"/>
+            <a:r>
+              <a:rPr lang="en-US"/>
+              <a:t>Neural Network</a:t>
+            </a:r>
+            <a:endParaRPr lang="en-US" dirty="0"/>
+          </a:p>
+          <a:p>
+            <a:r>
+              <a:rPr lang="en-US" dirty="0"/>
+              <a:t>Graph Databases</a:t>
+            </a:r>
+          </a:p>
+          <a:p>
+            <a:endParaRPr lang="en-US" dirty="0"/>
+          </a:p>
+        </p:txBody>
+      </p:sp>
+    </p:spTree>
+    <p:extLst>
+      <p:ext uri="{BB962C8B-B14F-4D97-AF65-F5344CB8AC3E}">
+        <p14:creationId xmlns:p14="http://schemas.microsoft.com/office/powerpoint/2010/main" val="2596857347"/>
+      </p:ext>
+    </p:extLst>
+  </p:cSld>
+  <p:clrMapOvr>
+    <a:masterClrMapping/>
+  </p:clrMapOvr>
+</p:sld>
+</file>
+
+<file path=ppt/slides/slide11.xml><?xml version="1.0" encoding="utf-8"?>
+<p:sld xmlns:a="http://schemas.openxmlformats.org/drawingml/2006/main" xmlns:r="http://schemas.openxmlformats.org/officeDocument/2006/relationships" xmlns:p="http://schemas.openxmlformats.org/presentationml/2006/main">
+  <p:cSld>
+    <p:spTree>
+      <p:nvGrpSpPr>
+        <p:cNvPr id="1" name=""/>
+        <p:cNvGrpSpPr/>
+        <p:nvPr/>
+      </p:nvGrpSpPr>
+      <p:grpSpPr>
+        <a:xfrm>
+          <a:off x="0" y="0"/>
+          <a:ext cx="0" cy="0"/>
+          <a:chOff x="0" y="0"/>
+          <a:chExt cx="0" cy="0"/>
+        </a:xfrm>
+      </p:grpSpPr>
+      <p:sp>
+        <p:nvSpPr>
           <p:cNvPr id="3" name="Content Placeholder 2">
             <a:extLst>
               <a:ext uri="{FF2B5EF4-FFF2-40B4-BE49-F238E27FC236}">
@@ -4643,169 +4794,6 @@
 </p:sld>
 </file>
 
-<file path=ppt/slides/slide11.xml><?xml version="1.0" encoding="utf-8"?>
-<p:sld xmlns:a="http://schemas.openxmlformats.org/drawingml/2006/main" xmlns:r="http://schemas.openxmlformats.org/officeDocument/2006/relationships" xmlns:p="http://schemas.openxmlformats.org/presentationml/2006/main">
-  <p:cSld>
-    <p:spTree>
-      <p:nvGrpSpPr>
-        <p:cNvPr id="1" name=""/>
-        <p:cNvGrpSpPr/>
-        <p:nvPr/>
-      </p:nvGrpSpPr>
-      <p:grpSpPr>
-        <a:xfrm>
-          <a:off x="0" y="0"/>
-          <a:ext cx="0" cy="0"/>
-          <a:chOff x="0" y="0"/>
-          <a:chExt cx="0" cy="0"/>
-        </a:xfrm>
-      </p:grpSpPr>
-      <p:sp>
-        <p:nvSpPr>
-          <p:cNvPr id="2" name="Title 1">
-            <a:extLst>
-              <a:ext uri="{FF2B5EF4-FFF2-40B4-BE49-F238E27FC236}">
-                <a16:creationId xmlns:a16="http://schemas.microsoft.com/office/drawing/2014/main" id="{671A82F3-8FCF-CA4E-BBB0-AE76F382D68F}"/>
-              </a:ext>
-            </a:extLst>
-          </p:cNvPr>
-          <p:cNvSpPr>
-            <a:spLocks noGrp="1"/>
-          </p:cNvSpPr>
-          <p:nvPr>
-            <p:ph type="title"/>
-          </p:nvPr>
-        </p:nvSpPr>
-        <p:spPr/>
-        <p:txBody>
-          <a:bodyPr/>
-          <a:lstStyle/>
-          <a:p>
-            <a:r>
-              <a:rPr lang="en-US" dirty="0"/>
-              <a:t>NHL Data</a:t>
-            </a:r>
-          </a:p>
-        </p:txBody>
-      </p:sp>
-      <p:sp>
-        <p:nvSpPr>
-          <p:cNvPr id="3" name="Content Placeholder 2">
-            <a:extLst>
-              <a:ext uri="{FF2B5EF4-FFF2-40B4-BE49-F238E27FC236}">
-                <a16:creationId xmlns:a16="http://schemas.microsoft.com/office/drawing/2014/main" id="{C6ADF72C-300B-F047-A7FB-1ECC13D18C71}"/>
-              </a:ext>
-            </a:extLst>
-          </p:cNvPr>
-          <p:cNvSpPr>
-            <a:spLocks noGrp="1"/>
-          </p:cNvSpPr>
-          <p:nvPr>
-            <p:ph idx="1"/>
-          </p:nvPr>
-        </p:nvSpPr>
-        <p:spPr>
-          <a:xfrm>
-            <a:off x="838201" y="1825625"/>
-            <a:ext cx="7443354" cy="4351338"/>
-          </a:xfrm>
-        </p:spPr>
-        <p:txBody>
-          <a:bodyPr>
-            <a:normAutofit fontScale="92500" lnSpcReduction="20000"/>
-          </a:bodyPr>
-          <a:lstStyle/>
-          <a:p>
-            <a:r>
-              <a:rPr lang="en-US" dirty="0"/>
-              <a:t>Who is the best player in the league?</a:t>
-            </a:r>
-          </a:p>
-          <a:p>
-            <a:pPr marL="0" indent="0">
-              <a:buNone/>
-            </a:pPr>
-            <a:endParaRPr lang="en-US" dirty="0"/>
-          </a:p>
-          <a:p>
-            <a:r>
-              <a:rPr lang="en-US" dirty="0"/>
-              <a:t>Evolution of ML Models</a:t>
-            </a:r>
-          </a:p>
-          <a:p>
-            <a:pPr lvl="1"/>
-            <a:r>
-              <a:rPr lang="en-US" dirty="0"/>
-              <a:t>Excel</a:t>
-            </a:r>
-          </a:p>
-          <a:p>
-            <a:pPr lvl="1"/>
-            <a:r>
-              <a:rPr lang="en-US" dirty="0"/>
-              <a:t>Regression</a:t>
-            </a:r>
-          </a:p>
-          <a:p>
-            <a:pPr lvl="1"/>
-            <a:r>
-              <a:rPr lang="en-US" dirty="0"/>
-              <a:t>Tree-Based</a:t>
-            </a:r>
-          </a:p>
-          <a:p>
-            <a:pPr lvl="1"/>
-            <a:r>
-              <a:rPr lang="en-US" dirty="0"/>
-              <a:t>Neural Network</a:t>
-            </a:r>
-          </a:p>
-          <a:p>
-            <a:pPr lvl="1"/>
-            <a:endParaRPr lang="en-US" dirty="0"/>
-          </a:p>
-          <a:p>
-            <a:r>
-              <a:rPr lang="en-US" dirty="0"/>
-              <a:t>Dynamical Models</a:t>
-            </a:r>
-          </a:p>
-          <a:p>
-            <a:pPr lvl="1"/>
-            <a:r>
-              <a:rPr lang="en-US" dirty="0"/>
-              <a:t>Score rate</a:t>
-            </a:r>
-          </a:p>
-          <a:p>
-            <a:pPr lvl="1"/>
-            <a:endParaRPr lang="en-US" dirty="0"/>
-          </a:p>
-          <a:p>
-            <a:r>
-              <a:rPr lang="en-US" dirty="0"/>
-              <a:t>Graph Databases</a:t>
-            </a:r>
-          </a:p>
-          <a:p>
-            <a:endParaRPr lang="en-US" dirty="0"/>
-          </a:p>
-        </p:txBody>
-      </p:sp>
-    </p:spTree>
-    <p:extLst>
-      <p:ext uri="{BB962C8B-B14F-4D97-AF65-F5344CB8AC3E}">
-        <p14:creationId xmlns:p14="http://schemas.microsoft.com/office/powerpoint/2010/main" val="2596857347"/>
-      </p:ext>
-    </p:extLst>
-  </p:cSld>
-  <p:clrMapOvr>
-    <a:masterClrMapping/>
-  </p:clrMapOvr>
-</p:sld>
-</file>
-
 <file path=ppt/slides/slide2.xml><?xml version="1.0" encoding="utf-8"?>
 <p:sld xmlns:a="http://schemas.openxmlformats.org/drawingml/2006/main" xmlns:r="http://schemas.openxmlformats.org/officeDocument/2006/relationships" xmlns:p="http://schemas.openxmlformats.org/presentationml/2006/main">
   <p:cSld>
@@ -4988,7 +4976,7 @@
           <a:p>
             <a:r>
               <a:rPr lang="en-US" dirty="0"/>
-              <a:t>Dynamical Models |&gt; Machine Learning</a:t>
+              <a:t>Dynamical Models &amp;&amp; Machine Learning</a:t>
             </a:r>
           </a:p>
           <a:p>
@@ -5009,7 +4997,7 @@
             <a:pPr lvl="1"/>
             <a:r>
               <a:rPr lang="en-US" dirty="0"/>
-              <a:t>In Practice Using NHL Data</a:t>
+              <a:t>Graph Databases</a:t>
             </a:r>
           </a:p>
           <a:p>

--- a/SWES_MachineLearning.pptx
+++ b/SWES_MachineLearning.pptx
@@ -4277,15 +4277,15 @@
           <a:p>
             <a:pPr lvl="2"/>
             <a:r>
-              <a:rPr lang="en-US"/>
+              <a:rPr lang="en-US" dirty="0"/>
               <a:t>Neural Network</a:t>
             </a:r>
-            <a:endParaRPr lang="en-US" dirty="0"/>
-          </a:p>
-          <a:p>
+          </a:p>
+          <a:p>
+            <a:pPr lvl="1"/>
             <a:r>
               <a:rPr lang="en-US" dirty="0"/>
-              <a:t>Graph Databases</a:t>
+              <a:t>Graph Database</a:t>
             </a:r>
           </a:p>
           <a:p>

--- a/SWES_MachineLearning.pptx
+++ b/SWES_MachineLearning.pptx
@@ -5,20 +5,17 @@
     <p:sldMasterId id="2147483648" r:id="rId1"/>
   </p:sldMasterIdLst>
   <p:notesMasterIdLst>
-    <p:notesMasterId r:id="rId13"/>
+    <p:notesMasterId r:id="rId10"/>
   </p:notesMasterIdLst>
   <p:sldIdLst>
     <p:sldId id="256" r:id="rId2"/>
     <p:sldId id="260" r:id="rId3"/>
     <p:sldId id="257" r:id="rId4"/>
-    <p:sldId id="261" r:id="rId5"/>
-    <p:sldId id="262" r:id="rId6"/>
-    <p:sldId id="263" r:id="rId7"/>
-    <p:sldId id="264" r:id="rId8"/>
-    <p:sldId id="265" r:id="rId9"/>
-    <p:sldId id="266" r:id="rId10"/>
-    <p:sldId id="258" r:id="rId11"/>
-    <p:sldId id="267" r:id="rId12"/>
+    <p:sldId id="268" r:id="rId5"/>
+    <p:sldId id="261" r:id="rId6"/>
+    <p:sldId id="262" r:id="rId7"/>
+    <p:sldId id="263" r:id="rId8"/>
+    <p:sldId id="267" r:id="rId9"/>
   </p:sldIdLst>
   <p:sldSz cx="12192000" cy="6858000"/>
   <p:notesSz cx="6858000" cy="9144000"/>
@@ -125,13 +122,10 @@
             <p14:sldId id="256"/>
             <p14:sldId id="260"/>
             <p14:sldId id="257"/>
+            <p14:sldId id="268"/>
             <p14:sldId id="261"/>
             <p14:sldId id="262"/>
             <p14:sldId id="263"/>
-            <p14:sldId id="264"/>
-            <p14:sldId id="265"/>
-            <p14:sldId id="266"/>
-            <p14:sldId id="258"/>
             <p14:sldId id="267"/>
           </p14:sldIdLst>
         </p14:section>
@@ -226,7 +220,7 @@
           <a:p>
             <a:fld id="{0D007305-87E9-A64C-B2BE-A58D78C9716E}" type="datetimeFigureOut">
               <a:rPr lang="en-US" smtClean="0"/>
-              <a:t>11/24/23</a:t>
+              <a:t>11/26/23</a:t>
             </a:fld>
             <a:endParaRPr lang="en-US"/>
           </a:p>
@@ -648,7 +642,7 @@
           <a:p>
             <a:fld id="{AEBE5CE0-1C9A-164D-8282-85E756D9A591}" type="slidenum">
               <a:rPr lang="en-US" smtClean="0"/>
-              <a:t>4</a:t>
+              <a:t>5</a:t>
             </a:fld>
             <a:endParaRPr lang="en-US"/>
           </a:p>
@@ -735,7 +729,7 @@
           <a:p>
             <a:fld id="{AEBE5CE0-1C9A-164D-8282-85E756D9A591}" type="slidenum">
               <a:rPr lang="en-US" smtClean="0"/>
-              <a:t>5</a:t>
+              <a:t>6</a:t>
             </a:fld>
             <a:endParaRPr lang="en-US"/>
           </a:p>
@@ -842,7 +836,7 @@
           <a:p>
             <a:fld id="{AEBE5CE0-1C9A-164D-8282-85E756D9A591}" type="slidenum">
               <a:rPr lang="en-US" smtClean="0"/>
-              <a:t>11</a:t>
+              <a:t>8</a:t>
             </a:fld>
             <a:endParaRPr lang="en-US"/>
           </a:p>
@@ -1008,7 +1002,7 @@
           <a:p>
             <a:fld id="{3E6DC916-7C1B-2249-ABC7-C3F966B61A30}" type="datetimeFigureOut">
               <a:rPr lang="en-US" smtClean="0"/>
-              <a:t>11/24/23</a:t>
+              <a:t>11/26/23</a:t>
             </a:fld>
             <a:endParaRPr lang="en-US"/>
           </a:p>
@@ -1206,7 +1200,7 @@
           <a:p>
             <a:fld id="{3E6DC916-7C1B-2249-ABC7-C3F966B61A30}" type="datetimeFigureOut">
               <a:rPr lang="en-US" smtClean="0"/>
-              <a:t>11/24/23</a:t>
+              <a:t>11/26/23</a:t>
             </a:fld>
             <a:endParaRPr lang="en-US"/>
           </a:p>
@@ -1414,7 +1408,7 @@
           <a:p>
             <a:fld id="{3E6DC916-7C1B-2249-ABC7-C3F966B61A30}" type="datetimeFigureOut">
               <a:rPr lang="en-US" smtClean="0"/>
-              <a:t>11/24/23</a:t>
+              <a:t>11/26/23</a:t>
             </a:fld>
             <a:endParaRPr lang="en-US"/>
           </a:p>
@@ -1612,7 +1606,7 @@
           <a:p>
             <a:fld id="{3E6DC916-7C1B-2249-ABC7-C3F966B61A30}" type="datetimeFigureOut">
               <a:rPr lang="en-US" smtClean="0"/>
-              <a:t>11/24/23</a:t>
+              <a:t>11/26/23</a:t>
             </a:fld>
             <a:endParaRPr lang="en-US"/>
           </a:p>
@@ -1887,7 +1881,7 @@
           <a:p>
             <a:fld id="{3E6DC916-7C1B-2249-ABC7-C3F966B61A30}" type="datetimeFigureOut">
               <a:rPr lang="en-US" smtClean="0"/>
-              <a:t>11/24/23</a:t>
+              <a:t>11/26/23</a:t>
             </a:fld>
             <a:endParaRPr lang="en-US"/>
           </a:p>
@@ -2152,7 +2146,7 @@
           <a:p>
             <a:fld id="{3E6DC916-7C1B-2249-ABC7-C3F966B61A30}" type="datetimeFigureOut">
               <a:rPr lang="en-US" smtClean="0"/>
-              <a:t>11/24/23</a:t>
+              <a:t>11/26/23</a:t>
             </a:fld>
             <a:endParaRPr lang="en-US"/>
           </a:p>
@@ -2564,7 +2558,7 @@
           <a:p>
             <a:fld id="{3E6DC916-7C1B-2249-ABC7-C3F966B61A30}" type="datetimeFigureOut">
               <a:rPr lang="en-US" smtClean="0"/>
-              <a:t>11/24/23</a:t>
+              <a:t>11/26/23</a:t>
             </a:fld>
             <a:endParaRPr lang="en-US"/>
           </a:p>
@@ -2705,7 +2699,7 @@
           <a:p>
             <a:fld id="{3E6DC916-7C1B-2249-ABC7-C3F966B61A30}" type="datetimeFigureOut">
               <a:rPr lang="en-US" smtClean="0"/>
-              <a:t>11/24/23</a:t>
+              <a:t>11/26/23</a:t>
             </a:fld>
             <a:endParaRPr lang="en-US"/>
           </a:p>
@@ -2818,7 +2812,7 @@
           <a:p>
             <a:fld id="{3E6DC916-7C1B-2249-ABC7-C3F966B61A30}" type="datetimeFigureOut">
               <a:rPr lang="en-US" smtClean="0"/>
-              <a:t>11/24/23</a:t>
+              <a:t>11/26/23</a:t>
             </a:fld>
             <a:endParaRPr lang="en-US"/>
           </a:p>
@@ -3129,7 +3123,7 @@
           <a:p>
             <a:fld id="{3E6DC916-7C1B-2249-ABC7-C3F966B61A30}" type="datetimeFigureOut">
               <a:rPr lang="en-US" smtClean="0"/>
-              <a:t>11/24/23</a:t>
+              <a:t>11/26/23</a:t>
             </a:fld>
             <a:endParaRPr lang="en-US"/>
           </a:p>
@@ -3417,7 +3411,7 @@
           <a:p>
             <a:fld id="{3E6DC916-7C1B-2249-ABC7-C3F966B61A30}" type="datetimeFigureOut">
               <a:rPr lang="en-US" smtClean="0"/>
-              <a:t>11/24/23</a:t>
+              <a:t>11/26/23</a:t>
             </a:fld>
             <a:endParaRPr lang="en-US"/>
           </a:p>
@@ -3658,7 +3652,7 @@
           <a:p>
             <a:fld id="{3E6DC916-7C1B-2249-ABC7-C3F966B61A30}" type="datetimeFigureOut">
               <a:rPr lang="en-US" smtClean="0"/>
-              <a:t>11/24/23</a:t>
+              <a:t>11/26/23</a:t>
             </a:fld>
             <a:endParaRPr lang="en-US"/>
           </a:p>
@@ -4155,7 +4149,7 @@
 </p:sld>
 </file>
 
-<file path=ppt/slides/slide10.xml><?xml version="1.0" encoding="utf-8"?>
+<file path=ppt/slides/slide2.xml><?xml version="1.0" encoding="utf-8"?>
 <p:sld xmlns:a="http://schemas.openxmlformats.org/drawingml/2006/main" xmlns:r="http://schemas.openxmlformats.org/officeDocument/2006/relationships" xmlns:p="http://schemas.openxmlformats.org/presentationml/2006/main">
   <p:cSld>
     <p:spTree>
@@ -4174,38 +4168,10 @@
       </p:grpSpPr>
       <p:sp>
         <p:nvSpPr>
-          <p:cNvPr id="2" name="Title 1">
-            <a:extLst>
-              <a:ext uri="{FF2B5EF4-FFF2-40B4-BE49-F238E27FC236}">
-                <a16:creationId xmlns:a16="http://schemas.microsoft.com/office/drawing/2014/main" id="{671A82F3-8FCF-CA4E-BBB0-AE76F382D68F}"/>
-              </a:ext>
-            </a:extLst>
-          </p:cNvPr>
-          <p:cNvSpPr>
-            <a:spLocks noGrp="1"/>
-          </p:cNvSpPr>
-          <p:nvPr>
-            <p:ph type="title"/>
-          </p:nvPr>
-        </p:nvSpPr>
-        <p:spPr/>
-        <p:txBody>
-          <a:bodyPr/>
-          <a:lstStyle/>
-          <a:p>
-            <a:r>
-              <a:rPr lang="en-US" dirty="0"/>
-              <a:t>NHL Data</a:t>
-            </a:r>
-          </a:p>
-        </p:txBody>
-      </p:sp>
-      <p:sp>
-        <p:nvSpPr>
           <p:cNvPr id="3" name="Content Placeholder 2">
             <a:extLst>
               <a:ext uri="{FF2B5EF4-FFF2-40B4-BE49-F238E27FC236}">
-                <a16:creationId xmlns:a16="http://schemas.microsoft.com/office/drawing/2014/main" id="{C6ADF72C-300B-F047-A7FB-1ECC13D18C71}"/>
+                <a16:creationId xmlns:a16="http://schemas.microsoft.com/office/drawing/2014/main" id="{36E6A476-4924-AD42-99AF-053AEE36CEBC}"/>
               </a:ext>
             </a:extLst>
           </p:cNvPr>
@@ -4218,85 +4184,76 @@
         </p:nvSpPr>
         <p:spPr>
           <a:xfrm>
-            <a:off x="838201" y="1825625"/>
-            <a:ext cx="7443354" cy="4351338"/>
+            <a:off x="838200" y="5351317"/>
+            <a:ext cx="10515600" cy="825645"/>
           </a:xfrm>
         </p:spPr>
         <p:txBody>
           <a:bodyPr>
-            <a:normAutofit/>
+            <a:normAutofit lnSpcReduction="10000"/>
           </a:bodyPr>
           <a:lstStyle/>
           <a:p>
+            <a:pPr marL="0" indent="0">
+              <a:buNone/>
+            </a:pPr>
             <a:r>
               <a:rPr lang="en-US" dirty="0"/>
-              <a:t>Who is the best player in the league?</a:t>
-            </a:r>
-          </a:p>
-          <a:p>
-            <a:pPr lvl="1"/>
+              <a:t>https://</a:t>
+            </a:r>
+            <a:r>
+              <a:rPr lang="en-US" dirty="0" err="1"/>
+              <a:t>www.amazon.com</a:t>
+            </a:r>
             <a:r>
               <a:rPr lang="en-US" dirty="0"/>
-              <a:t>Simple Descriptive Statistics</a:t>
-            </a:r>
-          </a:p>
-          <a:p>
+              <a:t>/Mastering-Machine-Learning-Jamie-Dixon/</a:t>
+            </a:r>
+            <a:r>
+              <a:rPr lang="en-US" dirty="0" err="1"/>
+              <a:t>dp</a:t>
+            </a:r>
             <a:r>
               <a:rPr lang="en-US" dirty="0"/>
-              <a:t>Why is he the best player in the league?</a:t>
-            </a:r>
-          </a:p>
-          <a:p>
-            <a:pPr lvl="1"/>
-            <a:r>
-              <a:rPr lang="en-US" dirty="0"/>
-              <a:t>Dynamical Models</a:t>
-            </a:r>
-          </a:p>
-          <a:p>
-            <a:pPr lvl="1"/>
-            <a:r>
-              <a:rPr lang="en-US" dirty="0"/>
-              <a:t>ML Models</a:t>
-            </a:r>
-          </a:p>
-          <a:p>
-            <a:pPr lvl="2"/>
-            <a:r>
-              <a:rPr lang="en-US" dirty="0"/>
-              <a:t>Regression</a:t>
-            </a:r>
-          </a:p>
-          <a:p>
-            <a:pPr lvl="2"/>
-            <a:r>
-              <a:rPr lang="en-US" dirty="0"/>
-              <a:t>Tree-Based</a:t>
-            </a:r>
-          </a:p>
-          <a:p>
-            <a:pPr lvl="2"/>
-            <a:r>
-              <a:rPr lang="en-US" dirty="0"/>
-              <a:t>Neural Network</a:t>
-            </a:r>
-          </a:p>
-          <a:p>
-            <a:pPr lvl="1"/>
-            <a:r>
-              <a:rPr lang="en-US" dirty="0"/>
-              <a:t>Graph Database</a:t>
-            </a:r>
-          </a:p>
-          <a:p>
-            <a:endParaRPr lang="en-US" dirty="0"/>
-          </a:p>
-        </p:txBody>
-      </p:sp>
+              <a:t>/1785888404</a:t>
+            </a:r>
+          </a:p>
+        </p:txBody>
+      </p:sp>
+      <p:pic>
+        <p:nvPicPr>
+          <p:cNvPr id="5" name="Picture 4">
+            <a:extLst>
+              <a:ext uri="{FF2B5EF4-FFF2-40B4-BE49-F238E27FC236}">
+                <a16:creationId xmlns:a16="http://schemas.microsoft.com/office/drawing/2014/main" id="{2FE4411E-6036-344F-A5FB-83DD10DF8757}"/>
+              </a:ext>
+            </a:extLst>
+          </p:cNvPr>
+          <p:cNvPicPr>
+            <a:picLocks noChangeAspect="1"/>
+          </p:cNvPicPr>
+          <p:nvPr/>
+        </p:nvPicPr>
+        <p:blipFill>
+          <a:blip r:embed="rId2"/>
+          <a:stretch>
+            <a:fillRect/>
+          </a:stretch>
+        </p:blipFill>
+        <p:spPr>
+          <a:xfrm>
+            <a:off x="3766704" y="307109"/>
+            <a:ext cx="4076700" cy="4851400"/>
+          </a:xfrm>
+          <a:prstGeom prst="rect">
+            <a:avLst/>
+          </a:prstGeom>
+        </p:spPr>
+      </p:pic>
     </p:spTree>
     <p:extLst>
       <p:ext uri="{BB962C8B-B14F-4D97-AF65-F5344CB8AC3E}">
-        <p14:creationId xmlns:p14="http://schemas.microsoft.com/office/powerpoint/2010/main" val="2596857347"/>
+        <p14:creationId xmlns:p14="http://schemas.microsoft.com/office/powerpoint/2010/main" val="1129305543"/>
       </p:ext>
     </p:extLst>
   </p:cSld>
@@ -4306,7 +4263,694 @@
 </p:sld>
 </file>
 
-<file path=ppt/slides/slide11.xml><?xml version="1.0" encoding="utf-8"?>
+<file path=ppt/slides/slide3.xml><?xml version="1.0" encoding="utf-8"?>
+<p:sld xmlns:a="http://schemas.openxmlformats.org/drawingml/2006/main" xmlns:r="http://schemas.openxmlformats.org/officeDocument/2006/relationships" xmlns:p="http://schemas.openxmlformats.org/presentationml/2006/main">
+  <p:cSld>
+    <p:spTree>
+      <p:nvGrpSpPr>
+        <p:cNvPr id="1" name=""/>
+        <p:cNvGrpSpPr/>
+        <p:nvPr/>
+      </p:nvGrpSpPr>
+      <p:grpSpPr>
+        <a:xfrm>
+          <a:off x="0" y="0"/>
+          <a:ext cx="0" cy="0"/>
+          <a:chOff x="0" y="0"/>
+          <a:chExt cx="0" cy="0"/>
+        </a:xfrm>
+      </p:grpSpPr>
+      <p:sp>
+        <p:nvSpPr>
+          <p:cNvPr id="2" name="Title 1">
+            <a:extLst>
+              <a:ext uri="{FF2B5EF4-FFF2-40B4-BE49-F238E27FC236}">
+                <a16:creationId xmlns:a16="http://schemas.microsoft.com/office/drawing/2014/main" id="{97CFFAF0-D41A-C549-9F13-922B996D82DC}"/>
+              </a:ext>
+            </a:extLst>
+          </p:cNvPr>
+          <p:cNvSpPr>
+            <a:spLocks noGrp="1"/>
+          </p:cNvSpPr>
+          <p:nvPr>
+            <p:ph type="title"/>
+          </p:nvPr>
+        </p:nvSpPr>
+        <p:spPr/>
+        <p:txBody>
+          <a:bodyPr/>
+          <a:lstStyle/>
+          <a:p>
+            <a:r>
+              <a:rPr lang="en-US" dirty="0"/>
+              <a:t>Agenda</a:t>
+            </a:r>
+          </a:p>
+        </p:txBody>
+      </p:sp>
+      <p:sp>
+        <p:nvSpPr>
+          <p:cNvPr id="3" name="Content Placeholder 2">
+            <a:extLst>
+              <a:ext uri="{FF2B5EF4-FFF2-40B4-BE49-F238E27FC236}">
+                <a16:creationId xmlns:a16="http://schemas.microsoft.com/office/drawing/2014/main" id="{A962EB3D-F306-4948-A13E-13E234B8D3CC}"/>
+              </a:ext>
+            </a:extLst>
+          </p:cNvPr>
+          <p:cNvSpPr>
+            <a:spLocks noGrp="1"/>
+          </p:cNvSpPr>
+          <p:nvPr>
+            <p:ph idx="1"/>
+          </p:nvPr>
+        </p:nvSpPr>
+        <p:spPr/>
+        <p:txBody>
+          <a:bodyPr/>
+          <a:lstStyle/>
+          <a:p>
+            <a:r>
+              <a:rPr lang="en-US" dirty="0"/>
+              <a:t>Machine Learning &amp;&amp; Dynamical Models</a:t>
+            </a:r>
+          </a:p>
+          <a:p>
+            <a:pPr lvl="1"/>
+            <a:r>
+              <a:rPr lang="en-US" dirty="0"/>
+              <a:t>Regressions/Trees/Neural Networks</a:t>
+            </a:r>
+          </a:p>
+          <a:p>
+            <a:pPr lvl="1"/>
+            <a:r>
+              <a:rPr lang="en-US" dirty="0"/>
+              <a:t>ODE/PDE Models</a:t>
+            </a:r>
+          </a:p>
+          <a:p>
+            <a:r>
+              <a:rPr lang="en-US" dirty="0"/>
+              <a:t>Deploying To Prod</a:t>
+            </a:r>
+          </a:p>
+          <a:p>
+            <a:r>
+              <a:rPr lang="en-US" dirty="0"/>
+              <a:t>Considerations</a:t>
+            </a:r>
+          </a:p>
+          <a:p>
+            <a:pPr lvl="1"/>
+            <a:r>
+              <a:rPr lang="en-US" dirty="0"/>
+              <a:t>What, in fact, is the machine “learning”</a:t>
+            </a:r>
+          </a:p>
+          <a:p>
+            <a:pPr lvl="1"/>
+            <a:r>
+              <a:rPr lang="en-US" dirty="0"/>
+              <a:t>Does the Turing Test matter?</a:t>
+            </a:r>
+          </a:p>
+          <a:p>
+            <a:pPr lvl="1"/>
+            <a:r>
+              <a:rPr lang="en-US" dirty="0"/>
+              <a:t>AL v NI</a:t>
+            </a:r>
+          </a:p>
+        </p:txBody>
+      </p:sp>
+    </p:spTree>
+    <p:extLst>
+      <p:ext uri="{BB962C8B-B14F-4D97-AF65-F5344CB8AC3E}">
+        <p14:creationId xmlns:p14="http://schemas.microsoft.com/office/powerpoint/2010/main" val="3481201251"/>
+      </p:ext>
+    </p:extLst>
+  </p:cSld>
+  <p:clrMapOvr>
+    <a:masterClrMapping/>
+  </p:clrMapOvr>
+</p:sld>
+</file>
+
+<file path=ppt/slides/slide4.xml><?xml version="1.0" encoding="utf-8"?>
+<p:sld xmlns:a="http://schemas.openxmlformats.org/drawingml/2006/main" xmlns:r="http://schemas.openxmlformats.org/officeDocument/2006/relationships" xmlns:p="http://schemas.openxmlformats.org/presentationml/2006/main">
+  <p:cSld>
+    <p:spTree>
+      <p:nvGrpSpPr>
+        <p:cNvPr id="1" name=""/>
+        <p:cNvGrpSpPr/>
+        <p:nvPr/>
+      </p:nvGrpSpPr>
+      <p:grpSpPr>
+        <a:xfrm>
+          <a:off x="0" y="0"/>
+          <a:ext cx="0" cy="0"/>
+          <a:chOff x="0" y="0"/>
+          <a:chExt cx="0" cy="0"/>
+        </a:xfrm>
+      </p:grpSpPr>
+      <p:sp>
+        <p:nvSpPr>
+          <p:cNvPr id="2" name="Title 1">
+            <a:extLst>
+              <a:ext uri="{FF2B5EF4-FFF2-40B4-BE49-F238E27FC236}">
+                <a16:creationId xmlns:a16="http://schemas.microsoft.com/office/drawing/2014/main" id="{898EB300-D981-EC4E-9DC9-A61D9BECA554}"/>
+              </a:ext>
+            </a:extLst>
+          </p:cNvPr>
+          <p:cNvSpPr>
+            <a:spLocks noGrp="1"/>
+          </p:cNvSpPr>
+          <p:nvPr>
+            <p:ph type="title"/>
+          </p:nvPr>
+        </p:nvSpPr>
+        <p:spPr/>
+        <p:txBody>
+          <a:bodyPr/>
+          <a:lstStyle/>
+          <a:p>
+            <a:r>
+              <a:rPr lang="en-US" dirty="0"/>
+              <a:t>Machine Learning &amp;&amp; AI</a:t>
+            </a:r>
+          </a:p>
+        </p:txBody>
+      </p:sp>
+      <p:sp>
+        <p:nvSpPr>
+          <p:cNvPr id="3" name="Content Placeholder 2">
+            <a:extLst>
+              <a:ext uri="{FF2B5EF4-FFF2-40B4-BE49-F238E27FC236}">
+                <a16:creationId xmlns:a16="http://schemas.microsoft.com/office/drawing/2014/main" id="{5B34D1C1-1C07-B54B-BF6D-7DD7398EEAA8}"/>
+              </a:ext>
+            </a:extLst>
+          </p:cNvPr>
+          <p:cNvSpPr>
+            <a:spLocks noGrp="1"/>
+          </p:cNvSpPr>
+          <p:nvPr>
+            <p:ph idx="1"/>
+          </p:nvPr>
+        </p:nvSpPr>
+        <p:spPr/>
+        <p:txBody>
+          <a:bodyPr/>
+          <a:lstStyle/>
+          <a:p>
+            <a:r>
+              <a:rPr lang="en-US" dirty="0"/>
+              <a:t>Regressions</a:t>
+            </a:r>
+          </a:p>
+          <a:p>
+            <a:r>
+              <a:rPr lang="en-US" dirty="0"/>
+              <a:t>Trees</a:t>
+            </a:r>
+          </a:p>
+          <a:p>
+            <a:r>
+              <a:rPr lang="en-US" dirty="0"/>
+              <a:t>Neural Networks</a:t>
+            </a:r>
+          </a:p>
+        </p:txBody>
+      </p:sp>
+      <p:pic>
+        <p:nvPicPr>
+          <p:cNvPr id="5" name="Picture 4">
+            <a:extLst>
+              <a:ext uri="{FF2B5EF4-FFF2-40B4-BE49-F238E27FC236}">
+                <a16:creationId xmlns:a16="http://schemas.microsoft.com/office/drawing/2014/main" id="{49E949BC-2165-E04E-8198-45ADB0C54D92}"/>
+              </a:ext>
+            </a:extLst>
+          </p:cNvPr>
+          <p:cNvPicPr>
+            <a:picLocks noChangeAspect="1"/>
+          </p:cNvPicPr>
+          <p:nvPr/>
+        </p:nvPicPr>
+        <p:blipFill>
+          <a:blip r:embed="rId2"/>
+          <a:stretch>
+            <a:fillRect/>
+          </a:stretch>
+        </p:blipFill>
+        <p:spPr>
+          <a:xfrm>
+            <a:off x="5023104" y="1630509"/>
+            <a:ext cx="4060331" cy="1607782"/>
+          </a:xfrm>
+          <a:prstGeom prst="rect">
+            <a:avLst/>
+          </a:prstGeom>
+        </p:spPr>
+      </p:pic>
+      <p:pic>
+        <p:nvPicPr>
+          <p:cNvPr id="7" name="Picture 6">
+            <a:extLst>
+              <a:ext uri="{FF2B5EF4-FFF2-40B4-BE49-F238E27FC236}">
+                <a16:creationId xmlns:a16="http://schemas.microsoft.com/office/drawing/2014/main" id="{6CD1A946-5ACD-7C42-878A-44BBE743BB15}"/>
+              </a:ext>
+            </a:extLst>
+          </p:cNvPr>
+          <p:cNvPicPr>
+            <a:picLocks noChangeAspect="1"/>
+          </p:cNvPicPr>
+          <p:nvPr/>
+        </p:nvPicPr>
+        <p:blipFill>
+          <a:blip r:embed="rId3"/>
+          <a:stretch>
+            <a:fillRect/>
+          </a:stretch>
+        </p:blipFill>
+        <p:spPr>
+          <a:xfrm>
+            <a:off x="1279398" y="4001294"/>
+            <a:ext cx="3743706" cy="2293441"/>
+          </a:xfrm>
+          <a:prstGeom prst="rect">
+            <a:avLst/>
+          </a:prstGeom>
+        </p:spPr>
+      </p:pic>
+      <p:pic>
+        <p:nvPicPr>
+          <p:cNvPr id="8" name="Picture 7">
+            <a:extLst>
+              <a:ext uri="{FF2B5EF4-FFF2-40B4-BE49-F238E27FC236}">
+                <a16:creationId xmlns:a16="http://schemas.microsoft.com/office/drawing/2014/main" id="{BCE8AD01-EC97-3C47-91E9-89CCD1EFBCDD}"/>
+              </a:ext>
+            </a:extLst>
+          </p:cNvPr>
+          <p:cNvPicPr>
+            <a:picLocks noChangeAspect="1"/>
+          </p:cNvPicPr>
+          <p:nvPr/>
+        </p:nvPicPr>
+        <p:blipFill>
+          <a:blip r:embed="rId4"/>
+          <a:stretch>
+            <a:fillRect/>
+          </a:stretch>
+        </p:blipFill>
+        <p:spPr>
+          <a:xfrm>
+            <a:off x="6301232" y="3899335"/>
+            <a:ext cx="5052568" cy="2594103"/>
+          </a:xfrm>
+          <a:prstGeom prst="rect">
+            <a:avLst/>
+          </a:prstGeom>
+        </p:spPr>
+      </p:pic>
+    </p:spTree>
+    <p:extLst>
+      <p:ext uri="{BB962C8B-B14F-4D97-AF65-F5344CB8AC3E}">
+        <p14:creationId xmlns:p14="http://schemas.microsoft.com/office/powerpoint/2010/main" val="2481414607"/>
+      </p:ext>
+    </p:extLst>
+  </p:cSld>
+  <p:clrMapOvr>
+    <a:masterClrMapping/>
+  </p:clrMapOvr>
+</p:sld>
+</file>
+
+<file path=ppt/slides/slide5.xml><?xml version="1.0" encoding="utf-8"?>
+<p:sld xmlns:a="http://schemas.openxmlformats.org/drawingml/2006/main" xmlns:r="http://schemas.openxmlformats.org/officeDocument/2006/relationships" xmlns:p="http://schemas.openxmlformats.org/presentationml/2006/main">
+  <p:cSld>
+    <p:spTree>
+      <p:nvGrpSpPr>
+        <p:cNvPr id="1" name=""/>
+        <p:cNvGrpSpPr/>
+        <p:nvPr/>
+      </p:nvGrpSpPr>
+      <p:grpSpPr>
+        <a:xfrm>
+          <a:off x="0" y="0"/>
+          <a:ext cx="0" cy="0"/>
+          <a:chOff x="0" y="0"/>
+          <a:chExt cx="0" cy="0"/>
+        </a:xfrm>
+      </p:grpSpPr>
+      <p:sp>
+        <p:nvSpPr>
+          <p:cNvPr id="2" name="Title 1">
+            <a:extLst>
+              <a:ext uri="{FF2B5EF4-FFF2-40B4-BE49-F238E27FC236}">
+                <a16:creationId xmlns:a16="http://schemas.microsoft.com/office/drawing/2014/main" id="{6E552C1F-65EF-C248-8B11-21C24F6DFC8C}"/>
+              </a:ext>
+            </a:extLst>
+          </p:cNvPr>
+          <p:cNvSpPr>
+            <a:spLocks noGrp="1"/>
+          </p:cNvSpPr>
+          <p:nvPr>
+            <p:ph type="title"/>
+          </p:nvPr>
+        </p:nvSpPr>
+        <p:spPr/>
+        <p:txBody>
+          <a:bodyPr/>
+          <a:lstStyle/>
+          <a:p>
+            <a:r>
+              <a:rPr lang="en-US" dirty="0"/>
+              <a:t>Dynamical Models versus Machine Learning</a:t>
+            </a:r>
+          </a:p>
+        </p:txBody>
+      </p:sp>
+      <p:sp>
+        <p:nvSpPr>
+          <p:cNvPr id="5" name="Content Placeholder 4">
+            <a:extLst>
+              <a:ext uri="{FF2B5EF4-FFF2-40B4-BE49-F238E27FC236}">
+                <a16:creationId xmlns:a16="http://schemas.microsoft.com/office/drawing/2014/main" id="{715C661A-DFAD-1243-80D9-272B5ADD81FD}"/>
+              </a:ext>
+            </a:extLst>
+          </p:cNvPr>
+          <p:cNvSpPr>
+            <a:spLocks noGrp="1"/>
+          </p:cNvSpPr>
+          <p:nvPr>
+            <p:ph idx="1"/>
+          </p:nvPr>
+        </p:nvSpPr>
+        <p:spPr/>
+        <p:txBody>
+          <a:bodyPr/>
+          <a:lstStyle/>
+          <a:p>
+            <a:r>
+              <a:rPr lang="en-US" b="1" dirty="0"/>
+              <a:t>Modeling Philosophy:</a:t>
+            </a:r>
+            <a:endParaRPr lang="en-US" dirty="0"/>
+          </a:p>
+          <a:p>
+            <a:r>
+              <a:rPr lang="en-US" b="1" dirty="0"/>
+              <a:t>Dynamical Models:</a:t>
+            </a:r>
+            <a:r>
+              <a:rPr lang="en-US" dirty="0"/>
+              <a:t> These models are based on a set of differential equations that describe how the variables of a system </a:t>
+            </a:r>
+            <a:r>
+              <a:rPr lang="en-US" b="1" i="1" dirty="0">
+                <a:solidFill>
+                  <a:srgbClr val="FF0000"/>
+                </a:solidFill>
+              </a:rPr>
+              <a:t>change over time</a:t>
+            </a:r>
+            <a:r>
+              <a:rPr lang="en-US" dirty="0"/>
+              <a:t>. Dynamical models are often derived from first principles or domain-specific knowledge about the underlying processes governing the system.</a:t>
+            </a:r>
+          </a:p>
+          <a:p>
+            <a:r>
+              <a:rPr lang="en-US" b="1" dirty="0"/>
+              <a:t>Machine Learning Models:</a:t>
+            </a:r>
+            <a:r>
+              <a:rPr lang="en-US" dirty="0"/>
+              <a:t> Machine learning models, on the other hand, learn patterns and relationships from data. They do not necessarily require explicit knowledge of the underlying processes and can capture complex patterns in the data.</a:t>
+            </a:r>
+          </a:p>
+          <a:p>
+            <a:endParaRPr lang="en-US" dirty="0"/>
+          </a:p>
+        </p:txBody>
+      </p:sp>
+    </p:spTree>
+    <p:extLst>
+      <p:ext uri="{BB962C8B-B14F-4D97-AF65-F5344CB8AC3E}">
+        <p14:creationId xmlns:p14="http://schemas.microsoft.com/office/powerpoint/2010/main" val="706840001"/>
+      </p:ext>
+    </p:extLst>
+  </p:cSld>
+  <p:clrMapOvr>
+    <a:masterClrMapping/>
+  </p:clrMapOvr>
+</p:sld>
+</file>
+
+<file path=ppt/slides/slide6.xml><?xml version="1.0" encoding="utf-8"?>
+<p:sld xmlns:a="http://schemas.openxmlformats.org/drawingml/2006/main" xmlns:r="http://schemas.openxmlformats.org/officeDocument/2006/relationships" xmlns:p="http://schemas.openxmlformats.org/presentationml/2006/main">
+  <p:cSld>
+    <p:spTree>
+      <p:nvGrpSpPr>
+        <p:cNvPr id="1" name=""/>
+        <p:cNvGrpSpPr/>
+        <p:nvPr/>
+      </p:nvGrpSpPr>
+      <p:grpSpPr>
+        <a:xfrm>
+          <a:off x="0" y="0"/>
+          <a:ext cx="0" cy="0"/>
+          <a:chOff x="0" y="0"/>
+          <a:chExt cx="0" cy="0"/>
+        </a:xfrm>
+      </p:grpSpPr>
+      <p:sp>
+        <p:nvSpPr>
+          <p:cNvPr id="2" name="Title 1">
+            <a:extLst>
+              <a:ext uri="{FF2B5EF4-FFF2-40B4-BE49-F238E27FC236}">
+                <a16:creationId xmlns:a16="http://schemas.microsoft.com/office/drawing/2014/main" id="{6956A729-C264-354A-ABD9-975ACDC13C61}"/>
+              </a:ext>
+            </a:extLst>
+          </p:cNvPr>
+          <p:cNvSpPr>
+            <a:spLocks noGrp="1"/>
+          </p:cNvSpPr>
+          <p:nvPr>
+            <p:ph type="title"/>
+          </p:nvPr>
+        </p:nvSpPr>
+        <p:spPr/>
+        <p:txBody>
+          <a:bodyPr/>
+          <a:lstStyle/>
+          <a:p>
+            <a:r>
+              <a:rPr lang="en-US" dirty="0"/>
+              <a:t>Dynamical Models versus Machine Learning</a:t>
+            </a:r>
+          </a:p>
+        </p:txBody>
+      </p:sp>
+      <p:sp>
+        <p:nvSpPr>
+          <p:cNvPr id="3" name="Content Placeholder 2">
+            <a:extLst>
+              <a:ext uri="{FF2B5EF4-FFF2-40B4-BE49-F238E27FC236}">
+                <a16:creationId xmlns:a16="http://schemas.microsoft.com/office/drawing/2014/main" id="{4798D76D-86DB-9641-93CA-1ADEBD76254D}"/>
+              </a:ext>
+            </a:extLst>
+          </p:cNvPr>
+          <p:cNvSpPr>
+            <a:spLocks noGrp="1"/>
+          </p:cNvSpPr>
+          <p:nvPr>
+            <p:ph idx="1"/>
+          </p:nvPr>
+        </p:nvSpPr>
+        <p:spPr/>
+        <p:txBody>
+          <a:bodyPr/>
+          <a:lstStyle/>
+          <a:p>
+            <a:r>
+              <a:rPr lang="en-US" b="1" dirty="0"/>
+              <a:t>Data vs. Theory:</a:t>
+            </a:r>
+            <a:endParaRPr lang="en-US" dirty="0"/>
+          </a:p>
+          <a:p>
+            <a:r>
+              <a:rPr lang="en-US" b="1" dirty="0"/>
+              <a:t>Dynamical Models:</a:t>
+            </a:r>
+            <a:r>
+              <a:rPr lang="en-US" dirty="0"/>
+              <a:t> These models rely heavily on theoretical principles and </a:t>
+            </a:r>
+            <a:r>
+              <a:rPr lang="en-US" b="1" dirty="0">
+                <a:solidFill>
+                  <a:srgbClr val="FF0000"/>
+                </a:solidFill>
+              </a:rPr>
+              <a:t>domain knowledge</a:t>
+            </a:r>
+            <a:r>
+              <a:rPr lang="en-US" dirty="0"/>
+              <a:t>. They are designed based on an understanding of the underlying physics or dynamics of the system.</a:t>
+            </a:r>
+          </a:p>
+          <a:p>
+            <a:r>
+              <a:rPr lang="en-US" b="1" dirty="0"/>
+              <a:t>Machine Learning Models:</a:t>
+            </a:r>
+            <a:r>
+              <a:rPr lang="en-US" dirty="0"/>
+              <a:t> These models are data-driven and learn patterns directly from the data. They do not necessarily require a deep understanding of the underlying processes, making them more flexible in certain situations.</a:t>
+            </a:r>
+          </a:p>
+          <a:p>
+            <a:endParaRPr lang="en-US" dirty="0"/>
+          </a:p>
+        </p:txBody>
+      </p:sp>
+    </p:spTree>
+    <p:extLst>
+      <p:ext uri="{BB962C8B-B14F-4D97-AF65-F5344CB8AC3E}">
+        <p14:creationId xmlns:p14="http://schemas.microsoft.com/office/powerpoint/2010/main" val="4106054258"/>
+      </p:ext>
+    </p:extLst>
+  </p:cSld>
+  <p:clrMapOvr>
+    <a:masterClrMapping/>
+  </p:clrMapOvr>
+</p:sld>
+</file>
+
+<file path=ppt/slides/slide7.xml><?xml version="1.0" encoding="utf-8"?>
+<p:sld xmlns:a="http://schemas.openxmlformats.org/drawingml/2006/main" xmlns:r="http://schemas.openxmlformats.org/officeDocument/2006/relationships" xmlns:p="http://schemas.openxmlformats.org/presentationml/2006/main">
+  <p:cSld>
+    <p:spTree>
+      <p:nvGrpSpPr>
+        <p:cNvPr id="1" name=""/>
+        <p:cNvGrpSpPr/>
+        <p:nvPr/>
+      </p:nvGrpSpPr>
+      <p:grpSpPr>
+        <a:xfrm>
+          <a:off x="0" y="0"/>
+          <a:ext cx="0" cy="0"/>
+          <a:chOff x="0" y="0"/>
+          <a:chExt cx="0" cy="0"/>
+        </a:xfrm>
+      </p:grpSpPr>
+      <p:sp>
+        <p:nvSpPr>
+          <p:cNvPr id="2" name="Title 1">
+            <a:extLst>
+              <a:ext uri="{FF2B5EF4-FFF2-40B4-BE49-F238E27FC236}">
+                <a16:creationId xmlns:a16="http://schemas.microsoft.com/office/drawing/2014/main" id="{15CE45AC-934B-CD47-A4C0-1DC0394ED715}"/>
+              </a:ext>
+            </a:extLst>
+          </p:cNvPr>
+          <p:cNvSpPr>
+            <a:spLocks noGrp="1"/>
+          </p:cNvSpPr>
+          <p:nvPr>
+            <p:ph type="title"/>
+          </p:nvPr>
+        </p:nvSpPr>
+        <p:spPr/>
+        <p:txBody>
+          <a:bodyPr/>
+          <a:lstStyle/>
+          <a:p>
+            <a:r>
+              <a:rPr lang="en-US" dirty="0"/>
+              <a:t>Dynamical Models versus Machine Learning</a:t>
+            </a:r>
+          </a:p>
+        </p:txBody>
+      </p:sp>
+      <p:sp>
+        <p:nvSpPr>
+          <p:cNvPr id="3" name="Content Placeholder 2">
+            <a:extLst>
+              <a:ext uri="{FF2B5EF4-FFF2-40B4-BE49-F238E27FC236}">
+                <a16:creationId xmlns:a16="http://schemas.microsoft.com/office/drawing/2014/main" id="{C81A72D1-8A20-124C-B63C-701FEF41115E}"/>
+              </a:ext>
+            </a:extLst>
+          </p:cNvPr>
+          <p:cNvSpPr>
+            <a:spLocks noGrp="1"/>
+          </p:cNvSpPr>
+          <p:nvPr>
+            <p:ph idx="1"/>
+          </p:nvPr>
+        </p:nvSpPr>
+        <p:spPr/>
+        <p:txBody>
+          <a:bodyPr/>
+          <a:lstStyle/>
+          <a:p>
+            <a:r>
+              <a:rPr lang="en-US" b="1" dirty="0"/>
+              <a:t>Interpretability:</a:t>
+            </a:r>
+            <a:endParaRPr lang="en-US" dirty="0"/>
+          </a:p>
+          <a:p>
+            <a:r>
+              <a:rPr lang="en-US" b="1" dirty="0"/>
+              <a:t>Dynamical Models:</a:t>
+            </a:r>
+            <a:r>
+              <a:rPr lang="en-US" dirty="0"/>
+              <a:t> Dynamical models are often more interpretable because they are built on known principles. The parameters of the model usually have clear physical interpretations.</a:t>
+            </a:r>
+          </a:p>
+          <a:p>
+            <a:r>
+              <a:rPr lang="en-US" b="1" dirty="0"/>
+              <a:t>Machine Learning Models:</a:t>
+            </a:r>
+            <a:r>
+              <a:rPr lang="en-US" dirty="0"/>
+              <a:t> Many machine learning models, especially complex ones like deep neural networks, can be seen as </a:t>
+            </a:r>
+            <a:r>
+              <a:rPr lang="en-US" b="1" dirty="0">
+                <a:solidFill>
+                  <a:srgbClr val="FF0000"/>
+                </a:solidFill>
+              </a:rPr>
+              <a:t>"black boxes" </a:t>
+            </a:r>
+            <a:r>
+              <a:rPr lang="en-US" dirty="0"/>
+              <a:t>because it might be challenging to interpret how they arrive at a particular decision. Interpretability can be a challenge in certain applications.</a:t>
+            </a:r>
+          </a:p>
+          <a:p>
+            <a:endParaRPr lang="en-US" dirty="0"/>
+          </a:p>
+        </p:txBody>
+      </p:sp>
+    </p:spTree>
+    <p:extLst>
+      <p:ext uri="{BB962C8B-B14F-4D97-AF65-F5344CB8AC3E}">
+        <p14:creationId xmlns:p14="http://schemas.microsoft.com/office/powerpoint/2010/main" val="745405617"/>
+      </p:ext>
+    </p:extLst>
+  </p:cSld>
+  <p:clrMapOvr>
+    <a:masterClrMapping/>
+  </p:clrMapOvr>
+</p:sld>
+</file>
+
+<file path=ppt/slides/slide8.xml><?xml version="1.0" encoding="utf-8"?>
 <p:sld xmlns:a="http://schemas.openxmlformats.org/drawingml/2006/main" xmlns:r="http://schemas.openxmlformats.org/officeDocument/2006/relationships" xmlns:p="http://schemas.openxmlformats.org/presentationml/2006/main">
   <p:cSld>
     <p:spTree>
@@ -4785,950 +5429,6 @@
     <p:extLst>
       <p:ext uri="{BB962C8B-B14F-4D97-AF65-F5344CB8AC3E}">
         <p14:creationId xmlns:p14="http://schemas.microsoft.com/office/powerpoint/2010/main" val="3897595667"/>
-      </p:ext>
-    </p:extLst>
-  </p:cSld>
-  <p:clrMapOvr>
-    <a:masterClrMapping/>
-  </p:clrMapOvr>
-</p:sld>
-</file>
-
-<file path=ppt/slides/slide2.xml><?xml version="1.0" encoding="utf-8"?>
-<p:sld xmlns:a="http://schemas.openxmlformats.org/drawingml/2006/main" xmlns:r="http://schemas.openxmlformats.org/officeDocument/2006/relationships" xmlns:p="http://schemas.openxmlformats.org/presentationml/2006/main">
-  <p:cSld>
-    <p:spTree>
-      <p:nvGrpSpPr>
-        <p:cNvPr id="1" name=""/>
-        <p:cNvGrpSpPr/>
-        <p:nvPr/>
-      </p:nvGrpSpPr>
-      <p:grpSpPr>
-        <a:xfrm>
-          <a:off x="0" y="0"/>
-          <a:ext cx="0" cy="0"/>
-          <a:chOff x="0" y="0"/>
-          <a:chExt cx="0" cy="0"/>
-        </a:xfrm>
-      </p:grpSpPr>
-      <p:sp>
-        <p:nvSpPr>
-          <p:cNvPr id="3" name="Content Placeholder 2">
-            <a:extLst>
-              <a:ext uri="{FF2B5EF4-FFF2-40B4-BE49-F238E27FC236}">
-                <a16:creationId xmlns:a16="http://schemas.microsoft.com/office/drawing/2014/main" id="{36E6A476-4924-AD42-99AF-053AEE36CEBC}"/>
-              </a:ext>
-            </a:extLst>
-          </p:cNvPr>
-          <p:cNvSpPr>
-            <a:spLocks noGrp="1"/>
-          </p:cNvSpPr>
-          <p:nvPr>
-            <p:ph idx="1"/>
-          </p:nvPr>
-        </p:nvSpPr>
-        <p:spPr>
-          <a:xfrm>
-            <a:off x="838200" y="5351317"/>
-            <a:ext cx="10515600" cy="825645"/>
-          </a:xfrm>
-        </p:spPr>
-        <p:txBody>
-          <a:bodyPr>
-            <a:normAutofit lnSpcReduction="10000"/>
-          </a:bodyPr>
-          <a:lstStyle/>
-          <a:p>
-            <a:pPr marL="0" indent="0">
-              <a:buNone/>
-            </a:pPr>
-            <a:r>
-              <a:rPr lang="en-US" dirty="0"/>
-              <a:t>https://</a:t>
-            </a:r>
-            <a:r>
-              <a:rPr lang="en-US" dirty="0" err="1"/>
-              <a:t>www.amazon.com</a:t>
-            </a:r>
-            <a:r>
-              <a:rPr lang="en-US" dirty="0"/>
-              <a:t>/Mastering-Machine-Learning-Jamie-Dixon/</a:t>
-            </a:r>
-            <a:r>
-              <a:rPr lang="en-US" dirty="0" err="1"/>
-              <a:t>dp</a:t>
-            </a:r>
-            <a:r>
-              <a:rPr lang="en-US" dirty="0"/>
-              <a:t>/1785888404</a:t>
-            </a:r>
-          </a:p>
-        </p:txBody>
-      </p:sp>
-      <p:pic>
-        <p:nvPicPr>
-          <p:cNvPr id="5" name="Picture 4">
-            <a:extLst>
-              <a:ext uri="{FF2B5EF4-FFF2-40B4-BE49-F238E27FC236}">
-                <a16:creationId xmlns:a16="http://schemas.microsoft.com/office/drawing/2014/main" id="{2FE4411E-6036-344F-A5FB-83DD10DF8757}"/>
-              </a:ext>
-            </a:extLst>
-          </p:cNvPr>
-          <p:cNvPicPr>
-            <a:picLocks noChangeAspect="1"/>
-          </p:cNvPicPr>
-          <p:nvPr/>
-        </p:nvPicPr>
-        <p:blipFill>
-          <a:blip r:embed="rId2"/>
-          <a:stretch>
-            <a:fillRect/>
-          </a:stretch>
-        </p:blipFill>
-        <p:spPr>
-          <a:xfrm>
-            <a:off x="3766704" y="307109"/>
-            <a:ext cx="4076700" cy="4851400"/>
-          </a:xfrm>
-          <a:prstGeom prst="rect">
-            <a:avLst/>
-          </a:prstGeom>
-        </p:spPr>
-      </p:pic>
-    </p:spTree>
-    <p:extLst>
-      <p:ext uri="{BB962C8B-B14F-4D97-AF65-F5344CB8AC3E}">
-        <p14:creationId xmlns:p14="http://schemas.microsoft.com/office/powerpoint/2010/main" val="1129305543"/>
-      </p:ext>
-    </p:extLst>
-  </p:cSld>
-  <p:clrMapOvr>
-    <a:masterClrMapping/>
-  </p:clrMapOvr>
-</p:sld>
-</file>
-
-<file path=ppt/slides/slide3.xml><?xml version="1.0" encoding="utf-8"?>
-<p:sld xmlns:a="http://schemas.openxmlformats.org/drawingml/2006/main" xmlns:r="http://schemas.openxmlformats.org/officeDocument/2006/relationships" xmlns:p="http://schemas.openxmlformats.org/presentationml/2006/main">
-  <p:cSld>
-    <p:spTree>
-      <p:nvGrpSpPr>
-        <p:cNvPr id="1" name=""/>
-        <p:cNvGrpSpPr/>
-        <p:nvPr/>
-      </p:nvGrpSpPr>
-      <p:grpSpPr>
-        <a:xfrm>
-          <a:off x="0" y="0"/>
-          <a:ext cx="0" cy="0"/>
-          <a:chOff x="0" y="0"/>
-          <a:chExt cx="0" cy="0"/>
-        </a:xfrm>
-      </p:grpSpPr>
-      <p:sp>
-        <p:nvSpPr>
-          <p:cNvPr id="2" name="Title 1">
-            <a:extLst>
-              <a:ext uri="{FF2B5EF4-FFF2-40B4-BE49-F238E27FC236}">
-                <a16:creationId xmlns:a16="http://schemas.microsoft.com/office/drawing/2014/main" id="{97CFFAF0-D41A-C549-9F13-922B996D82DC}"/>
-              </a:ext>
-            </a:extLst>
-          </p:cNvPr>
-          <p:cNvSpPr>
-            <a:spLocks noGrp="1"/>
-          </p:cNvSpPr>
-          <p:nvPr>
-            <p:ph type="title"/>
-          </p:nvPr>
-        </p:nvSpPr>
-        <p:spPr/>
-        <p:txBody>
-          <a:bodyPr/>
-          <a:lstStyle/>
-          <a:p>
-            <a:r>
-              <a:rPr lang="en-US" dirty="0"/>
-              <a:t>Agenda</a:t>
-            </a:r>
-          </a:p>
-        </p:txBody>
-      </p:sp>
-      <p:sp>
-        <p:nvSpPr>
-          <p:cNvPr id="3" name="Content Placeholder 2">
-            <a:extLst>
-              <a:ext uri="{FF2B5EF4-FFF2-40B4-BE49-F238E27FC236}">
-                <a16:creationId xmlns:a16="http://schemas.microsoft.com/office/drawing/2014/main" id="{A962EB3D-F306-4948-A13E-13E234B8D3CC}"/>
-              </a:ext>
-            </a:extLst>
-          </p:cNvPr>
-          <p:cNvSpPr>
-            <a:spLocks noGrp="1"/>
-          </p:cNvSpPr>
-          <p:nvPr>
-            <p:ph idx="1"/>
-          </p:nvPr>
-        </p:nvSpPr>
-        <p:spPr/>
-        <p:txBody>
-          <a:bodyPr/>
-          <a:lstStyle/>
-          <a:p>
-            <a:r>
-              <a:rPr lang="en-US" dirty="0"/>
-              <a:t>Dynamical Models &amp;&amp; Machine Learning</a:t>
-            </a:r>
-          </a:p>
-          <a:p>
-            <a:pPr lvl="1"/>
-            <a:r>
-              <a:rPr lang="en-US" dirty="0"/>
-              <a:t>ODE/PDE/Stochastic Models</a:t>
-            </a:r>
-          </a:p>
-          <a:p>
-            <a:pPr lvl="1"/>
-            <a:r>
-              <a:rPr lang="en-US" dirty="0"/>
-              <a:t>Regressions/Trees/Neural Networks</a:t>
-            </a:r>
-          </a:p>
-          <a:p>
-            <a:pPr lvl="1"/>
-            <a:r>
-              <a:rPr lang="en-US" dirty="0"/>
-              <a:t>Graph Databases</a:t>
-            </a:r>
-          </a:p>
-          <a:p>
-            <a:r>
-              <a:rPr lang="en-US" dirty="0"/>
-              <a:t>Considerations</a:t>
-            </a:r>
-          </a:p>
-          <a:p>
-            <a:pPr lvl="1"/>
-            <a:r>
-              <a:rPr lang="en-US" dirty="0"/>
-              <a:t>What, in fact, is the machine “learning”</a:t>
-            </a:r>
-          </a:p>
-          <a:p>
-            <a:pPr lvl="1"/>
-            <a:r>
-              <a:rPr lang="en-US" dirty="0"/>
-              <a:t>Does the Turing Test matter?</a:t>
-            </a:r>
-          </a:p>
-          <a:p>
-            <a:pPr lvl="1"/>
-            <a:r>
-              <a:rPr lang="en-US" dirty="0"/>
-              <a:t>How can, and should, you use AI</a:t>
-            </a:r>
-          </a:p>
-        </p:txBody>
-      </p:sp>
-    </p:spTree>
-    <p:extLst>
-      <p:ext uri="{BB962C8B-B14F-4D97-AF65-F5344CB8AC3E}">
-        <p14:creationId xmlns:p14="http://schemas.microsoft.com/office/powerpoint/2010/main" val="3481201251"/>
-      </p:ext>
-    </p:extLst>
-  </p:cSld>
-  <p:clrMapOvr>
-    <a:masterClrMapping/>
-  </p:clrMapOvr>
-</p:sld>
-</file>
-
-<file path=ppt/slides/slide4.xml><?xml version="1.0" encoding="utf-8"?>
-<p:sld xmlns:a="http://schemas.openxmlformats.org/drawingml/2006/main" xmlns:r="http://schemas.openxmlformats.org/officeDocument/2006/relationships" xmlns:p="http://schemas.openxmlformats.org/presentationml/2006/main">
-  <p:cSld>
-    <p:spTree>
-      <p:nvGrpSpPr>
-        <p:cNvPr id="1" name=""/>
-        <p:cNvGrpSpPr/>
-        <p:nvPr/>
-      </p:nvGrpSpPr>
-      <p:grpSpPr>
-        <a:xfrm>
-          <a:off x="0" y="0"/>
-          <a:ext cx="0" cy="0"/>
-          <a:chOff x="0" y="0"/>
-          <a:chExt cx="0" cy="0"/>
-        </a:xfrm>
-      </p:grpSpPr>
-      <p:sp>
-        <p:nvSpPr>
-          <p:cNvPr id="2" name="Title 1">
-            <a:extLst>
-              <a:ext uri="{FF2B5EF4-FFF2-40B4-BE49-F238E27FC236}">
-                <a16:creationId xmlns:a16="http://schemas.microsoft.com/office/drawing/2014/main" id="{6E552C1F-65EF-C248-8B11-21C24F6DFC8C}"/>
-              </a:ext>
-            </a:extLst>
-          </p:cNvPr>
-          <p:cNvSpPr>
-            <a:spLocks noGrp="1"/>
-          </p:cNvSpPr>
-          <p:nvPr>
-            <p:ph type="title"/>
-          </p:nvPr>
-        </p:nvSpPr>
-        <p:spPr/>
-        <p:txBody>
-          <a:bodyPr/>
-          <a:lstStyle/>
-          <a:p>
-            <a:r>
-              <a:rPr lang="en-US" dirty="0"/>
-              <a:t>Dynamical Models versus Machine Learning</a:t>
-            </a:r>
-          </a:p>
-        </p:txBody>
-      </p:sp>
-      <p:sp>
-        <p:nvSpPr>
-          <p:cNvPr id="5" name="Content Placeholder 4">
-            <a:extLst>
-              <a:ext uri="{FF2B5EF4-FFF2-40B4-BE49-F238E27FC236}">
-                <a16:creationId xmlns:a16="http://schemas.microsoft.com/office/drawing/2014/main" id="{715C661A-DFAD-1243-80D9-272B5ADD81FD}"/>
-              </a:ext>
-            </a:extLst>
-          </p:cNvPr>
-          <p:cNvSpPr>
-            <a:spLocks noGrp="1"/>
-          </p:cNvSpPr>
-          <p:nvPr>
-            <p:ph idx="1"/>
-          </p:nvPr>
-        </p:nvSpPr>
-        <p:spPr/>
-        <p:txBody>
-          <a:bodyPr/>
-          <a:lstStyle/>
-          <a:p>
-            <a:r>
-              <a:rPr lang="en-US" b="1" dirty="0"/>
-              <a:t>Modeling Philosophy:</a:t>
-            </a:r>
-            <a:endParaRPr lang="en-US" dirty="0"/>
-          </a:p>
-          <a:p>
-            <a:r>
-              <a:rPr lang="en-US" b="1" dirty="0"/>
-              <a:t>Dynamical Models:</a:t>
-            </a:r>
-            <a:r>
-              <a:rPr lang="en-US" dirty="0"/>
-              <a:t> These models are based on a set of differential equations that describe how the variables of a system </a:t>
-            </a:r>
-            <a:r>
-              <a:rPr lang="en-US" b="1" i="1" dirty="0">
-                <a:solidFill>
-                  <a:srgbClr val="FF0000"/>
-                </a:solidFill>
-              </a:rPr>
-              <a:t>change over time</a:t>
-            </a:r>
-            <a:r>
-              <a:rPr lang="en-US" dirty="0"/>
-              <a:t>. Dynamical models are often derived from first principles or domain-specific knowledge about the underlying processes governing the system.</a:t>
-            </a:r>
-          </a:p>
-          <a:p>
-            <a:r>
-              <a:rPr lang="en-US" b="1" dirty="0"/>
-              <a:t>Machine Learning Models:</a:t>
-            </a:r>
-            <a:r>
-              <a:rPr lang="en-US" dirty="0"/>
-              <a:t> Machine learning models, on the other hand, learn patterns and relationships from data. They do not necessarily require explicit knowledge of the underlying processes and can capture complex patterns in the data.</a:t>
-            </a:r>
-          </a:p>
-          <a:p>
-            <a:endParaRPr lang="en-US" dirty="0"/>
-          </a:p>
-        </p:txBody>
-      </p:sp>
-    </p:spTree>
-    <p:extLst>
-      <p:ext uri="{BB962C8B-B14F-4D97-AF65-F5344CB8AC3E}">
-        <p14:creationId xmlns:p14="http://schemas.microsoft.com/office/powerpoint/2010/main" val="706840001"/>
-      </p:ext>
-    </p:extLst>
-  </p:cSld>
-  <p:clrMapOvr>
-    <a:masterClrMapping/>
-  </p:clrMapOvr>
-</p:sld>
-</file>
-
-<file path=ppt/slides/slide5.xml><?xml version="1.0" encoding="utf-8"?>
-<p:sld xmlns:a="http://schemas.openxmlformats.org/drawingml/2006/main" xmlns:r="http://schemas.openxmlformats.org/officeDocument/2006/relationships" xmlns:p="http://schemas.openxmlformats.org/presentationml/2006/main">
-  <p:cSld>
-    <p:spTree>
-      <p:nvGrpSpPr>
-        <p:cNvPr id="1" name=""/>
-        <p:cNvGrpSpPr/>
-        <p:nvPr/>
-      </p:nvGrpSpPr>
-      <p:grpSpPr>
-        <a:xfrm>
-          <a:off x="0" y="0"/>
-          <a:ext cx="0" cy="0"/>
-          <a:chOff x="0" y="0"/>
-          <a:chExt cx="0" cy="0"/>
-        </a:xfrm>
-      </p:grpSpPr>
-      <p:sp>
-        <p:nvSpPr>
-          <p:cNvPr id="2" name="Title 1">
-            <a:extLst>
-              <a:ext uri="{FF2B5EF4-FFF2-40B4-BE49-F238E27FC236}">
-                <a16:creationId xmlns:a16="http://schemas.microsoft.com/office/drawing/2014/main" id="{6956A729-C264-354A-ABD9-975ACDC13C61}"/>
-              </a:ext>
-            </a:extLst>
-          </p:cNvPr>
-          <p:cNvSpPr>
-            <a:spLocks noGrp="1"/>
-          </p:cNvSpPr>
-          <p:nvPr>
-            <p:ph type="title"/>
-          </p:nvPr>
-        </p:nvSpPr>
-        <p:spPr/>
-        <p:txBody>
-          <a:bodyPr/>
-          <a:lstStyle/>
-          <a:p>
-            <a:r>
-              <a:rPr lang="en-US" dirty="0"/>
-              <a:t>Dynamical Models versus Machine Learning</a:t>
-            </a:r>
-          </a:p>
-        </p:txBody>
-      </p:sp>
-      <p:sp>
-        <p:nvSpPr>
-          <p:cNvPr id="3" name="Content Placeholder 2">
-            <a:extLst>
-              <a:ext uri="{FF2B5EF4-FFF2-40B4-BE49-F238E27FC236}">
-                <a16:creationId xmlns:a16="http://schemas.microsoft.com/office/drawing/2014/main" id="{4798D76D-86DB-9641-93CA-1ADEBD76254D}"/>
-              </a:ext>
-            </a:extLst>
-          </p:cNvPr>
-          <p:cNvSpPr>
-            <a:spLocks noGrp="1"/>
-          </p:cNvSpPr>
-          <p:nvPr>
-            <p:ph idx="1"/>
-          </p:nvPr>
-        </p:nvSpPr>
-        <p:spPr/>
-        <p:txBody>
-          <a:bodyPr/>
-          <a:lstStyle/>
-          <a:p>
-            <a:r>
-              <a:rPr lang="en-US" b="1" dirty="0"/>
-              <a:t>Data vs. Theory:</a:t>
-            </a:r>
-            <a:endParaRPr lang="en-US" dirty="0"/>
-          </a:p>
-          <a:p>
-            <a:r>
-              <a:rPr lang="en-US" b="1" dirty="0"/>
-              <a:t>Dynamical Models:</a:t>
-            </a:r>
-            <a:r>
-              <a:rPr lang="en-US" dirty="0"/>
-              <a:t> These models rely heavily on theoretical principles and </a:t>
-            </a:r>
-            <a:r>
-              <a:rPr lang="en-US" b="1" dirty="0">
-                <a:solidFill>
-                  <a:srgbClr val="FF0000"/>
-                </a:solidFill>
-              </a:rPr>
-              <a:t>domain knowledge</a:t>
-            </a:r>
-            <a:r>
-              <a:rPr lang="en-US" dirty="0"/>
-              <a:t>. They are designed based on an understanding of the underlying physics or dynamics of the system.</a:t>
-            </a:r>
-          </a:p>
-          <a:p>
-            <a:r>
-              <a:rPr lang="en-US" b="1" dirty="0"/>
-              <a:t>Machine Learning Models:</a:t>
-            </a:r>
-            <a:r>
-              <a:rPr lang="en-US" dirty="0"/>
-              <a:t> These models are data-driven and learn patterns directly from the data. They do not necessarily require a deep understanding of the underlying processes, making them more flexible in certain situations.</a:t>
-            </a:r>
-          </a:p>
-          <a:p>
-            <a:endParaRPr lang="en-US" dirty="0"/>
-          </a:p>
-        </p:txBody>
-      </p:sp>
-    </p:spTree>
-    <p:extLst>
-      <p:ext uri="{BB962C8B-B14F-4D97-AF65-F5344CB8AC3E}">
-        <p14:creationId xmlns:p14="http://schemas.microsoft.com/office/powerpoint/2010/main" val="4106054258"/>
-      </p:ext>
-    </p:extLst>
-  </p:cSld>
-  <p:clrMapOvr>
-    <a:masterClrMapping/>
-  </p:clrMapOvr>
-</p:sld>
-</file>
-
-<file path=ppt/slides/slide6.xml><?xml version="1.0" encoding="utf-8"?>
-<p:sld xmlns:a="http://schemas.openxmlformats.org/drawingml/2006/main" xmlns:r="http://schemas.openxmlformats.org/officeDocument/2006/relationships" xmlns:p="http://schemas.openxmlformats.org/presentationml/2006/main">
-  <p:cSld>
-    <p:spTree>
-      <p:nvGrpSpPr>
-        <p:cNvPr id="1" name=""/>
-        <p:cNvGrpSpPr/>
-        <p:nvPr/>
-      </p:nvGrpSpPr>
-      <p:grpSpPr>
-        <a:xfrm>
-          <a:off x="0" y="0"/>
-          <a:ext cx="0" cy="0"/>
-          <a:chOff x="0" y="0"/>
-          <a:chExt cx="0" cy="0"/>
-        </a:xfrm>
-      </p:grpSpPr>
-      <p:sp>
-        <p:nvSpPr>
-          <p:cNvPr id="2" name="Title 1">
-            <a:extLst>
-              <a:ext uri="{FF2B5EF4-FFF2-40B4-BE49-F238E27FC236}">
-                <a16:creationId xmlns:a16="http://schemas.microsoft.com/office/drawing/2014/main" id="{15CE45AC-934B-CD47-A4C0-1DC0394ED715}"/>
-              </a:ext>
-            </a:extLst>
-          </p:cNvPr>
-          <p:cNvSpPr>
-            <a:spLocks noGrp="1"/>
-          </p:cNvSpPr>
-          <p:nvPr>
-            <p:ph type="title"/>
-          </p:nvPr>
-        </p:nvSpPr>
-        <p:spPr/>
-        <p:txBody>
-          <a:bodyPr/>
-          <a:lstStyle/>
-          <a:p>
-            <a:r>
-              <a:rPr lang="en-US" dirty="0"/>
-              <a:t>Dynamical Models versus Machine Learning</a:t>
-            </a:r>
-          </a:p>
-        </p:txBody>
-      </p:sp>
-      <p:sp>
-        <p:nvSpPr>
-          <p:cNvPr id="3" name="Content Placeholder 2">
-            <a:extLst>
-              <a:ext uri="{FF2B5EF4-FFF2-40B4-BE49-F238E27FC236}">
-                <a16:creationId xmlns:a16="http://schemas.microsoft.com/office/drawing/2014/main" id="{C81A72D1-8A20-124C-B63C-701FEF41115E}"/>
-              </a:ext>
-            </a:extLst>
-          </p:cNvPr>
-          <p:cNvSpPr>
-            <a:spLocks noGrp="1"/>
-          </p:cNvSpPr>
-          <p:nvPr>
-            <p:ph idx="1"/>
-          </p:nvPr>
-        </p:nvSpPr>
-        <p:spPr/>
-        <p:txBody>
-          <a:bodyPr/>
-          <a:lstStyle/>
-          <a:p>
-            <a:r>
-              <a:rPr lang="en-US" b="1" dirty="0"/>
-              <a:t>Interpretability:</a:t>
-            </a:r>
-            <a:endParaRPr lang="en-US" dirty="0"/>
-          </a:p>
-          <a:p>
-            <a:r>
-              <a:rPr lang="en-US" b="1" dirty="0"/>
-              <a:t>Dynamical Models:</a:t>
-            </a:r>
-            <a:r>
-              <a:rPr lang="en-US" dirty="0"/>
-              <a:t> Dynamical models are often more interpretable because they are built on known principles. The parameters of the model usually have clear physical interpretations.</a:t>
-            </a:r>
-          </a:p>
-          <a:p>
-            <a:r>
-              <a:rPr lang="en-US" b="1" dirty="0"/>
-              <a:t>Machine Learning Models:</a:t>
-            </a:r>
-            <a:r>
-              <a:rPr lang="en-US" dirty="0"/>
-              <a:t> Many machine learning models, especially complex ones like deep neural networks, can be seen as </a:t>
-            </a:r>
-            <a:r>
-              <a:rPr lang="en-US" b="1" dirty="0">
-                <a:solidFill>
-                  <a:srgbClr val="FF0000"/>
-                </a:solidFill>
-              </a:rPr>
-              <a:t>"black boxes" </a:t>
-            </a:r>
-            <a:r>
-              <a:rPr lang="en-US" dirty="0"/>
-              <a:t>because it might be challenging to interpret how they arrive at a particular decision. Interpretability can be a challenge in certain applications.</a:t>
-            </a:r>
-          </a:p>
-          <a:p>
-            <a:endParaRPr lang="en-US" dirty="0"/>
-          </a:p>
-        </p:txBody>
-      </p:sp>
-    </p:spTree>
-    <p:extLst>
-      <p:ext uri="{BB962C8B-B14F-4D97-AF65-F5344CB8AC3E}">
-        <p14:creationId xmlns:p14="http://schemas.microsoft.com/office/powerpoint/2010/main" val="745405617"/>
-      </p:ext>
-    </p:extLst>
-  </p:cSld>
-  <p:clrMapOvr>
-    <a:masterClrMapping/>
-  </p:clrMapOvr>
-</p:sld>
-</file>
-
-<file path=ppt/slides/slide7.xml><?xml version="1.0" encoding="utf-8"?>
-<p:sld xmlns:a="http://schemas.openxmlformats.org/drawingml/2006/main" xmlns:r="http://schemas.openxmlformats.org/officeDocument/2006/relationships" xmlns:p="http://schemas.openxmlformats.org/presentationml/2006/main">
-  <p:cSld>
-    <p:spTree>
-      <p:nvGrpSpPr>
-        <p:cNvPr id="1" name=""/>
-        <p:cNvGrpSpPr/>
-        <p:nvPr/>
-      </p:nvGrpSpPr>
-      <p:grpSpPr>
-        <a:xfrm>
-          <a:off x="0" y="0"/>
-          <a:ext cx="0" cy="0"/>
-          <a:chOff x="0" y="0"/>
-          <a:chExt cx="0" cy="0"/>
-        </a:xfrm>
-      </p:grpSpPr>
-      <p:sp>
-        <p:nvSpPr>
-          <p:cNvPr id="2" name="Title 1">
-            <a:extLst>
-              <a:ext uri="{FF2B5EF4-FFF2-40B4-BE49-F238E27FC236}">
-                <a16:creationId xmlns:a16="http://schemas.microsoft.com/office/drawing/2014/main" id="{2EA49590-F56A-A34B-9B76-333275B59A73}"/>
-              </a:ext>
-            </a:extLst>
-          </p:cNvPr>
-          <p:cNvSpPr>
-            <a:spLocks noGrp="1"/>
-          </p:cNvSpPr>
-          <p:nvPr>
-            <p:ph type="title"/>
-          </p:nvPr>
-        </p:nvSpPr>
-        <p:spPr/>
-        <p:txBody>
-          <a:bodyPr/>
-          <a:lstStyle/>
-          <a:p>
-            <a:r>
-              <a:rPr lang="en-US" dirty="0"/>
-              <a:t>Dynamical Models versus Machine Learning</a:t>
-            </a:r>
-          </a:p>
-        </p:txBody>
-      </p:sp>
-      <p:sp>
-        <p:nvSpPr>
-          <p:cNvPr id="3" name="Content Placeholder 2">
-            <a:extLst>
-              <a:ext uri="{FF2B5EF4-FFF2-40B4-BE49-F238E27FC236}">
-                <a16:creationId xmlns:a16="http://schemas.microsoft.com/office/drawing/2014/main" id="{EB66FE76-4674-E045-AB6A-1BD2C404B84D}"/>
-              </a:ext>
-            </a:extLst>
-          </p:cNvPr>
-          <p:cNvSpPr>
-            <a:spLocks noGrp="1"/>
-          </p:cNvSpPr>
-          <p:nvPr>
-            <p:ph idx="1"/>
-          </p:nvPr>
-        </p:nvSpPr>
-        <p:spPr/>
-        <p:txBody>
-          <a:bodyPr/>
-          <a:lstStyle/>
-          <a:p>
-            <a:r>
-              <a:rPr lang="en-US" b="1" dirty="0"/>
-              <a:t>Handling Noise and Uncertainty:</a:t>
-            </a:r>
-            <a:endParaRPr lang="en-US" dirty="0"/>
-          </a:p>
-          <a:p>
-            <a:r>
-              <a:rPr lang="en-US" b="1" dirty="0"/>
-              <a:t>Dynamical Models:</a:t>
-            </a:r>
-            <a:r>
-              <a:rPr lang="en-US" dirty="0"/>
-              <a:t> These models can handle noise and uncertainty to some extent, but they may struggle with complex, high-dimensional data or situations where the underlying processes are not well understood.</a:t>
-            </a:r>
-          </a:p>
-          <a:p>
-            <a:r>
-              <a:rPr lang="en-US" b="1" dirty="0"/>
-              <a:t>Machine Learning Models:</a:t>
-            </a:r>
-            <a:r>
-              <a:rPr lang="en-US" dirty="0"/>
-              <a:t> Machine learning models can be robust to noisy data and can handle complex relationships in high-dimensional spaces. However, they might not perform well if the training data deviates significantly from the test data.</a:t>
-            </a:r>
-          </a:p>
-          <a:p>
-            <a:endParaRPr lang="en-US" dirty="0"/>
-          </a:p>
-        </p:txBody>
-      </p:sp>
-    </p:spTree>
-    <p:extLst>
-      <p:ext uri="{BB962C8B-B14F-4D97-AF65-F5344CB8AC3E}">
-        <p14:creationId xmlns:p14="http://schemas.microsoft.com/office/powerpoint/2010/main" val="1811986165"/>
-      </p:ext>
-    </p:extLst>
-  </p:cSld>
-  <p:clrMapOvr>
-    <a:masterClrMapping/>
-  </p:clrMapOvr>
-</p:sld>
-</file>
-
-<file path=ppt/slides/slide8.xml><?xml version="1.0" encoding="utf-8"?>
-<p:sld xmlns:a="http://schemas.openxmlformats.org/drawingml/2006/main" xmlns:r="http://schemas.openxmlformats.org/officeDocument/2006/relationships" xmlns:p="http://schemas.openxmlformats.org/presentationml/2006/main">
-  <p:cSld>
-    <p:spTree>
-      <p:nvGrpSpPr>
-        <p:cNvPr id="1" name=""/>
-        <p:cNvGrpSpPr/>
-        <p:nvPr/>
-      </p:nvGrpSpPr>
-      <p:grpSpPr>
-        <a:xfrm>
-          <a:off x="0" y="0"/>
-          <a:ext cx="0" cy="0"/>
-          <a:chOff x="0" y="0"/>
-          <a:chExt cx="0" cy="0"/>
-        </a:xfrm>
-      </p:grpSpPr>
-      <p:sp>
-        <p:nvSpPr>
-          <p:cNvPr id="2" name="Title 1">
-            <a:extLst>
-              <a:ext uri="{FF2B5EF4-FFF2-40B4-BE49-F238E27FC236}">
-                <a16:creationId xmlns:a16="http://schemas.microsoft.com/office/drawing/2014/main" id="{F2CF8C0D-AA84-4746-A541-804C897DCDF3}"/>
-              </a:ext>
-            </a:extLst>
-          </p:cNvPr>
-          <p:cNvSpPr>
-            <a:spLocks noGrp="1"/>
-          </p:cNvSpPr>
-          <p:nvPr>
-            <p:ph type="title"/>
-          </p:nvPr>
-        </p:nvSpPr>
-        <p:spPr/>
-        <p:txBody>
-          <a:bodyPr/>
-          <a:lstStyle/>
-          <a:p>
-            <a:r>
-              <a:rPr lang="en-US" dirty="0"/>
-              <a:t>Dynamical Models versus Machine Learning</a:t>
-            </a:r>
-          </a:p>
-        </p:txBody>
-      </p:sp>
-      <p:sp>
-        <p:nvSpPr>
-          <p:cNvPr id="3" name="Content Placeholder 2">
-            <a:extLst>
-              <a:ext uri="{FF2B5EF4-FFF2-40B4-BE49-F238E27FC236}">
-                <a16:creationId xmlns:a16="http://schemas.microsoft.com/office/drawing/2014/main" id="{0A63FC1A-9D8B-BA41-A08B-89D736AC7AB6}"/>
-              </a:ext>
-            </a:extLst>
-          </p:cNvPr>
-          <p:cNvSpPr>
-            <a:spLocks noGrp="1"/>
-          </p:cNvSpPr>
-          <p:nvPr>
-            <p:ph idx="1"/>
-          </p:nvPr>
-        </p:nvSpPr>
-        <p:spPr/>
-        <p:txBody>
-          <a:bodyPr/>
-          <a:lstStyle/>
-          <a:p>
-            <a:r>
-              <a:rPr lang="en-US" b="1" dirty="0"/>
-              <a:t>Training:</a:t>
-            </a:r>
-            <a:endParaRPr lang="en-US" dirty="0"/>
-          </a:p>
-          <a:p>
-            <a:r>
-              <a:rPr lang="en-US" b="1" dirty="0"/>
-              <a:t>Dynamical Models:</a:t>
-            </a:r>
-            <a:r>
-              <a:rPr lang="en-US" dirty="0"/>
-              <a:t> Parameters of dynamical models are often determined through a process of fitting the model to observed data, but this process may involve more manual tuning and domain expertise.</a:t>
-            </a:r>
-          </a:p>
-          <a:p>
-            <a:r>
-              <a:rPr lang="en-US" b="1" dirty="0"/>
-              <a:t>Machine Learning Models:</a:t>
-            </a:r>
-            <a:r>
-              <a:rPr lang="en-US" dirty="0"/>
-              <a:t> Training machine learning models involves optimization algorithms that automatically adjust the model parameters to minimize a specified objective function, often based on the available training data.</a:t>
-            </a:r>
-          </a:p>
-          <a:p>
-            <a:endParaRPr lang="en-US" dirty="0"/>
-          </a:p>
-        </p:txBody>
-      </p:sp>
-    </p:spTree>
-    <p:extLst>
-      <p:ext uri="{BB962C8B-B14F-4D97-AF65-F5344CB8AC3E}">
-        <p14:creationId xmlns:p14="http://schemas.microsoft.com/office/powerpoint/2010/main" val="3795859388"/>
-      </p:ext>
-    </p:extLst>
-  </p:cSld>
-  <p:clrMapOvr>
-    <a:masterClrMapping/>
-  </p:clrMapOvr>
-</p:sld>
-</file>
-
-<file path=ppt/slides/slide9.xml><?xml version="1.0" encoding="utf-8"?>
-<p:sld xmlns:a="http://schemas.openxmlformats.org/drawingml/2006/main" xmlns:r="http://schemas.openxmlformats.org/officeDocument/2006/relationships" xmlns:p="http://schemas.openxmlformats.org/presentationml/2006/main">
-  <p:cSld>
-    <p:spTree>
-      <p:nvGrpSpPr>
-        <p:cNvPr id="1" name=""/>
-        <p:cNvGrpSpPr/>
-        <p:nvPr/>
-      </p:nvGrpSpPr>
-      <p:grpSpPr>
-        <a:xfrm>
-          <a:off x="0" y="0"/>
-          <a:ext cx="0" cy="0"/>
-          <a:chOff x="0" y="0"/>
-          <a:chExt cx="0" cy="0"/>
-        </a:xfrm>
-      </p:grpSpPr>
-      <p:sp>
-        <p:nvSpPr>
-          <p:cNvPr id="2" name="Title 1">
-            <a:extLst>
-              <a:ext uri="{FF2B5EF4-FFF2-40B4-BE49-F238E27FC236}">
-                <a16:creationId xmlns:a16="http://schemas.microsoft.com/office/drawing/2014/main" id="{C776957E-36CD-1048-8F56-AA9FC7E459F4}"/>
-              </a:ext>
-            </a:extLst>
-          </p:cNvPr>
-          <p:cNvSpPr>
-            <a:spLocks noGrp="1"/>
-          </p:cNvSpPr>
-          <p:nvPr>
-            <p:ph type="title"/>
-          </p:nvPr>
-        </p:nvSpPr>
-        <p:spPr/>
-        <p:txBody>
-          <a:bodyPr/>
-          <a:lstStyle/>
-          <a:p>
-            <a:r>
-              <a:rPr lang="en-US" dirty="0"/>
-              <a:t>Dynamical Models versus Machine Learning</a:t>
-            </a:r>
-          </a:p>
-        </p:txBody>
-      </p:sp>
-      <p:sp>
-        <p:nvSpPr>
-          <p:cNvPr id="3" name="Content Placeholder 2">
-            <a:extLst>
-              <a:ext uri="{FF2B5EF4-FFF2-40B4-BE49-F238E27FC236}">
-                <a16:creationId xmlns:a16="http://schemas.microsoft.com/office/drawing/2014/main" id="{C0B85F44-9D69-A84D-889C-65FFCDD4F6A8}"/>
-              </a:ext>
-            </a:extLst>
-          </p:cNvPr>
-          <p:cNvSpPr>
-            <a:spLocks noGrp="1"/>
-          </p:cNvSpPr>
-          <p:nvPr>
-            <p:ph idx="1"/>
-          </p:nvPr>
-        </p:nvSpPr>
-        <p:spPr/>
-        <p:txBody>
-          <a:bodyPr/>
-          <a:lstStyle/>
-          <a:p>
-            <a:r>
-              <a:rPr lang="en-US" b="1" dirty="0"/>
-              <a:t>Applications:</a:t>
-            </a:r>
-            <a:endParaRPr lang="en-US" dirty="0"/>
-          </a:p>
-          <a:p>
-            <a:r>
-              <a:rPr lang="en-US" b="1" dirty="0"/>
-              <a:t>Dynamical Models:</a:t>
-            </a:r>
-            <a:r>
-              <a:rPr lang="en-US" dirty="0"/>
-              <a:t> Commonly used in physics, engineering, and other domains where the underlying principles are well understood and can be explicitly modeled.</a:t>
-            </a:r>
-          </a:p>
-          <a:p>
-            <a:r>
-              <a:rPr lang="en-US" b="1" dirty="0"/>
-              <a:t>Machine Learning Models:</a:t>
-            </a:r>
-            <a:r>
-              <a:rPr lang="en-US" dirty="0"/>
-              <a:t> Widely used in various fields, especially when dealing with large datasets and complex patterns, such as image recognition, natural language processing, and recommendation systems.</a:t>
-            </a:r>
-          </a:p>
-          <a:p>
-            <a:endParaRPr lang="en-US" dirty="0"/>
-          </a:p>
-        </p:txBody>
-      </p:sp>
-    </p:spTree>
-    <p:extLst>
-      <p:ext uri="{BB962C8B-B14F-4D97-AF65-F5344CB8AC3E}">
-        <p14:creationId xmlns:p14="http://schemas.microsoft.com/office/powerpoint/2010/main" val="3171210125"/>
       </p:ext>
     </p:extLst>
   </p:cSld>

--- a/SWES_MachineLearning.pptx
+++ b/SWES_MachineLearning.pptx
@@ -5,17 +5,18 @@
     <p:sldMasterId id="2147483648" r:id="rId1"/>
   </p:sldMasterIdLst>
   <p:notesMasterIdLst>
-    <p:notesMasterId r:id="rId10"/>
+    <p:notesMasterId r:id="rId11"/>
   </p:notesMasterIdLst>
   <p:sldIdLst>
     <p:sldId id="256" r:id="rId2"/>
     <p:sldId id="260" r:id="rId3"/>
     <p:sldId id="257" r:id="rId4"/>
     <p:sldId id="268" r:id="rId5"/>
-    <p:sldId id="261" r:id="rId6"/>
-    <p:sldId id="262" r:id="rId7"/>
-    <p:sldId id="263" r:id="rId8"/>
-    <p:sldId id="267" r:id="rId9"/>
+    <p:sldId id="269" r:id="rId6"/>
+    <p:sldId id="261" r:id="rId7"/>
+    <p:sldId id="262" r:id="rId8"/>
+    <p:sldId id="263" r:id="rId9"/>
+    <p:sldId id="267" r:id="rId10"/>
   </p:sldIdLst>
   <p:sldSz cx="12192000" cy="6858000"/>
   <p:notesSz cx="6858000" cy="9144000"/>
@@ -123,6 +124,7 @@
             <p14:sldId id="260"/>
             <p14:sldId id="257"/>
             <p14:sldId id="268"/>
+            <p14:sldId id="269"/>
             <p14:sldId id="261"/>
             <p14:sldId id="262"/>
             <p14:sldId id="263"/>
@@ -642,7 +644,7 @@
           <a:p>
             <a:fld id="{AEBE5CE0-1C9A-164D-8282-85E756D9A591}" type="slidenum">
               <a:rPr lang="en-US" smtClean="0"/>
-              <a:t>5</a:t>
+              <a:t>6</a:t>
             </a:fld>
             <a:endParaRPr lang="en-US"/>
           </a:p>
@@ -729,7 +731,7 @@
           <a:p>
             <a:fld id="{AEBE5CE0-1C9A-164D-8282-85E756D9A591}" type="slidenum">
               <a:rPr lang="en-US" smtClean="0"/>
-              <a:t>6</a:t>
+              <a:t>7</a:t>
             </a:fld>
             <a:endParaRPr lang="en-US"/>
           </a:p>
@@ -836,7 +838,7 @@
           <a:p>
             <a:fld id="{AEBE5CE0-1C9A-164D-8282-85E756D9A591}" type="slidenum">
               <a:rPr lang="en-US" smtClean="0"/>
-              <a:t>8</a:t>
+              <a:t>9</a:t>
             </a:fld>
             <a:endParaRPr lang="en-US"/>
           </a:p>
@@ -4345,6 +4347,13 @@
             <a:pPr lvl="1"/>
             <a:r>
               <a:rPr lang="en-US" dirty="0"/>
+              <a:t>Ensembling</a:t>
+            </a:r>
+          </a:p>
+          <a:p>
+            <a:pPr lvl="1"/>
+            <a:r>
+              <a:rPr lang="en-US" dirty="0"/>
               <a:t>ODE/PDE Models</a:t>
             </a:r>
           </a:p>
@@ -4606,7 +4615,7 @@
           <p:cNvPr id="2" name="Title 1">
             <a:extLst>
               <a:ext uri="{FF2B5EF4-FFF2-40B4-BE49-F238E27FC236}">
-                <a16:creationId xmlns:a16="http://schemas.microsoft.com/office/drawing/2014/main" id="{6E552C1F-65EF-C248-8B11-21C24F6DFC8C}"/>
+                <a16:creationId xmlns:a16="http://schemas.microsoft.com/office/drawing/2014/main" id="{C2303A4D-A40C-114A-A012-EDDF50DD3D0A}"/>
               </a:ext>
             </a:extLst>
           </p:cNvPr>
@@ -4624,79 +4633,1833 @@
           <a:p>
             <a:r>
               <a:rPr lang="en-US" dirty="0"/>
-              <a:t>Dynamical Models versus Machine Learning</a:t>
-            </a:r>
-          </a:p>
-        </p:txBody>
-      </p:sp>
-      <p:sp>
-        <p:nvSpPr>
-          <p:cNvPr id="5" name="Content Placeholder 4">
-            <a:extLst>
-              <a:ext uri="{FF2B5EF4-FFF2-40B4-BE49-F238E27FC236}">
-                <a16:creationId xmlns:a16="http://schemas.microsoft.com/office/drawing/2014/main" id="{715C661A-DFAD-1243-80D9-272B5ADD81FD}"/>
-              </a:ext>
-            </a:extLst>
-          </p:cNvPr>
-          <p:cNvSpPr>
-            <a:spLocks noGrp="1"/>
-          </p:cNvSpPr>
-          <p:nvPr>
-            <p:ph idx="1"/>
-          </p:nvPr>
-        </p:nvSpPr>
-        <p:spPr/>
-        <p:txBody>
-          <a:bodyPr/>
-          <a:lstStyle/>
-          <a:p>
-            <a:r>
-              <a:rPr lang="en-US" b="1" dirty="0"/>
-              <a:t>Modeling Philosophy:</a:t>
-            </a:r>
-            <a:endParaRPr lang="en-US" dirty="0"/>
-          </a:p>
-          <a:p>
-            <a:r>
-              <a:rPr lang="en-US" b="1" dirty="0"/>
-              <a:t>Dynamical Models:</a:t>
-            </a:r>
-            <a:r>
-              <a:rPr lang="en-US" dirty="0"/>
-              <a:t> These models are based on a set of differential equations that describe how the variables of a system </a:t>
-            </a:r>
-            <a:r>
-              <a:rPr lang="en-US" b="1" i="1" dirty="0">
-                <a:solidFill>
-                  <a:srgbClr val="FF0000"/>
-                </a:solidFill>
-              </a:rPr>
-              <a:t>change over time</a:t>
-            </a:r>
-            <a:r>
-              <a:rPr lang="en-US" dirty="0"/>
-              <a:t>. Dynamical models are often derived from first principles or domain-specific knowledge about the underlying processes governing the system.</a:t>
-            </a:r>
-          </a:p>
-          <a:p>
-            <a:r>
-              <a:rPr lang="en-US" b="1" dirty="0"/>
-              <a:t>Machine Learning Models:</a:t>
-            </a:r>
-            <a:r>
-              <a:rPr lang="en-US" dirty="0"/>
-              <a:t> Machine learning models, on the other hand, learn patterns and relationships from data. They do not necessarily require explicit knowledge of the underlying processes and can capture complex patterns in the data.</a:t>
-            </a:r>
-          </a:p>
-          <a:p>
-            <a:endParaRPr lang="en-US" dirty="0"/>
-          </a:p>
-        </p:txBody>
-      </p:sp>
+              <a:t>Ensembling</a:t>
+            </a:r>
+          </a:p>
+        </p:txBody>
+      </p:sp>
+      <p:graphicFrame>
+        <p:nvGraphicFramePr>
+          <p:cNvPr id="5" name="Table 4">
+            <a:extLst>
+              <a:ext uri="{FF2B5EF4-FFF2-40B4-BE49-F238E27FC236}">
+                <a16:creationId xmlns:a16="http://schemas.microsoft.com/office/drawing/2014/main" id="{C17CA01D-8520-B041-BAF9-1C9F9B7F6A46}"/>
+              </a:ext>
+            </a:extLst>
+          </p:cNvPr>
+          <p:cNvGraphicFramePr>
+            <a:graphicFrameLocks noGrp="1"/>
+          </p:cNvGraphicFramePr>
+          <p:nvPr>
+            <p:extLst>
+              <p:ext uri="{D42A27DB-BD31-4B8C-83A1-F6EECF244321}">
+                <p14:modId xmlns:p14="http://schemas.microsoft.com/office/powerpoint/2010/main" val="1661219415"/>
+              </p:ext>
+            </p:extLst>
+          </p:nvPr>
+        </p:nvGraphicFramePr>
+        <p:xfrm>
+          <a:off x="3141518" y="1690688"/>
+          <a:ext cx="4953000" cy="2438400"/>
+        </p:xfrm>
+        <a:graphic>
+          <a:graphicData uri="http://schemas.openxmlformats.org/drawingml/2006/table">
+            <a:tbl>
+              <a:tblPr>
+                <a:tableStyleId>{5C22544A-7EE6-4342-B048-85BDC9FD1C3A}</a:tableStyleId>
+              </a:tblPr>
+              <a:tblGrid>
+                <a:gridCol w="825500">
+                  <a:extLst>
+                    <a:ext uri="{9D8B030D-6E8A-4147-A177-3AD203B41FA5}">
+                      <a16:colId xmlns:a16="http://schemas.microsoft.com/office/drawing/2014/main" val="2718979211"/>
+                    </a:ext>
+                  </a:extLst>
+                </a:gridCol>
+                <a:gridCol w="825500">
+                  <a:extLst>
+                    <a:ext uri="{9D8B030D-6E8A-4147-A177-3AD203B41FA5}">
+                      <a16:colId xmlns:a16="http://schemas.microsoft.com/office/drawing/2014/main" val="2213538308"/>
+                    </a:ext>
+                  </a:extLst>
+                </a:gridCol>
+                <a:gridCol w="825500">
+                  <a:extLst>
+                    <a:ext uri="{9D8B030D-6E8A-4147-A177-3AD203B41FA5}">
+                      <a16:colId xmlns:a16="http://schemas.microsoft.com/office/drawing/2014/main" val="1438183783"/>
+                    </a:ext>
+                  </a:extLst>
+                </a:gridCol>
+                <a:gridCol w="825500">
+                  <a:extLst>
+                    <a:ext uri="{9D8B030D-6E8A-4147-A177-3AD203B41FA5}">
+                      <a16:colId xmlns:a16="http://schemas.microsoft.com/office/drawing/2014/main" val="1531371231"/>
+                    </a:ext>
+                  </a:extLst>
+                </a:gridCol>
+                <a:gridCol w="825500">
+                  <a:extLst>
+                    <a:ext uri="{9D8B030D-6E8A-4147-A177-3AD203B41FA5}">
+                      <a16:colId xmlns:a16="http://schemas.microsoft.com/office/drawing/2014/main" val="3928094079"/>
+                    </a:ext>
+                  </a:extLst>
+                </a:gridCol>
+                <a:gridCol w="825500">
+                  <a:extLst>
+                    <a:ext uri="{9D8B030D-6E8A-4147-A177-3AD203B41FA5}">
+                      <a16:colId xmlns:a16="http://schemas.microsoft.com/office/drawing/2014/main" val="312409215"/>
+                    </a:ext>
+                  </a:extLst>
+                </a:gridCol>
+              </a:tblGrid>
+              <a:tr h="203200">
+                <a:tc>
+                  <a:txBody>
+                    <a:bodyPr/>
+                    <a:lstStyle/>
+                    <a:p>
+                      <a:pPr algn="ctr" fontAlgn="b"/>
+                      <a:r>
+                        <a:rPr lang="en-US" sz="1200" u="none" strike="noStrike">
+                          <a:effectLst/>
+                        </a:rPr>
+                        <a:t>Obs #</a:t>
+                      </a:r>
+                      <a:endParaRPr lang="en-US" sz="1200" b="0" i="0" u="none" strike="noStrike">
+                        <a:solidFill>
+                          <a:srgbClr val="000000"/>
+                        </a:solidFill>
+                        <a:effectLst/>
+                        <a:latin typeface="Calibri" panose="020F0502020204030204" pitchFamily="34" charset="0"/>
+                      </a:endParaRPr>
+                    </a:p>
+                  </a:txBody>
+                  <a:tcPr marL="9525" marR="9525" marT="9525" marB="0" anchor="b"/>
+                </a:tc>
+                <a:tc>
+                  <a:txBody>
+                    <a:bodyPr/>
+                    <a:lstStyle/>
+                    <a:p>
+                      <a:pPr algn="ctr" fontAlgn="b"/>
+                      <a:r>
+                        <a:rPr lang="en-US" sz="1200" u="none" strike="noStrike">
+                          <a:effectLst/>
+                        </a:rPr>
+                        <a:t>Shot</a:t>
+                      </a:r>
+                      <a:endParaRPr lang="en-US" sz="1200" b="0" i="0" u="none" strike="noStrike">
+                        <a:solidFill>
+                          <a:srgbClr val="000000"/>
+                        </a:solidFill>
+                        <a:effectLst/>
+                        <a:latin typeface="Calibri" panose="020F0502020204030204" pitchFamily="34" charset="0"/>
+                      </a:endParaRPr>
+                    </a:p>
+                  </a:txBody>
+                  <a:tcPr marL="9525" marR="9525" marT="9525" marB="0" anchor="b"/>
+                </a:tc>
+                <a:tc>
+                  <a:txBody>
+                    <a:bodyPr/>
+                    <a:lstStyle/>
+                    <a:p>
+                      <a:pPr algn="ctr" fontAlgn="b"/>
+                      <a:r>
+                        <a:rPr lang="en-US" sz="1200" u="none" strike="noStrike">
+                          <a:effectLst/>
+                        </a:rPr>
+                        <a:t>Dist</a:t>
+                      </a:r>
+                      <a:endParaRPr lang="en-US" sz="1200" b="0" i="0" u="none" strike="noStrike">
+                        <a:solidFill>
+                          <a:srgbClr val="000000"/>
+                        </a:solidFill>
+                        <a:effectLst/>
+                        <a:latin typeface="Calibri" panose="020F0502020204030204" pitchFamily="34" charset="0"/>
+                      </a:endParaRPr>
+                    </a:p>
+                  </a:txBody>
+                  <a:tcPr marL="9525" marR="9525" marT="9525" marB="0" anchor="b"/>
+                </a:tc>
+                <a:tc>
+                  <a:txBody>
+                    <a:bodyPr/>
+                    <a:lstStyle/>
+                    <a:p>
+                      <a:pPr algn="ctr" fontAlgn="b"/>
+                      <a:r>
+                        <a:rPr lang="en-US" sz="1200" u="none" strike="noStrike">
+                          <a:effectLst/>
+                        </a:rPr>
+                        <a:t>Tree</a:t>
+                      </a:r>
+                      <a:endParaRPr lang="en-US" sz="1200" b="0" i="0" u="none" strike="noStrike">
+                        <a:solidFill>
+                          <a:srgbClr val="000000"/>
+                        </a:solidFill>
+                        <a:effectLst/>
+                        <a:latin typeface="Calibri" panose="020F0502020204030204" pitchFamily="34" charset="0"/>
+                      </a:endParaRPr>
+                    </a:p>
+                  </a:txBody>
+                  <a:tcPr marL="9525" marR="9525" marT="9525" marB="0" anchor="b"/>
+                </a:tc>
+                <a:tc>
+                  <a:txBody>
+                    <a:bodyPr/>
+                    <a:lstStyle/>
+                    <a:p>
+                      <a:pPr algn="ctr" fontAlgn="b"/>
+                      <a:r>
+                        <a:rPr lang="en-US" sz="1200" u="none" strike="noStrike">
+                          <a:effectLst/>
+                        </a:rPr>
+                        <a:t>NN</a:t>
+                      </a:r>
+                      <a:endParaRPr lang="en-US" sz="1200" b="0" i="0" u="none" strike="noStrike">
+                        <a:solidFill>
+                          <a:srgbClr val="000000"/>
+                        </a:solidFill>
+                        <a:effectLst/>
+                        <a:latin typeface="Calibri" panose="020F0502020204030204" pitchFamily="34" charset="0"/>
+                      </a:endParaRPr>
+                    </a:p>
+                  </a:txBody>
+                  <a:tcPr marL="9525" marR="9525" marT="9525" marB="0" anchor="b"/>
+                </a:tc>
+                <a:tc>
+                  <a:txBody>
+                    <a:bodyPr/>
+                    <a:lstStyle/>
+                    <a:p>
+                      <a:pPr algn="ctr" fontAlgn="b"/>
+                      <a:r>
+                        <a:rPr lang="en-US" sz="1200" u="none" strike="noStrike">
+                          <a:effectLst/>
+                        </a:rPr>
+                        <a:t>AVG</a:t>
+                      </a:r>
+                      <a:endParaRPr lang="en-US" sz="1200" b="0" i="0" u="none" strike="noStrike">
+                        <a:solidFill>
+                          <a:srgbClr val="000000"/>
+                        </a:solidFill>
+                        <a:effectLst/>
+                        <a:latin typeface="Calibri" panose="020F0502020204030204" pitchFamily="34" charset="0"/>
+                      </a:endParaRPr>
+                    </a:p>
+                  </a:txBody>
+                  <a:tcPr marL="9525" marR="9525" marT="9525" marB="0" anchor="b"/>
+                </a:tc>
+                <a:extLst>
+                  <a:ext uri="{0D108BD9-81ED-4DB2-BD59-A6C34878D82A}">
+                    <a16:rowId xmlns:a16="http://schemas.microsoft.com/office/drawing/2014/main" val="2679447381"/>
+                  </a:ext>
+                </a:extLst>
+              </a:tr>
+              <a:tr h="203200">
+                <a:tc>
+                  <a:txBody>
+                    <a:bodyPr/>
+                    <a:lstStyle/>
+                    <a:p>
+                      <a:pPr algn="ctr" fontAlgn="b"/>
+                      <a:r>
+                        <a:rPr lang="en-US" sz="1200" u="none" strike="noStrike">
+                          <a:effectLst/>
+                        </a:rPr>
+                        <a:t>0</a:t>
+                      </a:r>
+                      <a:endParaRPr lang="en-US" sz="1200" b="0" i="0" u="none" strike="noStrike">
+                        <a:solidFill>
+                          <a:srgbClr val="000000"/>
+                        </a:solidFill>
+                        <a:effectLst/>
+                        <a:latin typeface="Calibri" panose="020F0502020204030204" pitchFamily="34" charset="0"/>
+                      </a:endParaRPr>
+                    </a:p>
+                  </a:txBody>
+                  <a:tcPr marL="9525" marR="9525" marT="9525" marB="0" anchor="b"/>
+                </a:tc>
+                <a:tc>
+                  <a:txBody>
+                    <a:bodyPr/>
+                    <a:lstStyle/>
+                    <a:p>
+                      <a:pPr algn="l" fontAlgn="b"/>
+                      <a:r>
+                        <a:rPr lang="en-US" sz="1200" u="none" strike="noStrike">
+                          <a:effectLst/>
+                        </a:rPr>
+                        <a:t>SLAP</a:t>
+                      </a:r>
+                      <a:endParaRPr lang="en-US" sz="1200" b="0" i="0" u="none" strike="noStrike">
+                        <a:solidFill>
+                          <a:srgbClr val="000000"/>
+                        </a:solidFill>
+                        <a:effectLst/>
+                        <a:latin typeface="Calibri" panose="020F0502020204030204" pitchFamily="34" charset="0"/>
+                      </a:endParaRPr>
+                    </a:p>
+                  </a:txBody>
+                  <a:tcPr marL="9525" marR="9525" marT="9525" marB="0" anchor="b"/>
+                </a:tc>
+                <a:tc>
+                  <a:txBody>
+                    <a:bodyPr/>
+                    <a:lstStyle/>
+                    <a:p>
+                      <a:pPr algn="r" fontAlgn="b"/>
+                      <a:r>
+                        <a:rPr lang="en-US" sz="1200" u="none" strike="noStrike">
+                          <a:effectLst/>
+                        </a:rPr>
+                        <a:t>10</a:t>
+                      </a:r>
+                      <a:endParaRPr lang="en-US" sz="1200" b="0" i="0" u="none" strike="noStrike">
+                        <a:solidFill>
+                          <a:srgbClr val="000000"/>
+                        </a:solidFill>
+                        <a:effectLst/>
+                        <a:latin typeface="Calibri" panose="020F0502020204030204" pitchFamily="34" charset="0"/>
+                      </a:endParaRPr>
+                    </a:p>
+                  </a:txBody>
+                  <a:tcPr marL="9525" marR="9525" marT="9525" marB="0" anchor="b"/>
+                </a:tc>
+                <a:tc>
+                  <a:txBody>
+                    <a:bodyPr/>
+                    <a:lstStyle/>
+                    <a:p>
+                      <a:pPr algn="ctr" fontAlgn="b"/>
+                      <a:r>
+                        <a:rPr lang="en-US" sz="1200" u="none" strike="noStrike">
+                          <a:effectLst/>
+                        </a:rPr>
+                        <a:t>G</a:t>
+                      </a:r>
+                      <a:endParaRPr lang="en-US" sz="1200" b="0" i="0" u="none" strike="noStrike">
+                        <a:solidFill>
+                          <a:srgbClr val="000000"/>
+                        </a:solidFill>
+                        <a:effectLst/>
+                        <a:latin typeface="Calibri" panose="020F0502020204030204" pitchFamily="34" charset="0"/>
+                      </a:endParaRPr>
+                    </a:p>
+                  </a:txBody>
+                  <a:tcPr marL="9525" marR="9525" marT="9525" marB="0" anchor="b"/>
+                </a:tc>
+                <a:tc>
+                  <a:txBody>
+                    <a:bodyPr/>
+                    <a:lstStyle/>
+                    <a:p>
+                      <a:pPr algn="ctr" fontAlgn="b"/>
+                      <a:r>
+                        <a:rPr lang="en-US" sz="1200" u="none" strike="noStrike">
+                          <a:effectLst/>
+                        </a:rPr>
+                        <a:t>NG</a:t>
+                      </a:r>
+                      <a:endParaRPr lang="en-US" sz="1200" b="0" i="0" u="none" strike="noStrike">
+                        <a:solidFill>
+                          <a:srgbClr val="000000"/>
+                        </a:solidFill>
+                        <a:effectLst/>
+                        <a:latin typeface="Calibri" panose="020F0502020204030204" pitchFamily="34" charset="0"/>
+                      </a:endParaRPr>
+                    </a:p>
+                  </a:txBody>
+                  <a:tcPr marL="9525" marR="9525" marT="9525" marB="0" anchor="b"/>
+                </a:tc>
+                <a:tc>
+                  <a:txBody>
+                    <a:bodyPr/>
+                    <a:lstStyle/>
+                    <a:p>
+                      <a:pPr algn="ctr" fontAlgn="b"/>
+                      <a:r>
+                        <a:rPr lang="en-US" sz="1200" u="none" strike="noStrike">
+                          <a:effectLst/>
+                        </a:rPr>
+                        <a:t>G</a:t>
+                      </a:r>
+                      <a:endParaRPr lang="en-US" sz="1200" b="0" i="0" u="none" strike="noStrike">
+                        <a:solidFill>
+                          <a:srgbClr val="000000"/>
+                        </a:solidFill>
+                        <a:effectLst/>
+                        <a:latin typeface="Calibri" panose="020F0502020204030204" pitchFamily="34" charset="0"/>
+                      </a:endParaRPr>
+                    </a:p>
+                  </a:txBody>
+                  <a:tcPr marL="9525" marR="9525" marT="9525" marB="0" anchor="b"/>
+                </a:tc>
+                <a:extLst>
+                  <a:ext uri="{0D108BD9-81ED-4DB2-BD59-A6C34878D82A}">
+                    <a16:rowId xmlns:a16="http://schemas.microsoft.com/office/drawing/2014/main" val="1811958711"/>
+                  </a:ext>
+                </a:extLst>
+              </a:tr>
+              <a:tr h="203200">
+                <a:tc>
+                  <a:txBody>
+                    <a:bodyPr/>
+                    <a:lstStyle/>
+                    <a:p>
+                      <a:pPr algn="ctr" fontAlgn="b"/>
+                      <a:r>
+                        <a:rPr lang="en-US" sz="1200" u="none" strike="noStrike">
+                          <a:effectLst/>
+                        </a:rPr>
+                        <a:t>1</a:t>
+                      </a:r>
+                      <a:endParaRPr lang="en-US" sz="1200" b="0" i="0" u="none" strike="noStrike">
+                        <a:solidFill>
+                          <a:srgbClr val="000000"/>
+                        </a:solidFill>
+                        <a:effectLst/>
+                        <a:latin typeface="Calibri" panose="020F0502020204030204" pitchFamily="34" charset="0"/>
+                      </a:endParaRPr>
+                    </a:p>
+                  </a:txBody>
+                  <a:tcPr marL="9525" marR="9525" marT="9525" marB="0" anchor="b"/>
+                </a:tc>
+                <a:tc>
+                  <a:txBody>
+                    <a:bodyPr/>
+                    <a:lstStyle/>
+                    <a:p>
+                      <a:pPr algn="l" fontAlgn="b"/>
+                      <a:r>
+                        <a:rPr lang="en-US" sz="1200" u="none" strike="noStrike">
+                          <a:effectLst/>
+                        </a:rPr>
+                        <a:t>WRIST</a:t>
+                      </a:r>
+                      <a:endParaRPr lang="en-US" sz="1200" b="0" i="0" u="none" strike="noStrike">
+                        <a:solidFill>
+                          <a:srgbClr val="000000"/>
+                        </a:solidFill>
+                        <a:effectLst/>
+                        <a:latin typeface="Calibri" panose="020F0502020204030204" pitchFamily="34" charset="0"/>
+                      </a:endParaRPr>
+                    </a:p>
+                  </a:txBody>
+                  <a:tcPr marL="9525" marR="9525" marT="9525" marB="0" anchor="b"/>
+                </a:tc>
+                <a:tc>
+                  <a:txBody>
+                    <a:bodyPr/>
+                    <a:lstStyle/>
+                    <a:p>
+                      <a:pPr algn="r" fontAlgn="b"/>
+                      <a:r>
+                        <a:rPr lang="en-US" sz="1200" u="none" strike="noStrike">
+                          <a:effectLst/>
+                        </a:rPr>
+                        <a:t>15</a:t>
+                      </a:r>
+                      <a:endParaRPr lang="en-US" sz="1200" b="0" i="0" u="none" strike="noStrike">
+                        <a:solidFill>
+                          <a:srgbClr val="000000"/>
+                        </a:solidFill>
+                        <a:effectLst/>
+                        <a:latin typeface="Calibri" panose="020F0502020204030204" pitchFamily="34" charset="0"/>
+                      </a:endParaRPr>
+                    </a:p>
+                  </a:txBody>
+                  <a:tcPr marL="9525" marR="9525" marT="9525" marB="0" anchor="b"/>
+                </a:tc>
+                <a:tc>
+                  <a:txBody>
+                    <a:bodyPr/>
+                    <a:lstStyle/>
+                    <a:p>
+                      <a:pPr algn="ctr" fontAlgn="b"/>
+                      <a:r>
+                        <a:rPr lang="en-US" sz="1200" u="none" strike="noStrike">
+                          <a:effectLst/>
+                        </a:rPr>
+                        <a:t>NG</a:t>
+                      </a:r>
+                      <a:endParaRPr lang="en-US" sz="1200" b="0" i="0" u="none" strike="noStrike">
+                        <a:solidFill>
+                          <a:srgbClr val="000000"/>
+                        </a:solidFill>
+                        <a:effectLst/>
+                        <a:latin typeface="Calibri" panose="020F0502020204030204" pitchFamily="34" charset="0"/>
+                      </a:endParaRPr>
+                    </a:p>
+                  </a:txBody>
+                  <a:tcPr marL="9525" marR="9525" marT="9525" marB="0" anchor="b"/>
+                </a:tc>
+                <a:tc>
+                  <a:txBody>
+                    <a:bodyPr/>
+                    <a:lstStyle/>
+                    <a:p>
+                      <a:pPr algn="ctr" fontAlgn="b"/>
+                      <a:r>
+                        <a:rPr lang="en-US" sz="1200" u="none" strike="noStrike">
+                          <a:effectLst/>
+                        </a:rPr>
+                        <a:t>NG</a:t>
+                      </a:r>
+                      <a:endParaRPr lang="en-US" sz="1200" b="0" i="0" u="none" strike="noStrike">
+                        <a:solidFill>
+                          <a:srgbClr val="000000"/>
+                        </a:solidFill>
+                        <a:effectLst/>
+                        <a:latin typeface="Calibri" panose="020F0502020204030204" pitchFamily="34" charset="0"/>
+                      </a:endParaRPr>
+                    </a:p>
+                  </a:txBody>
+                  <a:tcPr marL="9525" marR="9525" marT="9525" marB="0" anchor="b"/>
+                </a:tc>
+                <a:tc>
+                  <a:txBody>
+                    <a:bodyPr/>
+                    <a:lstStyle/>
+                    <a:p>
+                      <a:pPr algn="ctr" fontAlgn="b"/>
+                      <a:r>
+                        <a:rPr lang="en-US" sz="1200" u="none" strike="noStrike">
+                          <a:effectLst/>
+                        </a:rPr>
+                        <a:t>NG</a:t>
+                      </a:r>
+                      <a:endParaRPr lang="en-US" sz="1200" b="0" i="0" u="none" strike="noStrike">
+                        <a:solidFill>
+                          <a:srgbClr val="000000"/>
+                        </a:solidFill>
+                        <a:effectLst/>
+                        <a:latin typeface="Calibri" panose="020F0502020204030204" pitchFamily="34" charset="0"/>
+                      </a:endParaRPr>
+                    </a:p>
+                  </a:txBody>
+                  <a:tcPr marL="9525" marR="9525" marT="9525" marB="0" anchor="b"/>
+                </a:tc>
+                <a:extLst>
+                  <a:ext uri="{0D108BD9-81ED-4DB2-BD59-A6C34878D82A}">
+                    <a16:rowId xmlns:a16="http://schemas.microsoft.com/office/drawing/2014/main" val="3128622260"/>
+                  </a:ext>
+                </a:extLst>
+              </a:tr>
+              <a:tr h="203200">
+                <a:tc>
+                  <a:txBody>
+                    <a:bodyPr/>
+                    <a:lstStyle/>
+                    <a:p>
+                      <a:pPr algn="ctr" fontAlgn="b"/>
+                      <a:r>
+                        <a:rPr lang="en-US" sz="1200" u="none" strike="noStrike">
+                          <a:effectLst/>
+                        </a:rPr>
+                        <a:t>2</a:t>
+                      </a:r>
+                      <a:endParaRPr lang="en-US" sz="1200" b="0" i="0" u="none" strike="noStrike">
+                        <a:solidFill>
+                          <a:srgbClr val="000000"/>
+                        </a:solidFill>
+                        <a:effectLst/>
+                        <a:latin typeface="Calibri" panose="020F0502020204030204" pitchFamily="34" charset="0"/>
+                      </a:endParaRPr>
+                    </a:p>
+                  </a:txBody>
+                  <a:tcPr marL="9525" marR="9525" marT="9525" marB="0" anchor="b"/>
+                </a:tc>
+                <a:tc>
+                  <a:txBody>
+                    <a:bodyPr/>
+                    <a:lstStyle/>
+                    <a:p>
+                      <a:pPr algn="l" fontAlgn="b"/>
+                      <a:r>
+                        <a:rPr lang="en-US" sz="1200" u="none" strike="noStrike">
+                          <a:effectLst/>
+                        </a:rPr>
+                        <a:t>WRIST</a:t>
+                      </a:r>
+                      <a:endParaRPr lang="en-US" sz="1200" b="0" i="0" u="none" strike="noStrike">
+                        <a:solidFill>
+                          <a:srgbClr val="000000"/>
+                        </a:solidFill>
+                        <a:effectLst/>
+                        <a:latin typeface="Calibri" panose="020F0502020204030204" pitchFamily="34" charset="0"/>
+                      </a:endParaRPr>
+                    </a:p>
+                  </a:txBody>
+                  <a:tcPr marL="9525" marR="9525" marT="9525" marB="0" anchor="b"/>
+                </a:tc>
+                <a:tc>
+                  <a:txBody>
+                    <a:bodyPr/>
+                    <a:lstStyle/>
+                    <a:p>
+                      <a:pPr algn="r" fontAlgn="b"/>
+                      <a:r>
+                        <a:rPr lang="en-US" sz="1200" u="none" strike="noStrike">
+                          <a:effectLst/>
+                        </a:rPr>
+                        <a:t>20</a:t>
+                      </a:r>
+                      <a:endParaRPr lang="en-US" sz="1200" b="0" i="0" u="none" strike="noStrike">
+                        <a:solidFill>
+                          <a:srgbClr val="000000"/>
+                        </a:solidFill>
+                        <a:effectLst/>
+                        <a:latin typeface="Calibri" panose="020F0502020204030204" pitchFamily="34" charset="0"/>
+                      </a:endParaRPr>
+                    </a:p>
+                  </a:txBody>
+                  <a:tcPr marL="9525" marR="9525" marT="9525" marB="0" anchor="b"/>
+                </a:tc>
+                <a:tc>
+                  <a:txBody>
+                    <a:bodyPr/>
+                    <a:lstStyle/>
+                    <a:p>
+                      <a:pPr algn="ctr" fontAlgn="b"/>
+                      <a:r>
+                        <a:rPr lang="en-US" sz="1200" u="none" strike="noStrike">
+                          <a:effectLst/>
+                        </a:rPr>
+                        <a:t>NG</a:t>
+                      </a:r>
+                      <a:endParaRPr lang="en-US" sz="1200" b="0" i="0" u="none" strike="noStrike">
+                        <a:solidFill>
+                          <a:srgbClr val="000000"/>
+                        </a:solidFill>
+                        <a:effectLst/>
+                        <a:latin typeface="Calibri" panose="020F0502020204030204" pitchFamily="34" charset="0"/>
+                      </a:endParaRPr>
+                    </a:p>
+                  </a:txBody>
+                  <a:tcPr marL="9525" marR="9525" marT="9525" marB="0" anchor="b"/>
+                </a:tc>
+                <a:tc>
+                  <a:txBody>
+                    <a:bodyPr/>
+                    <a:lstStyle/>
+                    <a:p>
+                      <a:pPr algn="ctr" fontAlgn="b"/>
+                      <a:r>
+                        <a:rPr lang="en-US" sz="1200" u="none" strike="noStrike">
+                          <a:effectLst/>
+                        </a:rPr>
+                        <a:t>NG</a:t>
+                      </a:r>
+                      <a:endParaRPr lang="en-US" sz="1200" b="0" i="0" u="none" strike="noStrike">
+                        <a:solidFill>
+                          <a:srgbClr val="000000"/>
+                        </a:solidFill>
+                        <a:effectLst/>
+                        <a:latin typeface="Calibri" panose="020F0502020204030204" pitchFamily="34" charset="0"/>
+                      </a:endParaRPr>
+                    </a:p>
+                  </a:txBody>
+                  <a:tcPr marL="9525" marR="9525" marT="9525" marB="0" anchor="b"/>
+                </a:tc>
+                <a:tc>
+                  <a:txBody>
+                    <a:bodyPr/>
+                    <a:lstStyle/>
+                    <a:p>
+                      <a:pPr algn="ctr" fontAlgn="b"/>
+                      <a:r>
+                        <a:rPr lang="en-US" sz="1200" u="none" strike="noStrike">
+                          <a:effectLst/>
+                        </a:rPr>
+                        <a:t>NG</a:t>
+                      </a:r>
+                      <a:endParaRPr lang="en-US" sz="1200" b="0" i="0" u="none" strike="noStrike">
+                        <a:solidFill>
+                          <a:srgbClr val="000000"/>
+                        </a:solidFill>
+                        <a:effectLst/>
+                        <a:latin typeface="Calibri" panose="020F0502020204030204" pitchFamily="34" charset="0"/>
+                      </a:endParaRPr>
+                    </a:p>
+                  </a:txBody>
+                  <a:tcPr marL="9525" marR="9525" marT="9525" marB="0" anchor="b"/>
+                </a:tc>
+                <a:extLst>
+                  <a:ext uri="{0D108BD9-81ED-4DB2-BD59-A6C34878D82A}">
+                    <a16:rowId xmlns:a16="http://schemas.microsoft.com/office/drawing/2014/main" val="4238297422"/>
+                  </a:ext>
+                </a:extLst>
+              </a:tr>
+              <a:tr h="203200">
+                <a:tc>
+                  <a:txBody>
+                    <a:bodyPr/>
+                    <a:lstStyle/>
+                    <a:p>
+                      <a:pPr algn="ctr" fontAlgn="b"/>
+                      <a:r>
+                        <a:rPr lang="en-US" sz="1200" u="none" strike="noStrike">
+                          <a:effectLst/>
+                        </a:rPr>
+                        <a:t>3</a:t>
+                      </a:r>
+                      <a:endParaRPr lang="en-US" sz="1200" b="0" i="0" u="none" strike="noStrike">
+                        <a:solidFill>
+                          <a:srgbClr val="000000"/>
+                        </a:solidFill>
+                        <a:effectLst/>
+                        <a:latin typeface="Calibri" panose="020F0502020204030204" pitchFamily="34" charset="0"/>
+                      </a:endParaRPr>
+                    </a:p>
+                  </a:txBody>
+                  <a:tcPr marL="9525" marR="9525" marT="9525" marB="0" anchor="b"/>
+                </a:tc>
+                <a:tc>
+                  <a:txBody>
+                    <a:bodyPr/>
+                    <a:lstStyle/>
+                    <a:p>
+                      <a:pPr algn="l" fontAlgn="b"/>
+                      <a:r>
+                        <a:rPr lang="en-US" sz="1200" u="none" strike="noStrike">
+                          <a:effectLst/>
+                        </a:rPr>
+                        <a:t>SLAP</a:t>
+                      </a:r>
+                      <a:endParaRPr lang="en-US" sz="1200" b="0" i="0" u="none" strike="noStrike">
+                        <a:solidFill>
+                          <a:srgbClr val="000000"/>
+                        </a:solidFill>
+                        <a:effectLst/>
+                        <a:latin typeface="Calibri" panose="020F0502020204030204" pitchFamily="34" charset="0"/>
+                      </a:endParaRPr>
+                    </a:p>
+                  </a:txBody>
+                  <a:tcPr marL="9525" marR="9525" marT="9525" marB="0" anchor="b"/>
+                </a:tc>
+                <a:tc>
+                  <a:txBody>
+                    <a:bodyPr/>
+                    <a:lstStyle/>
+                    <a:p>
+                      <a:pPr algn="r" fontAlgn="b"/>
+                      <a:r>
+                        <a:rPr lang="en-US" sz="1200" u="none" strike="noStrike">
+                          <a:effectLst/>
+                        </a:rPr>
+                        <a:t>35</a:t>
+                      </a:r>
+                      <a:endParaRPr lang="en-US" sz="1200" b="0" i="0" u="none" strike="noStrike">
+                        <a:solidFill>
+                          <a:srgbClr val="000000"/>
+                        </a:solidFill>
+                        <a:effectLst/>
+                        <a:latin typeface="Calibri" panose="020F0502020204030204" pitchFamily="34" charset="0"/>
+                      </a:endParaRPr>
+                    </a:p>
+                  </a:txBody>
+                  <a:tcPr marL="9525" marR="9525" marT="9525" marB="0" anchor="b"/>
+                </a:tc>
+                <a:tc>
+                  <a:txBody>
+                    <a:bodyPr/>
+                    <a:lstStyle/>
+                    <a:p>
+                      <a:pPr algn="ctr" fontAlgn="b"/>
+                      <a:r>
+                        <a:rPr lang="en-US" sz="1200" u="none" strike="noStrike">
+                          <a:effectLst/>
+                        </a:rPr>
+                        <a:t>NG</a:t>
+                      </a:r>
+                      <a:endParaRPr lang="en-US" sz="1200" b="0" i="0" u="none" strike="noStrike">
+                        <a:solidFill>
+                          <a:srgbClr val="000000"/>
+                        </a:solidFill>
+                        <a:effectLst/>
+                        <a:latin typeface="Calibri" panose="020F0502020204030204" pitchFamily="34" charset="0"/>
+                      </a:endParaRPr>
+                    </a:p>
+                  </a:txBody>
+                  <a:tcPr marL="9525" marR="9525" marT="9525" marB="0" anchor="b"/>
+                </a:tc>
+                <a:tc>
+                  <a:txBody>
+                    <a:bodyPr/>
+                    <a:lstStyle/>
+                    <a:p>
+                      <a:pPr algn="ctr" fontAlgn="b"/>
+                      <a:r>
+                        <a:rPr lang="en-US" sz="1200" u="none" strike="noStrike">
+                          <a:effectLst/>
+                        </a:rPr>
+                        <a:t>NG</a:t>
+                      </a:r>
+                      <a:endParaRPr lang="en-US" sz="1200" b="0" i="0" u="none" strike="noStrike">
+                        <a:solidFill>
+                          <a:srgbClr val="000000"/>
+                        </a:solidFill>
+                        <a:effectLst/>
+                        <a:latin typeface="Calibri" panose="020F0502020204030204" pitchFamily="34" charset="0"/>
+                      </a:endParaRPr>
+                    </a:p>
+                  </a:txBody>
+                  <a:tcPr marL="9525" marR="9525" marT="9525" marB="0" anchor="b"/>
+                </a:tc>
+                <a:tc>
+                  <a:txBody>
+                    <a:bodyPr/>
+                    <a:lstStyle/>
+                    <a:p>
+                      <a:pPr algn="ctr" fontAlgn="b"/>
+                      <a:r>
+                        <a:rPr lang="en-US" sz="1200" u="none" strike="noStrike">
+                          <a:effectLst/>
+                        </a:rPr>
+                        <a:t>NG</a:t>
+                      </a:r>
+                      <a:endParaRPr lang="en-US" sz="1200" b="0" i="0" u="none" strike="noStrike">
+                        <a:solidFill>
+                          <a:srgbClr val="000000"/>
+                        </a:solidFill>
+                        <a:effectLst/>
+                        <a:latin typeface="Calibri" panose="020F0502020204030204" pitchFamily="34" charset="0"/>
+                      </a:endParaRPr>
+                    </a:p>
+                  </a:txBody>
+                  <a:tcPr marL="9525" marR="9525" marT="9525" marB="0" anchor="b"/>
+                </a:tc>
+                <a:extLst>
+                  <a:ext uri="{0D108BD9-81ED-4DB2-BD59-A6C34878D82A}">
+                    <a16:rowId xmlns:a16="http://schemas.microsoft.com/office/drawing/2014/main" val="1309581436"/>
+                  </a:ext>
+                </a:extLst>
+              </a:tr>
+              <a:tr h="203200">
+                <a:tc>
+                  <a:txBody>
+                    <a:bodyPr/>
+                    <a:lstStyle/>
+                    <a:p>
+                      <a:pPr algn="ctr" fontAlgn="b"/>
+                      <a:r>
+                        <a:rPr lang="en-US" sz="1200" u="none" strike="noStrike">
+                          <a:effectLst/>
+                        </a:rPr>
+                        <a:t>4</a:t>
+                      </a:r>
+                      <a:endParaRPr lang="en-US" sz="1200" b="0" i="0" u="none" strike="noStrike">
+                        <a:solidFill>
+                          <a:srgbClr val="000000"/>
+                        </a:solidFill>
+                        <a:effectLst/>
+                        <a:latin typeface="Calibri" panose="020F0502020204030204" pitchFamily="34" charset="0"/>
+                      </a:endParaRPr>
+                    </a:p>
+                  </a:txBody>
+                  <a:tcPr marL="9525" marR="9525" marT="9525" marB="0" anchor="b"/>
+                </a:tc>
+                <a:tc>
+                  <a:txBody>
+                    <a:bodyPr/>
+                    <a:lstStyle/>
+                    <a:p>
+                      <a:pPr algn="l" fontAlgn="b"/>
+                      <a:r>
+                        <a:rPr lang="en-US" sz="1200" u="none" strike="noStrike">
+                          <a:effectLst/>
+                        </a:rPr>
+                        <a:t>WRIST</a:t>
+                      </a:r>
+                      <a:endParaRPr lang="en-US" sz="1200" b="0" i="0" u="none" strike="noStrike">
+                        <a:solidFill>
+                          <a:srgbClr val="000000"/>
+                        </a:solidFill>
+                        <a:effectLst/>
+                        <a:latin typeface="Calibri" panose="020F0502020204030204" pitchFamily="34" charset="0"/>
+                      </a:endParaRPr>
+                    </a:p>
+                  </a:txBody>
+                  <a:tcPr marL="9525" marR="9525" marT="9525" marB="0" anchor="b"/>
+                </a:tc>
+                <a:tc>
+                  <a:txBody>
+                    <a:bodyPr/>
+                    <a:lstStyle/>
+                    <a:p>
+                      <a:pPr algn="r" fontAlgn="b"/>
+                      <a:r>
+                        <a:rPr lang="en-US" sz="1200" u="none" strike="noStrike">
+                          <a:effectLst/>
+                        </a:rPr>
+                        <a:t>5</a:t>
+                      </a:r>
+                      <a:endParaRPr lang="en-US" sz="1200" b="0" i="0" u="none" strike="noStrike">
+                        <a:solidFill>
+                          <a:srgbClr val="000000"/>
+                        </a:solidFill>
+                        <a:effectLst/>
+                        <a:latin typeface="Calibri" panose="020F0502020204030204" pitchFamily="34" charset="0"/>
+                      </a:endParaRPr>
+                    </a:p>
+                  </a:txBody>
+                  <a:tcPr marL="9525" marR="9525" marT="9525" marB="0" anchor="b"/>
+                </a:tc>
+                <a:tc>
+                  <a:txBody>
+                    <a:bodyPr/>
+                    <a:lstStyle/>
+                    <a:p>
+                      <a:pPr algn="ctr" fontAlgn="b"/>
+                      <a:r>
+                        <a:rPr lang="en-US" sz="1200" u="none" strike="noStrike">
+                          <a:effectLst/>
+                        </a:rPr>
+                        <a:t>G</a:t>
+                      </a:r>
+                      <a:endParaRPr lang="en-US" sz="1200" b="0" i="0" u="none" strike="noStrike">
+                        <a:solidFill>
+                          <a:srgbClr val="000000"/>
+                        </a:solidFill>
+                        <a:effectLst/>
+                        <a:latin typeface="Calibri" panose="020F0502020204030204" pitchFamily="34" charset="0"/>
+                      </a:endParaRPr>
+                    </a:p>
+                  </a:txBody>
+                  <a:tcPr marL="9525" marR="9525" marT="9525" marB="0" anchor="b"/>
+                </a:tc>
+                <a:tc>
+                  <a:txBody>
+                    <a:bodyPr/>
+                    <a:lstStyle/>
+                    <a:p>
+                      <a:pPr algn="ctr" fontAlgn="b"/>
+                      <a:r>
+                        <a:rPr lang="en-US" sz="1200" u="none" strike="noStrike">
+                          <a:effectLst/>
+                        </a:rPr>
+                        <a:t>G</a:t>
+                      </a:r>
+                      <a:endParaRPr lang="en-US" sz="1200" b="0" i="0" u="none" strike="noStrike">
+                        <a:solidFill>
+                          <a:srgbClr val="000000"/>
+                        </a:solidFill>
+                        <a:effectLst/>
+                        <a:latin typeface="Calibri" panose="020F0502020204030204" pitchFamily="34" charset="0"/>
+                      </a:endParaRPr>
+                    </a:p>
+                  </a:txBody>
+                  <a:tcPr marL="9525" marR="9525" marT="9525" marB="0" anchor="b"/>
+                </a:tc>
+                <a:tc>
+                  <a:txBody>
+                    <a:bodyPr/>
+                    <a:lstStyle/>
+                    <a:p>
+                      <a:pPr algn="ctr" fontAlgn="b"/>
+                      <a:r>
+                        <a:rPr lang="en-US" sz="1200" u="none" strike="noStrike">
+                          <a:effectLst/>
+                        </a:rPr>
+                        <a:t>G</a:t>
+                      </a:r>
+                      <a:endParaRPr lang="en-US" sz="1200" b="0" i="0" u="none" strike="noStrike">
+                        <a:solidFill>
+                          <a:srgbClr val="000000"/>
+                        </a:solidFill>
+                        <a:effectLst/>
+                        <a:latin typeface="Calibri" panose="020F0502020204030204" pitchFamily="34" charset="0"/>
+                      </a:endParaRPr>
+                    </a:p>
+                  </a:txBody>
+                  <a:tcPr marL="9525" marR="9525" marT="9525" marB="0" anchor="b"/>
+                </a:tc>
+                <a:extLst>
+                  <a:ext uri="{0D108BD9-81ED-4DB2-BD59-A6C34878D82A}">
+                    <a16:rowId xmlns:a16="http://schemas.microsoft.com/office/drawing/2014/main" val="1272546086"/>
+                  </a:ext>
+                </a:extLst>
+              </a:tr>
+              <a:tr h="203200">
+                <a:tc>
+                  <a:txBody>
+                    <a:bodyPr/>
+                    <a:lstStyle/>
+                    <a:p>
+                      <a:pPr algn="ctr" fontAlgn="b"/>
+                      <a:r>
+                        <a:rPr lang="en-US" sz="1200" u="none" strike="noStrike">
+                          <a:effectLst/>
+                        </a:rPr>
+                        <a:t>5</a:t>
+                      </a:r>
+                      <a:endParaRPr lang="en-US" sz="1200" b="0" i="0" u="none" strike="noStrike">
+                        <a:solidFill>
+                          <a:srgbClr val="000000"/>
+                        </a:solidFill>
+                        <a:effectLst/>
+                        <a:latin typeface="Calibri" panose="020F0502020204030204" pitchFamily="34" charset="0"/>
+                      </a:endParaRPr>
+                    </a:p>
+                  </a:txBody>
+                  <a:tcPr marL="9525" marR="9525" marT="9525" marB="0" anchor="b"/>
+                </a:tc>
+                <a:tc>
+                  <a:txBody>
+                    <a:bodyPr/>
+                    <a:lstStyle/>
+                    <a:p>
+                      <a:pPr algn="l" fontAlgn="b"/>
+                      <a:r>
+                        <a:rPr lang="en-US" sz="1200" u="none" strike="noStrike">
+                          <a:effectLst/>
+                        </a:rPr>
+                        <a:t>WRIST</a:t>
+                      </a:r>
+                      <a:endParaRPr lang="en-US" sz="1200" b="0" i="0" u="none" strike="noStrike">
+                        <a:solidFill>
+                          <a:srgbClr val="000000"/>
+                        </a:solidFill>
+                        <a:effectLst/>
+                        <a:latin typeface="Calibri" panose="020F0502020204030204" pitchFamily="34" charset="0"/>
+                      </a:endParaRPr>
+                    </a:p>
+                  </a:txBody>
+                  <a:tcPr marL="9525" marR="9525" marT="9525" marB="0" anchor="b"/>
+                </a:tc>
+                <a:tc>
+                  <a:txBody>
+                    <a:bodyPr/>
+                    <a:lstStyle/>
+                    <a:p>
+                      <a:pPr algn="r" fontAlgn="b"/>
+                      <a:r>
+                        <a:rPr lang="en-US" sz="1200" u="none" strike="noStrike">
+                          <a:effectLst/>
+                        </a:rPr>
+                        <a:t>6</a:t>
+                      </a:r>
+                      <a:endParaRPr lang="en-US" sz="1200" b="0" i="0" u="none" strike="noStrike">
+                        <a:solidFill>
+                          <a:srgbClr val="000000"/>
+                        </a:solidFill>
+                        <a:effectLst/>
+                        <a:latin typeface="Calibri" panose="020F0502020204030204" pitchFamily="34" charset="0"/>
+                      </a:endParaRPr>
+                    </a:p>
+                  </a:txBody>
+                  <a:tcPr marL="9525" marR="9525" marT="9525" marB="0" anchor="b"/>
+                </a:tc>
+                <a:tc>
+                  <a:txBody>
+                    <a:bodyPr/>
+                    <a:lstStyle/>
+                    <a:p>
+                      <a:pPr algn="ctr" fontAlgn="b"/>
+                      <a:r>
+                        <a:rPr lang="en-US" sz="1200" u="none" strike="noStrike">
+                          <a:effectLst/>
+                        </a:rPr>
+                        <a:t>G</a:t>
+                      </a:r>
+                      <a:endParaRPr lang="en-US" sz="1200" b="0" i="0" u="none" strike="noStrike">
+                        <a:solidFill>
+                          <a:srgbClr val="000000"/>
+                        </a:solidFill>
+                        <a:effectLst/>
+                        <a:latin typeface="Calibri" panose="020F0502020204030204" pitchFamily="34" charset="0"/>
+                      </a:endParaRPr>
+                    </a:p>
+                  </a:txBody>
+                  <a:tcPr marL="9525" marR="9525" marT="9525" marB="0" anchor="b"/>
+                </a:tc>
+                <a:tc>
+                  <a:txBody>
+                    <a:bodyPr/>
+                    <a:lstStyle/>
+                    <a:p>
+                      <a:pPr algn="ctr" fontAlgn="b"/>
+                      <a:r>
+                        <a:rPr lang="en-US" sz="1200" u="none" strike="noStrike">
+                          <a:effectLst/>
+                        </a:rPr>
+                        <a:t>G</a:t>
+                      </a:r>
+                      <a:endParaRPr lang="en-US" sz="1200" b="0" i="0" u="none" strike="noStrike">
+                        <a:solidFill>
+                          <a:srgbClr val="000000"/>
+                        </a:solidFill>
+                        <a:effectLst/>
+                        <a:latin typeface="Calibri" panose="020F0502020204030204" pitchFamily="34" charset="0"/>
+                      </a:endParaRPr>
+                    </a:p>
+                  </a:txBody>
+                  <a:tcPr marL="9525" marR="9525" marT="9525" marB="0" anchor="b"/>
+                </a:tc>
+                <a:tc>
+                  <a:txBody>
+                    <a:bodyPr/>
+                    <a:lstStyle/>
+                    <a:p>
+                      <a:pPr algn="ctr" fontAlgn="b"/>
+                      <a:r>
+                        <a:rPr lang="en-US" sz="1200" u="none" strike="noStrike">
+                          <a:effectLst/>
+                        </a:rPr>
+                        <a:t>G</a:t>
+                      </a:r>
+                      <a:endParaRPr lang="en-US" sz="1200" b="0" i="0" u="none" strike="noStrike">
+                        <a:solidFill>
+                          <a:srgbClr val="000000"/>
+                        </a:solidFill>
+                        <a:effectLst/>
+                        <a:latin typeface="Calibri" panose="020F0502020204030204" pitchFamily="34" charset="0"/>
+                      </a:endParaRPr>
+                    </a:p>
+                  </a:txBody>
+                  <a:tcPr marL="9525" marR="9525" marT="9525" marB="0" anchor="b"/>
+                </a:tc>
+                <a:extLst>
+                  <a:ext uri="{0D108BD9-81ED-4DB2-BD59-A6C34878D82A}">
+                    <a16:rowId xmlns:a16="http://schemas.microsoft.com/office/drawing/2014/main" val="2094893325"/>
+                  </a:ext>
+                </a:extLst>
+              </a:tr>
+              <a:tr h="203200">
+                <a:tc>
+                  <a:txBody>
+                    <a:bodyPr/>
+                    <a:lstStyle/>
+                    <a:p>
+                      <a:pPr algn="ctr" fontAlgn="b"/>
+                      <a:r>
+                        <a:rPr lang="en-US" sz="1200" u="none" strike="noStrike">
+                          <a:effectLst/>
+                        </a:rPr>
+                        <a:t>6</a:t>
+                      </a:r>
+                      <a:endParaRPr lang="en-US" sz="1200" b="0" i="0" u="none" strike="noStrike">
+                        <a:solidFill>
+                          <a:srgbClr val="000000"/>
+                        </a:solidFill>
+                        <a:effectLst/>
+                        <a:latin typeface="Calibri" panose="020F0502020204030204" pitchFamily="34" charset="0"/>
+                      </a:endParaRPr>
+                    </a:p>
+                  </a:txBody>
+                  <a:tcPr marL="9525" marR="9525" marT="9525" marB="0" anchor="b"/>
+                </a:tc>
+                <a:tc>
+                  <a:txBody>
+                    <a:bodyPr/>
+                    <a:lstStyle/>
+                    <a:p>
+                      <a:pPr algn="l" fontAlgn="b"/>
+                      <a:r>
+                        <a:rPr lang="en-US" sz="1200" u="none" strike="noStrike">
+                          <a:effectLst/>
+                        </a:rPr>
+                        <a:t>WRIST</a:t>
+                      </a:r>
+                      <a:endParaRPr lang="en-US" sz="1200" b="0" i="0" u="none" strike="noStrike">
+                        <a:solidFill>
+                          <a:srgbClr val="000000"/>
+                        </a:solidFill>
+                        <a:effectLst/>
+                        <a:latin typeface="Calibri" panose="020F0502020204030204" pitchFamily="34" charset="0"/>
+                      </a:endParaRPr>
+                    </a:p>
+                  </a:txBody>
+                  <a:tcPr marL="9525" marR="9525" marT="9525" marB="0" anchor="b"/>
+                </a:tc>
+                <a:tc>
+                  <a:txBody>
+                    <a:bodyPr/>
+                    <a:lstStyle/>
+                    <a:p>
+                      <a:pPr algn="r" fontAlgn="b"/>
+                      <a:r>
+                        <a:rPr lang="en-US" sz="1200" u="none" strike="noStrike">
+                          <a:effectLst/>
+                        </a:rPr>
+                        <a:t>16</a:t>
+                      </a:r>
+                      <a:endParaRPr lang="en-US" sz="1200" b="0" i="0" u="none" strike="noStrike">
+                        <a:solidFill>
+                          <a:srgbClr val="000000"/>
+                        </a:solidFill>
+                        <a:effectLst/>
+                        <a:latin typeface="Calibri" panose="020F0502020204030204" pitchFamily="34" charset="0"/>
+                      </a:endParaRPr>
+                    </a:p>
+                  </a:txBody>
+                  <a:tcPr marL="9525" marR="9525" marT="9525" marB="0" anchor="b"/>
+                </a:tc>
+                <a:tc>
+                  <a:txBody>
+                    <a:bodyPr/>
+                    <a:lstStyle/>
+                    <a:p>
+                      <a:pPr algn="ctr" fontAlgn="b"/>
+                      <a:r>
+                        <a:rPr lang="en-US" sz="1200" u="none" strike="noStrike">
+                          <a:effectLst/>
+                        </a:rPr>
+                        <a:t>NG</a:t>
+                      </a:r>
+                      <a:endParaRPr lang="en-US" sz="1200" b="0" i="0" u="none" strike="noStrike">
+                        <a:solidFill>
+                          <a:srgbClr val="000000"/>
+                        </a:solidFill>
+                        <a:effectLst/>
+                        <a:latin typeface="Calibri" panose="020F0502020204030204" pitchFamily="34" charset="0"/>
+                      </a:endParaRPr>
+                    </a:p>
+                  </a:txBody>
+                  <a:tcPr marL="9525" marR="9525" marT="9525" marB="0" anchor="b"/>
+                </a:tc>
+                <a:tc>
+                  <a:txBody>
+                    <a:bodyPr/>
+                    <a:lstStyle/>
+                    <a:p>
+                      <a:pPr algn="ctr" fontAlgn="b"/>
+                      <a:r>
+                        <a:rPr lang="en-US" sz="1200" u="none" strike="noStrike">
+                          <a:effectLst/>
+                        </a:rPr>
+                        <a:t>NG</a:t>
+                      </a:r>
+                      <a:endParaRPr lang="en-US" sz="1200" b="0" i="0" u="none" strike="noStrike">
+                        <a:solidFill>
+                          <a:srgbClr val="000000"/>
+                        </a:solidFill>
+                        <a:effectLst/>
+                        <a:latin typeface="Calibri" panose="020F0502020204030204" pitchFamily="34" charset="0"/>
+                      </a:endParaRPr>
+                    </a:p>
+                  </a:txBody>
+                  <a:tcPr marL="9525" marR="9525" marT="9525" marB="0" anchor="b"/>
+                </a:tc>
+                <a:tc>
+                  <a:txBody>
+                    <a:bodyPr/>
+                    <a:lstStyle/>
+                    <a:p>
+                      <a:pPr algn="ctr" fontAlgn="b"/>
+                      <a:r>
+                        <a:rPr lang="en-US" sz="1200" u="none" strike="noStrike">
+                          <a:effectLst/>
+                        </a:rPr>
+                        <a:t>NG</a:t>
+                      </a:r>
+                      <a:endParaRPr lang="en-US" sz="1200" b="0" i="0" u="none" strike="noStrike">
+                        <a:solidFill>
+                          <a:srgbClr val="000000"/>
+                        </a:solidFill>
+                        <a:effectLst/>
+                        <a:latin typeface="Calibri" panose="020F0502020204030204" pitchFamily="34" charset="0"/>
+                      </a:endParaRPr>
+                    </a:p>
+                  </a:txBody>
+                  <a:tcPr marL="9525" marR="9525" marT="9525" marB="0" anchor="b"/>
+                </a:tc>
+                <a:extLst>
+                  <a:ext uri="{0D108BD9-81ED-4DB2-BD59-A6C34878D82A}">
+                    <a16:rowId xmlns:a16="http://schemas.microsoft.com/office/drawing/2014/main" val="1572396446"/>
+                  </a:ext>
+                </a:extLst>
+              </a:tr>
+              <a:tr h="203200">
+                <a:tc>
+                  <a:txBody>
+                    <a:bodyPr/>
+                    <a:lstStyle/>
+                    <a:p>
+                      <a:pPr algn="ctr" fontAlgn="b"/>
+                      <a:r>
+                        <a:rPr lang="en-US" sz="1200" u="none" strike="noStrike">
+                          <a:effectLst/>
+                        </a:rPr>
+                        <a:t>7</a:t>
+                      </a:r>
+                      <a:endParaRPr lang="en-US" sz="1200" b="0" i="0" u="none" strike="noStrike">
+                        <a:solidFill>
+                          <a:srgbClr val="000000"/>
+                        </a:solidFill>
+                        <a:effectLst/>
+                        <a:latin typeface="Calibri" panose="020F0502020204030204" pitchFamily="34" charset="0"/>
+                      </a:endParaRPr>
+                    </a:p>
+                  </a:txBody>
+                  <a:tcPr marL="9525" marR="9525" marT="9525" marB="0" anchor="b"/>
+                </a:tc>
+                <a:tc>
+                  <a:txBody>
+                    <a:bodyPr/>
+                    <a:lstStyle/>
+                    <a:p>
+                      <a:pPr algn="l" fontAlgn="b"/>
+                      <a:r>
+                        <a:rPr lang="en-US" sz="1200" u="none" strike="noStrike">
+                          <a:effectLst/>
+                        </a:rPr>
+                        <a:t>WRIST</a:t>
+                      </a:r>
+                      <a:endParaRPr lang="en-US" sz="1200" b="0" i="0" u="none" strike="noStrike">
+                        <a:solidFill>
+                          <a:srgbClr val="000000"/>
+                        </a:solidFill>
+                        <a:effectLst/>
+                        <a:latin typeface="Calibri" panose="020F0502020204030204" pitchFamily="34" charset="0"/>
+                      </a:endParaRPr>
+                    </a:p>
+                  </a:txBody>
+                  <a:tcPr marL="9525" marR="9525" marT="9525" marB="0" anchor="b"/>
+                </a:tc>
+                <a:tc>
+                  <a:txBody>
+                    <a:bodyPr/>
+                    <a:lstStyle/>
+                    <a:p>
+                      <a:pPr algn="r" fontAlgn="b"/>
+                      <a:r>
+                        <a:rPr lang="en-US" sz="1200" u="none" strike="noStrike">
+                          <a:effectLst/>
+                        </a:rPr>
+                        <a:t>21</a:t>
+                      </a:r>
+                      <a:endParaRPr lang="en-US" sz="1200" b="0" i="0" u="none" strike="noStrike">
+                        <a:solidFill>
+                          <a:srgbClr val="000000"/>
+                        </a:solidFill>
+                        <a:effectLst/>
+                        <a:latin typeface="Calibri" panose="020F0502020204030204" pitchFamily="34" charset="0"/>
+                      </a:endParaRPr>
+                    </a:p>
+                  </a:txBody>
+                  <a:tcPr marL="9525" marR="9525" marT="9525" marB="0" anchor="b"/>
+                </a:tc>
+                <a:tc>
+                  <a:txBody>
+                    <a:bodyPr/>
+                    <a:lstStyle/>
+                    <a:p>
+                      <a:pPr algn="ctr" fontAlgn="b"/>
+                      <a:r>
+                        <a:rPr lang="en-US" sz="1200" u="none" strike="noStrike">
+                          <a:effectLst/>
+                        </a:rPr>
+                        <a:t>NG</a:t>
+                      </a:r>
+                      <a:endParaRPr lang="en-US" sz="1200" b="0" i="0" u="none" strike="noStrike">
+                        <a:solidFill>
+                          <a:srgbClr val="000000"/>
+                        </a:solidFill>
+                        <a:effectLst/>
+                        <a:latin typeface="Calibri" panose="020F0502020204030204" pitchFamily="34" charset="0"/>
+                      </a:endParaRPr>
+                    </a:p>
+                  </a:txBody>
+                  <a:tcPr marL="9525" marR="9525" marT="9525" marB="0" anchor="b"/>
+                </a:tc>
+                <a:tc>
+                  <a:txBody>
+                    <a:bodyPr/>
+                    <a:lstStyle/>
+                    <a:p>
+                      <a:pPr algn="ctr" fontAlgn="b"/>
+                      <a:r>
+                        <a:rPr lang="en-US" sz="1200" u="none" strike="noStrike">
+                          <a:effectLst/>
+                        </a:rPr>
+                        <a:t>NG</a:t>
+                      </a:r>
+                      <a:endParaRPr lang="en-US" sz="1200" b="0" i="0" u="none" strike="noStrike">
+                        <a:solidFill>
+                          <a:srgbClr val="000000"/>
+                        </a:solidFill>
+                        <a:effectLst/>
+                        <a:latin typeface="Calibri" panose="020F0502020204030204" pitchFamily="34" charset="0"/>
+                      </a:endParaRPr>
+                    </a:p>
+                  </a:txBody>
+                  <a:tcPr marL="9525" marR="9525" marT="9525" marB="0" anchor="b"/>
+                </a:tc>
+                <a:tc>
+                  <a:txBody>
+                    <a:bodyPr/>
+                    <a:lstStyle/>
+                    <a:p>
+                      <a:pPr algn="ctr" fontAlgn="b"/>
+                      <a:r>
+                        <a:rPr lang="en-US" sz="1200" u="none" strike="noStrike">
+                          <a:effectLst/>
+                        </a:rPr>
+                        <a:t>NG</a:t>
+                      </a:r>
+                      <a:endParaRPr lang="en-US" sz="1200" b="0" i="0" u="none" strike="noStrike">
+                        <a:solidFill>
+                          <a:srgbClr val="000000"/>
+                        </a:solidFill>
+                        <a:effectLst/>
+                        <a:latin typeface="Calibri" panose="020F0502020204030204" pitchFamily="34" charset="0"/>
+                      </a:endParaRPr>
+                    </a:p>
+                  </a:txBody>
+                  <a:tcPr marL="9525" marR="9525" marT="9525" marB="0" anchor="b"/>
+                </a:tc>
+                <a:extLst>
+                  <a:ext uri="{0D108BD9-81ED-4DB2-BD59-A6C34878D82A}">
+                    <a16:rowId xmlns:a16="http://schemas.microsoft.com/office/drawing/2014/main" val="829404857"/>
+                  </a:ext>
+                </a:extLst>
+              </a:tr>
+              <a:tr h="203200">
+                <a:tc>
+                  <a:txBody>
+                    <a:bodyPr/>
+                    <a:lstStyle/>
+                    <a:p>
+                      <a:pPr algn="ctr" fontAlgn="b"/>
+                      <a:r>
+                        <a:rPr lang="en-US" sz="1200" u="none" strike="noStrike">
+                          <a:effectLst/>
+                        </a:rPr>
+                        <a:t>8</a:t>
+                      </a:r>
+                      <a:endParaRPr lang="en-US" sz="1200" b="0" i="0" u="none" strike="noStrike">
+                        <a:solidFill>
+                          <a:srgbClr val="000000"/>
+                        </a:solidFill>
+                        <a:effectLst/>
+                        <a:latin typeface="Calibri" panose="020F0502020204030204" pitchFamily="34" charset="0"/>
+                      </a:endParaRPr>
+                    </a:p>
+                  </a:txBody>
+                  <a:tcPr marL="9525" marR="9525" marT="9525" marB="0" anchor="b"/>
+                </a:tc>
+                <a:tc>
+                  <a:txBody>
+                    <a:bodyPr/>
+                    <a:lstStyle/>
+                    <a:p>
+                      <a:pPr algn="l" fontAlgn="b"/>
+                      <a:r>
+                        <a:rPr lang="en-US" sz="1200" u="none" strike="noStrike">
+                          <a:effectLst/>
+                        </a:rPr>
+                        <a:t>WRIST</a:t>
+                      </a:r>
+                      <a:endParaRPr lang="en-US" sz="1200" b="0" i="0" u="none" strike="noStrike">
+                        <a:solidFill>
+                          <a:srgbClr val="000000"/>
+                        </a:solidFill>
+                        <a:effectLst/>
+                        <a:latin typeface="Calibri" panose="020F0502020204030204" pitchFamily="34" charset="0"/>
+                      </a:endParaRPr>
+                    </a:p>
+                  </a:txBody>
+                  <a:tcPr marL="9525" marR="9525" marT="9525" marB="0" anchor="b"/>
+                </a:tc>
+                <a:tc>
+                  <a:txBody>
+                    <a:bodyPr/>
+                    <a:lstStyle/>
+                    <a:p>
+                      <a:pPr algn="r" fontAlgn="b"/>
+                      <a:r>
+                        <a:rPr lang="en-US" sz="1200" u="none" strike="noStrike">
+                          <a:effectLst/>
+                        </a:rPr>
+                        <a:t>18</a:t>
+                      </a:r>
+                      <a:endParaRPr lang="en-US" sz="1200" b="0" i="0" u="none" strike="noStrike">
+                        <a:solidFill>
+                          <a:srgbClr val="000000"/>
+                        </a:solidFill>
+                        <a:effectLst/>
+                        <a:latin typeface="Calibri" panose="020F0502020204030204" pitchFamily="34" charset="0"/>
+                      </a:endParaRPr>
+                    </a:p>
+                  </a:txBody>
+                  <a:tcPr marL="9525" marR="9525" marT="9525" marB="0" anchor="b"/>
+                </a:tc>
+                <a:tc>
+                  <a:txBody>
+                    <a:bodyPr/>
+                    <a:lstStyle/>
+                    <a:p>
+                      <a:pPr algn="ctr" fontAlgn="b"/>
+                      <a:r>
+                        <a:rPr lang="en-US" sz="1200" u="none" strike="noStrike">
+                          <a:effectLst/>
+                        </a:rPr>
+                        <a:t>NG</a:t>
+                      </a:r>
+                      <a:endParaRPr lang="en-US" sz="1200" b="0" i="0" u="none" strike="noStrike">
+                        <a:solidFill>
+                          <a:srgbClr val="000000"/>
+                        </a:solidFill>
+                        <a:effectLst/>
+                        <a:latin typeface="Calibri" panose="020F0502020204030204" pitchFamily="34" charset="0"/>
+                      </a:endParaRPr>
+                    </a:p>
+                  </a:txBody>
+                  <a:tcPr marL="9525" marR="9525" marT="9525" marB="0" anchor="b"/>
+                </a:tc>
+                <a:tc>
+                  <a:txBody>
+                    <a:bodyPr/>
+                    <a:lstStyle/>
+                    <a:p>
+                      <a:pPr algn="ctr" fontAlgn="b"/>
+                      <a:r>
+                        <a:rPr lang="en-US" sz="1200" u="none" strike="noStrike">
+                          <a:effectLst/>
+                        </a:rPr>
+                        <a:t>NG</a:t>
+                      </a:r>
+                      <a:endParaRPr lang="en-US" sz="1200" b="0" i="0" u="none" strike="noStrike">
+                        <a:solidFill>
+                          <a:srgbClr val="000000"/>
+                        </a:solidFill>
+                        <a:effectLst/>
+                        <a:latin typeface="Calibri" panose="020F0502020204030204" pitchFamily="34" charset="0"/>
+                      </a:endParaRPr>
+                    </a:p>
+                  </a:txBody>
+                  <a:tcPr marL="9525" marR="9525" marT="9525" marB="0" anchor="b"/>
+                </a:tc>
+                <a:tc>
+                  <a:txBody>
+                    <a:bodyPr/>
+                    <a:lstStyle/>
+                    <a:p>
+                      <a:pPr algn="ctr" fontAlgn="b"/>
+                      <a:r>
+                        <a:rPr lang="en-US" sz="1200" u="none" strike="noStrike">
+                          <a:effectLst/>
+                        </a:rPr>
+                        <a:t>NG</a:t>
+                      </a:r>
+                      <a:endParaRPr lang="en-US" sz="1200" b="0" i="0" u="none" strike="noStrike">
+                        <a:solidFill>
+                          <a:srgbClr val="000000"/>
+                        </a:solidFill>
+                        <a:effectLst/>
+                        <a:latin typeface="Calibri" panose="020F0502020204030204" pitchFamily="34" charset="0"/>
+                      </a:endParaRPr>
+                    </a:p>
+                  </a:txBody>
+                  <a:tcPr marL="9525" marR="9525" marT="9525" marB="0" anchor="b"/>
+                </a:tc>
+                <a:extLst>
+                  <a:ext uri="{0D108BD9-81ED-4DB2-BD59-A6C34878D82A}">
+                    <a16:rowId xmlns:a16="http://schemas.microsoft.com/office/drawing/2014/main" val="4052440814"/>
+                  </a:ext>
+                </a:extLst>
+              </a:tr>
+              <a:tr h="203200">
+                <a:tc>
+                  <a:txBody>
+                    <a:bodyPr/>
+                    <a:lstStyle/>
+                    <a:p>
+                      <a:pPr algn="ctr" fontAlgn="b"/>
+                      <a:r>
+                        <a:rPr lang="en-US" sz="1200" u="none" strike="noStrike">
+                          <a:effectLst/>
+                        </a:rPr>
+                        <a:t>9</a:t>
+                      </a:r>
+                      <a:endParaRPr lang="en-US" sz="1200" b="0" i="0" u="none" strike="noStrike">
+                        <a:solidFill>
+                          <a:srgbClr val="000000"/>
+                        </a:solidFill>
+                        <a:effectLst/>
+                        <a:latin typeface="Calibri" panose="020F0502020204030204" pitchFamily="34" charset="0"/>
+                      </a:endParaRPr>
+                    </a:p>
+                  </a:txBody>
+                  <a:tcPr marL="9525" marR="9525" marT="9525" marB="0" anchor="b"/>
+                </a:tc>
+                <a:tc>
+                  <a:txBody>
+                    <a:bodyPr/>
+                    <a:lstStyle/>
+                    <a:p>
+                      <a:pPr algn="l" fontAlgn="b"/>
+                      <a:r>
+                        <a:rPr lang="en-US" sz="1200" u="none" strike="noStrike">
+                          <a:effectLst/>
+                        </a:rPr>
+                        <a:t>SLAP</a:t>
+                      </a:r>
+                      <a:endParaRPr lang="en-US" sz="1200" b="0" i="0" u="none" strike="noStrike">
+                        <a:solidFill>
+                          <a:srgbClr val="000000"/>
+                        </a:solidFill>
+                        <a:effectLst/>
+                        <a:latin typeface="Calibri" panose="020F0502020204030204" pitchFamily="34" charset="0"/>
+                      </a:endParaRPr>
+                    </a:p>
+                  </a:txBody>
+                  <a:tcPr marL="9525" marR="9525" marT="9525" marB="0" anchor="b"/>
+                </a:tc>
+                <a:tc>
+                  <a:txBody>
+                    <a:bodyPr/>
+                    <a:lstStyle/>
+                    <a:p>
+                      <a:pPr algn="r" fontAlgn="b"/>
+                      <a:r>
+                        <a:rPr lang="en-US" sz="1200" u="none" strike="noStrike">
+                          <a:effectLst/>
+                        </a:rPr>
+                        <a:t>11</a:t>
+                      </a:r>
+                      <a:endParaRPr lang="en-US" sz="1200" b="0" i="0" u="none" strike="noStrike">
+                        <a:solidFill>
+                          <a:srgbClr val="000000"/>
+                        </a:solidFill>
+                        <a:effectLst/>
+                        <a:latin typeface="Calibri" panose="020F0502020204030204" pitchFamily="34" charset="0"/>
+                      </a:endParaRPr>
+                    </a:p>
+                  </a:txBody>
+                  <a:tcPr marL="9525" marR="9525" marT="9525" marB="0" anchor="b"/>
+                </a:tc>
+                <a:tc>
+                  <a:txBody>
+                    <a:bodyPr/>
+                    <a:lstStyle/>
+                    <a:p>
+                      <a:pPr algn="ctr" fontAlgn="b"/>
+                      <a:r>
+                        <a:rPr lang="en-US" sz="1200" u="none" strike="noStrike">
+                          <a:effectLst/>
+                        </a:rPr>
+                        <a:t>NG</a:t>
+                      </a:r>
+                      <a:endParaRPr lang="en-US" sz="1200" b="0" i="0" u="none" strike="noStrike">
+                        <a:solidFill>
+                          <a:srgbClr val="000000"/>
+                        </a:solidFill>
+                        <a:effectLst/>
+                        <a:latin typeface="Calibri" panose="020F0502020204030204" pitchFamily="34" charset="0"/>
+                      </a:endParaRPr>
+                    </a:p>
+                  </a:txBody>
+                  <a:tcPr marL="9525" marR="9525" marT="9525" marB="0" anchor="b"/>
+                </a:tc>
+                <a:tc>
+                  <a:txBody>
+                    <a:bodyPr/>
+                    <a:lstStyle/>
+                    <a:p>
+                      <a:pPr algn="ctr" fontAlgn="b"/>
+                      <a:r>
+                        <a:rPr lang="en-US" sz="1200" u="none" strike="noStrike">
+                          <a:effectLst/>
+                        </a:rPr>
+                        <a:t>NG</a:t>
+                      </a:r>
+                      <a:endParaRPr lang="en-US" sz="1200" b="0" i="0" u="none" strike="noStrike">
+                        <a:solidFill>
+                          <a:srgbClr val="000000"/>
+                        </a:solidFill>
+                        <a:effectLst/>
+                        <a:latin typeface="Calibri" panose="020F0502020204030204" pitchFamily="34" charset="0"/>
+                      </a:endParaRPr>
+                    </a:p>
+                  </a:txBody>
+                  <a:tcPr marL="9525" marR="9525" marT="9525" marB="0" anchor="b"/>
+                </a:tc>
+                <a:tc>
+                  <a:txBody>
+                    <a:bodyPr/>
+                    <a:lstStyle/>
+                    <a:p>
+                      <a:pPr algn="ctr" fontAlgn="b"/>
+                      <a:r>
+                        <a:rPr lang="en-US" sz="1200" u="none" strike="noStrike">
+                          <a:effectLst/>
+                        </a:rPr>
+                        <a:t>NG</a:t>
+                      </a:r>
+                      <a:endParaRPr lang="en-US" sz="1200" b="0" i="0" u="none" strike="noStrike">
+                        <a:solidFill>
+                          <a:srgbClr val="000000"/>
+                        </a:solidFill>
+                        <a:effectLst/>
+                        <a:latin typeface="Calibri" panose="020F0502020204030204" pitchFamily="34" charset="0"/>
+                      </a:endParaRPr>
+                    </a:p>
+                  </a:txBody>
+                  <a:tcPr marL="9525" marR="9525" marT="9525" marB="0" anchor="b"/>
+                </a:tc>
+                <a:extLst>
+                  <a:ext uri="{0D108BD9-81ED-4DB2-BD59-A6C34878D82A}">
+                    <a16:rowId xmlns:a16="http://schemas.microsoft.com/office/drawing/2014/main" val="1104076005"/>
+                  </a:ext>
+                </a:extLst>
+              </a:tr>
+              <a:tr h="203200">
+                <a:tc>
+                  <a:txBody>
+                    <a:bodyPr/>
+                    <a:lstStyle/>
+                    <a:p>
+                      <a:pPr algn="ctr" fontAlgn="b"/>
+                      <a:r>
+                        <a:rPr lang="en-US" sz="1200" u="none" strike="noStrike">
+                          <a:effectLst/>
+                        </a:rPr>
+                        <a:t>10</a:t>
+                      </a:r>
+                      <a:endParaRPr lang="en-US" sz="1200" b="0" i="0" u="none" strike="noStrike">
+                        <a:solidFill>
+                          <a:srgbClr val="000000"/>
+                        </a:solidFill>
+                        <a:effectLst/>
+                        <a:latin typeface="Calibri" panose="020F0502020204030204" pitchFamily="34" charset="0"/>
+                      </a:endParaRPr>
+                    </a:p>
+                  </a:txBody>
+                  <a:tcPr marL="9525" marR="9525" marT="9525" marB="0" anchor="b"/>
+                </a:tc>
+                <a:tc>
+                  <a:txBody>
+                    <a:bodyPr/>
+                    <a:lstStyle/>
+                    <a:p>
+                      <a:pPr algn="l" fontAlgn="b"/>
+                      <a:r>
+                        <a:rPr lang="en-US" sz="1200" u="none" strike="noStrike">
+                          <a:effectLst/>
+                        </a:rPr>
+                        <a:t>WRIST</a:t>
+                      </a:r>
+                      <a:endParaRPr lang="en-US" sz="1200" b="0" i="0" u="none" strike="noStrike">
+                        <a:solidFill>
+                          <a:srgbClr val="000000"/>
+                        </a:solidFill>
+                        <a:effectLst/>
+                        <a:latin typeface="Calibri" panose="020F0502020204030204" pitchFamily="34" charset="0"/>
+                      </a:endParaRPr>
+                    </a:p>
+                  </a:txBody>
+                  <a:tcPr marL="9525" marR="9525" marT="9525" marB="0" anchor="b"/>
+                </a:tc>
+                <a:tc>
+                  <a:txBody>
+                    <a:bodyPr/>
+                    <a:lstStyle/>
+                    <a:p>
+                      <a:pPr algn="r" fontAlgn="b"/>
+                      <a:r>
+                        <a:rPr lang="en-US" sz="1200" u="none" strike="noStrike">
+                          <a:effectLst/>
+                        </a:rPr>
+                        <a:t>21</a:t>
+                      </a:r>
+                      <a:endParaRPr lang="en-US" sz="1200" b="0" i="0" u="none" strike="noStrike">
+                        <a:solidFill>
+                          <a:srgbClr val="000000"/>
+                        </a:solidFill>
+                        <a:effectLst/>
+                        <a:latin typeface="Calibri" panose="020F0502020204030204" pitchFamily="34" charset="0"/>
+                      </a:endParaRPr>
+                    </a:p>
+                  </a:txBody>
+                  <a:tcPr marL="9525" marR="9525" marT="9525" marB="0" anchor="b"/>
+                </a:tc>
+                <a:tc>
+                  <a:txBody>
+                    <a:bodyPr/>
+                    <a:lstStyle/>
+                    <a:p>
+                      <a:pPr algn="ctr" fontAlgn="b"/>
+                      <a:r>
+                        <a:rPr lang="en-US" sz="1200" u="none" strike="noStrike">
+                          <a:effectLst/>
+                        </a:rPr>
+                        <a:t>NG</a:t>
+                      </a:r>
+                      <a:endParaRPr lang="en-US" sz="1200" b="0" i="0" u="none" strike="noStrike">
+                        <a:solidFill>
+                          <a:srgbClr val="000000"/>
+                        </a:solidFill>
+                        <a:effectLst/>
+                        <a:latin typeface="Calibri" panose="020F0502020204030204" pitchFamily="34" charset="0"/>
+                      </a:endParaRPr>
+                    </a:p>
+                  </a:txBody>
+                  <a:tcPr marL="9525" marR="9525" marT="9525" marB="0" anchor="b"/>
+                </a:tc>
+                <a:tc>
+                  <a:txBody>
+                    <a:bodyPr/>
+                    <a:lstStyle/>
+                    <a:p>
+                      <a:pPr algn="ctr" fontAlgn="b"/>
+                      <a:r>
+                        <a:rPr lang="en-US" sz="1200" u="none" strike="noStrike">
+                          <a:effectLst/>
+                        </a:rPr>
+                        <a:t>NG</a:t>
+                      </a:r>
+                      <a:endParaRPr lang="en-US" sz="1200" b="0" i="0" u="none" strike="noStrike">
+                        <a:solidFill>
+                          <a:srgbClr val="000000"/>
+                        </a:solidFill>
+                        <a:effectLst/>
+                        <a:latin typeface="Calibri" panose="020F0502020204030204" pitchFamily="34" charset="0"/>
+                      </a:endParaRPr>
+                    </a:p>
+                  </a:txBody>
+                  <a:tcPr marL="9525" marR="9525" marT="9525" marB="0" anchor="b"/>
+                </a:tc>
+                <a:tc>
+                  <a:txBody>
+                    <a:bodyPr/>
+                    <a:lstStyle/>
+                    <a:p>
+                      <a:pPr algn="ctr" fontAlgn="b"/>
+                      <a:r>
+                        <a:rPr lang="en-US" sz="1200" u="none" strike="noStrike" dirty="0">
+                          <a:effectLst/>
+                        </a:rPr>
+                        <a:t>NG</a:t>
+                      </a:r>
+                      <a:endParaRPr lang="en-US" sz="1200" b="0" i="0" u="none" strike="noStrike" dirty="0">
+                        <a:solidFill>
+                          <a:srgbClr val="000000"/>
+                        </a:solidFill>
+                        <a:effectLst/>
+                        <a:latin typeface="Calibri" panose="020F0502020204030204" pitchFamily="34" charset="0"/>
+                      </a:endParaRPr>
+                    </a:p>
+                  </a:txBody>
+                  <a:tcPr marL="9525" marR="9525" marT="9525" marB="0" anchor="b"/>
+                </a:tc>
+                <a:extLst>
+                  <a:ext uri="{0D108BD9-81ED-4DB2-BD59-A6C34878D82A}">
+                    <a16:rowId xmlns:a16="http://schemas.microsoft.com/office/drawing/2014/main" val="1115241673"/>
+                  </a:ext>
+                </a:extLst>
+              </a:tr>
+            </a:tbl>
+          </a:graphicData>
+        </a:graphic>
+      </p:graphicFrame>
     </p:spTree>
     <p:extLst>
       <p:ext uri="{BB962C8B-B14F-4D97-AF65-F5344CB8AC3E}">
-        <p14:creationId xmlns:p14="http://schemas.microsoft.com/office/powerpoint/2010/main" val="706840001"/>
+        <p14:creationId xmlns:p14="http://schemas.microsoft.com/office/powerpoint/2010/main" val="2253791852"/>
       </p:ext>
     </p:extLst>
   </p:cSld>
@@ -4728,7 +6491,7 @@
           <p:cNvPr id="2" name="Title 1">
             <a:extLst>
               <a:ext uri="{FF2B5EF4-FFF2-40B4-BE49-F238E27FC236}">
-                <a16:creationId xmlns:a16="http://schemas.microsoft.com/office/drawing/2014/main" id="{6956A729-C264-354A-ABD9-975ACDC13C61}"/>
+                <a16:creationId xmlns:a16="http://schemas.microsoft.com/office/drawing/2014/main" id="{6E552C1F-65EF-C248-8B11-21C24F6DFC8C}"/>
               </a:ext>
             </a:extLst>
           </p:cNvPr>
@@ -4753,10 +6516,10 @@
       </p:sp>
       <p:sp>
         <p:nvSpPr>
-          <p:cNvPr id="3" name="Content Placeholder 2">
-            <a:extLst>
-              <a:ext uri="{FF2B5EF4-FFF2-40B4-BE49-F238E27FC236}">
-                <a16:creationId xmlns:a16="http://schemas.microsoft.com/office/drawing/2014/main" id="{4798D76D-86DB-9641-93CA-1ADEBD76254D}"/>
+          <p:cNvPr id="5" name="Content Placeholder 4">
+            <a:extLst>
+              <a:ext uri="{FF2B5EF4-FFF2-40B4-BE49-F238E27FC236}">
+                <a16:creationId xmlns:a16="http://schemas.microsoft.com/office/drawing/2014/main" id="{715C661A-DFAD-1243-80D9-272B5ADD81FD}"/>
               </a:ext>
             </a:extLst>
           </p:cNvPr>
@@ -4774,7 +6537,7 @@
           <a:p>
             <a:r>
               <a:rPr lang="en-US" b="1" dirty="0"/>
-              <a:t>Data vs. Theory:</a:t>
+              <a:t>Modeling Philosophy:</a:t>
             </a:r>
             <a:endParaRPr lang="en-US" dirty="0"/>
           </a:p>
@@ -4785,19 +6548,19 @@
             </a:r>
             <a:r>
               <a:rPr lang="en-US" dirty="0"/>
-              <a:t> These models rely heavily on theoretical principles and </a:t>
-            </a:r>
-            <a:r>
-              <a:rPr lang="en-US" b="1" dirty="0">
+              <a:t> These models are based on a set of differential equations that describe how the variables of a system </a:t>
+            </a:r>
+            <a:r>
+              <a:rPr lang="en-US" b="1" i="1" dirty="0">
                 <a:solidFill>
                   <a:srgbClr val="FF0000"/>
                 </a:solidFill>
               </a:rPr>
-              <a:t>domain knowledge</a:t>
+              <a:t>change over time</a:t>
             </a:r>
             <a:r>
               <a:rPr lang="en-US" dirty="0"/>
-              <a:t>. They are designed based on an understanding of the underlying physics or dynamics of the system.</a:t>
+              <a:t>. Dynamical models are often derived from first principles or domain-specific knowledge about the underlying processes governing the system.</a:t>
             </a:r>
           </a:p>
           <a:p>
@@ -4807,7 +6570,7 @@
             </a:r>
             <a:r>
               <a:rPr lang="en-US" dirty="0"/>
-              <a:t> These models are data-driven and learn patterns directly from the data. They do not necessarily require a deep understanding of the underlying processes, making them more flexible in certain situations.</a:t>
+              <a:t> Machine learning models, on the other hand, learn patterns and relationships from data. They do not necessarily require explicit knowledge of the underlying processes and can capture complex patterns in the data.</a:t>
             </a:r>
           </a:p>
           <a:p>
@@ -4818,7 +6581,7 @@
     </p:spTree>
     <p:extLst>
       <p:ext uri="{BB962C8B-B14F-4D97-AF65-F5344CB8AC3E}">
-        <p14:creationId xmlns:p14="http://schemas.microsoft.com/office/powerpoint/2010/main" val="4106054258"/>
+        <p14:creationId xmlns:p14="http://schemas.microsoft.com/office/powerpoint/2010/main" val="706840001"/>
       </p:ext>
     </p:extLst>
   </p:cSld>
@@ -4850,6 +6613,128 @@
           <p:cNvPr id="2" name="Title 1">
             <a:extLst>
               <a:ext uri="{FF2B5EF4-FFF2-40B4-BE49-F238E27FC236}">
+                <a16:creationId xmlns:a16="http://schemas.microsoft.com/office/drawing/2014/main" id="{6956A729-C264-354A-ABD9-975ACDC13C61}"/>
+              </a:ext>
+            </a:extLst>
+          </p:cNvPr>
+          <p:cNvSpPr>
+            <a:spLocks noGrp="1"/>
+          </p:cNvSpPr>
+          <p:nvPr>
+            <p:ph type="title"/>
+          </p:nvPr>
+        </p:nvSpPr>
+        <p:spPr/>
+        <p:txBody>
+          <a:bodyPr/>
+          <a:lstStyle/>
+          <a:p>
+            <a:r>
+              <a:rPr lang="en-US" dirty="0"/>
+              <a:t>Dynamical Models versus Machine Learning</a:t>
+            </a:r>
+          </a:p>
+        </p:txBody>
+      </p:sp>
+      <p:sp>
+        <p:nvSpPr>
+          <p:cNvPr id="3" name="Content Placeholder 2">
+            <a:extLst>
+              <a:ext uri="{FF2B5EF4-FFF2-40B4-BE49-F238E27FC236}">
+                <a16:creationId xmlns:a16="http://schemas.microsoft.com/office/drawing/2014/main" id="{4798D76D-86DB-9641-93CA-1ADEBD76254D}"/>
+              </a:ext>
+            </a:extLst>
+          </p:cNvPr>
+          <p:cNvSpPr>
+            <a:spLocks noGrp="1"/>
+          </p:cNvSpPr>
+          <p:nvPr>
+            <p:ph idx="1"/>
+          </p:nvPr>
+        </p:nvSpPr>
+        <p:spPr/>
+        <p:txBody>
+          <a:bodyPr/>
+          <a:lstStyle/>
+          <a:p>
+            <a:r>
+              <a:rPr lang="en-US" b="1" dirty="0"/>
+              <a:t>Data vs. Theory:</a:t>
+            </a:r>
+            <a:endParaRPr lang="en-US" dirty="0"/>
+          </a:p>
+          <a:p>
+            <a:r>
+              <a:rPr lang="en-US" b="1" dirty="0"/>
+              <a:t>Dynamical Models:</a:t>
+            </a:r>
+            <a:r>
+              <a:rPr lang="en-US" dirty="0"/>
+              <a:t> These models rely heavily on theoretical principles and </a:t>
+            </a:r>
+            <a:r>
+              <a:rPr lang="en-US" b="1" dirty="0">
+                <a:solidFill>
+                  <a:srgbClr val="FF0000"/>
+                </a:solidFill>
+              </a:rPr>
+              <a:t>domain knowledge</a:t>
+            </a:r>
+            <a:r>
+              <a:rPr lang="en-US" dirty="0"/>
+              <a:t>. They are designed based on an understanding of the underlying physics or dynamics of the system.</a:t>
+            </a:r>
+          </a:p>
+          <a:p>
+            <a:r>
+              <a:rPr lang="en-US" b="1" dirty="0"/>
+              <a:t>Machine Learning Models:</a:t>
+            </a:r>
+            <a:r>
+              <a:rPr lang="en-US" dirty="0"/>
+              <a:t> These models are data-driven and learn patterns directly from the data. They do not necessarily require a deep understanding of the underlying processes, making them more flexible in certain situations.</a:t>
+            </a:r>
+          </a:p>
+          <a:p>
+            <a:endParaRPr lang="en-US" dirty="0"/>
+          </a:p>
+        </p:txBody>
+      </p:sp>
+    </p:spTree>
+    <p:extLst>
+      <p:ext uri="{BB962C8B-B14F-4D97-AF65-F5344CB8AC3E}">
+        <p14:creationId xmlns:p14="http://schemas.microsoft.com/office/powerpoint/2010/main" val="4106054258"/>
+      </p:ext>
+    </p:extLst>
+  </p:cSld>
+  <p:clrMapOvr>
+    <a:masterClrMapping/>
+  </p:clrMapOvr>
+</p:sld>
+</file>
+
+<file path=ppt/slides/slide8.xml><?xml version="1.0" encoding="utf-8"?>
+<p:sld xmlns:a="http://schemas.openxmlformats.org/drawingml/2006/main" xmlns:r="http://schemas.openxmlformats.org/officeDocument/2006/relationships" xmlns:p="http://schemas.openxmlformats.org/presentationml/2006/main">
+  <p:cSld>
+    <p:spTree>
+      <p:nvGrpSpPr>
+        <p:cNvPr id="1" name=""/>
+        <p:cNvGrpSpPr/>
+        <p:nvPr/>
+      </p:nvGrpSpPr>
+      <p:grpSpPr>
+        <a:xfrm>
+          <a:off x="0" y="0"/>
+          <a:ext cx="0" cy="0"/>
+          <a:chOff x="0" y="0"/>
+          <a:chExt cx="0" cy="0"/>
+        </a:xfrm>
+      </p:grpSpPr>
+      <p:sp>
+        <p:nvSpPr>
+          <p:cNvPr id="2" name="Title 1">
+            <a:extLst>
+              <a:ext uri="{FF2B5EF4-FFF2-40B4-BE49-F238E27FC236}">
                 <a16:creationId xmlns:a16="http://schemas.microsoft.com/office/drawing/2014/main" id="{15CE45AC-934B-CD47-A4C0-1DC0394ED715}"/>
               </a:ext>
             </a:extLst>
@@ -4950,7 +6835,7 @@
 </p:sld>
 </file>
 
-<file path=ppt/slides/slide8.xml><?xml version="1.0" encoding="utf-8"?>
+<file path=ppt/slides/slide9.xml><?xml version="1.0" encoding="utf-8"?>
 <p:sld xmlns:a="http://schemas.openxmlformats.org/drawingml/2006/main" xmlns:r="http://schemas.openxmlformats.org/officeDocument/2006/relationships" xmlns:p="http://schemas.openxmlformats.org/presentationml/2006/main">
   <p:cSld>
     <p:spTree>

--- a/SWES_MachineLearning.pptx
+++ b/SWES_MachineLearning.pptx
@@ -4653,13 +4653,13 @@
           <p:nvPr>
             <p:extLst>
               <p:ext uri="{D42A27DB-BD31-4B8C-83A1-F6EECF244321}">
-                <p14:modId xmlns:p14="http://schemas.microsoft.com/office/powerpoint/2010/main" val="1661219415"/>
+                <p14:modId xmlns:p14="http://schemas.microsoft.com/office/powerpoint/2010/main" val="3754817236"/>
               </p:ext>
             </p:extLst>
           </p:nvPr>
         </p:nvGraphicFramePr>
         <p:xfrm>
-          <a:off x="3141518" y="1690688"/>
+          <a:off x="3245427" y="1836161"/>
           <a:ext cx="4953000" cy="2438400"/>
         </p:xfrm>
         <a:graphic>
@@ -5491,12 +5491,12 @@
                     <a:p>
                       <a:pPr algn="r" fontAlgn="b"/>
                       <a:r>
-                        <a:rPr lang="en-US" sz="1200" u="none" strike="noStrike">
+                        <a:rPr lang="en-US" sz="1200" u="none" strike="noStrike" dirty="0">
                           <a:effectLst/>
                         </a:rPr>
                         <a:t>5</a:t>
                       </a:r>
-                      <a:endParaRPr lang="en-US" sz="1200" b="0" i="0" u="none" strike="noStrike">
+                      <a:endParaRPr lang="en-US" sz="1200" b="0" i="0" u="none" strike="noStrike" dirty="0">
                         <a:solidFill>
                           <a:srgbClr val="000000"/>
                         </a:solidFill>

--- a/SWES_MachineLearning.pptx
+++ b/SWES_MachineLearning.pptx
@@ -5,7 +5,7 @@
     <p:sldMasterId id="2147483648" r:id="rId1"/>
   </p:sldMasterIdLst>
   <p:notesMasterIdLst>
-    <p:notesMasterId r:id="rId11"/>
+    <p:notesMasterId r:id="rId12"/>
   </p:notesMasterIdLst>
   <p:sldIdLst>
     <p:sldId id="256" r:id="rId2"/>
@@ -16,7 +16,8 @@
     <p:sldId id="261" r:id="rId7"/>
     <p:sldId id="262" r:id="rId8"/>
     <p:sldId id="263" r:id="rId9"/>
-    <p:sldId id="267" r:id="rId10"/>
+    <p:sldId id="270" r:id="rId10"/>
+    <p:sldId id="267" r:id="rId11"/>
   </p:sldIdLst>
   <p:sldSz cx="12192000" cy="6858000"/>
   <p:notesSz cx="6858000" cy="9144000"/>
@@ -128,6 +129,7 @@
             <p14:sldId id="261"/>
             <p14:sldId id="262"/>
             <p14:sldId id="263"/>
+            <p14:sldId id="270"/>
             <p14:sldId id="267"/>
           </p14:sldIdLst>
         </p14:section>
@@ -838,7 +840,7 @@
           <a:p>
             <a:fld id="{AEBE5CE0-1C9A-164D-8282-85E756D9A591}" type="slidenum">
               <a:rPr lang="en-US" smtClean="0"/>
-              <a:t>9</a:t>
+              <a:t>10</a:t>
             </a:fld>
             <a:endParaRPr lang="en-US"/>
           </a:p>
@@ -4151,6 +4153,552 @@
 </p:sld>
 </file>
 
+<file path=ppt/slides/slide10.xml><?xml version="1.0" encoding="utf-8"?>
+<p:sld xmlns:a="http://schemas.openxmlformats.org/drawingml/2006/main" xmlns:r="http://schemas.openxmlformats.org/officeDocument/2006/relationships" xmlns:p="http://schemas.openxmlformats.org/presentationml/2006/main">
+  <p:cSld>
+    <p:spTree>
+      <p:nvGrpSpPr>
+        <p:cNvPr id="1" name=""/>
+        <p:cNvGrpSpPr/>
+        <p:nvPr/>
+      </p:nvGrpSpPr>
+      <p:grpSpPr>
+        <a:xfrm>
+          <a:off x="0" y="0"/>
+          <a:ext cx="0" cy="0"/>
+          <a:chOff x="0" y="0"/>
+          <a:chExt cx="0" cy="0"/>
+        </a:xfrm>
+      </p:grpSpPr>
+      <p:sp>
+        <p:nvSpPr>
+          <p:cNvPr id="3" name="Content Placeholder 2">
+            <a:extLst>
+              <a:ext uri="{FF2B5EF4-FFF2-40B4-BE49-F238E27FC236}">
+                <a16:creationId xmlns:a16="http://schemas.microsoft.com/office/drawing/2014/main" id="{7C2F0427-A106-224D-BC48-682CC45687CE}"/>
+              </a:ext>
+            </a:extLst>
+          </p:cNvPr>
+          <p:cNvSpPr>
+            <a:spLocks noGrp="1"/>
+          </p:cNvSpPr>
+          <p:nvPr>
+            <p:ph idx="1"/>
+          </p:nvPr>
+        </p:nvSpPr>
+        <p:spPr>
+          <a:xfrm>
+            <a:off x="838200" y="1029278"/>
+            <a:ext cx="10515600" cy="1229302"/>
+          </a:xfrm>
+        </p:spPr>
+        <p:txBody>
+          <a:bodyPr>
+            <a:normAutofit lnSpcReduction="10000"/>
+          </a:bodyPr>
+          <a:lstStyle/>
+          <a:p>
+            <a:pPr marL="0" indent="0">
+              <a:buNone/>
+            </a:pPr>
+            <a:r>
+              <a:rPr lang="en-US" sz="4000" dirty="0"/>
+              <a:t>All Models Are Wrong.  Some Are Useful. </a:t>
+            </a:r>
+          </a:p>
+          <a:p>
+            <a:pPr marL="0" indent="0">
+              <a:buNone/>
+            </a:pPr>
+            <a:r>
+              <a:rPr lang="en-US" sz="4000" dirty="0"/>
+              <a:t>– George Box</a:t>
+            </a:r>
+          </a:p>
+        </p:txBody>
+      </p:sp>
+      <p:sp>
+        <p:nvSpPr>
+          <p:cNvPr id="4" name="Content Placeholder 2">
+            <a:extLst>
+              <a:ext uri="{FF2B5EF4-FFF2-40B4-BE49-F238E27FC236}">
+                <a16:creationId xmlns:a16="http://schemas.microsoft.com/office/drawing/2014/main" id="{DCE6C5CF-C395-504A-BA03-6E33FCFB4C3D}"/>
+              </a:ext>
+            </a:extLst>
+          </p:cNvPr>
+          <p:cNvSpPr txBox="1">
+            <a:spLocks/>
+          </p:cNvSpPr>
+          <p:nvPr/>
+        </p:nvSpPr>
+        <p:spPr>
+          <a:xfrm>
+            <a:off x="838200" y="3599007"/>
+            <a:ext cx="10515600" cy="574675"/>
+          </a:xfrm>
+          <a:prstGeom prst="rect">
+            <a:avLst/>
+          </a:prstGeom>
+        </p:spPr>
+        <p:txBody>
+          <a:bodyPr vert="horz" lIns="91440" tIns="45720" rIns="91440" bIns="45720" rtlCol="0">
+            <a:normAutofit/>
+          </a:bodyPr>
+          <a:lstStyle>
+            <a:lvl1pPr marL="228600" indent="-228600" algn="l" defTabSz="914400" rtl="0" eaLnBrk="1" latinLnBrk="0" hangingPunct="1">
+              <a:lnSpc>
+                <a:spcPct val="90000"/>
+              </a:lnSpc>
+              <a:spcBef>
+                <a:spcPts val="1000"/>
+              </a:spcBef>
+              <a:buFont typeface="Arial" panose="020B0604020202020204" pitchFamily="34" charset="0"/>
+              <a:buChar char="•"/>
+              <a:defRPr sz="2800" kern="1200">
+                <a:solidFill>
+                  <a:schemeClr val="tx1"/>
+                </a:solidFill>
+                <a:latin typeface="+mn-lt"/>
+                <a:ea typeface="+mn-ea"/>
+                <a:cs typeface="+mn-cs"/>
+              </a:defRPr>
+            </a:lvl1pPr>
+            <a:lvl2pPr marL="685800" indent="-228600" algn="l" defTabSz="914400" rtl="0" eaLnBrk="1" latinLnBrk="0" hangingPunct="1">
+              <a:lnSpc>
+                <a:spcPct val="90000"/>
+              </a:lnSpc>
+              <a:spcBef>
+                <a:spcPts val="500"/>
+              </a:spcBef>
+              <a:buFont typeface="Arial" panose="020B0604020202020204" pitchFamily="34" charset="0"/>
+              <a:buChar char="•"/>
+              <a:defRPr sz="2400" kern="1200">
+                <a:solidFill>
+                  <a:schemeClr val="tx1"/>
+                </a:solidFill>
+                <a:latin typeface="+mn-lt"/>
+                <a:ea typeface="+mn-ea"/>
+                <a:cs typeface="+mn-cs"/>
+              </a:defRPr>
+            </a:lvl2pPr>
+            <a:lvl3pPr marL="1143000" indent="-228600" algn="l" defTabSz="914400" rtl="0" eaLnBrk="1" latinLnBrk="0" hangingPunct="1">
+              <a:lnSpc>
+                <a:spcPct val="90000"/>
+              </a:lnSpc>
+              <a:spcBef>
+                <a:spcPts val="500"/>
+              </a:spcBef>
+              <a:buFont typeface="Arial" panose="020B0604020202020204" pitchFamily="34" charset="0"/>
+              <a:buChar char="•"/>
+              <a:defRPr sz="2000" kern="1200">
+                <a:solidFill>
+                  <a:schemeClr val="tx1"/>
+                </a:solidFill>
+                <a:latin typeface="+mn-lt"/>
+                <a:ea typeface="+mn-ea"/>
+                <a:cs typeface="+mn-cs"/>
+              </a:defRPr>
+            </a:lvl3pPr>
+            <a:lvl4pPr marL="1600200" indent="-228600" algn="l" defTabSz="914400" rtl="0" eaLnBrk="1" latinLnBrk="0" hangingPunct="1">
+              <a:lnSpc>
+                <a:spcPct val="90000"/>
+              </a:lnSpc>
+              <a:spcBef>
+                <a:spcPts val="500"/>
+              </a:spcBef>
+              <a:buFont typeface="Arial" panose="020B0604020202020204" pitchFamily="34" charset="0"/>
+              <a:buChar char="•"/>
+              <a:defRPr sz="1800" kern="1200">
+                <a:solidFill>
+                  <a:schemeClr val="tx1"/>
+                </a:solidFill>
+                <a:latin typeface="+mn-lt"/>
+                <a:ea typeface="+mn-ea"/>
+                <a:cs typeface="+mn-cs"/>
+              </a:defRPr>
+            </a:lvl4pPr>
+            <a:lvl5pPr marL="2057400" indent="-228600" algn="l" defTabSz="914400" rtl="0" eaLnBrk="1" latinLnBrk="0" hangingPunct="1">
+              <a:lnSpc>
+                <a:spcPct val="90000"/>
+              </a:lnSpc>
+              <a:spcBef>
+                <a:spcPts val="500"/>
+              </a:spcBef>
+              <a:buFont typeface="Arial" panose="020B0604020202020204" pitchFamily="34" charset="0"/>
+              <a:buChar char="•"/>
+              <a:defRPr sz="1800" kern="1200">
+                <a:solidFill>
+                  <a:schemeClr val="tx1"/>
+                </a:solidFill>
+                <a:latin typeface="+mn-lt"/>
+                <a:ea typeface="+mn-ea"/>
+                <a:cs typeface="+mn-cs"/>
+              </a:defRPr>
+            </a:lvl5pPr>
+            <a:lvl6pPr marL="2514600" indent="-228600" algn="l" defTabSz="914400" rtl="0" eaLnBrk="1" latinLnBrk="0" hangingPunct="1">
+              <a:lnSpc>
+                <a:spcPct val="90000"/>
+              </a:lnSpc>
+              <a:spcBef>
+                <a:spcPts val="500"/>
+              </a:spcBef>
+              <a:buFont typeface="Arial" panose="020B0604020202020204" pitchFamily="34" charset="0"/>
+              <a:buChar char="•"/>
+              <a:defRPr sz="1800" kern="1200">
+                <a:solidFill>
+                  <a:schemeClr val="tx1"/>
+                </a:solidFill>
+                <a:latin typeface="+mn-lt"/>
+                <a:ea typeface="+mn-ea"/>
+                <a:cs typeface="+mn-cs"/>
+              </a:defRPr>
+            </a:lvl6pPr>
+            <a:lvl7pPr marL="2971800" indent="-228600" algn="l" defTabSz="914400" rtl="0" eaLnBrk="1" latinLnBrk="0" hangingPunct="1">
+              <a:lnSpc>
+                <a:spcPct val="90000"/>
+              </a:lnSpc>
+              <a:spcBef>
+                <a:spcPts val="500"/>
+              </a:spcBef>
+              <a:buFont typeface="Arial" panose="020B0604020202020204" pitchFamily="34" charset="0"/>
+              <a:buChar char="•"/>
+              <a:defRPr sz="1800" kern="1200">
+                <a:solidFill>
+                  <a:schemeClr val="tx1"/>
+                </a:solidFill>
+                <a:latin typeface="+mn-lt"/>
+                <a:ea typeface="+mn-ea"/>
+                <a:cs typeface="+mn-cs"/>
+              </a:defRPr>
+            </a:lvl7pPr>
+            <a:lvl8pPr marL="3429000" indent="-228600" algn="l" defTabSz="914400" rtl="0" eaLnBrk="1" latinLnBrk="0" hangingPunct="1">
+              <a:lnSpc>
+                <a:spcPct val="90000"/>
+              </a:lnSpc>
+              <a:spcBef>
+                <a:spcPts val="500"/>
+              </a:spcBef>
+              <a:buFont typeface="Arial" panose="020B0604020202020204" pitchFamily="34" charset="0"/>
+              <a:buChar char="•"/>
+              <a:defRPr sz="1800" kern="1200">
+                <a:solidFill>
+                  <a:schemeClr val="tx1"/>
+                </a:solidFill>
+                <a:latin typeface="+mn-lt"/>
+                <a:ea typeface="+mn-ea"/>
+                <a:cs typeface="+mn-cs"/>
+              </a:defRPr>
+            </a:lvl8pPr>
+            <a:lvl9pPr marL="3886200" indent="-228600" algn="l" defTabSz="914400" rtl="0" eaLnBrk="1" latinLnBrk="0" hangingPunct="1">
+              <a:lnSpc>
+                <a:spcPct val="90000"/>
+              </a:lnSpc>
+              <a:spcBef>
+                <a:spcPts val="500"/>
+              </a:spcBef>
+              <a:buFont typeface="Arial" panose="020B0604020202020204" pitchFamily="34" charset="0"/>
+              <a:buChar char="•"/>
+              <a:defRPr sz="1800" kern="1200">
+                <a:solidFill>
+                  <a:schemeClr val="tx1"/>
+                </a:solidFill>
+                <a:latin typeface="+mn-lt"/>
+                <a:ea typeface="+mn-ea"/>
+                <a:cs typeface="+mn-cs"/>
+              </a:defRPr>
+            </a:lvl9pPr>
+          </a:lstStyle>
+          <a:p>
+            <a:pPr marL="0" indent="0">
+              <a:buFont typeface="Arial" panose="020B0604020202020204" pitchFamily="34" charset="0"/>
+              <a:buNone/>
+            </a:pPr>
+            <a:endParaRPr lang="en-US" dirty="0"/>
+          </a:p>
+        </p:txBody>
+      </p:sp>
+      <p:sp>
+        <p:nvSpPr>
+          <p:cNvPr id="5" name="Content Placeholder 2">
+            <a:extLst>
+              <a:ext uri="{FF2B5EF4-FFF2-40B4-BE49-F238E27FC236}">
+                <a16:creationId xmlns:a16="http://schemas.microsoft.com/office/drawing/2014/main" id="{07F515EA-4100-2C4A-9B3B-63188A5C7181}"/>
+              </a:ext>
+            </a:extLst>
+          </p:cNvPr>
+          <p:cNvSpPr txBox="1">
+            <a:spLocks/>
+          </p:cNvSpPr>
+          <p:nvPr/>
+        </p:nvSpPr>
+        <p:spPr>
+          <a:xfrm>
+            <a:off x="838200" y="2523693"/>
+            <a:ext cx="10515600" cy="1229302"/>
+          </a:xfrm>
+          <a:prstGeom prst="rect">
+            <a:avLst/>
+          </a:prstGeom>
+        </p:spPr>
+        <p:txBody>
+          <a:bodyPr vert="horz" lIns="91440" tIns="45720" rIns="91440" bIns="45720" rtlCol="0">
+            <a:normAutofit lnSpcReduction="10000"/>
+          </a:bodyPr>
+          <a:lstStyle>
+            <a:lvl1pPr marL="228600" indent="-228600" algn="l" defTabSz="914400" rtl="0" eaLnBrk="1" latinLnBrk="0" hangingPunct="1">
+              <a:lnSpc>
+                <a:spcPct val="90000"/>
+              </a:lnSpc>
+              <a:spcBef>
+                <a:spcPts val="1000"/>
+              </a:spcBef>
+              <a:buFont typeface="Arial" panose="020B0604020202020204" pitchFamily="34" charset="0"/>
+              <a:buChar char="•"/>
+              <a:defRPr sz="2800" kern="1200">
+                <a:solidFill>
+                  <a:schemeClr val="tx1"/>
+                </a:solidFill>
+                <a:latin typeface="+mn-lt"/>
+                <a:ea typeface="+mn-ea"/>
+                <a:cs typeface="+mn-cs"/>
+              </a:defRPr>
+            </a:lvl1pPr>
+            <a:lvl2pPr marL="685800" indent="-228600" algn="l" defTabSz="914400" rtl="0" eaLnBrk="1" latinLnBrk="0" hangingPunct="1">
+              <a:lnSpc>
+                <a:spcPct val="90000"/>
+              </a:lnSpc>
+              <a:spcBef>
+                <a:spcPts val="500"/>
+              </a:spcBef>
+              <a:buFont typeface="Arial" panose="020B0604020202020204" pitchFamily="34" charset="0"/>
+              <a:buChar char="•"/>
+              <a:defRPr sz="2400" kern="1200">
+                <a:solidFill>
+                  <a:schemeClr val="tx1"/>
+                </a:solidFill>
+                <a:latin typeface="+mn-lt"/>
+                <a:ea typeface="+mn-ea"/>
+                <a:cs typeface="+mn-cs"/>
+              </a:defRPr>
+            </a:lvl2pPr>
+            <a:lvl3pPr marL="1143000" indent="-228600" algn="l" defTabSz="914400" rtl="0" eaLnBrk="1" latinLnBrk="0" hangingPunct="1">
+              <a:lnSpc>
+                <a:spcPct val="90000"/>
+              </a:lnSpc>
+              <a:spcBef>
+                <a:spcPts val="500"/>
+              </a:spcBef>
+              <a:buFont typeface="Arial" panose="020B0604020202020204" pitchFamily="34" charset="0"/>
+              <a:buChar char="•"/>
+              <a:defRPr sz="2000" kern="1200">
+                <a:solidFill>
+                  <a:schemeClr val="tx1"/>
+                </a:solidFill>
+                <a:latin typeface="+mn-lt"/>
+                <a:ea typeface="+mn-ea"/>
+                <a:cs typeface="+mn-cs"/>
+              </a:defRPr>
+            </a:lvl3pPr>
+            <a:lvl4pPr marL="1600200" indent="-228600" algn="l" defTabSz="914400" rtl="0" eaLnBrk="1" latinLnBrk="0" hangingPunct="1">
+              <a:lnSpc>
+                <a:spcPct val="90000"/>
+              </a:lnSpc>
+              <a:spcBef>
+                <a:spcPts val="500"/>
+              </a:spcBef>
+              <a:buFont typeface="Arial" panose="020B0604020202020204" pitchFamily="34" charset="0"/>
+              <a:buChar char="•"/>
+              <a:defRPr sz="1800" kern="1200">
+                <a:solidFill>
+                  <a:schemeClr val="tx1"/>
+                </a:solidFill>
+                <a:latin typeface="+mn-lt"/>
+                <a:ea typeface="+mn-ea"/>
+                <a:cs typeface="+mn-cs"/>
+              </a:defRPr>
+            </a:lvl4pPr>
+            <a:lvl5pPr marL="2057400" indent="-228600" algn="l" defTabSz="914400" rtl="0" eaLnBrk="1" latinLnBrk="0" hangingPunct="1">
+              <a:lnSpc>
+                <a:spcPct val="90000"/>
+              </a:lnSpc>
+              <a:spcBef>
+                <a:spcPts val="500"/>
+              </a:spcBef>
+              <a:buFont typeface="Arial" panose="020B0604020202020204" pitchFamily="34" charset="0"/>
+              <a:buChar char="•"/>
+              <a:defRPr sz="1800" kern="1200">
+                <a:solidFill>
+                  <a:schemeClr val="tx1"/>
+                </a:solidFill>
+                <a:latin typeface="+mn-lt"/>
+                <a:ea typeface="+mn-ea"/>
+                <a:cs typeface="+mn-cs"/>
+              </a:defRPr>
+            </a:lvl5pPr>
+            <a:lvl6pPr marL="2514600" indent="-228600" algn="l" defTabSz="914400" rtl="0" eaLnBrk="1" latinLnBrk="0" hangingPunct="1">
+              <a:lnSpc>
+                <a:spcPct val="90000"/>
+              </a:lnSpc>
+              <a:spcBef>
+                <a:spcPts val="500"/>
+              </a:spcBef>
+              <a:buFont typeface="Arial" panose="020B0604020202020204" pitchFamily="34" charset="0"/>
+              <a:buChar char="•"/>
+              <a:defRPr sz="1800" kern="1200">
+                <a:solidFill>
+                  <a:schemeClr val="tx1"/>
+                </a:solidFill>
+                <a:latin typeface="+mn-lt"/>
+                <a:ea typeface="+mn-ea"/>
+                <a:cs typeface="+mn-cs"/>
+              </a:defRPr>
+            </a:lvl6pPr>
+            <a:lvl7pPr marL="2971800" indent="-228600" algn="l" defTabSz="914400" rtl="0" eaLnBrk="1" latinLnBrk="0" hangingPunct="1">
+              <a:lnSpc>
+                <a:spcPct val="90000"/>
+              </a:lnSpc>
+              <a:spcBef>
+                <a:spcPts val="500"/>
+              </a:spcBef>
+              <a:buFont typeface="Arial" panose="020B0604020202020204" pitchFamily="34" charset="0"/>
+              <a:buChar char="•"/>
+              <a:defRPr sz="1800" kern="1200">
+                <a:solidFill>
+                  <a:schemeClr val="tx1"/>
+                </a:solidFill>
+                <a:latin typeface="+mn-lt"/>
+                <a:ea typeface="+mn-ea"/>
+                <a:cs typeface="+mn-cs"/>
+              </a:defRPr>
+            </a:lvl7pPr>
+            <a:lvl8pPr marL="3429000" indent="-228600" algn="l" defTabSz="914400" rtl="0" eaLnBrk="1" latinLnBrk="0" hangingPunct="1">
+              <a:lnSpc>
+                <a:spcPct val="90000"/>
+              </a:lnSpc>
+              <a:spcBef>
+                <a:spcPts val="500"/>
+              </a:spcBef>
+              <a:buFont typeface="Arial" panose="020B0604020202020204" pitchFamily="34" charset="0"/>
+              <a:buChar char="•"/>
+              <a:defRPr sz="1800" kern="1200">
+                <a:solidFill>
+                  <a:schemeClr val="tx1"/>
+                </a:solidFill>
+                <a:latin typeface="+mn-lt"/>
+                <a:ea typeface="+mn-ea"/>
+                <a:cs typeface="+mn-cs"/>
+              </a:defRPr>
+            </a:lvl8pPr>
+            <a:lvl9pPr marL="3886200" indent="-228600" algn="l" defTabSz="914400" rtl="0" eaLnBrk="1" latinLnBrk="0" hangingPunct="1">
+              <a:lnSpc>
+                <a:spcPct val="90000"/>
+              </a:lnSpc>
+              <a:spcBef>
+                <a:spcPts val="500"/>
+              </a:spcBef>
+              <a:buFont typeface="Arial" panose="020B0604020202020204" pitchFamily="34" charset="0"/>
+              <a:buChar char="•"/>
+              <a:defRPr sz="1800" kern="1200">
+                <a:solidFill>
+                  <a:schemeClr val="tx1"/>
+                </a:solidFill>
+                <a:latin typeface="+mn-lt"/>
+                <a:ea typeface="+mn-ea"/>
+                <a:cs typeface="+mn-cs"/>
+              </a:defRPr>
+            </a:lvl9pPr>
+          </a:lstStyle>
+          <a:p>
+            <a:pPr marL="0" indent="0">
+              <a:buNone/>
+            </a:pPr>
+            <a:r>
+              <a:rPr lang="en-US" sz="4000" dirty="0"/>
+              <a:t>Do Not Substitute Coding For Thinking.</a:t>
+            </a:r>
+          </a:p>
+          <a:p>
+            <a:pPr marL="0" indent="0">
+              <a:buNone/>
+            </a:pPr>
+            <a:r>
+              <a:rPr lang="en-US" sz="4000" dirty="0"/>
+              <a:t>– Unattributed</a:t>
+            </a:r>
+          </a:p>
+        </p:txBody>
+      </p:sp>
+      <p:sp>
+        <p:nvSpPr>
+          <p:cNvPr id="2" name="Rectangle 1">
+            <a:extLst>
+              <a:ext uri="{FF2B5EF4-FFF2-40B4-BE49-F238E27FC236}">
+                <a16:creationId xmlns:a16="http://schemas.microsoft.com/office/drawing/2014/main" id="{C86EAFFA-17CC-F74D-A75A-8D91A7A73BFF}"/>
+              </a:ext>
+            </a:extLst>
+          </p:cNvPr>
+          <p:cNvSpPr/>
+          <p:nvPr/>
+        </p:nvSpPr>
+        <p:spPr>
+          <a:xfrm>
+            <a:off x="405245" y="4364182"/>
+            <a:ext cx="9840191" cy="1569660"/>
+          </a:xfrm>
+          <a:prstGeom prst="rect">
+            <a:avLst/>
+          </a:prstGeom>
+        </p:spPr>
+        <p:txBody>
+          <a:bodyPr wrap="square">
+            <a:spAutoFit/>
+          </a:bodyPr>
+          <a:lstStyle/>
+          <a:p>
+            <a:pPr marL="914400" lvl="1" indent="-457200">
+              <a:buFont typeface="Arial" panose="020B0604020202020204" pitchFamily="34" charset="0"/>
+              <a:buChar char="•"/>
+            </a:pPr>
+            <a:r>
+              <a:rPr lang="en-US" sz="3200" dirty="0"/>
+              <a:t>What, in fact, is the machine “learning”</a:t>
+            </a:r>
+          </a:p>
+          <a:p>
+            <a:pPr marL="914400" lvl="1" indent="-457200">
+              <a:buFont typeface="Arial" panose="020B0604020202020204" pitchFamily="34" charset="0"/>
+              <a:buChar char="•"/>
+            </a:pPr>
+            <a:r>
+              <a:rPr lang="en-US" sz="3200" dirty="0"/>
+              <a:t>Does the Turing Test matter?</a:t>
+            </a:r>
+          </a:p>
+          <a:p>
+            <a:pPr marL="914400" lvl="1" indent="-457200">
+              <a:buFont typeface="Arial" panose="020B0604020202020204" pitchFamily="34" charset="0"/>
+              <a:buChar char="•"/>
+            </a:pPr>
+            <a:r>
+              <a:rPr lang="en-US" sz="3200" dirty="0"/>
+              <a:t>AL v NI</a:t>
+            </a:r>
+          </a:p>
+        </p:txBody>
+      </p:sp>
+    </p:spTree>
+    <p:extLst>
+      <p:ext uri="{BB962C8B-B14F-4D97-AF65-F5344CB8AC3E}">
+        <p14:creationId xmlns:p14="http://schemas.microsoft.com/office/powerpoint/2010/main" val="3897595667"/>
+      </p:ext>
+    </p:extLst>
+  </p:cSld>
+  <p:clrMapOvr>
+    <a:masterClrMapping/>
+  </p:clrMapOvr>
+</p:sld>
+</file>
+
 <file path=ppt/slides/slide2.xml><?xml version="1.0" encoding="utf-8"?>
 <p:sld xmlns:a="http://schemas.openxmlformats.org/drawingml/2006/main" xmlns:r="http://schemas.openxmlformats.org/officeDocument/2006/relationships" xmlns:p="http://schemas.openxmlformats.org/presentationml/2006/main">
   <p:cSld>
@@ -4367,27 +4915,6 @@
             <a:r>
               <a:rPr lang="en-US" dirty="0"/>
               <a:t>Considerations</a:t>
-            </a:r>
-          </a:p>
-          <a:p>
-            <a:pPr lvl="1"/>
-            <a:r>
-              <a:rPr lang="en-US" dirty="0"/>
-              <a:t>What, in fact, is the machine “learning”</a:t>
-            </a:r>
-          </a:p>
-          <a:p>
-            <a:pPr lvl="1"/>
-            <a:r>
-              <a:rPr lang="en-US" dirty="0"/>
-              <a:t>Does the Turing Test matter?</a:t>
-            </a:r>
-          </a:p>
-          <a:p>
-            <a:pPr lvl="1"/>
-            <a:r>
-              <a:rPr lang="en-US" dirty="0"/>
-              <a:t>AL v NI</a:t>
             </a:r>
           </a:p>
         </p:txBody>
@@ -6854,466 +7381,557 @@
       </p:grpSpPr>
       <p:sp>
         <p:nvSpPr>
-          <p:cNvPr id="3" name="Content Placeholder 2">
-            <a:extLst>
-              <a:ext uri="{FF2B5EF4-FFF2-40B4-BE49-F238E27FC236}">
-                <a16:creationId xmlns:a16="http://schemas.microsoft.com/office/drawing/2014/main" id="{7C2F0427-A106-224D-BC48-682CC45687CE}"/>
-              </a:ext>
-            </a:extLst>
-          </p:cNvPr>
-          <p:cNvSpPr>
-            <a:spLocks noGrp="1"/>
-          </p:cNvSpPr>
-          <p:nvPr>
-            <p:ph idx="1"/>
-          </p:nvPr>
+          <p:cNvPr id="2" name="Title 1">
+            <a:extLst>
+              <a:ext uri="{FF2B5EF4-FFF2-40B4-BE49-F238E27FC236}">
+                <a16:creationId xmlns:a16="http://schemas.microsoft.com/office/drawing/2014/main" id="{9C58A8D3-F0C1-0B49-88A1-BE535DD798E1}"/>
+              </a:ext>
+            </a:extLst>
+          </p:cNvPr>
+          <p:cNvSpPr>
+            <a:spLocks noGrp="1"/>
+          </p:cNvSpPr>
+          <p:nvPr>
+            <p:ph type="title"/>
+          </p:nvPr>
+        </p:nvSpPr>
+        <p:spPr/>
+        <p:txBody>
+          <a:bodyPr/>
+          <a:lstStyle/>
+          <a:p>
+            <a:r>
+              <a:rPr lang="en-US" dirty="0"/>
+              <a:t>Architecture</a:t>
+            </a:r>
+          </a:p>
+        </p:txBody>
+      </p:sp>
+      <p:sp>
+        <p:nvSpPr>
+          <p:cNvPr id="4" name="Manual Input 3">
+            <a:extLst>
+              <a:ext uri="{FF2B5EF4-FFF2-40B4-BE49-F238E27FC236}">
+                <a16:creationId xmlns:a16="http://schemas.microsoft.com/office/drawing/2014/main" id="{55668E0A-98F9-364A-B2FF-5696616DA8DB}"/>
+              </a:ext>
+            </a:extLst>
+          </p:cNvPr>
+          <p:cNvSpPr/>
+          <p:nvPr/>
         </p:nvSpPr>
         <p:spPr>
           <a:xfrm>
-            <a:off x="838200" y="1507260"/>
-            <a:ext cx="10515600" cy="1229302"/>
+            <a:off x="849060" y="3569276"/>
+            <a:ext cx="1312718" cy="1257300"/>
           </a:xfrm>
-        </p:spPr>
-        <p:txBody>
-          <a:bodyPr>
-            <a:normAutofit lnSpcReduction="10000"/>
-          </a:bodyPr>
-          <a:lstStyle/>
-          <a:p>
-            <a:pPr marL="0" indent="0">
-              <a:buNone/>
-            </a:pPr>
-            <a:r>
-              <a:rPr lang="en-US" sz="4000" dirty="0"/>
-              <a:t>All Models Are Wrong.  Some Are Useful. </a:t>
-            </a:r>
-          </a:p>
-          <a:p>
-            <a:pPr marL="0" indent="0">
-              <a:buNone/>
-            </a:pPr>
-            <a:r>
-              <a:rPr lang="en-US" sz="4000" dirty="0"/>
-              <a:t>– George Box</a:t>
-            </a:r>
-          </a:p>
-        </p:txBody>
-      </p:sp>
-      <p:sp>
-        <p:nvSpPr>
-          <p:cNvPr id="4" name="Content Placeholder 2">
-            <a:extLst>
-              <a:ext uri="{FF2B5EF4-FFF2-40B4-BE49-F238E27FC236}">
-                <a16:creationId xmlns:a16="http://schemas.microsoft.com/office/drawing/2014/main" id="{DCE6C5CF-C395-504A-BA03-6E33FCFB4C3D}"/>
-              </a:ext>
-            </a:extLst>
-          </p:cNvPr>
-          <p:cNvSpPr txBox="1">
-            <a:spLocks/>
-          </p:cNvSpPr>
-          <p:nvPr/>
-        </p:nvSpPr>
-        <p:spPr>
-          <a:xfrm>
-            <a:off x="838200" y="3599007"/>
-            <a:ext cx="10515600" cy="574675"/>
-          </a:xfrm>
-          <a:prstGeom prst="rect">
+          <a:prstGeom prst="flowChartManualInput">
             <a:avLst/>
           </a:prstGeom>
         </p:spPr>
-        <p:txBody>
-          <a:bodyPr vert="horz" lIns="91440" tIns="45720" rIns="91440" bIns="45720" rtlCol="0">
-            <a:normAutofit/>
-          </a:bodyPr>
-          <a:lstStyle>
-            <a:lvl1pPr marL="228600" indent="-228600" algn="l" defTabSz="914400" rtl="0" eaLnBrk="1" latinLnBrk="0" hangingPunct="1">
-              <a:lnSpc>
-                <a:spcPct val="90000"/>
-              </a:lnSpc>
-              <a:spcBef>
-                <a:spcPts val="1000"/>
-              </a:spcBef>
-              <a:buFont typeface="Arial" panose="020B0604020202020204" pitchFamily="34" charset="0"/>
-              <a:buChar char="•"/>
-              <a:defRPr sz="2800" kern="1200">
-                <a:solidFill>
-                  <a:schemeClr val="tx1"/>
-                </a:solidFill>
-                <a:latin typeface="+mn-lt"/>
-                <a:ea typeface="+mn-ea"/>
-                <a:cs typeface="+mn-cs"/>
-              </a:defRPr>
-            </a:lvl1pPr>
-            <a:lvl2pPr marL="685800" indent="-228600" algn="l" defTabSz="914400" rtl="0" eaLnBrk="1" latinLnBrk="0" hangingPunct="1">
-              <a:lnSpc>
-                <a:spcPct val="90000"/>
-              </a:lnSpc>
-              <a:spcBef>
-                <a:spcPts val="500"/>
-              </a:spcBef>
-              <a:buFont typeface="Arial" panose="020B0604020202020204" pitchFamily="34" charset="0"/>
-              <a:buChar char="•"/>
-              <a:defRPr sz="2400" kern="1200">
-                <a:solidFill>
-                  <a:schemeClr val="tx1"/>
-                </a:solidFill>
-                <a:latin typeface="+mn-lt"/>
-                <a:ea typeface="+mn-ea"/>
-                <a:cs typeface="+mn-cs"/>
-              </a:defRPr>
-            </a:lvl2pPr>
-            <a:lvl3pPr marL="1143000" indent="-228600" algn="l" defTabSz="914400" rtl="0" eaLnBrk="1" latinLnBrk="0" hangingPunct="1">
-              <a:lnSpc>
-                <a:spcPct val="90000"/>
-              </a:lnSpc>
-              <a:spcBef>
-                <a:spcPts val="500"/>
-              </a:spcBef>
-              <a:buFont typeface="Arial" panose="020B0604020202020204" pitchFamily="34" charset="0"/>
-              <a:buChar char="•"/>
-              <a:defRPr sz="2000" kern="1200">
-                <a:solidFill>
-                  <a:schemeClr val="tx1"/>
-                </a:solidFill>
-                <a:latin typeface="+mn-lt"/>
-                <a:ea typeface="+mn-ea"/>
-                <a:cs typeface="+mn-cs"/>
-              </a:defRPr>
-            </a:lvl3pPr>
-            <a:lvl4pPr marL="1600200" indent="-228600" algn="l" defTabSz="914400" rtl="0" eaLnBrk="1" latinLnBrk="0" hangingPunct="1">
-              <a:lnSpc>
-                <a:spcPct val="90000"/>
-              </a:lnSpc>
-              <a:spcBef>
-                <a:spcPts val="500"/>
-              </a:spcBef>
-              <a:buFont typeface="Arial" panose="020B0604020202020204" pitchFamily="34" charset="0"/>
-              <a:buChar char="•"/>
-              <a:defRPr sz="1800" kern="1200">
-                <a:solidFill>
-                  <a:schemeClr val="tx1"/>
-                </a:solidFill>
-                <a:latin typeface="+mn-lt"/>
-                <a:ea typeface="+mn-ea"/>
-                <a:cs typeface="+mn-cs"/>
-              </a:defRPr>
-            </a:lvl4pPr>
-            <a:lvl5pPr marL="2057400" indent="-228600" algn="l" defTabSz="914400" rtl="0" eaLnBrk="1" latinLnBrk="0" hangingPunct="1">
-              <a:lnSpc>
-                <a:spcPct val="90000"/>
-              </a:lnSpc>
-              <a:spcBef>
-                <a:spcPts val="500"/>
-              </a:spcBef>
-              <a:buFont typeface="Arial" panose="020B0604020202020204" pitchFamily="34" charset="0"/>
-              <a:buChar char="•"/>
-              <a:defRPr sz="1800" kern="1200">
-                <a:solidFill>
-                  <a:schemeClr val="tx1"/>
-                </a:solidFill>
-                <a:latin typeface="+mn-lt"/>
-                <a:ea typeface="+mn-ea"/>
-                <a:cs typeface="+mn-cs"/>
-              </a:defRPr>
-            </a:lvl5pPr>
-            <a:lvl6pPr marL="2514600" indent="-228600" algn="l" defTabSz="914400" rtl="0" eaLnBrk="1" latinLnBrk="0" hangingPunct="1">
-              <a:lnSpc>
-                <a:spcPct val="90000"/>
-              </a:lnSpc>
-              <a:spcBef>
-                <a:spcPts val="500"/>
-              </a:spcBef>
-              <a:buFont typeface="Arial" panose="020B0604020202020204" pitchFamily="34" charset="0"/>
-              <a:buChar char="•"/>
-              <a:defRPr sz="1800" kern="1200">
-                <a:solidFill>
-                  <a:schemeClr val="tx1"/>
-                </a:solidFill>
-                <a:latin typeface="+mn-lt"/>
-                <a:ea typeface="+mn-ea"/>
-                <a:cs typeface="+mn-cs"/>
-              </a:defRPr>
-            </a:lvl6pPr>
-            <a:lvl7pPr marL="2971800" indent="-228600" algn="l" defTabSz="914400" rtl="0" eaLnBrk="1" latinLnBrk="0" hangingPunct="1">
-              <a:lnSpc>
-                <a:spcPct val="90000"/>
-              </a:lnSpc>
-              <a:spcBef>
-                <a:spcPts val="500"/>
-              </a:spcBef>
-              <a:buFont typeface="Arial" panose="020B0604020202020204" pitchFamily="34" charset="0"/>
-              <a:buChar char="•"/>
-              <a:defRPr sz="1800" kern="1200">
-                <a:solidFill>
-                  <a:schemeClr val="tx1"/>
-                </a:solidFill>
-                <a:latin typeface="+mn-lt"/>
-                <a:ea typeface="+mn-ea"/>
-                <a:cs typeface="+mn-cs"/>
-              </a:defRPr>
-            </a:lvl7pPr>
-            <a:lvl8pPr marL="3429000" indent="-228600" algn="l" defTabSz="914400" rtl="0" eaLnBrk="1" latinLnBrk="0" hangingPunct="1">
-              <a:lnSpc>
-                <a:spcPct val="90000"/>
-              </a:lnSpc>
-              <a:spcBef>
-                <a:spcPts val="500"/>
-              </a:spcBef>
-              <a:buFont typeface="Arial" panose="020B0604020202020204" pitchFamily="34" charset="0"/>
-              <a:buChar char="•"/>
-              <a:defRPr sz="1800" kern="1200">
-                <a:solidFill>
-                  <a:schemeClr val="tx1"/>
-                </a:solidFill>
-                <a:latin typeface="+mn-lt"/>
-                <a:ea typeface="+mn-ea"/>
-                <a:cs typeface="+mn-cs"/>
-              </a:defRPr>
-            </a:lvl8pPr>
-            <a:lvl9pPr marL="3886200" indent="-228600" algn="l" defTabSz="914400" rtl="0" eaLnBrk="1" latinLnBrk="0" hangingPunct="1">
-              <a:lnSpc>
-                <a:spcPct val="90000"/>
-              </a:lnSpc>
-              <a:spcBef>
-                <a:spcPts val="500"/>
-              </a:spcBef>
-              <a:buFont typeface="Arial" panose="020B0604020202020204" pitchFamily="34" charset="0"/>
-              <a:buChar char="•"/>
-              <a:defRPr sz="1800" kern="1200">
-                <a:solidFill>
-                  <a:schemeClr val="tx1"/>
-                </a:solidFill>
-                <a:latin typeface="+mn-lt"/>
-                <a:ea typeface="+mn-ea"/>
-                <a:cs typeface="+mn-cs"/>
-              </a:defRPr>
-            </a:lvl9pPr>
-          </a:lstStyle>
-          <a:p>
-            <a:pPr marL="0" indent="0">
-              <a:buFont typeface="Arial" panose="020B0604020202020204" pitchFamily="34" charset="0"/>
-              <a:buNone/>
-            </a:pPr>
-            <a:endParaRPr lang="en-US" dirty="0"/>
-          </a:p>
-        </p:txBody>
-      </p:sp>
-      <p:sp>
-        <p:nvSpPr>
-          <p:cNvPr id="5" name="Content Placeholder 2">
-            <a:extLst>
-              <a:ext uri="{FF2B5EF4-FFF2-40B4-BE49-F238E27FC236}">
-                <a16:creationId xmlns:a16="http://schemas.microsoft.com/office/drawing/2014/main" id="{07F515EA-4100-2C4A-9B3B-63188A5C7181}"/>
-              </a:ext>
-            </a:extLst>
-          </p:cNvPr>
-          <p:cNvSpPr txBox="1">
-            <a:spLocks/>
-          </p:cNvSpPr>
+        <p:style>
+          <a:lnRef idx="2">
+            <a:schemeClr val="accent1">
+              <a:shade val="50000"/>
+            </a:schemeClr>
+          </a:lnRef>
+          <a:fillRef idx="1">
+            <a:schemeClr val="accent1"/>
+          </a:fillRef>
+          <a:effectRef idx="0">
+            <a:schemeClr val="accent1"/>
+          </a:effectRef>
+          <a:fontRef idx="minor">
+            <a:schemeClr val="lt1"/>
+          </a:fontRef>
+        </p:style>
+        <p:txBody>
+          <a:bodyPr rtlCol="0" anchor="ctr"/>
+          <a:lstStyle/>
+          <a:p>
+            <a:pPr algn="ctr"/>
+            <a:r>
+              <a:rPr lang="en-US" dirty="0"/>
+              <a:t>Request</a:t>
+            </a:r>
+          </a:p>
+        </p:txBody>
+      </p:sp>
+      <p:sp>
+        <p:nvSpPr>
+          <p:cNvPr id="5" name="Multidocument 4">
+            <a:extLst>
+              <a:ext uri="{FF2B5EF4-FFF2-40B4-BE49-F238E27FC236}">
+                <a16:creationId xmlns:a16="http://schemas.microsoft.com/office/drawing/2014/main" id="{95F7055D-2340-414A-B93F-40545583D8E4}"/>
+              </a:ext>
+            </a:extLst>
+          </p:cNvPr>
+          <p:cNvSpPr/>
           <p:nvPr/>
         </p:nvSpPr>
         <p:spPr>
           <a:xfrm>
-            <a:off x="765464" y="3599007"/>
-            <a:ext cx="10515600" cy="1229302"/>
+            <a:off x="8967355" y="958850"/>
+            <a:ext cx="1724890" cy="1423554"/>
           </a:xfrm>
-          <a:prstGeom prst="rect">
+          <a:prstGeom prst="flowChartMultidocument">
             <a:avLst/>
           </a:prstGeom>
         </p:spPr>
-        <p:txBody>
-          <a:bodyPr vert="horz" lIns="91440" tIns="45720" rIns="91440" bIns="45720" rtlCol="0">
-            <a:normAutofit lnSpcReduction="10000"/>
-          </a:bodyPr>
-          <a:lstStyle>
-            <a:lvl1pPr marL="228600" indent="-228600" algn="l" defTabSz="914400" rtl="0" eaLnBrk="1" latinLnBrk="0" hangingPunct="1">
-              <a:lnSpc>
-                <a:spcPct val="90000"/>
-              </a:lnSpc>
-              <a:spcBef>
-                <a:spcPts val="1000"/>
-              </a:spcBef>
-              <a:buFont typeface="Arial" panose="020B0604020202020204" pitchFamily="34" charset="0"/>
-              <a:buChar char="•"/>
-              <a:defRPr sz="2800" kern="1200">
-                <a:solidFill>
-                  <a:schemeClr val="tx1"/>
-                </a:solidFill>
-                <a:latin typeface="+mn-lt"/>
-                <a:ea typeface="+mn-ea"/>
-                <a:cs typeface="+mn-cs"/>
-              </a:defRPr>
-            </a:lvl1pPr>
-            <a:lvl2pPr marL="685800" indent="-228600" algn="l" defTabSz="914400" rtl="0" eaLnBrk="1" latinLnBrk="0" hangingPunct="1">
-              <a:lnSpc>
-                <a:spcPct val="90000"/>
-              </a:lnSpc>
-              <a:spcBef>
-                <a:spcPts val="500"/>
-              </a:spcBef>
-              <a:buFont typeface="Arial" panose="020B0604020202020204" pitchFamily="34" charset="0"/>
-              <a:buChar char="•"/>
-              <a:defRPr sz="2400" kern="1200">
-                <a:solidFill>
-                  <a:schemeClr val="tx1"/>
-                </a:solidFill>
-                <a:latin typeface="+mn-lt"/>
-                <a:ea typeface="+mn-ea"/>
-                <a:cs typeface="+mn-cs"/>
-              </a:defRPr>
-            </a:lvl2pPr>
-            <a:lvl3pPr marL="1143000" indent="-228600" algn="l" defTabSz="914400" rtl="0" eaLnBrk="1" latinLnBrk="0" hangingPunct="1">
-              <a:lnSpc>
-                <a:spcPct val="90000"/>
-              </a:lnSpc>
-              <a:spcBef>
-                <a:spcPts val="500"/>
-              </a:spcBef>
-              <a:buFont typeface="Arial" panose="020B0604020202020204" pitchFamily="34" charset="0"/>
-              <a:buChar char="•"/>
-              <a:defRPr sz="2000" kern="1200">
-                <a:solidFill>
-                  <a:schemeClr val="tx1"/>
-                </a:solidFill>
-                <a:latin typeface="+mn-lt"/>
-                <a:ea typeface="+mn-ea"/>
-                <a:cs typeface="+mn-cs"/>
-              </a:defRPr>
-            </a:lvl3pPr>
-            <a:lvl4pPr marL="1600200" indent="-228600" algn="l" defTabSz="914400" rtl="0" eaLnBrk="1" latinLnBrk="0" hangingPunct="1">
-              <a:lnSpc>
-                <a:spcPct val="90000"/>
-              </a:lnSpc>
-              <a:spcBef>
-                <a:spcPts val="500"/>
-              </a:spcBef>
-              <a:buFont typeface="Arial" panose="020B0604020202020204" pitchFamily="34" charset="0"/>
-              <a:buChar char="•"/>
-              <a:defRPr sz="1800" kern="1200">
-                <a:solidFill>
-                  <a:schemeClr val="tx1"/>
-                </a:solidFill>
-                <a:latin typeface="+mn-lt"/>
-                <a:ea typeface="+mn-ea"/>
-                <a:cs typeface="+mn-cs"/>
-              </a:defRPr>
-            </a:lvl4pPr>
-            <a:lvl5pPr marL="2057400" indent="-228600" algn="l" defTabSz="914400" rtl="0" eaLnBrk="1" latinLnBrk="0" hangingPunct="1">
-              <a:lnSpc>
-                <a:spcPct val="90000"/>
-              </a:lnSpc>
-              <a:spcBef>
-                <a:spcPts val="500"/>
-              </a:spcBef>
-              <a:buFont typeface="Arial" panose="020B0604020202020204" pitchFamily="34" charset="0"/>
-              <a:buChar char="•"/>
-              <a:defRPr sz="1800" kern="1200">
-                <a:solidFill>
-                  <a:schemeClr val="tx1"/>
-                </a:solidFill>
-                <a:latin typeface="+mn-lt"/>
-                <a:ea typeface="+mn-ea"/>
-                <a:cs typeface="+mn-cs"/>
-              </a:defRPr>
-            </a:lvl5pPr>
-            <a:lvl6pPr marL="2514600" indent="-228600" algn="l" defTabSz="914400" rtl="0" eaLnBrk="1" latinLnBrk="0" hangingPunct="1">
-              <a:lnSpc>
-                <a:spcPct val="90000"/>
-              </a:lnSpc>
-              <a:spcBef>
-                <a:spcPts val="500"/>
-              </a:spcBef>
-              <a:buFont typeface="Arial" panose="020B0604020202020204" pitchFamily="34" charset="0"/>
-              <a:buChar char="•"/>
-              <a:defRPr sz="1800" kern="1200">
-                <a:solidFill>
-                  <a:schemeClr val="tx1"/>
-                </a:solidFill>
-                <a:latin typeface="+mn-lt"/>
-                <a:ea typeface="+mn-ea"/>
-                <a:cs typeface="+mn-cs"/>
-              </a:defRPr>
-            </a:lvl6pPr>
-            <a:lvl7pPr marL="2971800" indent="-228600" algn="l" defTabSz="914400" rtl="0" eaLnBrk="1" latinLnBrk="0" hangingPunct="1">
-              <a:lnSpc>
-                <a:spcPct val="90000"/>
-              </a:lnSpc>
-              <a:spcBef>
-                <a:spcPts val="500"/>
-              </a:spcBef>
-              <a:buFont typeface="Arial" panose="020B0604020202020204" pitchFamily="34" charset="0"/>
-              <a:buChar char="•"/>
-              <a:defRPr sz="1800" kern="1200">
-                <a:solidFill>
-                  <a:schemeClr val="tx1"/>
-                </a:solidFill>
-                <a:latin typeface="+mn-lt"/>
-                <a:ea typeface="+mn-ea"/>
-                <a:cs typeface="+mn-cs"/>
-              </a:defRPr>
-            </a:lvl7pPr>
-            <a:lvl8pPr marL="3429000" indent="-228600" algn="l" defTabSz="914400" rtl="0" eaLnBrk="1" latinLnBrk="0" hangingPunct="1">
-              <a:lnSpc>
-                <a:spcPct val="90000"/>
-              </a:lnSpc>
-              <a:spcBef>
-                <a:spcPts val="500"/>
-              </a:spcBef>
-              <a:buFont typeface="Arial" panose="020B0604020202020204" pitchFamily="34" charset="0"/>
-              <a:buChar char="•"/>
-              <a:defRPr sz="1800" kern="1200">
-                <a:solidFill>
-                  <a:schemeClr val="tx1"/>
-                </a:solidFill>
-                <a:latin typeface="+mn-lt"/>
-                <a:ea typeface="+mn-ea"/>
-                <a:cs typeface="+mn-cs"/>
-              </a:defRPr>
-            </a:lvl8pPr>
-            <a:lvl9pPr marL="3886200" indent="-228600" algn="l" defTabSz="914400" rtl="0" eaLnBrk="1" latinLnBrk="0" hangingPunct="1">
-              <a:lnSpc>
-                <a:spcPct val="90000"/>
-              </a:lnSpc>
-              <a:spcBef>
-                <a:spcPts val="500"/>
-              </a:spcBef>
-              <a:buFont typeface="Arial" panose="020B0604020202020204" pitchFamily="34" charset="0"/>
-              <a:buChar char="•"/>
-              <a:defRPr sz="1800" kern="1200">
-                <a:solidFill>
-                  <a:schemeClr val="tx1"/>
-                </a:solidFill>
-                <a:latin typeface="+mn-lt"/>
-                <a:ea typeface="+mn-ea"/>
-                <a:cs typeface="+mn-cs"/>
-              </a:defRPr>
-            </a:lvl9pPr>
-          </a:lstStyle>
-          <a:p>
-            <a:pPr marL="0" indent="0">
-              <a:buNone/>
-            </a:pPr>
-            <a:r>
-              <a:rPr lang="en-US" sz="4000" dirty="0"/>
-              <a:t>Do Not Substitute Coding For Thinking.</a:t>
-            </a:r>
-          </a:p>
-          <a:p>
-            <a:pPr marL="0" indent="0">
-              <a:buNone/>
-            </a:pPr>
-            <a:r>
-              <a:rPr lang="en-US" sz="4000" dirty="0"/>
-              <a:t>– Unattributed</a:t>
-            </a:r>
+        <p:style>
+          <a:lnRef idx="2">
+            <a:schemeClr val="accent1">
+              <a:shade val="50000"/>
+            </a:schemeClr>
+          </a:lnRef>
+          <a:fillRef idx="1">
+            <a:schemeClr val="accent1"/>
+          </a:fillRef>
+          <a:effectRef idx="0">
+            <a:schemeClr val="accent1"/>
+          </a:effectRef>
+          <a:fontRef idx="minor">
+            <a:schemeClr val="lt1"/>
+          </a:fontRef>
+        </p:style>
+        <p:txBody>
+          <a:bodyPr rtlCol="0" anchor="ctr"/>
+          <a:lstStyle/>
+          <a:p>
+            <a:pPr algn="ctr"/>
+            <a:r>
+              <a:rPr lang="en-US" dirty="0"/>
+              <a:t>Data</a:t>
+            </a:r>
+          </a:p>
+        </p:txBody>
+      </p:sp>
+      <p:sp>
+        <p:nvSpPr>
+          <p:cNvPr id="6" name="Diamond 5">
+            <a:extLst>
+              <a:ext uri="{FF2B5EF4-FFF2-40B4-BE49-F238E27FC236}">
+                <a16:creationId xmlns:a16="http://schemas.microsoft.com/office/drawing/2014/main" id="{0C069E98-D572-824B-93B9-3BCB23886264}"/>
+              </a:ext>
+            </a:extLst>
+          </p:cNvPr>
+          <p:cNvSpPr/>
+          <p:nvPr/>
+        </p:nvSpPr>
+        <p:spPr>
+          <a:xfrm>
+            <a:off x="9024503" y="3169226"/>
+            <a:ext cx="1662546" cy="1402773"/>
+          </a:xfrm>
+          <a:prstGeom prst="diamond">
+            <a:avLst/>
+          </a:prstGeom>
+        </p:spPr>
+        <p:style>
+          <a:lnRef idx="2">
+            <a:schemeClr val="accent1">
+              <a:shade val="50000"/>
+            </a:schemeClr>
+          </a:lnRef>
+          <a:fillRef idx="1">
+            <a:schemeClr val="accent1"/>
+          </a:fillRef>
+          <a:effectRef idx="0">
+            <a:schemeClr val="accent1"/>
+          </a:effectRef>
+          <a:fontRef idx="minor">
+            <a:schemeClr val="lt1"/>
+          </a:fontRef>
+        </p:style>
+        <p:txBody>
+          <a:bodyPr rtlCol="0" anchor="ctr"/>
+          <a:lstStyle/>
+          <a:p>
+            <a:pPr algn="ctr"/>
+            <a:r>
+              <a:rPr lang="en-US" dirty="0"/>
+              <a:t>Train</a:t>
+            </a:r>
+          </a:p>
+        </p:txBody>
+      </p:sp>
+      <p:sp>
+        <p:nvSpPr>
+          <p:cNvPr id="7" name="Preparation 6">
+            <a:extLst>
+              <a:ext uri="{FF2B5EF4-FFF2-40B4-BE49-F238E27FC236}">
+                <a16:creationId xmlns:a16="http://schemas.microsoft.com/office/drawing/2014/main" id="{ED4E309A-BB09-1144-BDA5-476C777EC724}"/>
+              </a:ext>
+            </a:extLst>
+          </p:cNvPr>
+          <p:cNvSpPr/>
+          <p:nvPr/>
+        </p:nvSpPr>
+        <p:spPr>
+          <a:xfrm>
+            <a:off x="6128038" y="3340677"/>
+            <a:ext cx="1610590" cy="1257300"/>
+          </a:xfrm>
+          <a:prstGeom prst="flowChartPreparation">
+            <a:avLst/>
+          </a:prstGeom>
+        </p:spPr>
+        <p:style>
+          <a:lnRef idx="2">
+            <a:schemeClr val="accent1">
+              <a:shade val="50000"/>
+            </a:schemeClr>
+          </a:lnRef>
+          <a:fillRef idx="1">
+            <a:schemeClr val="accent1"/>
+          </a:fillRef>
+          <a:effectRef idx="0">
+            <a:schemeClr val="accent1"/>
+          </a:effectRef>
+          <a:fontRef idx="minor">
+            <a:schemeClr val="lt1"/>
+          </a:fontRef>
+        </p:style>
+        <p:txBody>
+          <a:bodyPr rtlCol="0" anchor="ctr"/>
+          <a:lstStyle/>
+          <a:p>
+            <a:pPr algn="ctr"/>
+            <a:r>
+              <a:rPr lang="en-US" dirty="0"/>
+              <a:t>Model</a:t>
+            </a:r>
+          </a:p>
+        </p:txBody>
+      </p:sp>
+      <p:sp>
+        <p:nvSpPr>
+          <p:cNvPr id="8" name="Data 7">
+            <a:extLst>
+              <a:ext uri="{FF2B5EF4-FFF2-40B4-BE49-F238E27FC236}">
+                <a16:creationId xmlns:a16="http://schemas.microsoft.com/office/drawing/2014/main" id="{B4C1B0B1-0910-AD4D-BF83-883E4595314A}"/>
+              </a:ext>
+            </a:extLst>
+          </p:cNvPr>
+          <p:cNvSpPr/>
+          <p:nvPr/>
+        </p:nvSpPr>
+        <p:spPr>
+          <a:xfrm>
+            <a:off x="3366472" y="3496540"/>
+            <a:ext cx="1620982" cy="1246909"/>
+          </a:xfrm>
+          <a:prstGeom prst="flowChartInputOutput">
+            <a:avLst/>
+          </a:prstGeom>
+        </p:spPr>
+        <p:style>
+          <a:lnRef idx="2">
+            <a:schemeClr val="accent1">
+              <a:shade val="50000"/>
+            </a:schemeClr>
+          </a:lnRef>
+          <a:fillRef idx="1">
+            <a:schemeClr val="accent1"/>
+          </a:fillRef>
+          <a:effectRef idx="0">
+            <a:schemeClr val="accent1"/>
+          </a:effectRef>
+          <a:fontRef idx="minor">
+            <a:schemeClr val="lt1"/>
+          </a:fontRef>
+        </p:style>
+        <p:txBody>
+          <a:bodyPr rtlCol="0" anchor="ctr"/>
+          <a:lstStyle/>
+          <a:p>
+            <a:pPr algn="ctr"/>
+            <a:r>
+              <a:rPr lang="en-US" dirty="0"/>
+              <a:t>Cache</a:t>
+            </a:r>
+          </a:p>
+        </p:txBody>
+      </p:sp>
+      <p:sp>
+        <p:nvSpPr>
+          <p:cNvPr id="9" name="Down Arrow 8">
+            <a:extLst>
+              <a:ext uri="{FF2B5EF4-FFF2-40B4-BE49-F238E27FC236}">
+                <a16:creationId xmlns:a16="http://schemas.microsoft.com/office/drawing/2014/main" id="{7A17655C-984B-C946-8162-23528A87E633}"/>
+              </a:ext>
+            </a:extLst>
+          </p:cNvPr>
+          <p:cNvSpPr/>
+          <p:nvPr/>
+        </p:nvSpPr>
+        <p:spPr>
+          <a:xfrm>
+            <a:off x="9679132" y="2382404"/>
+            <a:ext cx="301336" cy="662782"/>
+          </a:xfrm>
+          <a:prstGeom prst="downArrow">
+            <a:avLst/>
+          </a:prstGeom>
+        </p:spPr>
+        <p:style>
+          <a:lnRef idx="2">
+            <a:schemeClr val="accent1">
+              <a:shade val="50000"/>
+            </a:schemeClr>
+          </a:lnRef>
+          <a:fillRef idx="1">
+            <a:schemeClr val="accent1"/>
+          </a:fillRef>
+          <a:effectRef idx="0">
+            <a:schemeClr val="accent1"/>
+          </a:effectRef>
+          <a:fontRef idx="minor">
+            <a:schemeClr val="lt1"/>
+          </a:fontRef>
+        </p:style>
+        <p:txBody>
+          <a:bodyPr rtlCol="0" anchor="ctr"/>
+          <a:lstStyle/>
+          <a:p>
+            <a:pPr algn="ctr"/>
+            <a:endParaRPr lang="en-US"/>
+          </a:p>
+        </p:txBody>
+      </p:sp>
+      <p:sp>
+        <p:nvSpPr>
+          <p:cNvPr id="10" name="Down Arrow 9">
+            <a:extLst>
+              <a:ext uri="{FF2B5EF4-FFF2-40B4-BE49-F238E27FC236}">
+                <a16:creationId xmlns:a16="http://schemas.microsoft.com/office/drawing/2014/main" id="{35DDE121-5FFF-2B43-9785-559C1D42911C}"/>
+              </a:ext>
+            </a:extLst>
+          </p:cNvPr>
+          <p:cNvSpPr/>
+          <p:nvPr/>
+        </p:nvSpPr>
+        <p:spPr>
+          <a:xfrm rot="5400000">
+            <a:off x="8230897" y="3596372"/>
+            <a:ext cx="301336" cy="662782"/>
+          </a:xfrm>
+          <a:prstGeom prst="downArrow">
+            <a:avLst/>
+          </a:prstGeom>
+        </p:spPr>
+        <p:style>
+          <a:lnRef idx="2">
+            <a:schemeClr val="accent1">
+              <a:shade val="50000"/>
+            </a:schemeClr>
+          </a:lnRef>
+          <a:fillRef idx="1">
+            <a:schemeClr val="accent1"/>
+          </a:fillRef>
+          <a:effectRef idx="0">
+            <a:schemeClr val="accent1"/>
+          </a:effectRef>
+          <a:fontRef idx="minor">
+            <a:schemeClr val="lt1"/>
+          </a:fontRef>
+        </p:style>
+        <p:txBody>
+          <a:bodyPr rtlCol="0" anchor="ctr"/>
+          <a:lstStyle/>
+          <a:p>
+            <a:pPr algn="ctr"/>
+            <a:endParaRPr lang="en-US"/>
+          </a:p>
+        </p:txBody>
+      </p:sp>
+      <p:sp>
+        <p:nvSpPr>
+          <p:cNvPr id="11" name="Down Arrow 10">
+            <a:extLst>
+              <a:ext uri="{FF2B5EF4-FFF2-40B4-BE49-F238E27FC236}">
+                <a16:creationId xmlns:a16="http://schemas.microsoft.com/office/drawing/2014/main" id="{6C0666AA-310E-FE48-88CE-1F693AC0D054}"/>
+              </a:ext>
+            </a:extLst>
+          </p:cNvPr>
+          <p:cNvSpPr/>
+          <p:nvPr/>
+        </p:nvSpPr>
+        <p:spPr>
+          <a:xfrm rot="16200000">
+            <a:off x="2574531" y="3637936"/>
+            <a:ext cx="301336" cy="662782"/>
+          </a:xfrm>
+          <a:prstGeom prst="downArrow">
+            <a:avLst/>
+          </a:prstGeom>
+        </p:spPr>
+        <p:style>
+          <a:lnRef idx="2">
+            <a:schemeClr val="accent1">
+              <a:shade val="50000"/>
+            </a:schemeClr>
+          </a:lnRef>
+          <a:fillRef idx="1">
+            <a:schemeClr val="accent1"/>
+          </a:fillRef>
+          <a:effectRef idx="0">
+            <a:schemeClr val="accent1"/>
+          </a:effectRef>
+          <a:fontRef idx="minor">
+            <a:schemeClr val="lt1"/>
+          </a:fontRef>
+        </p:style>
+        <p:txBody>
+          <a:bodyPr rtlCol="0" anchor="ctr"/>
+          <a:lstStyle/>
+          <a:p>
+            <a:pPr algn="ctr"/>
+            <a:endParaRPr lang="en-US"/>
+          </a:p>
+        </p:txBody>
+      </p:sp>
+      <p:sp>
+        <p:nvSpPr>
+          <p:cNvPr id="12" name="Down Arrow 11">
+            <a:extLst>
+              <a:ext uri="{FF2B5EF4-FFF2-40B4-BE49-F238E27FC236}">
+                <a16:creationId xmlns:a16="http://schemas.microsoft.com/office/drawing/2014/main" id="{E4F5A636-A388-2647-A759-2E4ECF902F9E}"/>
+              </a:ext>
+            </a:extLst>
+          </p:cNvPr>
+          <p:cNvSpPr/>
+          <p:nvPr/>
+        </p:nvSpPr>
+        <p:spPr>
+          <a:xfrm rot="16200000">
+            <a:off x="5306041" y="3637936"/>
+            <a:ext cx="301336" cy="662782"/>
+          </a:xfrm>
+          <a:prstGeom prst="downArrow">
+            <a:avLst/>
+          </a:prstGeom>
+        </p:spPr>
+        <p:style>
+          <a:lnRef idx="2">
+            <a:schemeClr val="accent1">
+              <a:shade val="50000"/>
+            </a:schemeClr>
+          </a:lnRef>
+          <a:fillRef idx="1">
+            <a:schemeClr val="accent1"/>
+          </a:fillRef>
+          <a:effectRef idx="0">
+            <a:schemeClr val="accent1"/>
+          </a:effectRef>
+          <a:fontRef idx="minor">
+            <a:schemeClr val="lt1"/>
+          </a:fontRef>
+        </p:style>
+        <p:txBody>
+          <a:bodyPr rtlCol="0" anchor="ctr"/>
+          <a:lstStyle/>
+          <a:p>
+            <a:pPr algn="ctr"/>
+            <a:endParaRPr lang="en-US"/>
+          </a:p>
+        </p:txBody>
+      </p:sp>
+      <p:sp>
+        <p:nvSpPr>
+          <p:cNvPr id="13" name="Down Arrow 12">
+            <a:extLst>
+              <a:ext uri="{FF2B5EF4-FFF2-40B4-BE49-F238E27FC236}">
+                <a16:creationId xmlns:a16="http://schemas.microsoft.com/office/drawing/2014/main" id="{18E1D6C4-676F-024B-90A6-17504C1CA953}"/>
+              </a:ext>
+            </a:extLst>
+          </p:cNvPr>
+          <p:cNvSpPr/>
+          <p:nvPr/>
+        </p:nvSpPr>
+        <p:spPr>
+          <a:xfrm rot="5400000">
+            <a:off x="5306041" y="4017203"/>
+            <a:ext cx="301336" cy="662782"/>
+          </a:xfrm>
+          <a:prstGeom prst="downArrow">
+            <a:avLst/>
+          </a:prstGeom>
+        </p:spPr>
+        <p:style>
+          <a:lnRef idx="2">
+            <a:schemeClr val="accent1">
+              <a:shade val="50000"/>
+            </a:schemeClr>
+          </a:lnRef>
+          <a:fillRef idx="1">
+            <a:schemeClr val="accent1"/>
+          </a:fillRef>
+          <a:effectRef idx="0">
+            <a:schemeClr val="accent1"/>
+          </a:effectRef>
+          <a:fontRef idx="minor">
+            <a:schemeClr val="lt1"/>
+          </a:fontRef>
+        </p:style>
+        <p:txBody>
+          <a:bodyPr rtlCol="0" anchor="ctr"/>
+          <a:lstStyle/>
+          <a:p>
+            <a:pPr algn="ctr"/>
+            <a:endParaRPr lang="en-US"/>
+          </a:p>
+        </p:txBody>
+      </p:sp>
+      <p:sp>
+        <p:nvSpPr>
+          <p:cNvPr id="14" name="Down Arrow 13">
+            <a:extLst>
+              <a:ext uri="{FF2B5EF4-FFF2-40B4-BE49-F238E27FC236}">
+                <a16:creationId xmlns:a16="http://schemas.microsoft.com/office/drawing/2014/main" id="{A10599E0-631F-5B4F-8F28-E7C618A4C714}"/>
+              </a:ext>
+            </a:extLst>
+          </p:cNvPr>
+          <p:cNvSpPr/>
+          <p:nvPr/>
+        </p:nvSpPr>
+        <p:spPr>
+          <a:xfrm rot="5400000">
+            <a:off x="2572867" y="4089940"/>
+            <a:ext cx="301336" cy="662782"/>
+          </a:xfrm>
+          <a:prstGeom prst="downArrow">
+            <a:avLst/>
+          </a:prstGeom>
+        </p:spPr>
+        <p:style>
+          <a:lnRef idx="2">
+            <a:schemeClr val="accent1">
+              <a:shade val="50000"/>
+            </a:schemeClr>
+          </a:lnRef>
+          <a:fillRef idx="1">
+            <a:schemeClr val="accent1"/>
+          </a:fillRef>
+          <a:effectRef idx="0">
+            <a:schemeClr val="accent1"/>
+          </a:effectRef>
+          <a:fontRef idx="minor">
+            <a:schemeClr val="lt1"/>
+          </a:fontRef>
+        </p:style>
+        <p:txBody>
+          <a:bodyPr rtlCol="0" anchor="ctr"/>
+          <a:lstStyle/>
+          <a:p>
+            <a:pPr algn="ctr"/>
+            <a:endParaRPr lang="en-US"/>
           </a:p>
         </p:txBody>
       </p:sp>
     </p:spTree>
     <p:extLst>
       <p:ext uri="{BB962C8B-B14F-4D97-AF65-F5344CB8AC3E}">
-        <p14:creationId xmlns:p14="http://schemas.microsoft.com/office/powerpoint/2010/main" val="3897595667"/>
+        <p14:creationId xmlns:p14="http://schemas.microsoft.com/office/powerpoint/2010/main" val="2458683841"/>
       </p:ext>
     </p:extLst>
   </p:cSld>

--- a/SWES_MachineLearning.pptx
+++ b/SWES_MachineLearning.pptx
@@ -11,13 +11,13 @@
     <p:sldId id="256" r:id="rId2"/>
     <p:sldId id="260" r:id="rId3"/>
     <p:sldId id="257" r:id="rId4"/>
-    <p:sldId id="268" r:id="rId5"/>
-    <p:sldId id="269" r:id="rId6"/>
-    <p:sldId id="261" r:id="rId7"/>
-    <p:sldId id="262" r:id="rId8"/>
-    <p:sldId id="263" r:id="rId9"/>
-    <p:sldId id="270" r:id="rId10"/>
-    <p:sldId id="267" r:id="rId11"/>
+    <p:sldId id="267" r:id="rId5"/>
+    <p:sldId id="268" r:id="rId6"/>
+    <p:sldId id="269" r:id="rId7"/>
+    <p:sldId id="261" r:id="rId8"/>
+    <p:sldId id="262" r:id="rId9"/>
+    <p:sldId id="263" r:id="rId10"/>
+    <p:sldId id="270" r:id="rId11"/>
   </p:sldIdLst>
   <p:sldSz cx="12192000" cy="6858000"/>
   <p:notesSz cx="6858000" cy="9144000"/>
@@ -124,13 +124,13 @@
             <p14:sldId id="256"/>
             <p14:sldId id="260"/>
             <p14:sldId id="257"/>
+            <p14:sldId id="267"/>
             <p14:sldId id="268"/>
             <p14:sldId id="269"/>
             <p14:sldId id="261"/>
             <p14:sldId id="262"/>
             <p14:sldId id="263"/>
             <p14:sldId id="270"/>
-            <p14:sldId id="267"/>
           </p14:sldIdLst>
         </p14:section>
       </p14:sectionLst>
@@ -224,7 +224,7 @@
           <a:p>
             <a:fld id="{0D007305-87E9-A64C-B2BE-A58D78C9716E}" type="datetimeFigureOut">
               <a:rPr lang="en-US" smtClean="0"/>
-              <a:t>11/26/23</a:t>
+              <a:t>11/29/23</a:t>
             </a:fld>
             <a:endParaRPr lang="en-US"/>
           </a:p>
@@ -622,10 +622,30 @@
           <a:bodyPr/>
           <a:lstStyle/>
           <a:p>
+            <a:pPr marL="0" marR="0" lvl="0" indent="0" algn="l" defTabSz="914400" rtl="0" eaLnBrk="1" fontAlgn="auto" latinLnBrk="0" hangingPunct="1">
+              <a:lnSpc>
+                <a:spcPct val="100000"/>
+              </a:lnSpc>
+              <a:spcBef>
+                <a:spcPts val="0"/>
+              </a:spcBef>
+              <a:spcAft>
+                <a:spcPts val="0"/>
+              </a:spcAft>
+              <a:buClrTx/>
+              <a:buSzTx/>
+              <a:buFontTx/>
+              <a:buNone/>
+              <a:tabLst/>
+              <a:defRPr/>
+            </a:pPr>
             <a:r>
               <a:rPr lang="en-US" dirty="0"/>
-              <a:t>You can do time series to explain behavior over time</a:t>
-            </a:r>
+              <a:t>Is It Better To be Right?  Or be Useful?</a:t>
+            </a:r>
+          </a:p>
+          <a:p>
+            <a:endParaRPr lang="en-US" dirty="0"/>
           </a:p>
         </p:txBody>
       </p:sp>
@@ -646,7 +666,7 @@
           <a:p>
             <a:fld id="{AEBE5CE0-1C9A-164D-8282-85E756D9A591}" type="slidenum">
               <a:rPr lang="en-US" smtClean="0"/>
-              <a:t>6</a:t>
+              <a:t>4</a:t>
             </a:fld>
             <a:endParaRPr lang="en-US"/>
           </a:p>
@@ -655,7 +675,7 @@
     </p:spTree>
     <p:extLst>
       <p:ext uri="{BB962C8B-B14F-4D97-AF65-F5344CB8AC3E}">
-        <p14:creationId xmlns:p14="http://schemas.microsoft.com/office/powerpoint/2010/main" val="2839102399"/>
+        <p14:creationId xmlns:p14="http://schemas.microsoft.com/office/powerpoint/2010/main" val="3381889573"/>
       </p:ext>
     </p:extLst>
   </p:cSld>
@@ -711,7 +731,7 @@
           <a:p>
             <a:r>
               <a:rPr lang="en-US" dirty="0"/>
-              <a:t>Reduce complexity – formulas start simple</a:t>
+              <a:t>You can do time series to explain behavior over time</a:t>
             </a:r>
           </a:p>
         </p:txBody>
@@ -742,7 +762,7 @@
     </p:spTree>
     <p:extLst>
       <p:ext uri="{BB962C8B-B14F-4D97-AF65-F5344CB8AC3E}">
-        <p14:creationId xmlns:p14="http://schemas.microsoft.com/office/powerpoint/2010/main" val="1993382717"/>
+        <p14:creationId xmlns:p14="http://schemas.microsoft.com/office/powerpoint/2010/main" val="2839102399"/>
       </p:ext>
     </p:extLst>
   </p:cSld>
@@ -796,30 +816,10 @@
           <a:bodyPr/>
           <a:lstStyle/>
           <a:p>
-            <a:pPr marL="0" marR="0" lvl="0" indent="0" algn="l" defTabSz="914400" rtl="0" eaLnBrk="1" fontAlgn="auto" latinLnBrk="0" hangingPunct="1">
-              <a:lnSpc>
-                <a:spcPct val="100000"/>
-              </a:lnSpc>
-              <a:spcBef>
-                <a:spcPts val="0"/>
-              </a:spcBef>
-              <a:spcAft>
-                <a:spcPts val="0"/>
-              </a:spcAft>
-              <a:buClrTx/>
-              <a:buSzTx/>
-              <a:buFontTx/>
-              <a:buNone/>
-              <a:tabLst/>
-              <a:defRPr/>
-            </a:pPr>
             <a:r>
               <a:rPr lang="en-US" dirty="0"/>
-              <a:t>Is It Better To be Right?  Or be Useful?</a:t>
-            </a:r>
-          </a:p>
-          <a:p>
-            <a:endParaRPr lang="en-US" dirty="0"/>
+              <a:t>Reduce complexity – formulas start simple</a:t>
+            </a:r>
           </a:p>
         </p:txBody>
       </p:sp>
@@ -840,7 +840,7 @@
           <a:p>
             <a:fld id="{AEBE5CE0-1C9A-164D-8282-85E756D9A591}" type="slidenum">
               <a:rPr lang="en-US" smtClean="0"/>
-              <a:t>10</a:t>
+              <a:t>8</a:t>
             </a:fld>
             <a:endParaRPr lang="en-US"/>
           </a:p>
@@ -849,7 +849,7 @@
     </p:spTree>
     <p:extLst>
       <p:ext uri="{BB962C8B-B14F-4D97-AF65-F5344CB8AC3E}">
-        <p14:creationId xmlns:p14="http://schemas.microsoft.com/office/powerpoint/2010/main" val="3381889573"/>
+        <p14:creationId xmlns:p14="http://schemas.microsoft.com/office/powerpoint/2010/main" val="1993382717"/>
       </p:ext>
     </p:extLst>
   </p:cSld>
@@ -1006,7 +1006,7 @@
           <a:p>
             <a:fld id="{3E6DC916-7C1B-2249-ABC7-C3F966B61A30}" type="datetimeFigureOut">
               <a:rPr lang="en-US" smtClean="0"/>
-              <a:t>11/26/23</a:t>
+              <a:t>11/29/23</a:t>
             </a:fld>
             <a:endParaRPr lang="en-US"/>
           </a:p>
@@ -1204,7 +1204,7 @@
           <a:p>
             <a:fld id="{3E6DC916-7C1B-2249-ABC7-C3F966B61A30}" type="datetimeFigureOut">
               <a:rPr lang="en-US" smtClean="0"/>
-              <a:t>11/26/23</a:t>
+              <a:t>11/29/23</a:t>
             </a:fld>
             <a:endParaRPr lang="en-US"/>
           </a:p>
@@ -1412,7 +1412,7 @@
           <a:p>
             <a:fld id="{3E6DC916-7C1B-2249-ABC7-C3F966B61A30}" type="datetimeFigureOut">
               <a:rPr lang="en-US" smtClean="0"/>
-              <a:t>11/26/23</a:t>
+              <a:t>11/29/23</a:t>
             </a:fld>
             <a:endParaRPr lang="en-US"/>
           </a:p>
@@ -1610,7 +1610,7 @@
           <a:p>
             <a:fld id="{3E6DC916-7C1B-2249-ABC7-C3F966B61A30}" type="datetimeFigureOut">
               <a:rPr lang="en-US" smtClean="0"/>
-              <a:t>11/26/23</a:t>
+              <a:t>11/29/23</a:t>
             </a:fld>
             <a:endParaRPr lang="en-US"/>
           </a:p>
@@ -1885,7 +1885,7 @@
           <a:p>
             <a:fld id="{3E6DC916-7C1B-2249-ABC7-C3F966B61A30}" type="datetimeFigureOut">
               <a:rPr lang="en-US" smtClean="0"/>
-              <a:t>11/26/23</a:t>
+              <a:t>11/29/23</a:t>
             </a:fld>
             <a:endParaRPr lang="en-US"/>
           </a:p>
@@ -2150,7 +2150,7 @@
           <a:p>
             <a:fld id="{3E6DC916-7C1B-2249-ABC7-C3F966B61A30}" type="datetimeFigureOut">
               <a:rPr lang="en-US" smtClean="0"/>
-              <a:t>11/26/23</a:t>
+              <a:t>11/29/23</a:t>
             </a:fld>
             <a:endParaRPr lang="en-US"/>
           </a:p>
@@ -2562,7 +2562,7 @@
           <a:p>
             <a:fld id="{3E6DC916-7C1B-2249-ABC7-C3F966B61A30}" type="datetimeFigureOut">
               <a:rPr lang="en-US" smtClean="0"/>
-              <a:t>11/26/23</a:t>
+              <a:t>11/29/23</a:t>
             </a:fld>
             <a:endParaRPr lang="en-US"/>
           </a:p>
@@ -2703,7 +2703,7 @@
           <a:p>
             <a:fld id="{3E6DC916-7C1B-2249-ABC7-C3F966B61A30}" type="datetimeFigureOut">
               <a:rPr lang="en-US" smtClean="0"/>
-              <a:t>11/26/23</a:t>
+              <a:t>11/29/23</a:t>
             </a:fld>
             <a:endParaRPr lang="en-US"/>
           </a:p>
@@ -2816,7 +2816,7 @@
           <a:p>
             <a:fld id="{3E6DC916-7C1B-2249-ABC7-C3F966B61A30}" type="datetimeFigureOut">
               <a:rPr lang="en-US" smtClean="0"/>
-              <a:t>11/26/23</a:t>
+              <a:t>11/29/23</a:t>
             </a:fld>
             <a:endParaRPr lang="en-US"/>
           </a:p>
@@ -3127,7 +3127,7 @@
           <a:p>
             <a:fld id="{3E6DC916-7C1B-2249-ABC7-C3F966B61A30}" type="datetimeFigureOut">
               <a:rPr lang="en-US" smtClean="0"/>
-              <a:t>11/26/23</a:t>
+              <a:t>11/29/23</a:t>
             </a:fld>
             <a:endParaRPr lang="en-US"/>
           </a:p>
@@ -3415,7 +3415,7 @@
           <a:p>
             <a:fld id="{3E6DC916-7C1B-2249-ABC7-C3F966B61A30}" type="datetimeFigureOut">
               <a:rPr lang="en-US" smtClean="0"/>
-              <a:t>11/26/23</a:t>
+              <a:t>11/29/23</a:t>
             </a:fld>
             <a:endParaRPr lang="en-US"/>
           </a:p>
@@ -3656,7 +3656,7 @@
           <a:p>
             <a:fld id="{3E6DC916-7C1B-2249-ABC7-C3F966B61A30}" type="datetimeFigureOut">
               <a:rPr lang="en-US" smtClean="0"/>
-              <a:t>11/26/23</a:t>
+              <a:t>11/29/23</a:t>
             </a:fld>
             <a:endParaRPr lang="en-US"/>
           </a:p>
@@ -4172,6 +4172,839 @@
       </p:grpSpPr>
       <p:sp>
         <p:nvSpPr>
+          <p:cNvPr id="2" name="Title 1">
+            <a:extLst>
+              <a:ext uri="{FF2B5EF4-FFF2-40B4-BE49-F238E27FC236}">
+                <a16:creationId xmlns:a16="http://schemas.microsoft.com/office/drawing/2014/main" id="{9C58A8D3-F0C1-0B49-88A1-BE535DD798E1}"/>
+              </a:ext>
+            </a:extLst>
+          </p:cNvPr>
+          <p:cNvSpPr>
+            <a:spLocks noGrp="1"/>
+          </p:cNvSpPr>
+          <p:nvPr>
+            <p:ph type="title"/>
+          </p:nvPr>
+        </p:nvSpPr>
+        <p:spPr/>
+        <p:txBody>
+          <a:bodyPr/>
+          <a:lstStyle/>
+          <a:p>
+            <a:r>
+              <a:rPr lang="en-US" dirty="0"/>
+              <a:t>Architecture</a:t>
+            </a:r>
+          </a:p>
+        </p:txBody>
+      </p:sp>
+      <p:sp>
+        <p:nvSpPr>
+          <p:cNvPr id="4" name="Manual Input 3">
+            <a:extLst>
+              <a:ext uri="{FF2B5EF4-FFF2-40B4-BE49-F238E27FC236}">
+                <a16:creationId xmlns:a16="http://schemas.microsoft.com/office/drawing/2014/main" id="{55668E0A-98F9-364A-B2FF-5696616DA8DB}"/>
+              </a:ext>
+            </a:extLst>
+          </p:cNvPr>
+          <p:cNvSpPr/>
+          <p:nvPr/>
+        </p:nvSpPr>
+        <p:spPr>
+          <a:xfrm>
+            <a:off x="849060" y="3569276"/>
+            <a:ext cx="1312718" cy="1257300"/>
+          </a:xfrm>
+          <a:prstGeom prst="flowChartManualInput">
+            <a:avLst/>
+          </a:prstGeom>
+        </p:spPr>
+        <p:style>
+          <a:lnRef idx="2">
+            <a:schemeClr val="accent1">
+              <a:shade val="50000"/>
+            </a:schemeClr>
+          </a:lnRef>
+          <a:fillRef idx="1">
+            <a:schemeClr val="accent1"/>
+          </a:fillRef>
+          <a:effectRef idx="0">
+            <a:schemeClr val="accent1"/>
+          </a:effectRef>
+          <a:fontRef idx="minor">
+            <a:schemeClr val="lt1"/>
+          </a:fontRef>
+        </p:style>
+        <p:txBody>
+          <a:bodyPr rtlCol="0" anchor="ctr"/>
+          <a:lstStyle/>
+          <a:p>
+            <a:pPr algn="ctr"/>
+            <a:r>
+              <a:rPr lang="en-US" dirty="0"/>
+              <a:t>Request</a:t>
+            </a:r>
+          </a:p>
+        </p:txBody>
+      </p:sp>
+      <p:sp>
+        <p:nvSpPr>
+          <p:cNvPr id="5" name="Multidocument 4">
+            <a:extLst>
+              <a:ext uri="{FF2B5EF4-FFF2-40B4-BE49-F238E27FC236}">
+                <a16:creationId xmlns:a16="http://schemas.microsoft.com/office/drawing/2014/main" id="{95F7055D-2340-414A-B93F-40545583D8E4}"/>
+              </a:ext>
+            </a:extLst>
+          </p:cNvPr>
+          <p:cNvSpPr/>
+          <p:nvPr/>
+        </p:nvSpPr>
+        <p:spPr>
+          <a:xfrm>
+            <a:off x="8967355" y="958850"/>
+            <a:ext cx="1724890" cy="1423554"/>
+          </a:xfrm>
+          <a:prstGeom prst="flowChartMultidocument">
+            <a:avLst/>
+          </a:prstGeom>
+        </p:spPr>
+        <p:style>
+          <a:lnRef idx="2">
+            <a:schemeClr val="accent1">
+              <a:shade val="50000"/>
+            </a:schemeClr>
+          </a:lnRef>
+          <a:fillRef idx="1">
+            <a:schemeClr val="accent1"/>
+          </a:fillRef>
+          <a:effectRef idx="0">
+            <a:schemeClr val="accent1"/>
+          </a:effectRef>
+          <a:fontRef idx="minor">
+            <a:schemeClr val="lt1"/>
+          </a:fontRef>
+        </p:style>
+        <p:txBody>
+          <a:bodyPr rtlCol="0" anchor="ctr"/>
+          <a:lstStyle/>
+          <a:p>
+            <a:pPr algn="ctr"/>
+            <a:r>
+              <a:rPr lang="en-US" dirty="0"/>
+              <a:t>Data</a:t>
+            </a:r>
+          </a:p>
+        </p:txBody>
+      </p:sp>
+      <p:sp>
+        <p:nvSpPr>
+          <p:cNvPr id="6" name="Diamond 5">
+            <a:extLst>
+              <a:ext uri="{FF2B5EF4-FFF2-40B4-BE49-F238E27FC236}">
+                <a16:creationId xmlns:a16="http://schemas.microsoft.com/office/drawing/2014/main" id="{0C069E98-D572-824B-93B9-3BCB23886264}"/>
+              </a:ext>
+            </a:extLst>
+          </p:cNvPr>
+          <p:cNvSpPr/>
+          <p:nvPr/>
+        </p:nvSpPr>
+        <p:spPr>
+          <a:xfrm>
+            <a:off x="9024503" y="3169226"/>
+            <a:ext cx="1662546" cy="1402773"/>
+          </a:xfrm>
+          <a:prstGeom prst="diamond">
+            <a:avLst/>
+          </a:prstGeom>
+        </p:spPr>
+        <p:style>
+          <a:lnRef idx="2">
+            <a:schemeClr val="accent1">
+              <a:shade val="50000"/>
+            </a:schemeClr>
+          </a:lnRef>
+          <a:fillRef idx="1">
+            <a:schemeClr val="accent1"/>
+          </a:fillRef>
+          <a:effectRef idx="0">
+            <a:schemeClr val="accent1"/>
+          </a:effectRef>
+          <a:fontRef idx="minor">
+            <a:schemeClr val="lt1"/>
+          </a:fontRef>
+        </p:style>
+        <p:txBody>
+          <a:bodyPr rtlCol="0" anchor="ctr"/>
+          <a:lstStyle/>
+          <a:p>
+            <a:pPr algn="ctr"/>
+            <a:r>
+              <a:rPr lang="en-US" dirty="0"/>
+              <a:t>Train</a:t>
+            </a:r>
+          </a:p>
+        </p:txBody>
+      </p:sp>
+      <p:sp>
+        <p:nvSpPr>
+          <p:cNvPr id="7" name="Preparation 6">
+            <a:extLst>
+              <a:ext uri="{FF2B5EF4-FFF2-40B4-BE49-F238E27FC236}">
+                <a16:creationId xmlns:a16="http://schemas.microsoft.com/office/drawing/2014/main" id="{ED4E309A-BB09-1144-BDA5-476C777EC724}"/>
+              </a:ext>
+            </a:extLst>
+          </p:cNvPr>
+          <p:cNvSpPr/>
+          <p:nvPr/>
+        </p:nvSpPr>
+        <p:spPr>
+          <a:xfrm>
+            <a:off x="6128038" y="3340677"/>
+            <a:ext cx="1610590" cy="1257300"/>
+          </a:xfrm>
+          <a:prstGeom prst="flowChartPreparation">
+            <a:avLst/>
+          </a:prstGeom>
+        </p:spPr>
+        <p:style>
+          <a:lnRef idx="2">
+            <a:schemeClr val="accent1">
+              <a:shade val="50000"/>
+            </a:schemeClr>
+          </a:lnRef>
+          <a:fillRef idx="1">
+            <a:schemeClr val="accent1"/>
+          </a:fillRef>
+          <a:effectRef idx="0">
+            <a:schemeClr val="accent1"/>
+          </a:effectRef>
+          <a:fontRef idx="minor">
+            <a:schemeClr val="lt1"/>
+          </a:fontRef>
+        </p:style>
+        <p:txBody>
+          <a:bodyPr rtlCol="0" anchor="ctr"/>
+          <a:lstStyle/>
+          <a:p>
+            <a:pPr algn="ctr"/>
+            <a:r>
+              <a:rPr lang="en-US" dirty="0"/>
+              <a:t>Model</a:t>
+            </a:r>
+          </a:p>
+        </p:txBody>
+      </p:sp>
+      <p:sp>
+        <p:nvSpPr>
+          <p:cNvPr id="8" name="Data 7">
+            <a:extLst>
+              <a:ext uri="{FF2B5EF4-FFF2-40B4-BE49-F238E27FC236}">
+                <a16:creationId xmlns:a16="http://schemas.microsoft.com/office/drawing/2014/main" id="{B4C1B0B1-0910-AD4D-BF83-883E4595314A}"/>
+              </a:ext>
+            </a:extLst>
+          </p:cNvPr>
+          <p:cNvSpPr/>
+          <p:nvPr/>
+        </p:nvSpPr>
+        <p:spPr>
+          <a:xfrm>
+            <a:off x="3366472" y="3496540"/>
+            <a:ext cx="1620982" cy="1246909"/>
+          </a:xfrm>
+          <a:prstGeom prst="flowChartInputOutput">
+            <a:avLst/>
+          </a:prstGeom>
+        </p:spPr>
+        <p:style>
+          <a:lnRef idx="2">
+            <a:schemeClr val="accent1">
+              <a:shade val="50000"/>
+            </a:schemeClr>
+          </a:lnRef>
+          <a:fillRef idx="1">
+            <a:schemeClr val="accent1"/>
+          </a:fillRef>
+          <a:effectRef idx="0">
+            <a:schemeClr val="accent1"/>
+          </a:effectRef>
+          <a:fontRef idx="minor">
+            <a:schemeClr val="lt1"/>
+          </a:fontRef>
+        </p:style>
+        <p:txBody>
+          <a:bodyPr rtlCol="0" anchor="ctr"/>
+          <a:lstStyle/>
+          <a:p>
+            <a:pPr algn="ctr"/>
+            <a:r>
+              <a:rPr lang="en-US" dirty="0"/>
+              <a:t>Cache</a:t>
+            </a:r>
+          </a:p>
+        </p:txBody>
+      </p:sp>
+      <p:sp>
+        <p:nvSpPr>
+          <p:cNvPr id="9" name="Down Arrow 8">
+            <a:extLst>
+              <a:ext uri="{FF2B5EF4-FFF2-40B4-BE49-F238E27FC236}">
+                <a16:creationId xmlns:a16="http://schemas.microsoft.com/office/drawing/2014/main" id="{7A17655C-984B-C946-8162-23528A87E633}"/>
+              </a:ext>
+            </a:extLst>
+          </p:cNvPr>
+          <p:cNvSpPr/>
+          <p:nvPr/>
+        </p:nvSpPr>
+        <p:spPr>
+          <a:xfrm>
+            <a:off x="9679132" y="2382404"/>
+            <a:ext cx="301336" cy="662782"/>
+          </a:xfrm>
+          <a:prstGeom prst="downArrow">
+            <a:avLst/>
+          </a:prstGeom>
+        </p:spPr>
+        <p:style>
+          <a:lnRef idx="2">
+            <a:schemeClr val="accent1">
+              <a:shade val="50000"/>
+            </a:schemeClr>
+          </a:lnRef>
+          <a:fillRef idx="1">
+            <a:schemeClr val="accent1"/>
+          </a:fillRef>
+          <a:effectRef idx="0">
+            <a:schemeClr val="accent1"/>
+          </a:effectRef>
+          <a:fontRef idx="minor">
+            <a:schemeClr val="lt1"/>
+          </a:fontRef>
+        </p:style>
+        <p:txBody>
+          <a:bodyPr rtlCol="0" anchor="ctr"/>
+          <a:lstStyle/>
+          <a:p>
+            <a:pPr algn="ctr"/>
+            <a:endParaRPr lang="en-US"/>
+          </a:p>
+        </p:txBody>
+      </p:sp>
+      <p:sp>
+        <p:nvSpPr>
+          <p:cNvPr id="10" name="Down Arrow 9">
+            <a:extLst>
+              <a:ext uri="{FF2B5EF4-FFF2-40B4-BE49-F238E27FC236}">
+                <a16:creationId xmlns:a16="http://schemas.microsoft.com/office/drawing/2014/main" id="{35DDE121-5FFF-2B43-9785-559C1D42911C}"/>
+              </a:ext>
+            </a:extLst>
+          </p:cNvPr>
+          <p:cNvSpPr/>
+          <p:nvPr/>
+        </p:nvSpPr>
+        <p:spPr>
+          <a:xfrm rot="5400000">
+            <a:off x="8230897" y="3596372"/>
+            <a:ext cx="301336" cy="662782"/>
+          </a:xfrm>
+          <a:prstGeom prst="downArrow">
+            <a:avLst/>
+          </a:prstGeom>
+        </p:spPr>
+        <p:style>
+          <a:lnRef idx="2">
+            <a:schemeClr val="accent1">
+              <a:shade val="50000"/>
+            </a:schemeClr>
+          </a:lnRef>
+          <a:fillRef idx="1">
+            <a:schemeClr val="accent1"/>
+          </a:fillRef>
+          <a:effectRef idx="0">
+            <a:schemeClr val="accent1"/>
+          </a:effectRef>
+          <a:fontRef idx="minor">
+            <a:schemeClr val="lt1"/>
+          </a:fontRef>
+        </p:style>
+        <p:txBody>
+          <a:bodyPr rtlCol="0" anchor="ctr"/>
+          <a:lstStyle/>
+          <a:p>
+            <a:pPr algn="ctr"/>
+            <a:endParaRPr lang="en-US"/>
+          </a:p>
+        </p:txBody>
+      </p:sp>
+      <p:sp>
+        <p:nvSpPr>
+          <p:cNvPr id="11" name="Down Arrow 10">
+            <a:extLst>
+              <a:ext uri="{FF2B5EF4-FFF2-40B4-BE49-F238E27FC236}">
+                <a16:creationId xmlns:a16="http://schemas.microsoft.com/office/drawing/2014/main" id="{6C0666AA-310E-FE48-88CE-1F693AC0D054}"/>
+              </a:ext>
+            </a:extLst>
+          </p:cNvPr>
+          <p:cNvSpPr/>
+          <p:nvPr/>
+        </p:nvSpPr>
+        <p:spPr>
+          <a:xfrm rot="16200000">
+            <a:off x="2574531" y="3637936"/>
+            <a:ext cx="301336" cy="662782"/>
+          </a:xfrm>
+          <a:prstGeom prst="downArrow">
+            <a:avLst/>
+          </a:prstGeom>
+        </p:spPr>
+        <p:style>
+          <a:lnRef idx="2">
+            <a:schemeClr val="accent1">
+              <a:shade val="50000"/>
+            </a:schemeClr>
+          </a:lnRef>
+          <a:fillRef idx="1">
+            <a:schemeClr val="accent1"/>
+          </a:fillRef>
+          <a:effectRef idx="0">
+            <a:schemeClr val="accent1"/>
+          </a:effectRef>
+          <a:fontRef idx="minor">
+            <a:schemeClr val="lt1"/>
+          </a:fontRef>
+        </p:style>
+        <p:txBody>
+          <a:bodyPr rtlCol="0" anchor="ctr"/>
+          <a:lstStyle/>
+          <a:p>
+            <a:pPr algn="ctr"/>
+            <a:endParaRPr lang="en-US"/>
+          </a:p>
+        </p:txBody>
+      </p:sp>
+      <p:sp>
+        <p:nvSpPr>
+          <p:cNvPr id="12" name="Down Arrow 11">
+            <a:extLst>
+              <a:ext uri="{FF2B5EF4-FFF2-40B4-BE49-F238E27FC236}">
+                <a16:creationId xmlns:a16="http://schemas.microsoft.com/office/drawing/2014/main" id="{E4F5A636-A388-2647-A759-2E4ECF902F9E}"/>
+              </a:ext>
+            </a:extLst>
+          </p:cNvPr>
+          <p:cNvSpPr/>
+          <p:nvPr/>
+        </p:nvSpPr>
+        <p:spPr>
+          <a:xfrm rot="16200000">
+            <a:off x="5306041" y="3637936"/>
+            <a:ext cx="301336" cy="662782"/>
+          </a:xfrm>
+          <a:prstGeom prst="downArrow">
+            <a:avLst/>
+          </a:prstGeom>
+        </p:spPr>
+        <p:style>
+          <a:lnRef idx="2">
+            <a:schemeClr val="accent1">
+              <a:shade val="50000"/>
+            </a:schemeClr>
+          </a:lnRef>
+          <a:fillRef idx="1">
+            <a:schemeClr val="accent1"/>
+          </a:fillRef>
+          <a:effectRef idx="0">
+            <a:schemeClr val="accent1"/>
+          </a:effectRef>
+          <a:fontRef idx="minor">
+            <a:schemeClr val="lt1"/>
+          </a:fontRef>
+        </p:style>
+        <p:txBody>
+          <a:bodyPr rtlCol="0" anchor="ctr"/>
+          <a:lstStyle/>
+          <a:p>
+            <a:pPr algn="ctr"/>
+            <a:endParaRPr lang="en-US"/>
+          </a:p>
+        </p:txBody>
+      </p:sp>
+      <p:sp>
+        <p:nvSpPr>
+          <p:cNvPr id="13" name="Down Arrow 12">
+            <a:extLst>
+              <a:ext uri="{FF2B5EF4-FFF2-40B4-BE49-F238E27FC236}">
+                <a16:creationId xmlns:a16="http://schemas.microsoft.com/office/drawing/2014/main" id="{18E1D6C4-676F-024B-90A6-17504C1CA953}"/>
+              </a:ext>
+            </a:extLst>
+          </p:cNvPr>
+          <p:cNvSpPr/>
+          <p:nvPr/>
+        </p:nvSpPr>
+        <p:spPr>
+          <a:xfrm rot="5400000">
+            <a:off x="5306041" y="4017203"/>
+            <a:ext cx="301336" cy="662782"/>
+          </a:xfrm>
+          <a:prstGeom prst="downArrow">
+            <a:avLst/>
+          </a:prstGeom>
+        </p:spPr>
+        <p:style>
+          <a:lnRef idx="2">
+            <a:schemeClr val="accent1">
+              <a:shade val="50000"/>
+            </a:schemeClr>
+          </a:lnRef>
+          <a:fillRef idx="1">
+            <a:schemeClr val="accent1"/>
+          </a:fillRef>
+          <a:effectRef idx="0">
+            <a:schemeClr val="accent1"/>
+          </a:effectRef>
+          <a:fontRef idx="minor">
+            <a:schemeClr val="lt1"/>
+          </a:fontRef>
+        </p:style>
+        <p:txBody>
+          <a:bodyPr rtlCol="0" anchor="ctr"/>
+          <a:lstStyle/>
+          <a:p>
+            <a:pPr algn="ctr"/>
+            <a:endParaRPr lang="en-US"/>
+          </a:p>
+        </p:txBody>
+      </p:sp>
+      <p:sp>
+        <p:nvSpPr>
+          <p:cNvPr id="14" name="Down Arrow 13">
+            <a:extLst>
+              <a:ext uri="{FF2B5EF4-FFF2-40B4-BE49-F238E27FC236}">
+                <a16:creationId xmlns:a16="http://schemas.microsoft.com/office/drawing/2014/main" id="{A10599E0-631F-5B4F-8F28-E7C618A4C714}"/>
+              </a:ext>
+            </a:extLst>
+          </p:cNvPr>
+          <p:cNvSpPr/>
+          <p:nvPr/>
+        </p:nvSpPr>
+        <p:spPr>
+          <a:xfrm rot="5400000">
+            <a:off x="2572867" y="4089940"/>
+            <a:ext cx="301336" cy="662782"/>
+          </a:xfrm>
+          <a:prstGeom prst="downArrow">
+            <a:avLst/>
+          </a:prstGeom>
+        </p:spPr>
+        <p:style>
+          <a:lnRef idx="2">
+            <a:schemeClr val="accent1">
+              <a:shade val="50000"/>
+            </a:schemeClr>
+          </a:lnRef>
+          <a:fillRef idx="1">
+            <a:schemeClr val="accent1"/>
+          </a:fillRef>
+          <a:effectRef idx="0">
+            <a:schemeClr val="accent1"/>
+          </a:effectRef>
+          <a:fontRef idx="minor">
+            <a:schemeClr val="lt1"/>
+          </a:fontRef>
+        </p:style>
+        <p:txBody>
+          <a:bodyPr rtlCol="0" anchor="ctr"/>
+          <a:lstStyle/>
+          <a:p>
+            <a:pPr algn="ctr"/>
+            <a:endParaRPr lang="en-US"/>
+          </a:p>
+        </p:txBody>
+      </p:sp>
+    </p:spTree>
+    <p:extLst>
+      <p:ext uri="{BB962C8B-B14F-4D97-AF65-F5344CB8AC3E}">
+        <p14:creationId xmlns:p14="http://schemas.microsoft.com/office/powerpoint/2010/main" val="2458683841"/>
+      </p:ext>
+    </p:extLst>
+  </p:cSld>
+  <p:clrMapOvr>
+    <a:masterClrMapping/>
+  </p:clrMapOvr>
+</p:sld>
+</file>
+
+<file path=ppt/slides/slide2.xml><?xml version="1.0" encoding="utf-8"?>
+<p:sld xmlns:a="http://schemas.openxmlformats.org/drawingml/2006/main" xmlns:r="http://schemas.openxmlformats.org/officeDocument/2006/relationships" xmlns:p="http://schemas.openxmlformats.org/presentationml/2006/main">
+  <p:cSld>
+    <p:spTree>
+      <p:nvGrpSpPr>
+        <p:cNvPr id="1" name=""/>
+        <p:cNvGrpSpPr/>
+        <p:nvPr/>
+      </p:nvGrpSpPr>
+      <p:grpSpPr>
+        <a:xfrm>
+          <a:off x="0" y="0"/>
+          <a:ext cx="0" cy="0"/>
+          <a:chOff x="0" y="0"/>
+          <a:chExt cx="0" cy="0"/>
+        </a:xfrm>
+      </p:grpSpPr>
+      <p:sp>
+        <p:nvSpPr>
+          <p:cNvPr id="3" name="Content Placeholder 2">
+            <a:extLst>
+              <a:ext uri="{FF2B5EF4-FFF2-40B4-BE49-F238E27FC236}">
+                <a16:creationId xmlns:a16="http://schemas.microsoft.com/office/drawing/2014/main" id="{36E6A476-4924-AD42-99AF-053AEE36CEBC}"/>
+              </a:ext>
+            </a:extLst>
+          </p:cNvPr>
+          <p:cNvSpPr>
+            <a:spLocks noGrp="1"/>
+          </p:cNvSpPr>
+          <p:nvPr>
+            <p:ph idx="1"/>
+          </p:nvPr>
+        </p:nvSpPr>
+        <p:spPr>
+          <a:xfrm>
+            <a:off x="838200" y="5351317"/>
+            <a:ext cx="10515600" cy="825645"/>
+          </a:xfrm>
+        </p:spPr>
+        <p:txBody>
+          <a:bodyPr>
+            <a:normAutofit lnSpcReduction="10000"/>
+          </a:bodyPr>
+          <a:lstStyle/>
+          <a:p>
+            <a:pPr marL="0" indent="0">
+              <a:buNone/>
+            </a:pPr>
+            <a:r>
+              <a:rPr lang="en-US" dirty="0"/>
+              <a:t>https://</a:t>
+            </a:r>
+            <a:r>
+              <a:rPr lang="en-US" dirty="0" err="1"/>
+              <a:t>www.amazon.com</a:t>
+            </a:r>
+            <a:r>
+              <a:rPr lang="en-US" dirty="0"/>
+              <a:t>/Mastering-Machine-Learning-Jamie-Dixon/</a:t>
+            </a:r>
+            <a:r>
+              <a:rPr lang="en-US" dirty="0" err="1"/>
+              <a:t>dp</a:t>
+            </a:r>
+            <a:r>
+              <a:rPr lang="en-US" dirty="0"/>
+              <a:t>/1785888404</a:t>
+            </a:r>
+          </a:p>
+        </p:txBody>
+      </p:sp>
+      <p:pic>
+        <p:nvPicPr>
+          <p:cNvPr id="5" name="Picture 4">
+            <a:extLst>
+              <a:ext uri="{FF2B5EF4-FFF2-40B4-BE49-F238E27FC236}">
+                <a16:creationId xmlns:a16="http://schemas.microsoft.com/office/drawing/2014/main" id="{2FE4411E-6036-344F-A5FB-83DD10DF8757}"/>
+              </a:ext>
+            </a:extLst>
+          </p:cNvPr>
+          <p:cNvPicPr>
+            <a:picLocks noChangeAspect="1"/>
+          </p:cNvPicPr>
+          <p:nvPr/>
+        </p:nvPicPr>
+        <p:blipFill>
+          <a:blip r:embed="rId2"/>
+          <a:stretch>
+            <a:fillRect/>
+          </a:stretch>
+        </p:blipFill>
+        <p:spPr>
+          <a:xfrm>
+            <a:off x="3766704" y="307109"/>
+            <a:ext cx="4076700" cy="4851400"/>
+          </a:xfrm>
+          <a:prstGeom prst="rect">
+            <a:avLst/>
+          </a:prstGeom>
+        </p:spPr>
+      </p:pic>
+    </p:spTree>
+    <p:extLst>
+      <p:ext uri="{BB962C8B-B14F-4D97-AF65-F5344CB8AC3E}">
+        <p14:creationId xmlns:p14="http://schemas.microsoft.com/office/powerpoint/2010/main" val="1129305543"/>
+      </p:ext>
+    </p:extLst>
+  </p:cSld>
+  <p:clrMapOvr>
+    <a:masterClrMapping/>
+  </p:clrMapOvr>
+</p:sld>
+</file>
+
+<file path=ppt/slides/slide3.xml><?xml version="1.0" encoding="utf-8"?>
+<p:sld xmlns:a="http://schemas.openxmlformats.org/drawingml/2006/main" xmlns:r="http://schemas.openxmlformats.org/officeDocument/2006/relationships" xmlns:p="http://schemas.openxmlformats.org/presentationml/2006/main">
+  <p:cSld>
+    <p:spTree>
+      <p:nvGrpSpPr>
+        <p:cNvPr id="1" name=""/>
+        <p:cNvGrpSpPr/>
+        <p:nvPr/>
+      </p:nvGrpSpPr>
+      <p:grpSpPr>
+        <a:xfrm>
+          <a:off x="0" y="0"/>
+          <a:ext cx="0" cy="0"/>
+          <a:chOff x="0" y="0"/>
+          <a:chExt cx="0" cy="0"/>
+        </a:xfrm>
+      </p:grpSpPr>
+      <p:sp>
+        <p:nvSpPr>
+          <p:cNvPr id="2" name="Title 1">
+            <a:extLst>
+              <a:ext uri="{FF2B5EF4-FFF2-40B4-BE49-F238E27FC236}">
+                <a16:creationId xmlns:a16="http://schemas.microsoft.com/office/drawing/2014/main" id="{97CFFAF0-D41A-C549-9F13-922B996D82DC}"/>
+              </a:ext>
+            </a:extLst>
+          </p:cNvPr>
+          <p:cNvSpPr>
+            <a:spLocks noGrp="1"/>
+          </p:cNvSpPr>
+          <p:nvPr>
+            <p:ph type="title"/>
+          </p:nvPr>
+        </p:nvSpPr>
+        <p:spPr/>
+        <p:txBody>
+          <a:bodyPr/>
+          <a:lstStyle/>
+          <a:p>
+            <a:r>
+              <a:rPr lang="en-US" dirty="0"/>
+              <a:t>Agenda</a:t>
+            </a:r>
+          </a:p>
+        </p:txBody>
+      </p:sp>
+      <p:sp>
+        <p:nvSpPr>
+          <p:cNvPr id="3" name="Content Placeholder 2">
+            <a:extLst>
+              <a:ext uri="{FF2B5EF4-FFF2-40B4-BE49-F238E27FC236}">
+                <a16:creationId xmlns:a16="http://schemas.microsoft.com/office/drawing/2014/main" id="{A962EB3D-F306-4948-A13E-13E234B8D3CC}"/>
+              </a:ext>
+            </a:extLst>
+          </p:cNvPr>
+          <p:cNvSpPr>
+            <a:spLocks noGrp="1"/>
+          </p:cNvSpPr>
+          <p:nvPr>
+            <p:ph idx="1"/>
+          </p:nvPr>
+        </p:nvSpPr>
+        <p:spPr/>
+        <p:txBody>
+          <a:bodyPr>
+            <a:normAutofit/>
+          </a:bodyPr>
+          <a:lstStyle/>
+          <a:p>
+            <a:r>
+              <a:rPr lang="en-US" dirty="0"/>
+              <a:t>Considerations</a:t>
+            </a:r>
+          </a:p>
+          <a:p>
+            <a:r>
+              <a:rPr lang="en-US" dirty="0"/>
+              <a:t>Machine Learning </a:t>
+            </a:r>
+          </a:p>
+          <a:p>
+            <a:pPr lvl="1"/>
+            <a:r>
+              <a:rPr lang="en-US" dirty="0"/>
+              <a:t>Regressions/Trees/Neural Networks</a:t>
+            </a:r>
+          </a:p>
+          <a:p>
+            <a:pPr lvl="1"/>
+            <a:r>
+              <a:rPr lang="en-US" dirty="0"/>
+              <a:t>Improving Performance</a:t>
+            </a:r>
+          </a:p>
+          <a:p>
+            <a:r>
+              <a:rPr lang="en-US" dirty="0"/>
+              <a:t>Dynamical Models</a:t>
+            </a:r>
+          </a:p>
+          <a:p>
+            <a:pPr lvl="1"/>
+            <a:r>
+              <a:rPr lang="en-US" dirty="0"/>
+              <a:t>ODE/PDE Models</a:t>
+            </a:r>
+          </a:p>
+          <a:p>
+            <a:pPr lvl="1"/>
+            <a:r>
+              <a:rPr lang="en-US" dirty="0"/>
+              <a:t>Stochastic Models</a:t>
+            </a:r>
+          </a:p>
+          <a:p>
+            <a:r>
+              <a:rPr lang="en-US" dirty="0"/>
+              <a:t>Deploying To Prod</a:t>
+            </a:r>
+          </a:p>
+          <a:p>
+            <a:r>
+              <a:rPr lang="en-US" dirty="0"/>
+              <a:t>Graph Databases</a:t>
+            </a:r>
+          </a:p>
+        </p:txBody>
+      </p:sp>
+    </p:spTree>
+    <p:extLst>
+      <p:ext uri="{BB962C8B-B14F-4D97-AF65-F5344CB8AC3E}">
+        <p14:creationId xmlns:p14="http://schemas.microsoft.com/office/powerpoint/2010/main" val="3481201251"/>
+      </p:ext>
+    </p:extLst>
+  </p:cSld>
+  <p:clrMapOvr>
+    <a:masterClrMapping/>
+  </p:clrMapOvr>
+</p:sld>
+</file>
+
+<file path=ppt/slides/slide4.xml><?xml version="1.0" encoding="utf-8"?>
+<p:sld xmlns:a="http://schemas.openxmlformats.org/drawingml/2006/main" xmlns:r="http://schemas.openxmlformats.org/officeDocument/2006/relationships" xmlns:p="http://schemas.openxmlformats.org/presentationml/2006/main">
+  <p:cSld>
+    <p:spTree>
+      <p:nvGrpSpPr>
+        <p:cNvPr id="1" name=""/>
+        <p:cNvGrpSpPr/>
+        <p:nvPr/>
+      </p:nvGrpSpPr>
+      <p:grpSpPr>
+        <a:xfrm>
+          <a:off x="0" y="0"/>
+          <a:ext cx="0" cy="0"/>
+          <a:chOff x="0" y="0"/>
+          <a:chExt cx="0" cy="0"/>
+        </a:xfrm>
+      </p:grpSpPr>
+      <p:sp>
+        <p:nvSpPr>
           <p:cNvPr id="3" name="Content Placeholder 2">
             <a:extLst>
               <a:ext uri="{FF2B5EF4-FFF2-40B4-BE49-F238E27FC236}">
@@ -4699,240 +5532,7 @@
 </p:sld>
 </file>
 
-<file path=ppt/slides/slide2.xml><?xml version="1.0" encoding="utf-8"?>
-<p:sld xmlns:a="http://schemas.openxmlformats.org/drawingml/2006/main" xmlns:r="http://schemas.openxmlformats.org/officeDocument/2006/relationships" xmlns:p="http://schemas.openxmlformats.org/presentationml/2006/main">
-  <p:cSld>
-    <p:spTree>
-      <p:nvGrpSpPr>
-        <p:cNvPr id="1" name=""/>
-        <p:cNvGrpSpPr/>
-        <p:nvPr/>
-      </p:nvGrpSpPr>
-      <p:grpSpPr>
-        <a:xfrm>
-          <a:off x="0" y="0"/>
-          <a:ext cx="0" cy="0"/>
-          <a:chOff x="0" y="0"/>
-          <a:chExt cx="0" cy="0"/>
-        </a:xfrm>
-      </p:grpSpPr>
-      <p:sp>
-        <p:nvSpPr>
-          <p:cNvPr id="3" name="Content Placeholder 2">
-            <a:extLst>
-              <a:ext uri="{FF2B5EF4-FFF2-40B4-BE49-F238E27FC236}">
-                <a16:creationId xmlns:a16="http://schemas.microsoft.com/office/drawing/2014/main" id="{36E6A476-4924-AD42-99AF-053AEE36CEBC}"/>
-              </a:ext>
-            </a:extLst>
-          </p:cNvPr>
-          <p:cNvSpPr>
-            <a:spLocks noGrp="1"/>
-          </p:cNvSpPr>
-          <p:nvPr>
-            <p:ph idx="1"/>
-          </p:nvPr>
-        </p:nvSpPr>
-        <p:spPr>
-          <a:xfrm>
-            <a:off x="838200" y="5351317"/>
-            <a:ext cx="10515600" cy="825645"/>
-          </a:xfrm>
-        </p:spPr>
-        <p:txBody>
-          <a:bodyPr>
-            <a:normAutofit lnSpcReduction="10000"/>
-          </a:bodyPr>
-          <a:lstStyle/>
-          <a:p>
-            <a:pPr marL="0" indent="0">
-              <a:buNone/>
-            </a:pPr>
-            <a:r>
-              <a:rPr lang="en-US" dirty="0"/>
-              <a:t>https://</a:t>
-            </a:r>
-            <a:r>
-              <a:rPr lang="en-US" dirty="0" err="1"/>
-              <a:t>www.amazon.com</a:t>
-            </a:r>
-            <a:r>
-              <a:rPr lang="en-US" dirty="0"/>
-              <a:t>/Mastering-Machine-Learning-Jamie-Dixon/</a:t>
-            </a:r>
-            <a:r>
-              <a:rPr lang="en-US" dirty="0" err="1"/>
-              <a:t>dp</a:t>
-            </a:r>
-            <a:r>
-              <a:rPr lang="en-US" dirty="0"/>
-              <a:t>/1785888404</a:t>
-            </a:r>
-          </a:p>
-        </p:txBody>
-      </p:sp>
-      <p:pic>
-        <p:nvPicPr>
-          <p:cNvPr id="5" name="Picture 4">
-            <a:extLst>
-              <a:ext uri="{FF2B5EF4-FFF2-40B4-BE49-F238E27FC236}">
-                <a16:creationId xmlns:a16="http://schemas.microsoft.com/office/drawing/2014/main" id="{2FE4411E-6036-344F-A5FB-83DD10DF8757}"/>
-              </a:ext>
-            </a:extLst>
-          </p:cNvPr>
-          <p:cNvPicPr>
-            <a:picLocks noChangeAspect="1"/>
-          </p:cNvPicPr>
-          <p:nvPr/>
-        </p:nvPicPr>
-        <p:blipFill>
-          <a:blip r:embed="rId2"/>
-          <a:stretch>
-            <a:fillRect/>
-          </a:stretch>
-        </p:blipFill>
-        <p:spPr>
-          <a:xfrm>
-            <a:off x="3766704" y="307109"/>
-            <a:ext cx="4076700" cy="4851400"/>
-          </a:xfrm>
-          <a:prstGeom prst="rect">
-            <a:avLst/>
-          </a:prstGeom>
-        </p:spPr>
-      </p:pic>
-    </p:spTree>
-    <p:extLst>
-      <p:ext uri="{BB962C8B-B14F-4D97-AF65-F5344CB8AC3E}">
-        <p14:creationId xmlns:p14="http://schemas.microsoft.com/office/powerpoint/2010/main" val="1129305543"/>
-      </p:ext>
-    </p:extLst>
-  </p:cSld>
-  <p:clrMapOvr>
-    <a:masterClrMapping/>
-  </p:clrMapOvr>
-</p:sld>
-</file>
-
-<file path=ppt/slides/slide3.xml><?xml version="1.0" encoding="utf-8"?>
-<p:sld xmlns:a="http://schemas.openxmlformats.org/drawingml/2006/main" xmlns:r="http://schemas.openxmlformats.org/officeDocument/2006/relationships" xmlns:p="http://schemas.openxmlformats.org/presentationml/2006/main">
-  <p:cSld>
-    <p:spTree>
-      <p:nvGrpSpPr>
-        <p:cNvPr id="1" name=""/>
-        <p:cNvGrpSpPr/>
-        <p:nvPr/>
-      </p:nvGrpSpPr>
-      <p:grpSpPr>
-        <a:xfrm>
-          <a:off x="0" y="0"/>
-          <a:ext cx="0" cy="0"/>
-          <a:chOff x="0" y="0"/>
-          <a:chExt cx="0" cy="0"/>
-        </a:xfrm>
-      </p:grpSpPr>
-      <p:sp>
-        <p:nvSpPr>
-          <p:cNvPr id="2" name="Title 1">
-            <a:extLst>
-              <a:ext uri="{FF2B5EF4-FFF2-40B4-BE49-F238E27FC236}">
-                <a16:creationId xmlns:a16="http://schemas.microsoft.com/office/drawing/2014/main" id="{97CFFAF0-D41A-C549-9F13-922B996D82DC}"/>
-              </a:ext>
-            </a:extLst>
-          </p:cNvPr>
-          <p:cNvSpPr>
-            <a:spLocks noGrp="1"/>
-          </p:cNvSpPr>
-          <p:nvPr>
-            <p:ph type="title"/>
-          </p:nvPr>
-        </p:nvSpPr>
-        <p:spPr/>
-        <p:txBody>
-          <a:bodyPr/>
-          <a:lstStyle/>
-          <a:p>
-            <a:r>
-              <a:rPr lang="en-US" dirty="0"/>
-              <a:t>Agenda</a:t>
-            </a:r>
-          </a:p>
-        </p:txBody>
-      </p:sp>
-      <p:sp>
-        <p:nvSpPr>
-          <p:cNvPr id="3" name="Content Placeholder 2">
-            <a:extLst>
-              <a:ext uri="{FF2B5EF4-FFF2-40B4-BE49-F238E27FC236}">
-                <a16:creationId xmlns:a16="http://schemas.microsoft.com/office/drawing/2014/main" id="{A962EB3D-F306-4948-A13E-13E234B8D3CC}"/>
-              </a:ext>
-            </a:extLst>
-          </p:cNvPr>
-          <p:cNvSpPr>
-            <a:spLocks noGrp="1"/>
-          </p:cNvSpPr>
-          <p:nvPr>
-            <p:ph idx="1"/>
-          </p:nvPr>
-        </p:nvSpPr>
-        <p:spPr/>
-        <p:txBody>
-          <a:bodyPr/>
-          <a:lstStyle/>
-          <a:p>
-            <a:r>
-              <a:rPr lang="en-US" dirty="0"/>
-              <a:t>Machine Learning &amp;&amp; Dynamical Models</a:t>
-            </a:r>
-          </a:p>
-          <a:p>
-            <a:pPr lvl="1"/>
-            <a:r>
-              <a:rPr lang="en-US" dirty="0"/>
-              <a:t>Regressions/Trees/Neural Networks</a:t>
-            </a:r>
-          </a:p>
-          <a:p>
-            <a:pPr lvl="1"/>
-            <a:r>
-              <a:rPr lang="en-US" dirty="0"/>
-              <a:t>Ensembling</a:t>
-            </a:r>
-          </a:p>
-          <a:p>
-            <a:pPr lvl="1"/>
-            <a:r>
-              <a:rPr lang="en-US" dirty="0"/>
-              <a:t>ODE/PDE Models</a:t>
-            </a:r>
-          </a:p>
-          <a:p>
-            <a:r>
-              <a:rPr lang="en-US" dirty="0"/>
-              <a:t>Deploying To Prod</a:t>
-            </a:r>
-          </a:p>
-          <a:p>
-            <a:r>
-              <a:rPr lang="en-US" dirty="0"/>
-              <a:t>Considerations</a:t>
-            </a:r>
-          </a:p>
-        </p:txBody>
-      </p:sp>
-    </p:spTree>
-    <p:extLst>
-      <p:ext uri="{BB962C8B-B14F-4D97-AF65-F5344CB8AC3E}">
-        <p14:creationId xmlns:p14="http://schemas.microsoft.com/office/powerpoint/2010/main" val="3481201251"/>
-      </p:ext>
-    </p:extLst>
-  </p:cSld>
-  <p:clrMapOvr>
-    <a:masterClrMapping/>
-  </p:clrMapOvr>
-</p:sld>
-</file>
-
-<file path=ppt/slides/slide4.xml><?xml version="1.0" encoding="utf-8"?>
+<file path=ppt/slides/slide5.xml><?xml version="1.0" encoding="utf-8"?>
 <p:sld xmlns:a="http://schemas.openxmlformats.org/drawingml/2006/main" xmlns:r="http://schemas.openxmlformats.org/officeDocument/2006/relationships" xmlns:p="http://schemas.openxmlformats.org/presentationml/2006/main">
   <p:cSld>
     <p:spTree>
@@ -5120,7 +5720,7 @@
 </p:sld>
 </file>
 
-<file path=ppt/slides/slide5.xml><?xml version="1.0" encoding="utf-8"?>
+<file path=ppt/slides/slide6.xml><?xml version="1.0" encoding="utf-8"?>
 <p:sld xmlns:a="http://schemas.openxmlformats.org/drawingml/2006/main" xmlns:r="http://schemas.openxmlformats.org/officeDocument/2006/relationships" xmlns:p="http://schemas.openxmlformats.org/presentationml/2006/main">
   <p:cSld>
     <p:spTree>
@@ -5160,7 +5760,7 @@
           <a:p>
             <a:r>
               <a:rPr lang="en-US" dirty="0"/>
-              <a:t>Ensembling</a:t>
+              <a:t>Improving Performance</a:t>
             </a:r>
           </a:p>
         </p:txBody>
@@ -5180,14 +5780,14 @@
           <p:nvPr>
             <p:extLst>
               <p:ext uri="{D42A27DB-BD31-4B8C-83A1-F6EECF244321}">
-                <p14:modId xmlns:p14="http://schemas.microsoft.com/office/powerpoint/2010/main" val="3754817236"/>
+                <p14:modId xmlns:p14="http://schemas.microsoft.com/office/powerpoint/2010/main" val="20161590"/>
               </p:ext>
             </p:extLst>
           </p:nvPr>
         </p:nvGraphicFramePr>
         <p:xfrm>
-          <a:off x="3245427" y="1836161"/>
-          <a:ext cx="4953000" cy="2438400"/>
+          <a:off x="5579918" y="2449224"/>
+          <a:ext cx="5912424" cy="3411252"/>
         </p:xfrm>
         <a:graphic>
           <a:graphicData uri="http://schemas.openxmlformats.org/drawingml/2006/table">
@@ -5196,42 +5796,42 @@
                 <a:tableStyleId>{5C22544A-7EE6-4342-B048-85BDC9FD1C3A}</a:tableStyleId>
               </a:tblPr>
               <a:tblGrid>
-                <a:gridCol w="825500">
+                <a:gridCol w="985404">
                   <a:extLst>
                     <a:ext uri="{9D8B030D-6E8A-4147-A177-3AD203B41FA5}">
                       <a16:colId xmlns:a16="http://schemas.microsoft.com/office/drawing/2014/main" val="2718979211"/>
                     </a:ext>
                   </a:extLst>
                 </a:gridCol>
-                <a:gridCol w="825500">
+                <a:gridCol w="985404">
                   <a:extLst>
                     <a:ext uri="{9D8B030D-6E8A-4147-A177-3AD203B41FA5}">
                       <a16:colId xmlns:a16="http://schemas.microsoft.com/office/drawing/2014/main" val="2213538308"/>
                     </a:ext>
                   </a:extLst>
                 </a:gridCol>
-                <a:gridCol w="825500">
+                <a:gridCol w="985404">
                   <a:extLst>
                     <a:ext uri="{9D8B030D-6E8A-4147-A177-3AD203B41FA5}">
                       <a16:colId xmlns:a16="http://schemas.microsoft.com/office/drawing/2014/main" val="1438183783"/>
                     </a:ext>
                   </a:extLst>
                 </a:gridCol>
-                <a:gridCol w="825500">
+                <a:gridCol w="985404">
                   <a:extLst>
                     <a:ext uri="{9D8B030D-6E8A-4147-A177-3AD203B41FA5}">
                       <a16:colId xmlns:a16="http://schemas.microsoft.com/office/drawing/2014/main" val="1531371231"/>
                     </a:ext>
                   </a:extLst>
                 </a:gridCol>
-                <a:gridCol w="825500">
+                <a:gridCol w="985404">
                   <a:extLst>
                     <a:ext uri="{9D8B030D-6E8A-4147-A177-3AD203B41FA5}">
                       <a16:colId xmlns:a16="http://schemas.microsoft.com/office/drawing/2014/main" val="3928094079"/>
                     </a:ext>
                   </a:extLst>
                 </a:gridCol>
-                <a:gridCol w="825500">
+                <a:gridCol w="985404">
                   <a:extLst>
                     <a:ext uri="{9D8B030D-6E8A-4147-A177-3AD203B41FA5}">
                       <a16:colId xmlns:a16="http://schemas.microsoft.com/office/drawing/2014/main" val="312409215"/>
@@ -5239,7 +5839,7 @@
                   </a:extLst>
                 </a:gridCol>
               </a:tblGrid>
-              <a:tr h="203200">
+              <a:tr h="284271">
                 <a:tc>
                   <a:txBody>
                     <a:bodyPr/>
@@ -5247,12 +5847,18 @@
                     <a:p>
                       <a:pPr algn="ctr" fontAlgn="b"/>
                       <a:r>
-                        <a:rPr lang="en-US" sz="1200" u="none" strike="noStrike">
+                        <a:rPr lang="en-US" sz="1200" u="none" strike="noStrike" dirty="0" err="1">
                           <a:effectLst/>
                         </a:rPr>
-                        <a:t>Obs #</a:t>
+                        <a:t>Obs</a:t>
                       </a:r>
-                      <a:endParaRPr lang="en-US" sz="1200" b="0" i="0" u="none" strike="noStrike">
+                      <a:r>
+                        <a:rPr lang="en-US" sz="1200" u="none" strike="noStrike" dirty="0">
+                          <a:effectLst/>
+                        </a:rPr>
+                        <a:t> #</a:t>
+                      </a:r>
+                      <a:endParaRPr lang="en-US" sz="1200" b="0" i="0" u="none" strike="noStrike" dirty="0">
                         <a:solidFill>
                           <a:srgbClr val="000000"/>
                         </a:solidFill>
@@ -5362,12 +5968,12 @@
                     <a:p>
                       <a:pPr algn="ctr" fontAlgn="b"/>
                       <a:r>
-                        <a:rPr lang="en-US" sz="1200" u="none" strike="noStrike">
+                        <a:rPr lang="en-US" sz="1200" u="none" strike="noStrike" dirty="0">
                           <a:effectLst/>
                         </a:rPr>
                         <a:t>AVG</a:t>
                       </a:r>
-                      <a:endParaRPr lang="en-US" sz="1200" b="0" i="0" u="none" strike="noStrike">
+                      <a:endParaRPr lang="en-US" sz="1200" b="0" i="0" u="none" strike="noStrike" dirty="0">
                         <a:solidFill>
                           <a:srgbClr val="000000"/>
                         </a:solidFill>
@@ -5384,7 +5990,7 @@
                   </a:ext>
                 </a:extLst>
               </a:tr>
-              <a:tr h="203200">
+              <a:tr h="284271">
                 <a:tc>
                   <a:txBody>
                     <a:bodyPr/>
@@ -5392,12 +5998,12 @@
                     <a:p>
                       <a:pPr algn="ctr" fontAlgn="b"/>
                       <a:r>
-                        <a:rPr lang="en-US" sz="1200" u="none" strike="noStrike">
+                        <a:rPr lang="en-US" sz="1200" u="none" strike="noStrike" dirty="0">
                           <a:effectLst/>
                         </a:rPr>
                         <a:t>0</a:t>
                       </a:r>
-                      <a:endParaRPr lang="en-US" sz="1200" b="0" i="0" u="none" strike="noStrike">
+                      <a:endParaRPr lang="en-US" sz="1200" b="0" i="0" u="none" strike="noStrike" dirty="0">
                         <a:solidFill>
                           <a:srgbClr val="000000"/>
                         </a:solidFill>
@@ -5529,7 +6135,7 @@
                   </a:ext>
                 </a:extLst>
               </a:tr>
-              <a:tr h="203200">
+              <a:tr h="284271">
                 <a:tc>
                   <a:txBody>
                     <a:bodyPr/>
@@ -5537,12 +6143,12 @@
                     <a:p>
                       <a:pPr algn="ctr" fontAlgn="b"/>
                       <a:r>
-                        <a:rPr lang="en-US" sz="1200" u="none" strike="noStrike">
+                        <a:rPr lang="en-US" sz="1200" u="none" strike="noStrike" dirty="0">
                           <a:effectLst/>
                         </a:rPr>
                         <a:t>1</a:t>
                       </a:r>
-                      <a:endParaRPr lang="en-US" sz="1200" b="0" i="0" u="none" strike="noStrike">
+                      <a:endParaRPr lang="en-US" sz="1200" b="0" i="0" u="none" strike="noStrike" dirty="0">
                         <a:solidFill>
                           <a:srgbClr val="000000"/>
                         </a:solidFill>
@@ -5674,7 +6280,7 @@
                   </a:ext>
                 </a:extLst>
               </a:tr>
-              <a:tr h="203200">
+              <a:tr h="284271">
                 <a:tc>
                   <a:txBody>
                     <a:bodyPr/>
@@ -5819,7 +6425,7 @@
                   </a:ext>
                 </a:extLst>
               </a:tr>
-              <a:tr h="203200">
+              <a:tr h="284271">
                 <a:tc>
                   <a:txBody>
                     <a:bodyPr/>
@@ -5964,7 +6570,7 @@
                   </a:ext>
                 </a:extLst>
               </a:tr>
-              <a:tr h="203200">
+              <a:tr h="284271">
                 <a:tc>
                   <a:txBody>
                     <a:bodyPr/>
@@ -6109,7 +6715,7 @@
                   </a:ext>
                 </a:extLst>
               </a:tr>
-              <a:tr h="203200">
+              <a:tr h="284271">
                 <a:tc>
                   <a:txBody>
                     <a:bodyPr/>
@@ -6254,7 +6860,7 @@
                   </a:ext>
                 </a:extLst>
               </a:tr>
-              <a:tr h="203200">
+              <a:tr h="284271">
                 <a:tc>
                   <a:txBody>
                     <a:bodyPr/>
@@ -6399,7 +7005,7 @@
                   </a:ext>
                 </a:extLst>
               </a:tr>
-              <a:tr h="203200">
+              <a:tr h="284271">
                 <a:tc>
                   <a:txBody>
                     <a:bodyPr/>
@@ -6544,7 +7150,7 @@
                   </a:ext>
                 </a:extLst>
               </a:tr>
-              <a:tr h="203200">
+              <a:tr h="284271">
                 <a:tc>
                   <a:txBody>
                     <a:bodyPr/>
@@ -6689,7 +7295,7 @@
                   </a:ext>
                 </a:extLst>
               </a:tr>
-              <a:tr h="203200">
+              <a:tr h="284271">
                 <a:tc>
                   <a:txBody>
                     <a:bodyPr/>
@@ -6834,7 +7440,7 @@
                   </a:ext>
                 </a:extLst>
               </a:tr>
-              <a:tr h="203200">
+              <a:tr h="284271">
                 <a:tc>
                   <a:txBody>
                     <a:bodyPr/>
@@ -6983,132 +7589,151 @@
           </a:graphicData>
         </a:graphic>
       </p:graphicFrame>
+      <p:sp>
+        <p:nvSpPr>
+          <p:cNvPr id="3" name="TextBox 2">
+            <a:extLst>
+              <a:ext uri="{FF2B5EF4-FFF2-40B4-BE49-F238E27FC236}">
+                <a16:creationId xmlns:a16="http://schemas.microsoft.com/office/drawing/2014/main" id="{1C3DF2CD-3290-5C4A-9ECE-7EAE1AA58455}"/>
+              </a:ext>
+            </a:extLst>
+          </p:cNvPr>
+          <p:cNvSpPr txBox="1"/>
+          <p:nvPr/>
+        </p:nvSpPr>
+        <p:spPr>
+          <a:xfrm>
+            <a:off x="5694219" y="1830510"/>
+            <a:ext cx="3241964" cy="369332"/>
+          </a:xfrm>
+          <a:prstGeom prst="rect">
+            <a:avLst/>
+          </a:prstGeom>
+          <a:noFill/>
+        </p:spPr>
+        <p:txBody>
+          <a:bodyPr wrap="square" rtlCol="0">
+            <a:spAutoFit/>
+          </a:bodyPr>
+          <a:lstStyle/>
+          <a:p>
+            <a:r>
+              <a:rPr lang="en-US" dirty="0"/>
+              <a:t>Ensembling</a:t>
+            </a:r>
+          </a:p>
+        </p:txBody>
+      </p:sp>
+      <p:sp>
+        <p:nvSpPr>
+          <p:cNvPr id="6" name="TextBox 5">
+            <a:extLst>
+              <a:ext uri="{FF2B5EF4-FFF2-40B4-BE49-F238E27FC236}">
+                <a16:creationId xmlns:a16="http://schemas.microsoft.com/office/drawing/2014/main" id="{38F2529B-D972-7A47-9E70-57AA3FAA2741}"/>
+              </a:ext>
+            </a:extLst>
+          </p:cNvPr>
+          <p:cNvSpPr txBox="1"/>
+          <p:nvPr/>
+        </p:nvSpPr>
+        <p:spPr>
+          <a:xfrm>
+            <a:off x="1129146" y="2006495"/>
+            <a:ext cx="3241964" cy="2308324"/>
+          </a:xfrm>
+          <a:prstGeom prst="rect">
+            <a:avLst/>
+          </a:prstGeom>
+          <a:noFill/>
+        </p:spPr>
+        <p:txBody>
+          <a:bodyPr wrap="square" rtlCol="0">
+            <a:spAutoFit/>
+          </a:bodyPr>
+          <a:lstStyle/>
+          <a:p>
+            <a:r>
+              <a:rPr lang="en-US" dirty="0"/>
+              <a:t>Add Another Feature?</a:t>
+            </a:r>
+          </a:p>
+          <a:p>
+            <a:endParaRPr lang="en-US" dirty="0"/>
+          </a:p>
+          <a:p>
+            <a:pPr marL="285750" indent="-285750">
+              <a:buFont typeface="Arial" panose="020B0604020202020204" pitchFamily="34" charset="0"/>
+              <a:buChar char="•"/>
+            </a:pPr>
+            <a:r>
+              <a:rPr lang="en-US" dirty="0"/>
+              <a:t>Add more will always improve on some models</a:t>
+            </a:r>
+          </a:p>
+          <a:p>
+            <a:pPr marL="285750" indent="-285750">
+              <a:buFont typeface="Arial" panose="020B0604020202020204" pitchFamily="34" charset="0"/>
+              <a:buChar char="•"/>
+            </a:pPr>
+            <a:endParaRPr lang="en-US" dirty="0"/>
+          </a:p>
+          <a:p>
+            <a:pPr marL="285750" indent="-285750">
+              <a:buFont typeface="Arial" panose="020B0604020202020204" pitchFamily="34" charset="0"/>
+              <a:buChar char="•"/>
+            </a:pPr>
+            <a:r>
+              <a:rPr lang="en-US" dirty="0"/>
+              <a:t>Adding highly correlated values does not help much</a:t>
+            </a:r>
+          </a:p>
+          <a:p>
+            <a:endParaRPr lang="en-US" dirty="0"/>
+          </a:p>
+        </p:txBody>
+      </p:sp>
+      <p:sp>
+        <p:nvSpPr>
+          <p:cNvPr id="7" name="TextBox 6">
+            <a:extLst>
+              <a:ext uri="{FF2B5EF4-FFF2-40B4-BE49-F238E27FC236}">
+                <a16:creationId xmlns:a16="http://schemas.microsoft.com/office/drawing/2014/main" id="{81FCA2AC-303D-7B42-BA1A-AAD5E81E732C}"/>
+              </a:ext>
+            </a:extLst>
+          </p:cNvPr>
+          <p:cNvSpPr txBox="1"/>
+          <p:nvPr/>
+        </p:nvSpPr>
+        <p:spPr>
+          <a:xfrm>
+            <a:off x="1129146" y="5196919"/>
+            <a:ext cx="3241964" cy="923330"/>
+          </a:xfrm>
+          <a:prstGeom prst="rect">
+            <a:avLst/>
+          </a:prstGeom>
+          <a:noFill/>
+        </p:spPr>
+        <p:txBody>
+          <a:bodyPr wrap="square" rtlCol="0">
+            <a:spAutoFit/>
+          </a:bodyPr>
+          <a:lstStyle/>
+          <a:p>
+            <a:r>
+              <a:rPr lang="en-US" dirty="0"/>
+              <a:t>Tuning hyperparameters is not such a good idea…. </a:t>
+            </a:r>
+          </a:p>
+          <a:p>
+            <a:endParaRPr lang="en-US" dirty="0"/>
+          </a:p>
+        </p:txBody>
+      </p:sp>
     </p:spTree>
     <p:extLst>
       <p:ext uri="{BB962C8B-B14F-4D97-AF65-F5344CB8AC3E}">
         <p14:creationId xmlns:p14="http://schemas.microsoft.com/office/powerpoint/2010/main" val="2253791852"/>
-      </p:ext>
-    </p:extLst>
-  </p:cSld>
-  <p:clrMapOvr>
-    <a:masterClrMapping/>
-  </p:clrMapOvr>
-</p:sld>
-</file>
-
-<file path=ppt/slides/slide6.xml><?xml version="1.0" encoding="utf-8"?>
-<p:sld xmlns:a="http://schemas.openxmlformats.org/drawingml/2006/main" xmlns:r="http://schemas.openxmlformats.org/officeDocument/2006/relationships" xmlns:p="http://schemas.openxmlformats.org/presentationml/2006/main">
-  <p:cSld>
-    <p:spTree>
-      <p:nvGrpSpPr>
-        <p:cNvPr id="1" name=""/>
-        <p:cNvGrpSpPr/>
-        <p:nvPr/>
-      </p:nvGrpSpPr>
-      <p:grpSpPr>
-        <a:xfrm>
-          <a:off x="0" y="0"/>
-          <a:ext cx="0" cy="0"/>
-          <a:chOff x="0" y="0"/>
-          <a:chExt cx="0" cy="0"/>
-        </a:xfrm>
-      </p:grpSpPr>
-      <p:sp>
-        <p:nvSpPr>
-          <p:cNvPr id="2" name="Title 1">
-            <a:extLst>
-              <a:ext uri="{FF2B5EF4-FFF2-40B4-BE49-F238E27FC236}">
-                <a16:creationId xmlns:a16="http://schemas.microsoft.com/office/drawing/2014/main" id="{6E552C1F-65EF-C248-8B11-21C24F6DFC8C}"/>
-              </a:ext>
-            </a:extLst>
-          </p:cNvPr>
-          <p:cNvSpPr>
-            <a:spLocks noGrp="1"/>
-          </p:cNvSpPr>
-          <p:nvPr>
-            <p:ph type="title"/>
-          </p:nvPr>
-        </p:nvSpPr>
-        <p:spPr/>
-        <p:txBody>
-          <a:bodyPr/>
-          <a:lstStyle/>
-          <a:p>
-            <a:r>
-              <a:rPr lang="en-US" dirty="0"/>
-              <a:t>Dynamical Models versus Machine Learning</a:t>
-            </a:r>
-          </a:p>
-        </p:txBody>
-      </p:sp>
-      <p:sp>
-        <p:nvSpPr>
-          <p:cNvPr id="5" name="Content Placeholder 4">
-            <a:extLst>
-              <a:ext uri="{FF2B5EF4-FFF2-40B4-BE49-F238E27FC236}">
-                <a16:creationId xmlns:a16="http://schemas.microsoft.com/office/drawing/2014/main" id="{715C661A-DFAD-1243-80D9-272B5ADD81FD}"/>
-              </a:ext>
-            </a:extLst>
-          </p:cNvPr>
-          <p:cNvSpPr>
-            <a:spLocks noGrp="1"/>
-          </p:cNvSpPr>
-          <p:nvPr>
-            <p:ph idx="1"/>
-          </p:nvPr>
-        </p:nvSpPr>
-        <p:spPr/>
-        <p:txBody>
-          <a:bodyPr/>
-          <a:lstStyle/>
-          <a:p>
-            <a:r>
-              <a:rPr lang="en-US" b="1" dirty="0"/>
-              <a:t>Modeling Philosophy:</a:t>
-            </a:r>
-            <a:endParaRPr lang="en-US" dirty="0"/>
-          </a:p>
-          <a:p>
-            <a:r>
-              <a:rPr lang="en-US" b="1" dirty="0"/>
-              <a:t>Dynamical Models:</a:t>
-            </a:r>
-            <a:r>
-              <a:rPr lang="en-US" dirty="0"/>
-              <a:t> These models are based on a set of differential equations that describe how the variables of a system </a:t>
-            </a:r>
-            <a:r>
-              <a:rPr lang="en-US" b="1" i="1" dirty="0">
-                <a:solidFill>
-                  <a:srgbClr val="FF0000"/>
-                </a:solidFill>
-              </a:rPr>
-              <a:t>change over time</a:t>
-            </a:r>
-            <a:r>
-              <a:rPr lang="en-US" dirty="0"/>
-              <a:t>. Dynamical models are often derived from first principles or domain-specific knowledge about the underlying processes governing the system.</a:t>
-            </a:r>
-          </a:p>
-          <a:p>
-            <a:r>
-              <a:rPr lang="en-US" b="1" dirty="0"/>
-              <a:t>Machine Learning Models:</a:t>
-            </a:r>
-            <a:r>
-              <a:rPr lang="en-US" dirty="0"/>
-              <a:t> Machine learning models, on the other hand, learn patterns and relationships from data. They do not necessarily require explicit knowledge of the underlying processes and can capture complex patterns in the data.</a:t>
-            </a:r>
-          </a:p>
-          <a:p>
-            <a:endParaRPr lang="en-US" dirty="0"/>
-          </a:p>
-        </p:txBody>
-      </p:sp>
-    </p:spTree>
-    <p:extLst>
-      <p:ext uri="{BB962C8B-B14F-4D97-AF65-F5344CB8AC3E}">
-        <p14:creationId xmlns:p14="http://schemas.microsoft.com/office/powerpoint/2010/main" val="706840001"/>
       </p:ext>
     </p:extLst>
   </p:cSld>
@@ -7140,7 +7765,7 @@
           <p:cNvPr id="2" name="Title 1">
             <a:extLst>
               <a:ext uri="{FF2B5EF4-FFF2-40B4-BE49-F238E27FC236}">
-                <a16:creationId xmlns:a16="http://schemas.microsoft.com/office/drawing/2014/main" id="{6956A729-C264-354A-ABD9-975ACDC13C61}"/>
+                <a16:creationId xmlns:a16="http://schemas.microsoft.com/office/drawing/2014/main" id="{6E552C1F-65EF-C248-8B11-21C24F6DFC8C}"/>
               </a:ext>
             </a:extLst>
           </p:cNvPr>
@@ -7165,10 +7790,10 @@
       </p:sp>
       <p:sp>
         <p:nvSpPr>
-          <p:cNvPr id="3" name="Content Placeholder 2">
-            <a:extLst>
-              <a:ext uri="{FF2B5EF4-FFF2-40B4-BE49-F238E27FC236}">
-                <a16:creationId xmlns:a16="http://schemas.microsoft.com/office/drawing/2014/main" id="{4798D76D-86DB-9641-93CA-1ADEBD76254D}"/>
+          <p:cNvPr id="5" name="Content Placeholder 4">
+            <a:extLst>
+              <a:ext uri="{FF2B5EF4-FFF2-40B4-BE49-F238E27FC236}">
+                <a16:creationId xmlns:a16="http://schemas.microsoft.com/office/drawing/2014/main" id="{715C661A-DFAD-1243-80D9-272B5ADD81FD}"/>
               </a:ext>
             </a:extLst>
           </p:cNvPr>
@@ -7186,7 +7811,7 @@
           <a:p>
             <a:r>
               <a:rPr lang="en-US" b="1" dirty="0"/>
-              <a:t>Data vs. Theory:</a:t>
+              <a:t>Modeling Philosophy:</a:t>
             </a:r>
             <a:endParaRPr lang="en-US" dirty="0"/>
           </a:p>
@@ -7197,19 +7822,19 @@
             </a:r>
             <a:r>
               <a:rPr lang="en-US" dirty="0"/>
-              <a:t> These models rely heavily on theoretical principles and </a:t>
-            </a:r>
-            <a:r>
-              <a:rPr lang="en-US" b="1" dirty="0">
+              <a:t> These models are based on a set of differential equations that describe how the variables of a system </a:t>
+            </a:r>
+            <a:r>
+              <a:rPr lang="en-US" b="1" i="1" dirty="0">
                 <a:solidFill>
                   <a:srgbClr val="FF0000"/>
                 </a:solidFill>
               </a:rPr>
-              <a:t>domain knowledge</a:t>
+              <a:t>change over time</a:t>
             </a:r>
             <a:r>
               <a:rPr lang="en-US" dirty="0"/>
-              <a:t>. They are designed based on an understanding of the underlying physics or dynamics of the system.</a:t>
+              <a:t>. Dynamical models are often derived from first principles or domain-specific knowledge about the underlying processes governing the system.</a:t>
             </a:r>
           </a:p>
           <a:p>
@@ -7219,7 +7844,7 @@
             </a:r>
             <a:r>
               <a:rPr lang="en-US" dirty="0"/>
-              <a:t> These models are data-driven and learn patterns directly from the data. They do not necessarily require a deep understanding of the underlying processes, making them more flexible in certain situations.</a:t>
+              <a:t> Machine learning models, on the other hand, learn patterns and relationships from data. They do not necessarily require explicit knowledge of the underlying processes and can capture complex patterns in the data.</a:t>
             </a:r>
           </a:p>
           <a:p>
@@ -7230,7 +7855,7 @@
     </p:spTree>
     <p:extLst>
       <p:ext uri="{BB962C8B-B14F-4D97-AF65-F5344CB8AC3E}">
-        <p14:creationId xmlns:p14="http://schemas.microsoft.com/office/powerpoint/2010/main" val="4106054258"/>
+        <p14:creationId xmlns:p14="http://schemas.microsoft.com/office/powerpoint/2010/main" val="706840001"/>
       </p:ext>
     </p:extLst>
   </p:cSld>
@@ -7262,7 +7887,7 @@
           <p:cNvPr id="2" name="Title 1">
             <a:extLst>
               <a:ext uri="{FF2B5EF4-FFF2-40B4-BE49-F238E27FC236}">
-                <a16:creationId xmlns:a16="http://schemas.microsoft.com/office/drawing/2014/main" id="{15CE45AC-934B-CD47-A4C0-1DC0394ED715}"/>
+                <a16:creationId xmlns:a16="http://schemas.microsoft.com/office/drawing/2014/main" id="{6956A729-C264-354A-ABD9-975ACDC13C61}"/>
               </a:ext>
             </a:extLst>
           </p:cNvPr>
@@ -7290,7 +7915,7 @@
           <p:cNvPr id="3" name="Content Placeholder 2">
             <a:extLst>
               <a:ext uri="{FF2B5EF4-FFF2-40B4-BE49-F238E27FC236}">
-                <a16:creationId xmlns:a16="http://schemas.microsoft.com/office/drawing/2014/main" id="{C81A72D1-8A20-124C-B63C-701FEF41115E}"/>
+                <a16:creationId xmlns:a16="http://schemas.microsoft.com/office/drawing/2014/main" id="{4798D76D-86DB-9641-93CA-1ADEBD76254D}"/>
               </a:ext>
             </a:extLst>
           </p:cNvPr>
@@ -7308,7 +7933,7 @@
           <a:p>
             <a:r>
               <a:rPr lang="en-US" b="1" dirty="0"/>
-              <a:t>Interpretability:</a:t>
+              <a:t>Data vs. Theory:</a:t>
             </a:r>
             <a:endParaRPr lang="en-US" dirty="0"/>
           </a:p>
@@ -7319,17 +7944,7 @@
             </a:r>
             <a:r>
               <a:rPr lang="en-US" dirty="0"/>
-              <a:t> Dynamical models are often more interpretable because they are built on known principles. The parameters of the model usually have clear physical interpretations.</a:t>
-            </a:r>
-          </a:p>
-          <a:p>
-            <a:r>
-              <a:rPr lang="en-US" b="1" dirty="0"/>
-              <a:t>Machine Learning Models:</a:t>
-            </a:r>
-            <a:r>
-              <a:rPr lang="en-US" dirty="0"/>
-              <a:t> Many machine learning models, especially complex ones like deep neural networks, can be seen as </a:t>
+              <a:t> These models rely heavily on theoretical principles and </a:t>
             </a:r>
             <a:r>
               <a:rPr lang="en-US" b="1" dirty="0">
@@ -7337,11 +7952,21 @@
                   <a:srgbClr val="FF0000"/>
                 </a:solidFill>
               </a:rPr>
-              <a:t>"black boxes" </a:t>
+              <a:t>domain knowledge</a:t>
             </a:r>
             <a:r>
               <a:rPr lang="en-US" dirty="0"/>
-              <a:t>because it might be challenging to interpret how they arrive at a particular decision. Interpretability can be a challenge in certain applications.</a:t>
+              <a:t>. They are designed based on an understanding of the underlying physics or dynamics of the system.</a:t>
+            </a:r>
+          </a:p>
+          <a:p>
+            <a:r>
+              <a:rPr lang="en-US" b="1" dirty="0"/>
+              <a:t>Machine Learning Models:</a:t>
+            </a:r>
+            <a:r>
+              <a:rPr lang="en-US" dirty="0"/>
+              <a:t> These models are data-driven and learn patterns directly from the data. They do not necessarily require a deep understanding of the underlying processes, making them more flexible in certain situations.</a:t>
             </a:r>
           </a:p>
           <a:p>
@@ -7352,7 +7977,7 @@
     </p:spTree>
     <p:extLst>
       <p:ext uri="{BB962C8B-B14F-4D97-AF65-F5344CB8AC3E}">
-        <p14:creationId xmlns:p14="http://schemas.microsoft.com/office/powerpoint/2010/main" val="745405617"/>
+        <p14:creationId xmlns:p14="http://schemas.microsoft.com/office/powerpoint/2010/main" val="4106054258"/>
       </p:ext>
     </p:extLst>
   </p:cSld>
@@ -7384,7 +8009,7 @@
           <p:cNvPr id="2" name="Title 1">
             <a:extLst>
               <a:ext uri="{FF2B5EF4-FFF2-40B4-BE49-F238E27FC236}">
-                <a16:creationId xmlns:a16="http://schemas.microsoft.com/office/drawing/2014/main" id="{9C58A8D3-F0C1-0B49-88A1-BE535DD798E1}"/>
+                <a16:creationId xmlns:a16="http://schemas.microsoft.com/office/drawing/2014/main" id="{15CE45AC-934B-CD47-A4C0-1DC0394ED715}"/>
               </a:ext>
             </a:extLst>
           </p:cNvPr>
@@ -7402,536 +8027,79 @@
           <a:p>
             <a:r>
               <a:rPr lang="en-US" dirty="0"/>
-              <a:t>Architecture</a:t>
-            </a:r>
-          </a:p>
-        </p:txBody>
-      </p:sp>
-      <p:sp>
-        <p:nvSpPr>
-          <p:cNvPr id="4" name="Manual Input 3">
-            <a:extLst>
-              <a:ext uri="{FF2B5EF4-FFF2-40B4-BE49-F238E27FC236}">
-                <a16:creationId xmlns:a16="http://schemas.microsoft.com/office/drawing/2014/main" id="{55668E0A-98F9-364A-B2FF-5696616DA8DB}"/>
-              </a:ext>
-            </a:extLst>
-          </p:cNvPr>
-          <p:cNvSpPr/>
-          <p:nvPr/>
-        </p:nvSpPr>
-        <p:spPr>
-          <a:xfrm>
-            <a:off x="849060" y="3569276"/>
-            <a:ext cx="1312718" cy="1257300"/>
-          </a:xfrm>
-          <a:prstGeom prst="flowChartManualInput">
-            <a:avLst/>
-          </a:prstGeom>
-        </p:spPr>
-        <p:style>
-          <a:lnRef idx="2">
-            <a:schemeClr val="accent1">
-              <a:shade val="50000"/>
-            </a:schemeClr>
-          </a:lnRef>
-          <a:fillRef idx="1">
-            <a:schemeClr val="accent1"/>
-          </a:fillRef>
-          <a:effectRef idx="0">
-            <a:schemeClr val="accent1"/>
-          </a:effectRef>
-          <a:fontRef idx="minor">
-            <a:schemeClr val="lt1"/>
-          </a:fontRef>
-        </p:style>
-        <p:txBody>
-          <a:bodyPr rtlCol="0" anchor="ctr"/>
-          <a:lstStyle/>
-          <a:p>
-            <a:pPr algn="ctr"/>
+              <a:t>Dynamical Models versus Machine Learning</a:t>
+            </a:r>
+          </a:p>
+        </p:txBody>
+      </p:sp>
+      <p:sp>
+        <p:nvSpPr>
+          <p:cNvPr id="3" name="Content Placeholder 2">
+            <a:extLst>
+              <a:ext uri="{FF2B5EF4-FFF2-40B4-BE49-F238E27FC236}">
+                <a16:creationId xmlns:a16="http://schemas.microsoft.com/office/drawing/2014/main" id="{C81A72D1-8A20-124C-B63C-701FEF41115E}"/>
+              </a:ext>
+            </a:extLst>
+          </p:cNvPr>
+          <p:cNvSpPr>
+            <a:spLocks noGrp="1"/>
+          </p:cNvSpPr>
+          <p:nvPr>
+            <p:ph idx="1"/>
+          </p:nvPr>
+        </p:nvSpPr>
+        <p:spPr/>
+        <p:txBody>
+          <a:bodyPr/>
+          <a:lstStyle/>
+          <a:p>
+            <a:r>
+              <a:rPr lang="en-US" b="1" dirty="0"/>
+              <a:t>Interpretability:</a:t>
+            </a:r>
+            <a:endParaRPr lang="en-US" dirty="0"/>
+          </a:p>
+          <a:p>
+            <a:r>
+              <a:rPr lang="en-US" b="1" dirty="0"/>
+              <a:t>Dynamical Models:</a:t>
+            </a:r>
             <a:r>
               <a:rPr lang="en-US" dirty="0"/>
-              <a:t>Request</a:t>
-            </a:r>
-          </a:p>
-        </p:txBody>
-      </p:sp>
-      <p:sp>
-        <p:nvSpPr>
-          <p:cNvPr id="5" name="Multidocument 4">
-            <a:extLst>
-              <a:ext uri="{FF2B5EF4-FFF2-40B4-BE49-F238E27FC236}">
-                <a16:creationId xmlns:a16="http://schemas.microsoft.com/office/drawing/2014/main" id="{95F7055D-2340-414A-B93F-40545583D8E4}"/>
-              </a:ext>
-            </a:extLst>
-          </p:cNvPr>
-          <p:cNvSpPr/>
-          <p:nvPr/>
-        </p:nvSpPr>
-        <p:spPr>
-          <a:xfrm>
-            <a:off x="8967355" y="958850"/>
-            <a:ext cx="1724890" cy="1423554"/>
-          </a:xfrm>
-          <a:prstGeom prst="flowChartMultidocument">
-            <a:avLst/>
-          </a:prstGeom>
-        </p:spPr>
-        <p:style>
-          <a:lnRef idx="2">
-            <a:schemeClr val="accent1">
-              <a:shade val="50000"/>
-            </a:schemeClr>
-          </a:lnRef>
-          <a:fillRef idx="1">
-            <a:schemeClr val="accent1"/>
-          </a:fillRef>
-          <a:effectRef idx="0">
-            <a:schemeClr val="accent1"/>
-          </a:effectRef>
-          <a:fontRef idx="minor">
-            <a:schemeClr val="lt1"/>
-          </a:fontRef>
-        </p:style>
-        <p:txBody>
-          <a:bodyPr rtlCol="0" anchor="ctr"/>
-          <a:lstStyle/>
-          <a:p>
-            <a:pPr algn="ctr"/>
+              <a:t> Dynamical models are often more interpretable because they are built on known principles. The parameters of the model usually have clear physical interpretations.</a:t>
+            </a:r>
+          </a:p>
+          <a:p>
+            <a:r>
+              <a:rPr lang="en-US" b="1" dirty="0"/>
+              <a:t>Machine Learning Models:</a:t>
+            </a:r>
             <a:r>
               <a:rPr lang="en-US" dirty="0"/>
-              <a:t>Data</a:t>
-            </a:r>
-          </a:p>
-        </p:txBody>
-      </p:sp>
-      <p:sp>
-        <p:nvSpPr>
-          <p:cNvPr id="6" name="Diamond 5">
-            <a:extLst>
-              <a:ext uri="{FF2B5EF4-FFF2-40B4-BE49-F238E27FC236}">
-                <a16:creationId xmlns:a16="http://schemas.microsoft.com/office/drawing/2014/main" id="{0C069E98-D572-824B-93B9-3BCB23886264}"/>
-              </a:ext>
-            </a:extLst>
-          </p:cNvPr>
-          <p:cNvSpPr/>
-          <p:nvPr/>
-        </p:nvSpPr>
-        <p:spPr>
-          <a:xfrm>
-            <a:off x="9024503" y="3169226"/>
-            <a:ext cx="1662546" cy="1402773"/>
-          </a:xfrm>
-          <a:prstGeom prst="diamond">
-            <a:avLst/>
-          </a:prstGeom>
-        </p:spPr>
-        <p:style>
-          <a:lnRef idx="2">
-            <a:schemeClr val="accent1">
-              <a:shade val="50000"/>
-            </a:schemeClr>
-          </a:lnRef>
-          <a:fillRef idx="1">
-            <a:schemeClr val="accent1"/>
-          </a:fillRef>
-          <a:effectRef idx="0">
-            <a:schemeClr val="accent1"/>
-          </a:effectRef>
-          <a:fontRef idx="minor">
-            <a:schemeClr val="lt1"/>
-          </a:fontRef>
-        </p:style>
-        <p:txBody>
-          <a:bodyPr rtlCol="0" anchor="ctr"/>
-          <a:lstStyle/>
-          <a:p>
-            <a:pPr algn="ctr"/>
+              <a:t> Many machine learning models, especially complex ones like deep neural networks, can be seen as </a:t>
+            </a:r>
+            <a:r>
+              <a:rPr lang="en-US" b="1" dirty="0">
+                <a:solidFill>
+                  <a:srgbClr val="FF0000"/>
+                </a:solidFill>
+              </a:rPr>
+              <a:t>"black boxes" </a:t>
+            </a:r>
             <a:r>
               <a:rPr lang="en-US" dirty="0"/>
-              <a:t>Train</a:t>
-            </a:r>
-          </a:p>
-        </p:txBody>
-      </p:sp>
-      <p:sp>
-        <p:nvSpPr>
-          <p:cNvPr id="7" name="Preparation 6">
-            <a:extLst>
-              <a:ext uri="{FF2B5EF4-FFF2-40B4-BE49-F238E27FC236}">
-                <a16:creationId xmlns:a16="http://schemas.microsoft.com/office/drawing/2014/main" id="{ED4E309A-BB09-1144-BDA5-476C777EC724}"/>
-              </a:ext>
-            </a:extLst>
-          </p:cNvPr>
-          <p:cNvSpPr/>
-          <p:nvPr/>
-        </p:nvSpPr>
-        <p:spPr>
-          <a:xfrm>
-            <a:off x="6128038" y="3340677"/>
-            <a:ext cx="1610590" cy="1257300"/>
-          </a:xfrm>
-          <a:prstGeom prst="flowChartPreparation">
-            <a:avLst/>
-          </a:prstGeom>
-        </p:spPr>
-        <p:style>
-          <a:lnRef idx="2">
-            <a:schemeClr val="accent1">
-              <a:shade val="50000"/>
-            </a:schemeClr>
-          </a:lnRef>
-          <a:fillRef idx="1">
-            <a:schemeClr val="accent1"/>
-          </a:fillRef>
-          <a:effectRef idx="0">
-            <a:schemeClr val="accent1"/>
-          </a:effectRef>
-          <a:fontRef idx="minor">
-            <a:schemeClr val="lt1"/>
-          </a:fontRef>
-        </p:style>
-        <p:txBody>
-          <a:bodyPr rtlCol="0" anchor="ctr"/>
-          <a:lstStyle/>
-          <a:p>
-            <a:pPr algn="ctr"/>
-            <a:r>
-              <a:rPr lang="en-US" dirty="0"/>
-              <a:t>Model</a:t>
-            </a:r>
-          </a:p>
-        </p:txBody>
-      </p:sp>
-      <p:sp>
-        <p:nvSpPr>
-          <p:cNvPr id="8" name="Data 7">
-            <a:extLst>
-              <a:ext uri="{FF2B5EF4-FFF2-40B4-BE49-F238E27FC236}">
-                <a16:creationId xmlns:a16="http://schemas.microsoft.com/office/drawing/2014/main" id="{B4C1B0B1-0910-AD4D-BF83-883E4595314A}"/>
-              </a:ext>
-            </a:extLst>
-          </p:cNvPr>
-          <p:cNvSpPr/>
-          <p:nvPr/>
-        </p:nvSpPr>
-        <p:spPr>
-          <a:xfrm>
-            <a:off x="3366472" y="3496540"/>
-            <a:ext cx="1620982" cy="1246909"/>
-          </a:xfrm>
-          <a:prstGeom prst="flowChartInputOutput">
-            <a:avLst/>
-          </a:prstGeom>
-        </p:spPr>
-        <p:style>
-          <a:lnRef idx="2">
-            <a:schemeClr val="accent1">
-              <a:shade val="50000"/>
-            </a:schemeClr>
-          </a:lnRef>
-          <a:fillRef idx="1">
-            <a:schemeClr val="accent1"/>
-          </a:fillRef>
-          <a:effectRef idx="0">
-            <a:schemeClr val="accent1"/>
-          </a:effectRef>
-          <a:fontRef idx="minor">
-            <a:schemeClr val="lt1"/>
-          </a:fontRef>
-        </p:style>
-        <p:txBody>
-          <a:bodyPr rtlCol="0" anchor="ctr"/>
-          <a:lstStyle/>
-          <a:p>
-            <a:pPr algn="ctr"/>
-            <a:r>
-              <a:rPr lang="en-US" dirty="0"/>
-              <a:t>Cache</a:t>
-            </a:r>
-          </a:p>
-        </p:txBody>
-      </p:sp>
-      <p:sp>
-        <p:nvSpPr>
-          <p:cNvPr id="9" name="Down Arrow 8">
-            <a:extLst>
-              <a:ext uri="{FF2B5EF4-FFF2-40B4-BE49-F238E27FC236}">
-                <a16:creationId xmlns:a16="http://schemas.microsoft.com/office/drawing/2014/main" id="{7A17655C-984B-C946-8162-23528A87E633}"/>
-              </a:ext>
-            </a:extLst>
-          </p:cNvPr>
-          <p:cNvSpPr/>
-          <p:nvPr/>
-        </p:nvSpPr>
-        <p:spPr>
-          <a:xfrm>
-            <a:off x="9679132" y="2382404"/>
-            <a:ext cx="301336" cy="662782"/>
-          </a:xfrm>
-          <a:prstGeom prst="downArrow">
-            <a:avLst/>
-          </a:prstGeom>
-        </p:spPr>
-        <p:style>
-          <a:lnRef idx="2">
-            <a:schemeClr val="accent1">
-              <a:shade val="50000"/>
-            </a:schemeClr>
-          </a:lnRef>
-          <a:fillRef idx="1">
-            <a:schemeClr val="accent1"/>
-          </a:fillRef>
-          <a:effectRef idx="0">
-            <a:schemeClr val="accent1"/>
-          </a:effectRef>
-          <a:fontRef idx="minor">
-            <a:schemeClr val="lt1"/>
-          </a:fontRef>
-        </p:style>
-        <p:txBody>
-          <a:bodyPr rtlCol="0" anchor="ctr"/>
-          <a:lstStyle/>
-          <a:p>
-            <a:pPr algn="ctr"/>
-            <a:endParaRPr lang="en-US"/>
-          </a:p>
-        </p:txBody>
-      </p:sp>
-      <p:sp>
-        <p:nvSpPr>
-          <p:cNvPr id="10" name="Down Arrow 9">
-            <a:extLst>
-              <a:ext uri="{FF2B5EF4-FFF2-40B4-BE49-F238E27FC236}">
-                <a16:creationId xmlns:a16="http://schemas.microsoft.com/office/drawing/2014/main" id="{35DDE121-5FFF-2B43-9785-559C1D42911C}"/>
-              </a:ext>
-            </a:extLst>
-          </p:cNvPr>
-          <p:cNvSpPr/>
-          <p:nvPr/>
-        </p:nvSpPr>
-        <p:spPr>
-          <a:xfrm rot="5400000">
-            <a:off x="8230897" y="3596372"/>
-            <a:ext cx="301336" cy="662782"/>
-          </a:xfrm>
-          <a:prstGeom prst="downArrow">
-            <a:avLst/>
-          </a:prstGeom>
-        </p:spPr>
-        <p:style>
-          <a:lnRef idx="2">
-            <a:schemeClr val="accent1">
-              <a:shade val="50000"/>
-            </a:schemeClr>
-          </a:lnRef>
-          <a:fillRef idx="1">
-            <a:schemeClr val="accent1"/>
-          </a:fillRef>
-          <a:effectRef idx="0">
-            <a:schemeClr val="accent1"/>
-          </a:effectRef>
-          <a:fontRef idx="minor">
-            <a:schemeClr val="lt1"/>
-          </a:fontRef>
-        </p:style>
-        <p:txBody>
-          <a:bodyPr rtlCol="0" anchor="ctr"/>
-          <a:lstStyle/>
-          <a:p>
-            <a:pPr algn="ctr"/>
-            <a:endParaRPr lang="en-US"/>
-          </a:p>
-        </p:txBody>
-      </p:sp>
-      <p:sp>
-        <p:nvSpPr>
-          <p:cNvPr id="11" name="Down Arrow 10">
-            <a:extLst>
-              <a:ext uri="{FF2B5EF4-FFF2-40B4-BE49-F238E27FC236}">
-                <a16:creationId xmlns:a16="http://schemas.microsoft.com/office/drawing/2014/main" id="{6C0666AA-310E-FE48-88CE-1F693AC0D054}"/>
-              </a:ext>
-            </a:extLst>
-          </p:cNvPr>
-          <p:cNvSpPr/>
-          <p:nvPr/>
-        </p:nvSpPr>
-        <p:spPr>
-          <a:xfrm rot="16200000">
-            <a:off x="2574531" y="3637936"/>
-            <a:ext cx="301336" cy="662782"/>
-          </a:xfrm>
-          <a:prstGeom prst="downArrow">
-            <a:avLst/>
-          </a:prstGeom>
-        </p:spPr>
-        <p:style>
-          <a:lnRef idx="2">
-            <a:schemeClr val="accent1">
-              <a:shade val="50000"/>
-            </a:schemeClr>
-          </a:lnRef>
-          <a:fillRef idx="1">
-            <a:schemeClr val="accent1"/>
-          </a:fillRef>
-          <a:effectRef idx="0">
-            <a:schemeClr val="accent1"/>
-          </a:effectRef>
-          <a:fontRef idx="minor">
-            <a:schemeClr val="lt1"/>
-          </a:fontRef>
-        </p:style>
-        <p:txBody>
-          <a:bodyPr rtlCol="0" anchor="ctr"/>
-          <a:lstStyle/>
-          <a:p>
-            <a:pPr algn="ctr"/>
-            <a:endParaRPr lang="en-US"/>
-          </a:p>
-        </p:txBody>
-      </p:sp>
-      <p:sp>
-        <p:nvSpPr>
-          <p:cNvPr id="12" name="Down Arrow 11">
-            <a:extLst>
-              <a:ext uri="{FF2B5EF4-FFF2-40B4-BE49-F238E27FC236}">
-                <a16:creationId xmlns:a16="http://schemas.microsoft.com/office/drawing/2014/main" id="{E4F5A636-A388-2647-A759-2E4ECF902F9E}"/>
-              </a:ext>
-            </a:extLst>
-          </p:cNvPr>
-          <p:cNvSpPr/>
-          <p:nvPr/>
-        </p:nvSpPr>
-        <p:spPr>
-          <a:xfrm rot="16200000">
-            <a:off x="5306041" y="3637936"/>
-            <a:ext cx="301336" cy="662782"/>
-          </a:xfrm>
-          <a:prstGeom prst="downArrow">
-            <a:avLst/>
-          </a:prstGeom>
-        </p:spPr>
-        <p:style>
-          <a:lnRef idx="2">
-            <a:schemeClr val="accent1">
-              <a:shade val="50000"/>
-            </a:schemeClr>
-          </a:lnRef>
-          <a:fillRef idx="1">
-            <a:schemeClr val="accent1"/>
-          </a:fillRef>
-          <a:effectRef idx="0">
-            <a:schemeClr val="accent1"/>
-          </a:effectRef>
-          <a:fontRef idx="minor">
-            <a:schemeClr val="lt1"/>
-          </a:fontRef>
-        </p:style>
-        <p:txBody>
-          <a:bodyPr rtlCol="0" anchor="ctr"/>
-          <a:lstStyle/>
-          <a:p>
-            <a:pPr algn="ctr"/>
-            <a:endParaRPr lang="en-US"/>
-          </a:p>
-        </p:txBody>
-      </p:sp>
-      <p:sp>
-        <p:nvSpPr>
-          <p:cNvPr id="13" name="Down Arrow 12">
-            <a:extLst>
-              <a:ext uri="{FF2B5EF4-FFF2-40B4-BE49-F238E27FC236}">
-                <a16:creationId xmlns:a16="http://schemas.microsoft.com/office/drawing/2014/main" id="{18E1D6C4-676F-024B-90A6-17504C1CA953}"/>
-              </a:ext>
-            </a:extLst>
-          </p:cNvPr>
-          <p:cNvSpPr/>
-          <p:nvPr/>
-        </p:nvSpPr>
-        <p:spPr>
-          <a:xfrm rot="5400000">
-            <a:off x="5306041" y="4017203"/>
-            <a:ext cx="301336" cy="662782"/>
-          </a:xfrm>
-          <a:prstGeom prst="downArrow">
-            <a:avLst/>
-          </a:prstGeom>
-        </p:spPr>
-        <p:style>
-          <a:lnRef idx="2">
-            <a:schemeClr val="accent1">
-              <a:shade val="50000"/>
-            </a:schemeClr>
-          </a:lnRef>
-          <a:fillRef idx="1">
-            <a:schemeClr val="accent1"/>
-          </a:fillRef>
-          <a:effectRef idx="0">
-            <a:schemeClr val="accent1"/>
-          </a:effectRef>
-          <a:fontRef idx="minor">
-            <a:schemeClr val="lt1"/>
-          </a:fontRef>
-        </p:style>
-        <p:txBody>
-          <a:bodyPr rtlCol="0" anchor="ctr"/>
-          <a:lstStyle/>
-          <a:p>
-            <a:pPr algn="ctr"/>
-            <a:endParaRPr lang="en-US"/>
-          </a:p>
-        </p:txBody>
-      </p:sp>
-      <p:sp>
-        <p:nvSpPr>
-          <p:cNvPr id="14" name="Down Arrow 13">
-            <a:extLst>
-              <a:ext uri="{FF2B5EF4-FFF2-40B4-BE49-F238E27FC236}">
-                <a16:creationId xmlns:a16="http://schemas.microsoft.com/office/drawing/2014/main" id="{A10599E0-631F-5B4F-8F28-E7C618A4C714}"/>
-              </a:ext>
-            </a:extLst>
-          </p:cNvPr>
-          <p:cNvSpPr/>
-          <p:nvPr/>
-        </p:nvSpPr>
-        <p:spPr>
-          <a:xfrm rot="5400000">
-            <a:off x="2572867" y="4089940"/>
-            <a:ext cx="301336" cy="662782"/>
-          </a:xfrm>
-          <a:prstGeom prst="downArrow">
-            <a:avLst/>
-          </a:prstGeom>
-        </p:spPr>
-        <p:style>
-          <a:lnRef idx="2">
-            <a:schemeClr val="accent1">
-              <a:shade val="50000"/>
-            </a:schemeClr>
-          </a:lnRef>
-          <a:fillRef idx="1">
-            <a:schemeClr val="accent1"/>
-          </a:fillRef>
-          <a:effectRef idx="0">
-            <a:schemeClr val="accent1"/>
-          </a:effectRef>
-          <a:fontRef idx="minor">
-            <a:schemeClr val="lt1"/>
-          </a:fontRef>
-        </p:style>
-        <p:txBody>
-          <a:bodyPr rtlCol="0" anchor="ctr"/>
-          <a:lstStyle/>
-          <a:p>
-            <a:pPr algn="ctr"/>
-            <a:endParaRPr lang="en-US"/>
+              <a:t>because it might be challenging to interpret how they arrive at a particular decision. Interpretability can be a challenge in certain applications.</a:t>
+            </a:r>
+          </a:p>
+          <a:p>
+            <a:endParaRPr lang="en-US" dirty="0"/>
           </a:p>
         </p:txBody>
       </p:sp>
     </p:spTree>
     <p:extLst>
       <p:ext uri="{BB962C8B-B14F-4D97-AF65-F5344CB8AC3E}">
-        <p14:creationId xmlns:p14="http://schemas.microsoft.com/office/powerpoint/2010/main" val="2458683841"/>
+        <p14:creationId xmlns:p14="http://schemas.microsoft.com/office/powerpoint/2010/main" val="745405617"/>
       </p:ext>
     </p:extLst>
   </p:cSld>

--- a/SWES_MachineLearning.pptx
+++ b/SWES_MachineLearning.pptx
@@ -5,7 +5,7 @@
     <p:sldMasterId id="2147483648" r:id="rId1"/>
   </p:sldMasterIdLst>
   <p:notesMasterIdLst>
-    <p:notesMasterId r:id="rId12"/>
+    <p:notesMasterId r:id="rId13"/>
   </p:notesMasterIdLst>
   <p:sldIdLst>
     <p:sldId id="256" r:id="rId2"/>
@@ -18,6 +18,7 @@
     <p:sldId id="262" r:id="rId9"/>
     <p:sldId id="263" r:id="rId10"/>
     <p:sldId id="270" r:id="rId11"/>
+    <p:sldId id="271" r:id="rId12"/>
   </p:sldIdLst>
   <p:sldSz cx="12192000" cy="6858000"/>
   <p:notesSz cx="6858000" cy="9144000"/>
@@ -131,6 +132,7 @@
             <p14:sldId id="262"/>
             <p14:sldId id="263"/>
             <p14:sldId id="270"/>
+            <p14:sldId id="271"/>
           </p14:sldIdLst>
         </p14:section>
       </p14:sectionLst>
@@ -224,7 +226,7 @@
           <a:p>
             <a:fld id="{0D007305-87E9-A64C-B2BE-A58D78C9716E}" type="datetimeFigureOut">
               <a:rPr lang="en-US" smtClean="0"/>
-              <a:t>11/29/23</a:t>
+              <a:t>11/30/23</a:t>
             </a:fld>
             <a:endParaRPr lang="en-US"/>
           </a:p>
@@ -622,29 +624,6 @@
           <a:bodyPr/>
           <a:lstStyle/>
           <a:p>
-            <a:pPr marL="0" marR="0" lvl="0" indent="0" algn="l" defTabSz="914400" rtl="0" eaLnBrk="1" fontAlgn="auto" latinLnBrk="0" hangingPunct="1">
-              <a:lnSpc>
-                <a:spcPct val="100000"/>
-              </a:lnSpc>
-              <a:spcBef>
-                <a:spcPts val="0"/>
-              </a:spcBef>
-              <a:spcAft>
-                <a:spcPts val="0"/>
-              </a:spcAft>
-              <a:buClrTx/>
-              <a:buSzTx/>
-              <a:buFontTx/>
-              <a:buNone/>
-              <a:tabLst/>
-              <a:defRPr/>
-            </a:pPr>
-            <a:r>
-              <a:rPr lang="en-US" dirty="0"/>
-              <a:t>Is It Better To be Right?  Or be Useful?</a:t>
-            </a:r>
-          </a:p>
-          <a:p>
             <a:endParaRPr lang="en-US" dirty="0"/>
           </a:p>
         </p:txBody>
@@ -1006,7 +985,7 @@
           <a:p>
             <a:fld id="{3E6DC916-7C1B-2249-ABC7-C3F966B61A30}" type="datetimeFigureOut">
               <a:rPr lang="en-US" smtClean="0"/>
-              <a:t>11/29/23</a:t>
+              <a:t>11/30/23</a:t>
             </a:fld>
             <a:endParaRPr lang="en-US"/>
           </a:p>
@@ -1204,7 +1183,7 @@
           <a:p>
             <a:fld id="{3E6DC916-7C1B-2249-ABC7-C3F966B61A30}" type="datetimeFigureOut">
               <a:rPr lang="en-US" smtClean="0"/>
-              <a:t>11/29/23</a:t>
+              <a:t>11/30/23</a:t>
             </a:fld>
             <a:endParaRPr lang="en-US"/>
           </a:p>
@@ -1412,7 +1391,7 @@
           <a:p>
             <a:fld id="{3E6DC916-7C1B-2249-ABC7-C3F966B61A30}" type="datetimeFigureOut">
               <a:rPr lang="en-US" smtClean="0"/>
-              <a:t>11/29/23</a:t>
+              <a:t>11/30/23</a:t>
             </a:fld>
             <a:endParaRPr lang="en-US"/>
           </a:p>
@@ -1610,7 +1589,7 @@
           <a:p>
             <a:fld id="{3E6DC916-7C1B-2249-ABC7-C3F966B61A30}" type="datetimeFigureOut">
               <a:rPr lang="en-US" smtClean="0"/>
-              <a:t>11/29/23</a:t>
+              <a:t>11/30/23</a:t>
             </a:fld>
             <a:endParaRPr lang="en-US"/>
           </a:p>
@@ -1885,7 +1864,7 @@
           <a:p>
             <a:fld id="{3E6DC916-7C1B-2249-ABC7-C3F966B61A30}" type="datetimeFigureOut">
               <a:rPr lang="en-US" smtClean="0"/>
-              <a:t>11/29/23</a:t>
+              <a:t>11/30/23</a:t>
             </a:fld>
             <a:endParaRPr lang="en-US"/>
           </a:p>
@@ -2150,7 +2129,7 @@
           <a:p>
             <a:fld id="{3E6DC916-7C1B-2249-ABC7-C3F966B61A30}" type="datetimeFigureOut">
               <a:rPr lang="en-US" smtClean="0"/>
-              <a:t>11/29/23</a:t>
+              <a:t>11/30/23</a:t>
             </a:fld>
             <a:endParaRPr lang="en-US"/>
           </a:p>
@@ -2562,7 +2541,7 @@
           <a:p>
             <a:fld id="{3E6DC916-7C1B-2249-ABC7-C3F966B61A30}" type="datetimeFigureOut">
               <a:rPr lang="en-US" smtClean="0"/>
-              <a:t>11/29/23</a:t>
+              <a:t>11/30/23</a:t>
             </a:fld>
             <a:endParaRPr lang="en-US"/>
           </a:p>
@@ -2703,7 +2682,7 @@
           <a:p>
             <a:fld id="{3E6DC916-7C1B-2249-ABC7-C3F966B61A30}" type="datetimeFigureOut">
               <a:rPr lang="en-US" smtClean="0"/>
-              <a:t>11/29/23</a:t>
+              <a:t>11/30/23</a:t>
             </a:fld>
             <a:endParaRPr lang="en-US"/>
           </a:p>
@@ -2816,7 +2795,7 @@
           <a:p>
             <a:fld id="{3E6DC916-7C1B-2249-ABC7-C3F966B61A30}" type="datetimeFigureOut">
               <a:rPr lang="en-US" smtClean="0"/>
-              <a:t>11/29/23</a:t>
+              <a:t>11/30/23</a:t>
             </a:fld>
             <a:endParaRPr lang="en-US"/>
           </a:p>
@@ -3127,7 +3106,7 @@
           <a:p>
             <a:fld id="{3E6DC916-7C1B-2249-ABC7-C3F966B61A30}" type="datetimeFigureOut">
               <a:rPr lang="en-US" smtClean="0"/>
-              <a:t>11/29/23</a:t>
+              <a:t>11/30/23</a:t>
             </a:fld>
             <a:endParaRPr lang="en-US"/>
           </a:p>
@@ -3415,7 +3394,7 @@
           <a:p>
             <a:fld id="{3E6DC916-7C1B-2249-ABC7-C3F966B61A30}" type="datetimeFigureOut">
               <a:rPr lang="en-US" smtClean="0"/>
-              <a:t>11/29/23</a:t>
+              <a:t>11/30/23</a:t>
             </a:fld>
             <a:endParaRPr lang="en-US"/>
           </a:p>
@@ -3656,7 +3635,7 @@
           <a:p>
             <a:fld id="{3E6DC916-7C1B-2249-ABC7-C3F966B61A30}" type="datetimeFigureOut">
               <a:rPr lang="en-US" smtClean="0"/>
-              <a:t>11/29/23</a:t>
+              <a:t>11/30/23</a:t>
             </a:fld>
             <a:endParaRPr lang="en-US"/>
           </a:p>
@@ -4732,6 +4711,122 @@
 </p:sld>
 </file>
 
+<file path=ppt/slides/slide11.xml><?xml version="1.0" encoding="utf-8"?>
+<p:sld xmlns:a="http://schemas.openxmlformats.org/drawingml/2006/main" xmlns:r="http://schemas.openxmlformats.org/officeDocument/2006/relationships" xmlns:p="http://schemas.openxmlformats.org/presentationml/2006/main">
+  <p:cSld>
+    <p:spTree>
+      <p:nvGrpSpPr>
+        <p:cNvPr id="1" name=""/>
+        <p:cNvGrpSpPr/>
+        <p:nvPr/>
+      </p:nvGrpSpPr>
+      <p:grpSpPr>
+        <a:xfrm>
+          <a:off x="0" y="0"/>
+          <a:ext cx="0" cy="0"/>
+          <a:chOff x="0" y="0"/>
+          <a:chExt cx="0" cy="0"/>
+        </a:xfrm>
+      </p:grpSpPr>
+      <p:sp>
+        <p:nvSpPr>
+          <p:cNvPr id="2" name="Title 1">
+            <a:extLst>
+              <a:ext uri="{FF2B5EF4-FFF2-40B4-BE49-F238E27FC236}">
+                <a16:creationId xmlns:a16="http://schemas.microsoft.com/office/drawing/2014/main" id="{792A85EA-BC01-6647-A3F6-222F7FDFB0A1}"/>
+              </a:ext>
+            </a:extLst>
+          </p:cNvPr>
+          <p:cNvSpPr>
+            <a:spLocks noGrp="1"/>
+          </p:cNvSpPr>
+          <p:nvPr>
+            <p:ph type="title"/>
+          </p:nvPr>
+        </p:nvSpPr>
+        <p:spPr/>
+        <p:txBody>
+          <a:bodyPr/>
+          <a:lstStyle/>
+          <a:p>
+            <a:r>
+              <a:rPr lang="en-US" dirty="0"/>
+              <a:t>Reconsiderations</a:t>
+            </a:r>
+          </a:p>
+        </p:txBody>
+      </p:sp>
+      <p:sp>
+        <p:nvSpPr>
+          <p:cNvPr id="4" name="Rectangle 3">
+            <a:extLst>
+              <a:ext uri="{FF2B5EF4-FFF2-40B4-BE49-F238E27FC236}">
+                <a16:creationId xmlns:a16="http://schemas.microsoft.com/office/drawing/2014/main" id="{381E3B95-8CE8-714F-AA5D-C5D59ACB611B}"/>
+              </a:ext>
+            </a:extLst>
+          </p:cNvPr>
+          <p:cNvSpPr/>
+          <p:nvPr/>
+        </p:nvSpPr>
+        <p:spPr>
+          <a:xfrm>
+            <a:off x="426027" y="2389910"/>
+            <a:ext cx="9840191" cy="1569660"/>
+          </a:xfrm>
+          <a:prstGeom prst="rect">
+            <a:avLst/>
+          </a:prstGeom>
+        </p:spPr>
+        <p:txBody>
+          <a:bodyPr wrap="square">
+            <a:spAutoFit/>
+          </a:bodyPr>
+          <a:lstStyle/>
+          <a:p>
+            <a:pPr marL="914400" lvl="1" indent="-457200">
+              <a:buFont typeface="Arial" panose="020B0604020202020204" pitchFamily="34" charset="0"/>
+              <a:buChar char="•"/>
+            </a:pPr>
+            <a:r>
+              <a:rPr lang="en-US" sz="3200" dirty="0"/>
+              <a:t>What, in fact, is the machine “learning”</a:t>
+            </a:r>
+          </a:p>
+          <a:p>
+            <a:pPr marL="914400" lvl="1" indent="-457200">
+              <a:buFont typeface="Arial" panose="020B0604020202020204" pitchFamily="34" charset="0"/>
+              <a:buChar char="•"/>
+            </a:pPr>
+            <a:r>
+              <a:rPr lang="en-US" sz="3200" dirty="0"/>
+              <a:t>Does the Turing Test matter?</a:t>
+            </a:r>
+          </a:p>
+          <a:p>
+            <a:pPr marL="914400" lvl="1" indent="-457200">
+              <a:buFont typeface="Arial" panose="020B0604020202020204" pitchFamily="34" charset="0"/>
+              <a:buChar char="•"/>
+            </a:pPr>
+            <a:r>
+              <a:rPr lang="en-US" sz="3200" dirty="0"/>
+              <a:t>AL v NI</a:t>
+            </a:r>
+          </a:p>
+        </p:txBody>
+      </p:sp>
+    </p:spTree>
+    <p:extLst>
+      <p:ext uri="{BB962C8B-B14F-4D97-AF65-F5344CB8AC3E}">
+        <p14:creationId xmlns:p14="http://schemas.microsoft.com/office/powerpoint/2010/main" val="1213297170"/>
+      </p:ext>
+    </p:extLst>
+  </p:cSld>
+  <p:clrMapOvr>
+    <a:masterClrMapping/>
+  </p:clrMapOvr>
+</p:sld>
+</file>
+
 <file path=ppt/slides/slide2.xml><?xml version="1.0" encoding="utf-8"?>
 <p:sld xmlns:a="http://schemas.openxmlformats.org/drawingml/2006/main" xmlns:r="http://schemas.openxmlformats.org/officeDocument/2006/relationships" xmlns:p="http://schemas.openxmlformats.org/presentationml/2006/main">
   <p:cSld>
@@ -4916,7 +5011,13 @@
           <a:p>
             <a:r>
               <a:rPr lang="en-US" dirty="0"/>
-              <a:t>Considerations</a:t>
+              <a:t>Quiz</a:t>
+            </a:r>
+          </a:p>
+          <a:p>
+            <a:r>
+              <a:rPr lang="en-US" dirty="0"/>
+              <a:t>ML Considerations</a:t>
             </a:r>
           </a:p>
           <a:p>
@@ -4953,13 +5054,6 @@
             </a:r>
           </a:p>
           <a:p>
-            <a:pPr lvl="1"/>
-            <a:r>
-              <a:rPr lang="en-US" dirty="0"/>
-              <a:t>Stochastic Models</a:t>
-            </a:r>
-          </a:p>
-          <a:p>
             <a:r>
               <a:rPr lang="en-US" dirty="0"/>
               <a:t>Deploying To Prod</a:t>
@@ -4968,7 +5062,7 @@
           <a:p>
             <a:r>
               <a:rPr lang="en-US" dirty="0"/>
-              <a:t>Graph Databases</a:t>
+              <a:t>Reconsiderations</a:t>
             </a:r>
           </a:p>
         </p:txBody>
@@ -5463,10 +5557,10 @@
       </p:sp>
       <p:sp>
         <p:nvSpPr>
-          <p:cNvPr id="2" name="Rectangle 1">
-            <a:extLst>
-              <a:ext uri="{FF2B5EF4-FFF2-40B4-BE49-F238E27FC236}">
-                <a16:creationId xmlns:a16="http://schemas.microsoft.com/office/drawing/2014/main" id="{C86EAFFA-17CC-F74D-A75A-8D91A7A73BFF}"/>
+          <p:cNvPr id="6" name="Rectangle 5">
+            <a:extLst>
+              <a:ext uri="{FF2B5EF4-FFF2-40B4-BE49-F238E27FC236}">
+                <a16:creationId xmlns:a16="http://schemas.microsoft.com/office/drawing/2014/main" id="{BD63912F-9877-EF4F-BBDB-59A1E4176293}"/>
               </a:ext>
             </a:extLst>
           </p:cNvPr>
@@ -5475,8 +5569,8 @@
         </p:nvSpPr>
         <p:spPr>
           <a:xfrm>
-            <a:off x="405245" y="4364182"/>
-            <a:ext cx="9840191" cy="1569660"/>
+            <a:off x="550718" y="4374573"/>
+            <a:ext cx="9611591" cy="1077218"/>
           </a:xfrm>
           <a:prstGeom prst="rect">
             <a:avLst/>
@@ -5494,7 +5588,7 @@
             </a:pPr>
             <a:r>
               <a:rPr lang="en-US" sz="3200" dirty="0"/>
-              <a:t>What, in fact, is the machine “learning”</a:t>
+              <a:t>How do you start doing ML?</a:t>
             </a:r>
           </a:p>
           <a:p>
@@ -5504,17 +5598,7 @@
             </a:pPr>
             <a:r>
               <a:rPr lang="en-US" sz="3200" dirty="0"/>
-              <a:t>Does the Turing Test matter?</a:t>
-            </a:r>
-          </a:p>
-          <a:p>
-            <a:pPr marL="914400" lvl="1" indent="-457200">
-              <a:buFont typeface="Arial" panose="020B0604020202020204" pitchFamily="34" charset="0"/>
-              <a:buChar char="•"/>
-            </a:pPr>
-            <a:r>
-              <a:rPr lang="en-US" sz="3200" dirty="0"/>
-              <a:t>AL v NI</a:t>
+              <a:t>How do you start doing BL?</a:t>
             </a:r>
           </a:p>
         </p:txBody>
